--- a/ppt.pptx
+++ b/ppt.pptx
@@ -4,10 +4,14 @@
   <p:sldMasterIdLst>
     <p:sldMasterId id="2147483648" r:id="rId1"/>
   </p:sldMasterIdLst>
+  <p:notesMasterIdLst>
+    <p:notesMasterId r:id="rId6"/>
+  </p:notesMasterIdLst>
   <p:sldIdLst>
     <p:sldId id="256" r:id="rId2"/>
     <p:sldId id="257" r:id="rId3"/>
     <p:sldId id="258" r:id="rId4"/>
+    <p:sldId id="259" r:id="rId5"/>
   </p:sldIdLst>
   <p:sldSz cx="12192000" cy="6858000"/>
   <p:notesSz cx="6858000" cy="9144000"/>
@@ -106,7 +110,457 @@
       </a:defRPr>
     </a:lvl9pPr>
   </p:defaultTextStyle>
+  <p:extLst>
+    <p:ext uri="{EFAFB233-063F-42B5-8137-9DF3F51BA10A}">
+      <p15:sldGuideLst xmlns:p15="http://schemas.microsoft.com/office/powerpoint/2012/main"/>
+    </p:ext>
+  </p:extLst>
 </p:presentation>
+</file>
+
+<file path=ppt/notesMasters/notesMaster1.xml><?xml version="1.0" encoding="utf-8"?>
+<p:notesMaster xmlns:a="http://schemas.openxmlformats.org/drawingml/2006/main" xmlns:r="http://schemas.openxmlformats.org/officeDocument/2006/relationships" xmlns:p="http://schemas.openxmlformats.org/presentationml/2006/main">
+  <p:cSld>
+    <p:bg>
+      <p:bgRef idx="1001">
+        <a:schemeClr val="bg1"/>
+      </p:bgRef>
+    </p:bg>
+    <p:spTree>
+      <p:nvGrpSpPr>
+        <p:cNvPr id="1" name=""/>
+        <p:cNvGrpSpPr/>
+        <p:nvPr/>
+      </p:nvGrpSpPr>
+      <p:grpSpPr>
+        <a:xfrm>
+          <a:off x="0" y="0"/>
+          <a:ext cx="0" cy="0"/>
+          <a:chOff x="0" y="0"/>
+          <a:chExt cx="0" cy="0"/>
+        </a:xfrm>
+      </p:grpSpPr>
+      <p:sp>
+        <p:nvSpPr>
+          <p:cNvPr id="2" name="页眉占位符 1"/>
+          <p:cNvSpPr>
+            <a:spLocks noGrp="1"/>
+          </p:cNvSpPr>
+          <p:nvPr>
+            <p:ph type="hdr" sz="quarter"/>
+          </p:nvPr>
+        </p:nvSpPr>
+        <p:spPr>
+          <a:xfrm>
+            <a:off x="0" y="0"/>
+            <a:ext cx="2971800" cy="458788"/>
+          </a:xfrm>
+          <a:prstGeom prst="rect">
+            <a:avLst/>
+          </a:prstGeom>
+        </p:spPr>
+        <p:txBody>
+          <a:bodyPr vert="horz" lIns="91440" tIns="45720" rIns="91440" bIns="45720" rtlCol="0"/>
+          <a:lstStyle>
+            <a:lvl1pPr algn="l">
+              <a:defRPr sz="1200"/>
+            </a:lvl1pPr>
+          </a:lstStyle>
+          <a:p>
+            <a:endParaRPr lang="zh-CN" altLang="en-US"/>
+          </a:p>
+        </p:txBody>
+      </p:sp>
+      <p:sp>
+        <p:nvSpPr>
+          <p:cNvPr id="3" name="日期占位符 2"/>
+          <p:cNvSpPr>
+            <a:spLocks noGrp="1"/>
+          </p:cNvSpPr>
+          <p:nvPr>
+            <p:ph type="dt" idx="1"/>
+          </p:nvPr>
+        </p:nvSpPr>
+        <p:spPr>
+          <a:xfrm>
+            <a:off x="3884613" y="0"/>
+            <a:ext cx="2971800" cy="458788"/>
+          </a:xfrm>
+          <a:prstGeom prst="rect">
+            <a:avLst/>
+          </a:prstGeom>
+        </p:spPr>
+        <p:txBody>
+          <a:bodyPr vert="horz" lIns="91440" tIns="45720" rIns="91440" bIns="45720" rtlCol="0"/>
+          <a:lstStyle>
+            <a:lvl1pPr algn="r">
+              <a:defRPr sz="1200"/>
+            </a:lvl1pPr>
+          </a:lstStyle>
+          <a:p>
+            <a:fld id="{C581955E-DD24-4710-B49C-179A7084E279}" type="datetimeFigureOut">
+              <a:rPr lang="zh-CN" altLang="en-US" smtClean="0"/>
+              <a:t>2019/7/3</a:t>
+            </a:fld>
+            <a:endParaRPr lang="zh-CN" altLang="en-US"/>
+          </a:p>
+        </p:txBody>
+      </p:sp>
+      <p:sp>
+        <p:nvSpPr>
+          <p:cNvPr id="4" name="幻灯片图像占位符 3"/>
+          <p:cNvSpPr>
+            <a:spLocks noGrp="1" noRot="1" noChangeAspect="1"/>
+          </p:cNvSpPr>
+          <p:nvPr>
+            <p:ph type="sldImg" idx="2"/>
+          </p:nvPr>
+        </p:nvSpPr>
+        <p:spPr>
+          <a:xfrm>
+            <a:off x="685800" y="1143000"/>
+            <a:ext cx="5486400" cy="3086100"/>
+          </a:xfrm>
+          <a:prstGeom prst="rect">
+            <a:avLst/>
+          </a:prstGeom>
+          <a:noFill/>
+          <a:ln w="12700">
+            <a:solidFill>
+              <a:prstClr val="black"/>
+            </a:solidFill>
+          </a:ln>
+        </p:spPr>
+        <p:txBody>
+          <a:bodyPr vert="horz" lIns="91440" tIns="45720" rIns="91440" bIns="45720" rtlCol="0" anchor="ctr"/>
+          <a:lstStyle/>
+          <a:p>
+            <a:endParaRPr lang="zh-CN" altLang="en-US"/>
+          </a:p>
+        </p:txBody>
+      </p:sp>
+      <p:sp>
+        <p:nvSpPr>
+          <p:cNvPr id="5" name="备注占位符 4"/>
+          <p:cNvSpPr>
+            <a:spLocks noGrp="1"/>
+          </p:cNvSpPr>
+          <p:nvPr>
+            <p:ph type="body" sz="quarter" idx="3"/>
+          </p:nvPr>
+        </p:nvSpPr>
+        <p:spPr>
+          <a:xfrm>
+            <a:off x="685800" y="4400550"/>
+            <a:ext cx="5486400" cy="3600450"/>
+          </a:xfrm>
+          <a:prstGeom prst="rect">
+            <a:avLst/>
+          </a:prstGeom>
+        </p:spPr>
+        <p:txBody>
+          <a:bodyPr vert="horz" lIns="91440" tIns="45720" rIns="91440" bIns="45720" rtlCol="0"/>
+          <a:lstStyle/>
+          <a:p>
+            <a:pPr lvl="0"/>
+            <a:r>
+              <a:rPr lang="zh-CN" altLang="en-US"/>
+              <a:t>单击此处编辑母版文本样式</a:t>
+            </a:r>
+          </a:p>
+          <a:p>
+            <a:pPr lvl="1"/>
+            <a:r>
+              <a:rPr lang="zh-CN" altLang="en-US"/>
+              <a:t>二级</a:t>
+            </a:r>
+          </a:p>
+          <a:p>
+            <a:pPr lvl="2"/>
+            <a:r>
+              <a:rPr lang="zh-CN" altLang="en-US"/>
+              <a:t>三级</a:t>
+            </a:r>
+          </a:p>
+          <a:p>
+            <a:pPr lvl="3"/>
+            <a:r>
+              <a:rPr lang="zh-CN" altLang="en-US"/>
+              <a:t>四级</a:t>
+            </a:r>
+          </a:p>
+          <a:p>
+            <a:pPr lvl="4"/>
+            <a:r>
+              <a:rPr lang="zh-CN" altLang="en-US"/>
+              <a:t>五级</a:t>
+            </a:r>
+          </a:p>
+        </p:txBody>
+      </p:sp>
+      <p:sp>
+        <p:nvSpPr>
+          <p:cNvPr id="6" name="页脚占位符 5"/>
+          <p:cNvSpPr>
+            <a:spLocks noGrp="1"/>
+          </p:cNvSpPr>
+          <p:nvPr>
+            <p:ph type="ftr" sz="quarter" idx="4"/>
+          </p:nvPr>
+        </p:nvSpPr>
+        <p:spPr>
+          <a:xfrm>
+            <a:off x="0" y="8685213"/>
+            <a:ext cx="2971800" cy="458787"/>
+          </a:xfrm>
+          <a:prstGeom prst="rect">
+            <a:avLst/>
+          </a:prstGeom>
+        </p:spPr>
+        <p:txBody>
+          <a:bodyPr vert="horz" lIns="91440" tIns="45720" rIns="91440" bIns="45720" rtlCol="0" anchor="b"/>
+          <a:lstStyle>
+            <a:lvl1pPr algn="l">
+              <a:defRPr sz="1200"/>
+            </a:lvl1pPr>
+          </a:lstStyle>
+          <a:p>
+            <a:endParaRPr lang="zh-CN" altLang="en-US"/>
+          </a:p>
+        </p:txBody>
+      </p:sp>
+      <p:sp>
+        <p:nvSpPr>
+          <p:cNvPr id="7" name="灯片编号占位符 6"/>
+          <p:cNvSpPr>
+            <a:spLocks noGrp="1"/>
+          </p:cNvSpPr>
+          <p:nvPr>
+            <p:ph type="sldNum" sz="quarter" idx="5"/>
+          </p:nvPr>
+        </p:nvSpPr>
+        <p:spPr>
+          <a:xfrm>
+            <a:off x="3884613" y="8685213"/>
+            <a:ext cx="2971800" cy="458787"/>
+          </a:xfrm>
+          <a:prstGeom prst="rect">
+            <a:avLst/>
+          </a:prstGeom>
+        </p:spPr>
+        <p:txBody>
+          <a:bodyPr vert="horz" lIns="91440" tIns="45720" rIns="91440" bIns="45720" rtlCol="0" anchor="b"/>
+          <a:lstStyle>
+            <a:lvl1pPr algn="r">
+              <a:defRPr sz="1200"/>
+            </a:lvl1pPr>
+          </a:lstStyle>
+          <a:p>
+            <a:fld id="{0AC2068B-54E8-4548-A45B-5F88448608AC}" type="slidenum">
+              <a:rPr lang="zh-CN" altLang="en-US" smtClean="0"/>
+              <a:t>‹#›</a:t>
+            </a:fld>
+            <a:endParaRPr lang="zh-CN" altLang="en-US"/>
+          </a:p>
+        </p:txBody>
+      </p:sp>
+    </p:spTree>
+    <p:extLst>
+      <p:ext uri="{BB962C8B-B14F-4D97-AF65-F5344CB8AC3E}">
+        <p14:creationId xmlns:p14="http://schemas.microsoft.com/office/powerpoint/2010/main" val="3892658104"/>
+      </p:ext>
+    </p:extLst>
+  </p:cSld>
+  <p:clrMap bg1="lt1" tx1="dk1" bg2="lt2" tx2="dk2" accent1="accent1" accent2="accent2" accent3="accent3" accent4="accent4" accent5="accent5" accent6="accent6" hlink="hlink" folHlink="folHlink"/>
+  <p:notesStyle>
+    <a:lvl1pPr marL="0" algn="l" defTabSz="914400" rtl="0" eaLnBrk="1" latinLnBrk="0" hangingPunct="1">
+      <a:defRPr sz="1200" kern="1200">
+        <a:solidFill>
+          <a:schemeClr val="tx1"/>
+        </a:solidFill>
+        <a:latin typeface="+mn-lt"/>
+        <a:ea typeface="+mn-ea"/>
+        <a:cs typeface="+mn-cs"/>
+      </a:defRPr>
+    </a:lvl1pPr>
+    <a:lvl2pPr marL="457200" algn="l" defTabSz="914400" rtl="0" eaLnBrk="1" latinLnBrk="0" hangingPunct="1">
+      <a:defRPr sz="1200" kern="1200">
+        <a:solidFill>
+          <a:schemeClr val="tx1"/>
+        </a:solidFill>
+        <a:latin typeface="+mn-lt"/>
+        <a:ea typeface="+mn-ea"/>
+        <a:cs typeface="+mn-cs"/>
+      </a:defRPr>
+    </a:lvl2pPr>
+    <a:lvl3pPr marL="914400" algn="l" defTabSz="914400" rtl="0" eaLnBrk="1" latinLnBrk="0" hangingPunct="1">
+      <a:defRPr sz="1200" kern="1200">
+        <a:solidFill>
+          <a:schemeClr val="tx1"/>
+        </a:solidFill>
+        <a:latin typeface="+mn-lt"/>
+        <a:ea typeface="+mn-ea"/>
+        <a:cs typeface="+mn-cs"/>
+      </a:defRPr>
+    </a:lvl3pPr>
+    <a:lvl4pPr marL="1371600" algn="l" defTabSz="914400" rtl="0" eaLnBrk="1" latinLnBrk="0" hangingPunct="1">
+      <a:defRPr sz="1200" kern="1200">
+        <a:solidFill>
+          <a:schemeClr val="tx1"/>
+        </a:solidFill>
+        <a:latin typeface="+mn-lt"/>
+        <a:ea typeface="+mn-ea"/>
+        <a:cs typeface="+mn-cs"/>
+      </a:defRPr>
+    </a:lvl4pPr>
+    <a:lvl5pPr marL="1828800" algn="l" defTabSz="914400" rtl="0" eaLnBrk="1" latinLnBrk="0" hangingPunct="1">
+      <a:defRPr sz="1200" kern="1200">
+        <a:solidFill>
+          <a:schemeClr val="tx1"/>
+        </a:solidFill>
+        <a:latin typeface="+mn-lt"/>
+        <a:ea typeface="+mn-ea"/>
+        <a:cs typeface="+mn-cs"/>
+      </a:defRPr>
+    </a:lvl5pPr>
+    <a:lvl6pPr marL="2286000" algn="l" defTabSz="914400" rtl="0" eaLnBrk="1" latinLnBrk="0" hangingPunct="1">
+      <a:defRPr sz="1200" kern="1200">
+        <a:solidFill>
+          <a:schemeClr val="tx1"/>
+        </a:solidFill>
+        <a:latin typeface="+mn-lt"/>
+        <a:ea typeface="+mn-ea"/>
+        <a:cs typeface="+mn-cs"/>
+      </a:defRPr>
+    </a:lvl6pPr>
+    <a:lvl7pPr marL="2743200" algn="l" defTabSz="914400" rtl="0" eaLnBrk="1" latinLnBrk="0" hangingPunct="1">
+      <a:defRPr sz="1200" kern="1200">
+        <a:solidFill>
+          <a:schemeClr val="tx1"/>
+        </a:solidFill>
+        <a:latin typeface="+mn-lt"/>
+        <a:ea typeface="+mn-ea"/>
+        <a:cs typeface="+mn-cs"/>
+      </a:defRPr>
+    </a:lvl7pPr>
+    <a:lvl8pPr marL="3200400" algn="l" defTabSz="914400" rtl="0" eaLnBrk="1" latinLnBrk="0" hangingPunct="1">
+      <a:defRPr sz="1200" kern="1200">
+        <a:solidFill>
+          <a:schemeClr val="tx1"/>
+        </a:solidFill>
+        <a:latin typeface="+mn-lt"/>
+        <a:ea typeface="+mn-ea"/>
+        <a:cs typeface="+mn-cs"/>
+      </a:defRPr>
+    </a:lvl8pPr>
+    <a:lvl9pPr marL="3657600" algn="l" defTabSz="914400" rtl="0" eaLnBrk="1" latinLnBrk="0" hangingPunct="1">
+      <a:defRPr sz="1200" kern="1200">
+        <a:solidFill>
+          <a:schemeClr val="tx1"/>
+        </a:solidFill>
+        <a:latin typeface="+mn-lt"/>
+        <a:ea typeface="+mn-ea"/>
+        <a:cs typeface="+mn-cs"/>
+      </a:defRPr>
+    </a:lvl9pPr>
+  </p:notesStyle>
+</p:notesMaster>
+</file>
+
+<file path=ppt/notesSlides/notesSlide1.xml><?xml version="1.0" encoding="utf-8"?>
+<p:notes xmlns:a="http://schemas.openxmlformats.org/drawingml/2006/main" xmlns:r="http://schemas.openxmlformats.org/officeDocument/2006/relationships" xmlns:p="http://schemas.openxmlformats.org/presentationml/2006/main">
+  <p:cSld>
+    <p:spTree>
+      <p:nvGrpSpPr>
+        <p:cNvPr id="1" name=""/>
+        <p:cNvGrpSpPr/>
+        <p:nvPr/>
+      </p:nvGrpSpPr>
+      <p:grpSpPr>
+        <a:xfrm>
+          <a:off x="0" y="0"/>
+          <a:ext cx="0" cy="0"/>
+          <a:chOff x="0" y="0"/>
+          <a:chExt cx="0" cy="0"/>
+        </a:xfrm>
+      </p:grpSpPr>
+      <p:sp>
+        <p:nvSpPr>
+          <p:cNvPr id="2" name="幻灯片图像占位符 1"/>
+          <p:cNvSpPr>
+            <a:spLocks noGrp="1" noRot="1" noChangeAspect="1"/>
+          </p:cNvSpPr>
+          <p:nvPr>
+            <p:ph type="sldImg"/>
+          </p:nvPr>
+        </p:nvSpPr>
+        <p:spPr/>
+      </p:sp>
+      <p:sp>
+        <p:nvSpPr>
+          <p:cNvPr id="3" name="备注占位符 2"/>
+          <p:cNvSpPr>
+            <a:spLocks noGrp="1"/>
+          </p:cNvSpPr>
+          <p:nvPr>
+            <p:ph type="body" idx="1"/>
+          </p:nvPr>
+        </p:nvSpPr>
+        <p:spPr/>
+        <p:txBody>
+          <a:bodyPr/>
+          <a:lstStyle/>
+          <a:p>
+            <a:r>
+              <a:rPr lang="zh-CN" altLang="en-US" sz="1200" b="0" i="0" kern="1200" dirty="0">
+                <a:solidFill>
+                  <a:schemeClr val="tx1"/>
+                </a:solidFill>
+                <a:effectLst/>
+                <a:latin typeface="+mn-lt"/>
+                <a:ea typeface="+mn-ea"/>
+                <a:cs typeface="+mn-cs"/>
+              </a:rPr>
+              <a:t>第一天，造光。第二天，造空气。第三天，陆水分离。第四天，三光普照。第五天，造鱼和鸟。第六天，造牲畜和昆虫，野兽和人。第七天，神安息。</a:t>
+            </a:r>
+            <a:endParaRPr lang="zh-CN" altLang="en-US" dirty="0"/>
+          </a:p>
+        </p:txBody>
+      </p:sp>
+      <p:sp>
+        <p:nvSpPr>
+          <p:cNvPr id="4" name="灯片编号占位符 3"/>
+          <p:cNvSpPr>
+            <a:spLocks noGrp="1"/>
+          </p:cNvSpPr>
+          <p:nvPr>
+            <p:ph type="sldNum" sz="quarter" idx="5"/>
+          </p:nvPr>
+        </p:nvSpPr>
+        <p:spPr/>
+        <p:txBody>
+          <a:bodyPr/>
+          <a:lstStyle/>
+          <a:p>
+            <a:fld id="{0AC2068B-54E8-4548-A45B-5F88448608AC}" type="slidenum">
+              <a:rPr lang="zh-CN" altLang="en-US" smtClean="0"/>
+              <a:t>4</a:t>
+            </a:fld>
+            <a:endParaRPr lang="zh-CN" altLang="en-US"/>
+          </a:p>
+        </p:txBody>
+      </p:sp>
+    </p:spTree>
+    <p:extLst>
+      <p:ext uri="{BB962C8B-B14F-4D97-AF65-F5344CB8AC3E}">
+        <p14:creationId xmlns:p14="http://schemas.microsoft.com/office/powerpoint/2010/main" val="1146368069"/>
+      </p:ext>
+    </p:extLst>
+  </p:cSld>
+  <p:clrMapOvr>
+    <a:masterClrMapping/>
+  </p:clrMapOvr>
+</p:notes>
 </file>
 
 <file path=ppt/slideLayouts/slideLayout1.xml><?xml version="1.0" encoding="utf-8"?>
@@ -256,7 +710,7 @@
           <a:p>
             <a:fld id="{E71FC8F0-C5AA-4101-828A-6FD3283E096B}" type="datetimeFigureOut">
               <a:rPr lang="zh-CN" altLang="en-US" smtClean="0"/>
-              <a:t>2019/7/2</a:t>
+              <a:t>2019/7/3</a:t>
             </a:fld>
             <a:endParaRPr lang="zh-CN" altLang="en-US"/>
           </a:p>
@@ -454,7 +908,7 @@
           <a:p>
             <a:fld id="{E71FC8F0-C5AA-4101-828A-6FD3283E096B}" type="datetimeFigureOut">
               <a:rPr lang="zh-CN" altLang="en-US" smtClean="0"/>
-              <a:t>2019/7/2</a:t>
+              <a:t>2019/7/3</a:t>
             </a:fld>
             <a:endParaRPr lang="zh-CN" altLang="en-US"/>
           </a:p>
@@ -662,7 +1116,7 @@
           <a:p>
             <a:fld id="{E71FC8F0-C5AA-4101-828A-6FD3283E096B}" type="datetimeFigureOut">
               <a:rPr lang="zh-CN" altLang="en-US" smtClean="0"/>
-              <a:t>2019/7/2</a:t>
+              <a:t>2019/7/3</a:t>
             </a:fld>
             <a:endParaRPr lang="zh-CN" altLang="en-US"/>
           </a:p>
@@ -860,7 +1314,7 @@
           <a:p>
             <a:fld id="{E71FC8F0-C5AA-4101-828A-6FD3283E096B}" type="datetimeFigureOut">
               <a:rPr lang="zh-CN" altLang="en-US" smtClean="0"/>
-              <a:t>2019/7/2</a:t>
+              <a:t>2019/7/3</a:t>
             </a:fld>
             <a:endParaRPr lang="zh-CN" altLang="en-US"/>
           </a:p>
@@ -1135,7 +1589,7 @@
           <a:p>
             <a:fld id="{E71FC8F0-C5AA-4101-828A-6FD3283E096B}" type="datetimeFigureOut">
               <a:rPr lang="zh-CN" altLang="en-US" smtClean="0"/>
-              <a:t>2019/7/2</a:t>
+              <a:t>2019/7/3</a:t>
             </a:fld>
             <a:endParaRPr lang="zh-CN" altLang="en-US"/>
           </a:p>
@@ -1400,7 +1854,7 @@
           <a:p>
             <a:fld id="{E71FC8F0-C5AA-4101-828A-6FD3283E096B}" type="datetimeFigureOut">
               <a:rPr lang="zh-CN" altLang="en-US" smtClean="0"/>
-              <a:t>2019/7/2</a:t>
+              <a:t>2019/7/3</a:t>
             </a:fld>
             <a:endParaRPr lang="zh-CN" altLang="en-US"/>
           </a:p>
@@ -1812,7 +2266,7 @@
           <a:p>
             <a:fld id="{E71FC8F0-C5AA-4101-828A-6FD3283E096B}" type="datetimeFigureOut">
               <a:rPr lang="zh-CN" altLang="en-US" smtClean="0"/>
-              <a:t>2019/7/2</a:t>
+              <a:t>2019/7/3</a:t>
             </a:fld>
             <a:endParaRPr lang="zh-CN" altLang="en-US"/>
           </a:p>
@@ -1953,7 +2407,7 @@
           <a:p>
             <a:fld id="{E71FC8F0-C5AA-4101-828A-6FD3283E096B}" type="datetimeFigureOut">
               <a:rPr lang="zh-CN" altLang="en-US" smtClean="0"/>
-              <a:t>2019/7/2</a:t>
+              <a:t>2019/7/3</a:t>
             </a:fld>
             <a:endParaRPr lang="zh-CN" altLang="en-US"/>
           </a:p>
@@ -2066,7 +2520,7 @@
           <a:p>
             <a:fld id="{E71FC8F0-C5AA-4101-828A-6FD3283E096B}" type="datetimeFigureOut">
               <a:rPr lang="zh-CN" altLang="en-US" smtClean="0"/>
-              <a:t>2019/7/2</a:t>
+              <a:t>2019/7/3</a:t>
             </a:fld>
             <a:endParaRPr lang="zh-CN" altLang="en-US"/>
           </a:p>
@@ -2377,7 +2831,7 @@
           <a:p>
             <a:fld id="{E71FC8F0-C5AA-4101-828A-6FD3283E096B}" type="datetimeFigureOut">
               <a:rPr lang="zh-CN" altLang="en-US" smtClean="0"/>
-              <a:t>2019/7/2</a:t>
+              <a:t>2019/7/3</a:t>
             </a:fld>
             <a:endParaRPr lang="zh-CN" altLang="en-US"/>
           </a:p>
@@ -2665,7 +3119,7 @@
           <a:p>
             <a:fld id="{E71FC8F0-C5AA-4101-828A-6FD3283E096B}" type="datetimeFigureOut">
               <a:rPr lang="zh-CN" altLang="en-US" smtClean="0"/>
-              <a:t>2019/7/2</a:t>
+              <a:t>2019/7/3</a:t>
             </a:fld>
             <a:endParaRPr lang="zh-CN" altLang="en-US"/>
           </a:p>
@@ -2906,7 +3360,7 @@
           <a:p>
             <a:fld id="{E71FC8F0-C5AA-4101-828A-6FD3283E096B}" type="datetimeFigureOut">
               <a:rPr lang="zh-CN" altLang="en-US" smtClean="0"/>
-              <a:t>2019/7/2</a:t>
+              <a:t>2019/7/3</a:t>
             </a:fld>
             <a:endParaRPr lang="zh-CN" altLang="en-US"/>
           </a:p>
@@ -5082,6 +5536,803 @@
 </p:sld>
 </file>
 
+<file path=ppt/slides/slide4.xml><?xml version="1.0" encoding="utf-8"?>
+<p:sld xmlns:a="http://schemas.openxmlformats.org/drawingml/2006/main" xmlns:r="http://schemas.openxmlformats.org/officeDocument/2006/relationships" xmlns:p="http://schemas.openxmlformats.org/presentationml/2006/main">
+  <p:cSld>
+    <p:spTree>
+      <p:nvGrpSpPr>
+        <p:cNvPr id="1" name=""/>
+        <p:cNvGrpSpPr/>
+        <p:nvPr/>
+      </p:nvGrpSpPr>
+      <p:grpSpPr>
+        <a:xfrm>
+          <a:off x="0" y="0"/>
+          <a:ext cx="0" cy="0"/>
+          <a:chOff x="0" y="0"/>
+          <a:chExt cx="0" cy="0"/>
+        </a:xfrm>
+      </p:grpSpPr>
+      <p:sp>
+        <p:nvSpPr>
+          <p:cNvPr id="4" name="椭圆 3">
+            <a:extLst>
+              <a:ext uri="{FF2B5EF4-FFF2-40B4-BE49-F238E27FC236}">
+                <a16:creationId xmlns:a16="http://schemas.microsoft.com/office/drawing/2014/main" id="{0FF5780C-B08C-4BDD-BC66-C837548CF593}"/>
+              </a:ext>
+            </a:extLst>
+          </p:cNvPr>
+          <p:cNvSpPr/>
+          <p:nvPr/>
+        </p:nvSpPr>
+        <p:spPr>
+          <a:xfrm>
+            <a:off x="4133803" y="1913639"/>
+            <a:ext cx="716437" cy="669305"/>
+          </a:xfrm>
+          <a:prstGeom prst="ellipse">
+            <a:avLst/>
+          </a:prstGeom>
+        </p:spPr>
+        <p:style>
+          <a:lnRef idx="2">
+            <a:schemeClr val="accent1">
+              <a:shade val="50000"/>
+            </a:schemeClr>
+          </a:lnRef>
+          <a:fillRef idx="1">
+            <a:schemeClr val="accent1"/>
+          </a:fillRef>
+          <a:effectRef idx="0">
+            <a:schemeClr val="accent1"/>
+          </a:effectRef>
+          <a:fontRef idx="minor">
+            <a:schemeClr val="lt1"/>
+          </a:fontRef>
+        </p:style>
+        <p:txBody>
+          <a:bodyPr rtlCol="0" anchor="ctr"/>
+          <a:lstStyle/>
+          <a:p>
+            <a:pPr algn="ctr"/>
+            <a:endParaRPr lang="zh-CN" altLang="en-US"/>
+          </a:p>
+        </p:txBody>
+      </p:sp>
+      <p:sp>
+        <p:nvSpPr>
+          <p:cNvPr id="5" name="椭圆 4">
+            <a:extLst>
+              <a:ext uri="{FF2B5EF4-FFF2-40B4-BE49-F238E27FC236}">
+                <a16:creationId xmlns:a16="http://schemas.microsoft.com/office/drawing/2014/main" id="{F40B0E11-4C35-434D-9613-A18FC4BBA916}"/>
+              </a:ext>
+            </a:extLst>
+          </p:cNvPr>
+          <p:cNvSpPr/>
+          <p:nvPr/>
+        </p:nvSpPr>
+        <p:spPr>
+          <a:xfrm>
+            <a:off x="6520356" y="1913639"/>
+            <a:ext cx="716437" cy="669305"/>
+          </a:xfrm>
+          <a:prstGeom prst="ellipse">
+            <a:avLst/>
+          </a:prstGeom>
+        </p:spPr>
+        <p:style>
+          <a:lnRef idx="2">
+            <a:schemeClr val="accent1">
+              <a:shade val="50000"/>
+            </a:schemeClr>
+          </a:lnRef>
+          <a:fillRef idx="1">
+            <a:schemeClr val="accent1"/>
+          </a:fillRef>
+          <a:effectRef idx="0">
+            <a:schemeClr val="accent1"/>
+          </a:effectRef>
+          <a:fontRef idx="minor">
+            <a:schemeClr val="lt1"/>
+          </a:fontRef>
+        </p:style>
+        <p:txBody>
+          <a:bodyPr rtlCol="0" anchor="ctr"/>
+          <a:lstStyle/>
+          <a:p>
+            <a:pPr algn="ctr"/>
+            <a:endParaRPr lang="zh-CN" altLang="en-US"/>
+          </a:p>
+        </p:txBody>
+      </p:sp>
+      <p:sp>
+        <p:nvSpPr>
+          <p:cNvPr id="6" name="椭圆 5">
+            <a:extLst>
+              <a:ext uri="{FF2B5EF4-FFF2-40B4-BE49-F238E27FC236}">
+                <a16:creationId xmlns:a16="http://schemas.microsoft.com/office/drawing/2014/main" id="{BA99C6E0-3AB5-48A0-820A-CF984BE1C0FB}"/>
+              </a:ext>
+            </a:extLst>
+          </p:cNvPr>
+          <p:cNvSpPr/>
+          <p:nvPr/>
+        </p:nvSpPr>
+        <p:spPr>
+          <a:xfrm>
+            <a:off x="9174001" y="1913639"/>
+            <a:ext cx="716437" cy="669305"/>
+          </a:xfrm>
+          <a:prstGeom prst="ellipse">
+            <a:avLst/>
+          </a:prstGeom>
+        </p:spPr>
+        <p:style>
+          <a:lnRef idx="2">
+            <a:schemeClr val="accent1">
+              <a:shade val="50000"/>
+            </a:schemeClr>
+          </a:lnRef>
+          <a:fillRef idx="1">
+            <a:schemeClr val="accent1"/>
+          </a:fillRef>
+          <a:effectRef idx="0">
+            <a:schemeClr val="accent1"/>
+          </a:effectRef>
+          <a:fontRef idx="minor">
+            <a:schemeClr val="lt1"/>
+          </a:fontRef>
+        </p:style>
+        <p:txBody>
+          <a:bodyPr rtlCol="0" anchor="ctr"/>
+          <a:lstStyle/>
+          <a:p>
+            <a:pPr algn="ctr"/>
+            <a:endParaRPr lang="zh-CN" altLang="en-US"/>
+          </a:p>
+        </p:txBody>
+      </p:sp>
+      <p:sp>
+        <p:nvSpPr>
+          <p:cNvPr id="8" name="文本框 7">
+            <a:extLst>
+              <a:ext uri="{FF2B5EF4-FFF2-40B4-BE49-F238E27FC236}">
+                <a16:creationId xmlns:a16="http://schemas.microsoft.com/office/drawing/2014/main" id="{0C56A729-7560-4D83-96C6-D72B86CF3D78}"/>
+              </a:ext>
+            </a:extLst>
+          </p:cNvPr>
+          <p:cNvSpPr txBox="1"/>
+          <p:nvPr/>
+        </p:nvSpPr>
+        <p:spPr>
+          <a:xfrm>
+            <a:off x="2463687" y="1775139"/>
+            <a:ext cx="1074333" cy="276999"/>
+          </a:xfrm>
+          <a:prstGeom prst="rect">
+            <a:avLst/>
+          </a:prstGeom>
+          <a:noFill/>
+        </p:spPr>
+        <p:txBody>
+          <a:bodyPr wrap="none" rtlCol="0">
+            <a:spAutoFit/>
+          </a:bodyPr>
+          <a:lstStyle/>
+          <a:p>
+            <a:r>
+              <a:rPr lang="zh-CN" altLang="en-US" sz="1200" dirty="0"/>
+              <a:t>第</a:t>
+            </a:r>
+            <a:r>
+              <a:rPr lang="en-US" altLang="zh-CN" sz="1200" dirty="0"/>
+              <a:t>1</a:t>
+            </a:r>
+            <a:r>
+              <a:rPr lang="zh-CN" altLang="en-US" sz="1200" dirty="0"/>
+              <a:t>次</a:t>
+            </a:r>
+            <a:r>
+              <a:rPr lang="en-US" altLang="zh-CN" sz="1200" dirty="0"/>
+              <a:t>commit</a:t>
+            </a:r>
+            <a:endParaRPr lang="zh-CN" altLang="en-US" sz="1200" dirty="0"/>
+          </a:p>
+        </p:txBody>
+      </p:sp>
+      <p:sp>
+        <p:nvSpPr>
+          <p:cNvPr id="11" name="椭圆 10">
+            <a:extLst>
+              <a:ext uri="{FF2B5EF4-FFF2-40B4-BE49-F238E27FC236}">
+                <a16:creationId xmlns:a16="http://schemas.microsoft.com/office/drawing/2014/main" id="{DEE66A55-42AA-49AB-BB07-63CF3C85A23D}"/>
+              </a:ext>
+            </a:extLst>
+          </p:cNvPr>
+          <p:cNvSpPr/>
+          <p:nvPr/>
+        </p:nvSpPr>
+        <p:spPr>
+          <a:xfrm>
+            <a:off x="1425805" y="1913640"/>
+            <a:ext cx="716437" cy="669305"/>
+          </a:xfrm>
+          <a:prstGeom prst="ellipse">
+            <a:avLst/>
+          </a:prstGeom>
+          <a:noFill/>
+          <a:ln>
+            <a:prstDash val="dashDot"/>
+          </a:ln>
+        </p:spPr>
+        <p:style>
+          <a:lnRef idx="2">
+            <a:schemeClr val="accent1">
+              <a:shade val="50000"/>
+            </a:schemeClr>
+          </a:lnRef>
+          <a:fillRef idx="1">
+            <a:schemeClr val="accent1"/>
+          </a:fillRef>
+          <a:effectRef idx="0">
+            <a:schemeClr val="accent1"/>
+          </a:effectRef>
+          <a:fontRef idx="minor">
+            <a:schemeClr val="lt1"/>
+          </a:fontRef>
+        </p:style>
+        <p:txBody>
+          <a:bodyPr rtlCol="0" anchor="ctr"/>
+          <a:lstStyle/>
+          <a:p>
+            <a:pPr algn="ctr"/>
+            <a:endParaRPr lang="zh-CN" altLang="en-US"/>
+          </a:p>
+        </p:txBody>
+      </p:sp>
+      <p:sp>
+        <p:nvSpPr>
+          <p:cNvPr id="12" name="文本框 11">
+            <a:extLst>
+              <a:ext uri="{FF2B5EF4-FFF2-40B4-BE49-F238E27FC236}">
+                <a16:creationId xmlns:a16="http://schemas.microsoft.com/office/drawing/2014/main" id="{42131046-1D3B-443C-BC01-37DCCAA6C372}"/>
+              </a:ext>
+            </a:extLst>
+          </p:cNvPr>
+          <p:cNvSpPr txBox="1"/>
+          <p:nvPr/>
+        </p:nvSpPr>
+        <p:spPr>
+          <a:xfrm>
+            <a:off x="1143974" y="3412503"/>
+            <a:ext cx="1569660" cy="1200329"/>
+          </a:xfrm>
+          <a:prstGeom prst="rect">
+            <a:avLst/>
+          </a:prstGeom>
+          <a:noFill/>
+        </p:spPr>
+        <p:txBody>
+          <a:bodyPr wrap="none" rtlCol="0">
+            <a:spAutoFit/>
+          </a:bodyPr>
+          <a:lstStyle/>
+          <a:p>
+            <a:r>
+              <a:rPr lang="zh-CN" altLang="en-US" dirty="0"/>
+              <a:t>新建</a:t>
+            </a:r>
+            <a:r>
+              <a:rPr lang="en-US" altLang="zh-CN" dirty="0"/>
+              <a:t>bible.txt</a:t>
+            </a:r>
+          </a:p>
+          <a:p>
+            <a:r>
+              <a:rPr lang="zh-CN" altLang="en-US" dirty="0"/>
+              <a:t>并输入内容：</a:t>
+            </a:r>
+            <a:endParaRPr lang="en-US" altLang="zh-CN" dirty="0"/>
+          </a:p>
+          <a:p>
+            <a:r>
+              <a:rPr lang="en-US" altLang="zh-CN" dirty="0"/>
+              <a:t>Day01:</a:t>
+            </a:r>
+            <a:r>
+              <a:rPr lang="zh-CN" altLang="en-US" dirty="0"/>
+              <a:t>创造光</a:t>
+            </a:r>
+            <a:endParaRPr lang="en-US" altLang="zh-CN" dirty="0"/>
+          </a:p>
+          <a:p>
+            <a:endParaRPr lang="en-US" altLang="zh-CN" dirty="0"/>
+          </a:p>
+        </p:txBody>
+      </p:sp>
+      <p:cxnSp>
+        <p:nvCxnSpPr>
+          <p:cNvPr id="14" name="直接箭头连接符 13">
+            <a:extLst>
+              <a:ext uri="{FF2B5EF4-FFF2-40B4-BE49-F238E27FC236}">
+                <a16:creationId xmlns:a16="http://schemas.microsoft.com/office/drawing/2014/main" id="{8D70CE9C-BC5F-4834-B6D5-8BE5F48944F0}"/>
+              </a:ext>
+            </a:extLst>
+          </p:cNvPr>
+          <p:cNvCxnSpPr>
+            <a:stCxn id="11" idx="6"/>
+            <a:endCxn id="4" idx="2"/>
+          </p:cNvCxnSpPr>
+          <p:nvPr/>
+        </p:nvCxnSpPr>
+        <p:spPr>
+          <a:xfrm flipV="1">
+            <a:off x="2142242" y="2248292"/>
+            <a:ext cx="1991561" cy="1"/>
+          </a:xfrm>
+          <a:prstGeom prst="straightConnector1">
+            <a:avLst/>
+          </a:prstGeom>
+          <a:ln>
+            <a:prstDash val="dash"/>
+            <a:tailEnd type="triangle"/>
+          </a:ln>
+        </p:spPr>
+        <p:style>
+          <a:lnRef idx="1">
+            <a:schemeClr val="accent1"/>
+          </a:lnRef>
+          <a:fillRef idx="0">
+            <a:schemeClr val="accent1"/>
+          </a:fillRef>
+          <a:effectRef idx="0">
+            <a:schemeClr val="accent1"/>
+          </a:effectRef>
+          <a:fontRef idx="minor">
+            <a:schemeClr val="tx1"/>
+          </a:fontRef>
+        </p:style>
+      </p:cxnSp>
+      <p:sp>
+        <p:nvSpPr>
+          <p:cNvPr id="15" name="文本框 14">
+            <a:extLst>
+              <a:ext uri="{FF2B5EF4-FFF2-40B4-BE49-F238E27FC236}">
+                <a16:creationId xmlns:a16="http://schemas.microsoft.com/office/drawing/2014/main" id="{1F987760-6F62-40F8-966B-EBFEDA5F654D}"/>
+              </a:ext>
+            </a:extLst>
+          </p:cNvPr>
+          <p:cNvSpPr txBox="1"/>
+          <p:nvPr/>
+        </p:nvSpPr>
+        <p:spPr>
+          <a:xfrm>
+            <a:off x="5120955" y="1775139"/>
+            <a:ext cx="1074333" cy="276999"/>
+          </a:xfrm>
+          <a:prstGeom prst="rect">
+            <a:avLst/>
+          </a:prstGeom>
+          <a:noFill/>
+        </p:spPr>
+        <p:txBody>
+          <a:bodyPr wrap="none" rtlCol="0">
+            <a:spAutoFit/>
+          </a:bodyPr>
+          <a:lstStyle/>
+          <a:p>
+            <a:r>
+              <a:rPr lang="zh-CN" altLang="en-US" sz="1200" dirty="0"/>
+              <a:t>第</a:t>
+            </a:r>
+            <a:r>
+              <a:rPr lang="en-US" altLang="zh-CN" sz="1200" dirty="0"/>
+              <a:t>2</a:t>
+            </a:r>
+            <a:r>
+              <a:rPr lang="zh-CN" altLang="en-US" sz="1200" dirty="0"/>
+              <a:t>次</a:t>
+            </a:r>
+            <a:r>
+              <a:rPr lang="en-US" altLang="zh-CN" sz="1200" dirty="0"/>
+              <a:t>commit</a:t>
+            </a:r>
+            <a:endParaRPr lang="zh-CN" altLang="en-US" sz="1200" dirty="0"/>
+          </a:p>
+        </p:txBody>
+      </p:sp>
+      <p:cxnSp>
+        <p:nvCxnSpPr>
+          <p:cNvPr id="16" name="直接箭头连接符 15">
+            <a:extLst>
+              <a:ext uri="{FF2B5EF4-FFF2-40B4-BE49-F238E27FC236}">
+                <a16:creationId xmlns:a16="http://schemas.microsoft.com/office/drawing/2014/main" id="{36BDB1E4-0F28-4396-ADF5-342997B35BCB}"/>
+              </a:ext>
+            </a:extLst>
+          </p:cNvPr>
+          <p:cNvCxnSpPr>
+            <a:cxnSpLocks/>
+            <a:stCxn id="4" idx="6"/>
+            <a:endCxn id="5" idx="2"/>
+          </p:cNvCxnSpPr>
+          <p:nvPr/>
+        </p:nvCxnSpPr>
+        <p:spPr>
+          <a:xfrm>
+            <a:off x="4850240" y="2248292"/>
+            <a:ext cx="1670116" cy="0"/>
+          </a:xfrm>
+          <a:prstGeom prst="straightConnector1">
+            <a:avLst/>
+          </a:prstGeom>
+          <a:ln>
+            <a:prstDash val="solid"/>
+            <a:tailEnd type="triangle"/>
+          </a:ln>
+        </p:spPr>
+        <p:style>
+          <a:lnRef idx="1">
+            <a:schemeClr val="accent1"/>
+          </a:lnRef>
+          <a:fillRef idx="0">
+            <a:schemeClr val="accent1"/>
+          </a:fillRef>
+          <a:effectRef idx="0">
+            <a:schemeClr val="accent1"/>
+          </a:effectRef>
+          <a:fontRef idx="minor">
+            <a:schemeClr val="tx1"/>
+          </a:fontRef>
+        </p:style>
+      </p:cxnSp>
+      <p:sp>
+        <p:nvSpPr>
+          <p:cNvPr id="19" name="文本框 18">
+            <a:extLst>
+              <a:ext uri="{FF2B5EF4-FFF2-40B4-BE49-F238E27FC236}">
+                <a16:creationId xmlns:a16="http://schemas.microsoft.com/office/drawing/2014/main" id="{E4A951F4-1A9D-4A6D-80FD-85839D138740}"/>
+              </a:ext>
+            </a:extLst>
+          </p:cNvPr>
+          <p:cNvSpPr txBox="1"/>
+          <p:nvPr/>
+        </p:nvSpPr>
+        <p:spPr>
+          <a:xfrm>
+            <a:off x="7774600" y="1775139"/>
+            <a:ext cx="1074333" cy="276999"/>
+          </a:xfrm>
+          <a:prstGeom prst="rect">
+            <a:avLst/>
+          </a:prstGeom>
+          <a:noFill/>
+        </p:spPr>
+        <p:txBody>
+          <a:bodyPr wrap="none" rtlCol="0">
+            <a:spAutoFit/>
+          </a:bodyPr>
+          <a:lstStyle/>
+          <a:p>
+            <a:r>
+              <a:rPr lang="zh-CN" altLang="en-US" sz="1200" dirty="0"/>
+              <a:t>第</a:t>
+            </a:r>
+            <a:r>
+              <a:rPr lang="en-US" altLang="zh-CN" sz="1200" dirty="0"/>
+              <a:t>3</a:t>
+            </a:r>
+            <a:r>
+              <a:rPr lang="zh-CN" altLang="en-US" sz="1200" dirty="0"/>
+              <a:t>次</a:t>
+            </a:r>
+            <a:r>
+              <a:rPr lang="en-US" altLang="zh-CN" sz="1200" dirty="0"/>
+              <a:t>commit</a:t>
+            </a:r>
+            <a:endParaRPr lang="zh-CN" altLang="en-US" sz="1200" dirty="0"/>
+          </a:p>
+        </p:txBody>
+      </p:sp>
+      <p:cxnSp>
+        <p:nvCxnSpPr>
+          <p:cNvPr id="20" name="直接箭头连接符 19">
+            <a:extLst>
+              <a:ext uri="{FF2B5EF4-FFF2-40B4-BE49-F238E27FC236}">
+                <a16:creationId xmlns:a16="http://schemas.microsoft.com/office/drawing/2014/main" id="{03656FDD-1EEB-4205-A1A8-8C5F0B68C899}"/>
+              </a:ext>
+            </a:extLst>
+          </p:cNvPr>
+          <p:cNvCxnSpPr>
+            <a:cxnSpLocks/>
+            <a:stCxn id="5" idx="6"/>
+            <a:endCxn id="6" idx="2"/>
+          </p:cNvCxnSpPr>
+          <p:nvPr/>
+        </p:nvCxnSpPr>
+        <p:spPr>
+          <a:xfrm>
+            <a:off x="7236793" y="2248292"/>
+            <a:ext cx="1937208" cy="0"/>
+          </a:xfrm>
+          <a:prstGeom prst="straightConnector1">
+            <a:avLst/>
+          </a:prstGeom>
+          <a:ln>
+            <a:prstDash val="solid"/>
+            <a:tailEnd type="triangle"/>
+          </a:ln>
+        </p:spPr>
+        <p:style>
+          <a:lnRef idx="1">
+            <a:schemeClr val="accent1"/>
+          </a:lnRef>
+          <a:fillRef idx="0">
+            <a:schemeClr val="accent1"/>
+          </a:fillRef>
+          <a:effectRef idx="0">
+            <a:schemeClr val="accent1"/>
+          </a:effectRef>
+          <a:fontRef idx="minor">
+            <a:schemeClr val="tx1"/>
+          </a:fontRef>
+        </p:style>
+      </p:cxnSp>
+      <p:sp>
+        <p:nvSpPr>
+          <p:cNvPr id="24" name="箭头: 右 23">
+            <a:extLst>
+              <a:ext uri="{FF2B5EF4-FFF2-40B4-BE49-F238E27FC236}">
+                <a16:creationId xmlns:a16="http://schemas.microsoft.com/office/drawing/2014/main" id="{6F3BD0B1-23F3-4B59-9794-C5B9D251277B}"/>
+              </a:ext>
+            </a:extLst>
+          </p:cNvPr>
+          <p:cNvSpPr/>
+          <p:nvPr/>
+        </p:nvSpPr>
+        <p:spPr>
+          <a:xfrm rot="7191081">
+            <a:off x="9487630" y="1157797"/>
+            <a:ext cx="1010388" cy="424204"/>
+          </a:xfrm>
+          <a:prstGeom prst="rightArrow">
+            <a:avLst>
+              <a:gd name="adj1" fmla="val 36034"/>
+              <a:gd name="adj2" fmla="val 79978"/>
+            </a:avLst>
+          </a:prstGeom>
+          <a:solidFill>
+            <a:srgbClr val="FF0000"/>
+          </a:solidFill>
+          <a:ln>
+            <a:noFill/>
+          </a:ln>
+        </p:spPr>
+        <p:style>
+          <a:lnRef idx="2">
+            <a:schemeClr val="accent1">
+              <a:shade val="50000"/>
+            </a:schemeClr>
+          </a:lnRef>
+          <a:fillRef idx="1">
+            <a:schemeClr val="accent1"/>
+          </a:fillRef>
+          <a:effectRef idx="0">
+            <a:schemeClr val="accent1"/>
+          </a:effectRef>
+          <a:fontRef idx="minor">
+            <a:schemeClr val="lt1"/>
+          </a:fontRef>
+        </p:style>
+        <p:txBody>
+          <a:bodyPr rtlCol="0" anchor="ctr"/>
+          <a:lstStyle/>
+          <a:p>
+            <a:pPr algn="ctr"/>
+            <a:endParaRPr lang="zh-CN" altLang="en-US" dirty="0"/>
+          </a:p>
+        </p:txBody>
+      </p:sp>
+      <p:sp>
+        <p:nvSpPr>
+          <p:cNvPr id="25" name="文本框 24">
+            <a:extLst>
+              <a:ext uri="{FF2B5EF4-FFF2-40B4-BE49-F238E27FC236}">
+                <a16:creationId xmlns:a16="http://schemas.microsoft.com/office/drawing/2014/main" id="{1720C063-FFAF-4F74-B422-2C24D1390A98}"/>
+              </a:ext>
+            </a:extLst>
+          </p:cNvPr>
+          <p:cNvSpPr txBox="1"/>
+          <p:nvPr/>
+        </p:nvSpPr>
+        <p:spPr>
+          <a:xfrm>
+            <a:off x="3715206" y="3244334"/>
+            <a:ext cx="1553630" cy="369332"/>
+          </a:xfrm>
+          <a:prstGeom prst="rect">
+            <a:avLst/>
+          </a:prstGeom>
+          <a:noFill/>
+        </p:spPr>
+        <p:txBody>
+          <a:bodyPr wrap="none" rtlCol="0">
+            <a:spAutoFit/>
+          </a:bodyPr>
+          <a:lstStyle/>
+          <a:p>
+            <a:r>
+              <a:rPr lang="en-US" altLang="zh-CN" dirty="0"/>
+              <a:t>Day01:</a:t>
+            </a:r>
+            <a:r>
+              <a:rPr lang="zh-CN" altLang="en-US" dirty="0"/>
+              <a:t>创造光</a:t>
+            </a:r>
+            <a:endParaRPr lang="en-US" altLang="zh-CN" dirty="0"/>
+          </a:p>
+        </p:txBody>
+      </p:sp>
+      <p:sp>
+        <p:nvSpPr>
+          <p:cNvPr id="26" name="文本框 25">
+            <a:extLst>
+              <a:ext uri="{FF2B5EF4-FFF2-40B4-BE49-F238E27FC236}">
+                <a16:creationId xmlns:a16="http://schemas.microsoft.com/office/drawing/2014/main" id="{3686128A-9E32-41EC-B788-23CCE49A8979}"/>
+              </a:ext>
+            </a:extLst>
+          </p:cNvPr>
+          <p:cNvSpPr txBox="1"/>
+          <p:nvPr/>
+        </p:nvSpPr>
+        <p:spPr>
+          <a:xfrm>
+            <a:off x="6101759" y="3244334"/>
+            <a:ext cx="1784463" cy="646331"/>
+          </a:xfrm>
+          <a:prstGeom prst="rect">
+            <a:avLst/>
+          </a:prstGeom>
+          <a:noFill/>
+        </p:spPr>
+        <p:txBody>
+          <a:bodyPr wrap="none" rtlCol="0">
+            <a:spAutoFit/>
+          </a:bodyPr>
+          <a:lstStyle/>
+          <a:p>
+            <a:r>
+              <a:rPr lang="en-US" altLang="zh-CN" dirty="0"/>
+              <a:t>Day01:</a:t>
+            </a:r>
+            <a:r>
+              <a:rPr lang="zh-CN" altLang="en-US" dirty="0"/>
+              <a:t>创造光</a:t>
+            </a:r>
+            <a:endParaRPr lang="en-US" altLang="zh-CN" dirty="0"/>
+          </a:p>
+          <a:p>
+            <a:r>
+              <a:rPr lang="en-US" altLang="zh-CN" dirty="0"/>
+              <a:t>Day02:</a:t>
+            </a:r>
+            <a:r>
+              <a:rPr lang="zh-CN" altLang="en-US" dirty="0"/>
+              <a:t>创造空气</a:t>
+            </a:r>
+            <a:endParaRPr lang="en-US" altLang="zh-CN" dirty="0"/>
+          </a:p>
+        </p:txBody>
+      </p:sp>
+      <p:sp>
+        <p:nvSpPr>
+          <p:cNvPr id="27" name="文本框 26">
+            <a:extLst>
+              <a:ext uri="{FF2B5EF4-FFF2-40B4-BE49-F238E27FC236}">
+                <a16:creationId xmlns:a16="http://schemas.microsoft.com/office/drawing/2014/main" id="{A5386F9D-C677-4A88-BAAA-B78D7B550AE5}"/>
+              </a:ext>
+            </a:extLst>
+          </p:cNvPr>
+          <p:cNvSpPr txBox="1"/>
+          <p:nvPr/>
+        </p:nvSpPr>
+        <p:spPr>
+          <a:xfrm>
+            <a:off x="8770526" y="3244334"/>
+            <a:ext cx="1784463" cy="923330"/>
+          </a:xfrm>
+          <a:prstGeom prst="rect">
+            <a:avLst/>
+          </a:prstGeom>
+          <a:noFill/>
+        </p:spPr>
+        <p:txBody>
+          <a:bodyPr wrap="none" rtlCol="0">
+            <a:spAutoFit/>
+          </a:bodyPr>
+          <a:lstStyle/>
+          <a:p>
+            <a:r>
+              <a:rPr lang="en-US" altLang="zh-CN" dirty="0"/>
+              <a:t>Day01:</a:t>
+            </a:r>
+            <a:r>
+              <a:rPr lang="zh-CN" altLang="en-US" dirty="0"/>
+              <a:t>创造光</a:t>
+            </a:r>
+            <a:endParaRPr lang="en-US" altLang="zh-CN" dirty="0"/>
+          </a:p>
+          <a:p>
+            <a:r>
+              <a:rPr lang="en-US" altLang="zh-CN" dirty="0"/>
+              <a:t>Day02:</a:t>
+            </a:r>
+            <a:r>
+              <a:rPr lang="zh-CN" altLang="en-US" dirty="0"/>
+              <a:t>创造空气</a:t>
+            </a:r>
+            <a:endParaRPr lang="en-US" altLang="zh-CN" dirty="0"/>
+          </a:p>
+          <a:p>
+            <a:r>
+              <a:rPr lang="en-US" altLang="zh-CN" dirty="0"/>
+              <a:t>Day03:</a:t>
+            </a:r>
+            <a:r>
+              <a:rPr lang="zh-CN" altLang="en-US" dirty="0"/>
+              <a:t>陆水分离</a:t>
+            </a:r>
+            <a:endParaRPr lang="en-US" altLang="zh-CN" dirty="0"/>
+          </a:p>
+        </p:txBody>
+      </p:sp>
+      <p:sp>
+        <p:nvSpPr>
+          <p:cNvPr id="28" name="文本框 27">
+            <a:extLst>
+              <a:ext uri="{FF2B5EF4-FFF2-40B4-BE49-F238E27FC236}">
+                <a16:creationId xmlns:a16="http://schemas.microsoft.com/office/drawing/2014/main" id="{DFE09360-6E3B-447C-B032-BA37D3E228B0}"/>
+              </a:ext>
+            </a:extLst>
+          </p:cNvPr>
+          <p:cNvSpPr txBox="1"/>
+          <p:nvPr/>
+        </p:nvSpPr>
+        <p:spPr>
+          <a:xfrm>
+            <a:off x="10141949" y="547941"/>
+            <a:ext cx="572593" cy="276999"/>
+          </a:xfrm>
+          <a:prstGeom prst="rect">
+            <a:avLst/>
+          </a:prstGeom>
+          <a:noFill/>
+        </p:spPr>
+        <p:txBody>
+          <a:bodyPr wrap="none" rtlCol="0">
+            <a:spAutoFit/>
+          </a:bodyPr>
+          <a:lstStyle/>
+          <a:p>
+            <a:r>
+              <a:rPr lang="en-US" altLang="zh-CN" sz="1200" dirty="0"/>
+              <a:t>HEAD</a:t>
+            </a:r>
+            <a:endParaRPr lang="zh-CN" altLang="en-US" sz="1200" dirty="0"/>
+          </a:p>
+        </p:txBody>
+      </p:sp>
+    </p:spTree>
+    <p:extLst>
+      <p:ext uri="{BB962C8B-B14F-4D97-AF65-F5344CB8AC3E}">
+        <p14:creationId xmlns:p14="http://schemas.microsoft.com/office/powerpoint/2010/main" val="2121998301"/>
+      </p:ext>
+    </p:extLst>
+  </p:cSld>
+  <p:clrMapOvr>
+    <a:masterClrMapping/>
+  </p:clrMapOvr>
+</p:sld>
+</file>
+
 <file path=ppt/theme/theme1.xml><?xml version="1.0" encoding="utf-8"?>
 <a:theme xmlns:a="http://schemas.openxmlformats.org/drawingml/2006/main" name="Office 主题​​">
   <a:themeElements>
@@ -5375,4 +6626,299 @@
     </a:ext>
   </a:extLst>
 </a:theme>
+</file>
+
+<file path=ppt/theme/theme2.xml><?xml version="1.0" encoding="utf-8"?>
+<a:theme xmlns:a="http://schemas.openxmlformats.org/drawingml/2006/main" name="Office 主题​​">
+  <a:themeElements>
+    <a:clrScheme name="Office">
+      <a:dk1>
+        <a:sysClr val="windowText" lastClr="000000"/>
+      </a:dk1>
+      <a:lt1>
+        <a:sysClr val="window" lastClr="FFFFFF"/>
+      </a:lt1>
+      <a:dk2>
+        <a:srgbClr val="44546A"/>
+      </a:dk2>
+      <a:lt2>
+        <a:srgbClr val="E7E6E6"/>
+      </a:lt2>
+      <a:accent1>
+        <a:srgbClr val="4472C4"/>
+      </a:accent1>
+      <a:accent2>
+        <a:srgbClr val="ED7D31"/>
+      </a:accent2>
+      <a:accent3>
+        <a:srgbClr val="A5A5A5"/>
+      </a:accent3>
+      <a:accent4>
+        <a:srgbClr val="FFC000"/>
+      </a:accent4>
+      <a:accent5>
+        <a:srgbClr val="5B9BD5"/>
+      </a:accent5>
+      <a:accent6>
+        <a:srgbClr val="70AD47"/>
+      </a:accent6>
+      <a:hlink>
+        <a:srgbClr val="0563C1"/>
+      </a:hlink>
+      <a:folHlink>
+        <a:srgbClr val="954F72"/>
+      </a:folHlink>
+    </a:clrScheme>
+    <a:fontScheme name="Office">
+      <a:majorFont>
+        <a:latin typeface="等线 Light" panose="020F0302020204030204"/>
+        <a:ea typeface=""/>
+        <a:cs typeface=""/>
+        <a:font script="Jpan" typeface="游ゴシック Light"/>
+        <a:font script="Hang" typeface="맑은 고딕"/>
+        <a:font script="Hans" typeface="等线 Light"/>
+        <a:font script="Hant" typeface="新細明體"/>
+        <a:font script="Arab" typeface="Times New Roman"/>
+        <a:font script="Hebr" typeface="Times New Roman"/>
+        <a:font script="Thai" typeface="Angsana New"/>
+        <a:font script="Ethi" typeface="Nyala"/>
+        <a:font script="Beng" typeface="Vrinda"/>
+        <a:font script="Gujr" typeface="Shruti"/>
+        <a:font script="Khmr" typeface="MoolBoran"/>
+        <a:font script="Knda" typeface="Tunga"/>
+        <a:font script="Guru" typeface="Raavi"/>
+        <a:font script="Cans" typeface="Euphemia"/>
+        <a:font script="Cher" typeface="Plantagenet Cherokee"/>
+        <a:font script="Yiii" typeface="Microsoft Yi Baiti"/>
+        <a:font script="Tibt" typeface="Microsoft Himalaya"/>
+        <a:font script="Thaa" typeface="MV Boli"/>
+        <a:font script="Deva" typeface="Mangal"/>
+        <a:font script="Telu" typeface="Gautami"/>
+        <a:font script="Taml" typeface="Latha"/>
+        <a:font script="Syrc" typeface="Estrangelo Edessa"/>
+        <a:font script="Orya" typeface="Kalinga"/>
+        <a:font script="Mlym" typeface="Kartika"/>
+        <a:font script="Laoo" typeface="DokChampa"/>
+        <a:font script="Sinh" typeface="Iskoola Pota"/>
+        <a:font script="Mong" typeface="Mongolian Baiti"/>
+        <a:font script="Viet" typeface="Times New Roman"/>
+        <a:font script="Uigh" typeface="Microsoft Uighur"/>
+        <a:font script="Geor" typeface="Sylfaen"/>
+        <a:font script="Armn" typeface="Arial"/>
+        <a:font script="Bugi" typeface="Leelawadee UI"/>
+        <a:font script="Bopo" typeface="Microsoft JhengHei"/>
+        <a:font script="Java" typeface="Javanese Text"/>
+        <a:font script="Lisu" typeface="Segoe UI"/>
+        <a:font script="Mymr" typeface="Myanmar Text"/>
+        <a:font script="Nkoo" typeface="Ebrima"/>
+        <a:font script="Olck" typeface="Nirmala UI"/>
+        <a:font script="Osma" typeface="Ebrima"/>
+        <a:font script="Phag" typeface="Phagspa"/>
+        <a:font script="Syrn" typeface="Estrangelo Edessa"/>
+        <a:font script="Syrj" typeface="Estrangelo Edessa"/>
+        <a:font script="Syre" typeface="Estrangelo Edessa"/>
+        <a:font script="Sora" typeface="Nirmala UI"/>
+        <a:font script="Tale" typeface="Microsoft Tai Le"/>
+        <a:font script="Talu" typeface="Microsoft New Tai Lue"/>
+        <a:font script="Tfng" typeface="Ebrima"/>
+      </a:majorFont>
+      <a:minorFont>
+        <a:latin typeface="等线" panose="020F0502020204030204"/>
+        <a:ea typeface=""/>
+        <a:cs typeface=""/>
+        <a:font script="Jpan" typeface="游ゴシック"/>
+        <a:font script="Hang" typeface="맑은 고딕"/>
+        <a:font script="Hans" typeface="等线"/>
+        <a:font script="Hant" typeface="新細明體"/>
+        <a:font script="Arab" typeface="Arial"/>
+        <a:font script="Hebr" typeface="Arial"/>
+        <a:font script="Thai" typeface="Cordia New"/>
+        <a:font script="Ethi" typeface="Nyala"/>
+        <a:font script="Beng" typeface="Vrinda"/>
+        <a:font script="Gujr" typeface="Shruti"/>
+        <a:font script="Khmr" typeface="DaunPenh"/>
+        <a:font script="Knda" typeface="Tunga"/>
+        <a:font script="Guru" typeface="Raavi"/>
+        <a:font script="Cans" typeface="Euphemia"/>
+        <a:font script="Cher" typeface="Plantagenet Cherokee"/>
+        <a:font script="Yiii" typeface="Microsoft Yi Baiti"/>
+        <a:font script="Tibt" typeface="Microsoft Himalaya"/>
+        <a:font script="Thaa" typeface="MV Boli"/>
+        <a:font script="Deva" typeface="Mangal"/>
+        <a:font script="Telu" typeface="Gautami"/>
+        <a:font script="Taml" typeface="Latha"/>
+        <a:font script="Syrc" typeface="Estrangelo Edessa"/>
+        <a:font script="Orya" typeface="Kalinga"/>
+        <a:font script="Mlym" typeface="Kartika"/>
+        <a:font script="Laoo" typeface="DokChampa"/>
+        <a:font script="Sinh" typeface="Iskoola Pota"/>
+        <a:font script="Mong" typeface="Mongolian Baiti"/>
+        <a:font script="Viet" typeface="Arial"/>
+        <a:font script="Uigh" typeface="Microsoft Uighur"/>
+        <a:font script="Geor" typeface="Sylfaen"/>
+        <a:font script="Armn" typeface="Arial"/>
+        <a:font script="Bugi" typeface="Leelawadee UI"/>
+        <a:font script="Bopo" typeface="Microsoft JhengHei"/>
+        <a:font script="Java" typeface="Javanese Text"/>
+        <a:font script="Lisu" typeface="Segoe UI"/>
+        <a:font script="Mymr" typeface="Myanmar Text"/>
+        <a:font script="Nkoo" typeface="Ebrima"/>
+        <a:font script="Olck" typeface="Nirmala UI"/>
+        <a:font script="Osma" typeface="Ebrima"/>
+        <a:font script="Phag" typeface="Phagspa"/>
+        <a:font script="Syrn" typeface="Estrangelo Edessa"/>
+        <a:font script="Syrj" typeface="Estrangelo Edessa"/>
+        <a:font script="Syre" typeface="Estrangelo Edessa"/>
+        <a:font script="Sora" typeface="Nirmala UI"/>
+        <a:font script="Tale" typeface="Microsoft Tai Le"/>
+        <a:font script="Talu" typeface="Microsoft New Tai Lue"/>
+        <a:font script="Tfng" typeface="Ebrima"/>
+      </a:minorFont>
+    </a:fontScheme>
+    <a:fmtScheme name="Office">
+      <a:fillStyleLst>
+        <a:solidFill>
+          <a:schemeClr val="phClr"/>
+        </a:solidFill>
+        <a:gradFill rotWithShape="1">
+          <a:gsLst>
+            <a:gs pos="0">
+              <a:schemeClr val="phClr">
+                <a:lumMod val="110000"/>
+                <a:satMod val="105000"/>
+                <a:tint val="67000"/>
+              </a:schemeClr>
+            </a:gs>
+            <a:gs pos="50000">
+              <a:schemeClr val="phClr">
+                <a:lumMod val="105000"/>
+                <a:satMod val="103000"/>
+                <a:tint val="73000"/>
+              </a:schemeClr>
+            </a:gs>
+            <a:gs pos="100000">
+              <a:schemeClr val="phClr">
+                <a:lumMod val="105000"/>
+                <a:satMod val="109000"/>
+                <a:tint val="81000"/>
+              </a:schemeClr>
+            </a:gs>
+          </a:gsLst>
+          <a:lin ang="5400000" scaled="0"/>
+        </a:gradFill>
+        <a:gradFill rotWithShape="1">
+          <a:gsLst>
+            <a:gs pos="0">
+              <a:schemeClr val="phClr">
+                <a:satMod val="103000"/>
+                <a:lumMod val="102000"/>
+                <a:tint val="94000"/>
+              </a:schemeClr>
+            </a:gs>
+            <a:gs pos="50000">
+              <a:schemeClr val="phClr">
+                <a:satMod val="110000"/>
+                <a:lumMod val="100000"/>
+                <a:shade val="100000"/>
+              </a:schemeClr>
+            </a:gs>
+            <a:gs pos="100000">
+              <a:schemeClr val="phClr">
+                <a:lumMod val="99000"/>
+                <a:satMod val="120000"/>
+                <a:shade val="78000"/>
+              </a:schemeClr>
+            </a:gs>
+          </a:gsLst>
+          <a:lin ang="5400000" scaled="0"/>
+        </a:gradFill>
+      </a:fillStyleLst>
+      <a:lnStyleLst>
+        <a:ln w="6350" cap="flat" cmpd="sng" algn="ctr">
+          <a:solidFill>
+            <a:schemeClr val="phClr"/>
+          </a:solidFill>
+          <a:prstDash val="solid"/>
+          <a:miter lim="800000"/>
+        </a:ln>
+        <a:ln w="12700" cap="flat" cmpd="sng" algn="ctr">
+          <a:solidFill>
+            <a:schemeClr val="phClr"/>
+          </a:solidFill>
+          <a:prstDash val="solid"/>
+          <a:miter lim="800000"/>
+        </a:ln>
+        <a:ln w="19050" cap="flat" cmpd="sng" algn="ctr">
+          <a:solidFill>
+            <a:schemeClr val="phClr"/>
+          </a:solidFill>
+          <a:prstDash val="solid"/>
+          <a:miter lim="800000"/>
+        </a:ln>
+      </a:lnStyleLst>
+      <a:effectStyleLst>
+        <a:effectStyle>
+          <a:effectLst/>
+        </a:effectStyle>
+        <a:effectStyle>
+          <a:effectLst/>
+        </a:effectStyle>
+        <a:effectStyle>
+          <a:effectLst>
+            <a:outerShdw blurRad="57150" dist="19050" dir="5400000" algn="ctr" rotWithShape="0">
+              <a:srgbClr val="000000">
+                <a:alpha val="63000"/>
+              </a:srgbClr>
+            </a:outerShdw>
+          </a:effectLst>
+        </a:effectStyle>
+      </a:effectStyleLst>
+      <a:bgFillStyleLst>
+        <a:solidFill>
+          <a:schemeClr val="phClr"/>
+        </a:solidFill>
+        <a:solidFill>
+          <a:schemeClr val="phClr">
+            <a:tint val="95000"/>
+            <a:satMod val="170000"/>
+          </a:schemeClr>
+        </a:solidFill>
+        <a:gradFill rotWithShape="1">
+          <a:gsLst>
+            <a:gs pos="0">
+              <a:schemeClr val="phClr">
+                <a:tint val="93000"/>
+                <a:satMod val="150000"/>
+                <a:shade val="98000"/>
+                <a:lumMod val="102000"/>
+              </a:schemeClr>
+            </a:gs>
+            <a:gs pos="50000">
+              <a:schemeClr val="phClr">
+                <a:tint val="98000"/>
+                <a:satMod val="130000"/>
+                <a:shade val="90000"/>
+                <a:lumMod val="103000"/>
+              </a:schemeClr>
+            </a:gs>
+            <a:gs pos="100000">
+              <a:schemeClr val="phClr">
+                <a:shade val="63000"/>
+                <a:satMod val="120000"/>
+              </a:schemeClr>
+            </a:gs>
+          </a:gsLst>
+          <a:lin ang="5400000" scaled="0"/>
+        </a:gradFill>
+      </a:bgFillStyleLst>
+    </a:fmtScheme>
+  </a:themeElements>
+  <a:objectDefaults/>
+  <a:extraClrSchemeLst/>
+  <a:extLst>
+    <a:ext uri="{05A4C25C-085E-4340-85A3-A5531E510DB2}">
+      <thm15:themeFamily xmlns:thm15="http://schemas.microsoft.com/office/thememl/2012/main" name="Office Theme" id="{62F939B6-93AF-4DB8-9C6B-D6C7DFDC589F}" vid="{4A3C46E8-61CC-4603-A589-7422A47A8E4A}"/>
+    </a:ext>
+  </a:extLst>
+</a:theme>
 </file>
--- a/ppt.pptx
+++ b/ppt.pptx
@@ -6,8 +6,11 @@
   </p:sldMasterIdLst>
   <p:sldIdLst>
     <p:sldId id="256" r:id="rId2"/>
-    <p:sldId id="257" r:id="rId3"/>
-    <p:sldId id="258" r:id="rId4"/>
+    <p:sldId id="259" r:id="rId3"/>
+    <p:sldId id="260" r:id="rId4"/>
+    <p:sldId id="261" r:id="rId5"/>
+    <p:sldId id="257" r:id="rId6"/>
+    <p:sldId id="258" r:id="rId7"/>
   </p:sldIdLst>
   <p:sldSz cx="12192000" cy="6858000"/>
   <p:notesSz cx="6858000" cy="9144000"/>
@@ -106,6 +109,11 @@
       </a:defRPr>
     </a:lvl9pPr>
   </p:defaultTextStyle>
+  <p:extLst>
+    <p:ext uri="{EFAFB233-063F-42B5-8137-9DF3F51BA10A}">
+      <p15:sldGuideLst xmlns:p15="http://schemas.microsoft.com/office/powerpoint/2012/main"/>
+    </p:ext>
+  </p:extLst>
 </p:presentation>
 </file>
 
@@ -256,7 +264,7 @@
           <a:p>
             <a:fld id="{E71FC8F0-C5AA-4101-828A-6FD3283E096B}" type="datetimeFigureOut">
               <a:rPr lang="zh-CN" altLang="en-US" smtClean="0"/>
-              <a:t>2019/7/2</a:t>
+              <a:t>2019/7/5</a:t>
             </a:fld>
             <a:endParaRPr lang="zh-CN" altLang="en-US"/>
           </a:p>
@@ -454,7 +462,7 @@
           <a:p>
             <a:fld id="{E71FC8F0-C5AA-4101-828A-6FD3283E096B}" type="datetimeFigureOut">
               <a:rPr lang="zh-CN" altLang="en-US" smtClean="0"/>
-              <a:t>2019/7/2</a:t>
+              <a:t>2019/7/5</a:t>
             </a:fld>
             <a:endParaRPr lang="zh-CN" altLang="en-US"/>
           </a:p>
@@ -662,7 +670,7 @@
           <a:p>
             <a:fld id="{E71FC8F0-C5AA-4101-828A-6FD3283E096B}" type="datetimeFigureOut">
               <a:rPr lang="zh-CN" altLang="en-US" smtClean="0"/>
-              <a:t>2019/7/2</a:t>
+              <a:t>2019/7/5</a:t>
             </a:fld>
             <a:endParaRPr lang="zh-CN" altLang="en-US"/>
           </a:p>
@@ -860,7 +868,7 @@
           <a:p>
             <a:fld id="{E71FC8F0-C5AA-4101-828A-6FD3283E096B}" type="datetimeFigureOut">
               <a:rPr lang="zh-CN" altLang="en-US" smtClean="0"/>
-              <a:t>2019/7/2</a:t>
+              <a:t>2019/7/5</a:t>
             </a:fld>
             <a:endParaRPr lang="zh-CN" altLang="en-US"/>
           </a:p>
@@ -1135,7 +1143,7 @@
           <a:p>
             <a:fld id="{E71FC8F0-C5AA-4101-828A-6FD3283E096B}" type="datetimeFigureOut">
               <a:rPr lang="zh-CN" altLang="en-US" smtClean="0"/>
-              <a:t>2019/7/2</a:t>
+              <a:t>2019/7/5</a:t>
             </a:fld>
             <a:endParaRPr lang="zh-CN" altLang="en-US"/>
           </a:p>
@@ -1400,7 +1408,7 @@
           <a:p>
             <a:fld id="{E71FC8F0-C5AA-4101-828A-6FD3283E096B}" type="datetimeFigureOut">
               <a:rPr lang="zh-CN" altLang="en-US" smtClean="0"/>
-              <a:t>2019/7/2</a:t>
+              <a:t>2019/7/5</a:t>
             </a:fld>
             <a:endParaRPr lang="zh-CN" altLang="en-US"/>
           </a:p>
@@ -1812,7 +1820,7 @@
           <a:p>
             <a:fld id="{E71FC8F0-C5AA-4101-828A-6FD3283E096B}" type="datetimeFigureOut">
               <a:rPr lang="zh-CN" altLang="en-US" smtClean="0"/>
-              <a:t>2019/7/2</a:t>
+              <a:t>2019/7/5</a:t>
             </a:fld>
             <a:endParaRPr lang="zh-CN" altLang="en-US"/>
           </a:p>
@@ -1953,7 +1961,7 @@
           <a:p>
             <a:fld id="{E71FC8F0-C5AA-4101-828A-6FD3283E096B}" type="datetimeFigureOut">
               <a:rPr lang="zh-CN" altLang="en-US" smtClean="0"/>
-              <a:t>2019/7/2</a:t>
+              <a:t>2019/7/5</a:t>
             </a:fld>
             <a:endParaRPr lang="zh-CN" altLang="en-US"/>
           </a:p>
@@ -2066,7 +2074,7 @@
           <a:p>
             <a:fld id="{E71FC8F0-C5AA-4101-828A-6FD3283E096B}" type="datetimeFigureOut">
               <a:rPr lang="zh-CN" altLang="en-US" smtClean="0"/>
-              <a:t>2019/7/2</a:t>
+              <a:t>2019/7/5</a:t>
             </a:fld>
             <a:endParaRPr lang="zh-CN" altLang="en-US"/>
           </a:p>
@@ -2377,7 +2385,7 @@
           <a:p>
             <a:fld id="{E71FC8F0-C5AA-4101-828A-6FD3283E096B}" type="datetimeFigureOut">
               <a:rPr lang="zh-CN" altLang="en-US" smtClean="0"/>
-              <a:t>2019/7/2</a:t>
+              <a:t>2019/7/5</a:t>
             </a:fld>
             <a:endParaRPr lang="zh-CN" altLang="en-US"/>
           </a:p>
@@ -2665,7 +2673,7 @@
           <a:p>
             <a:fld id="{E71FC8F0-C5AA-4101-828A-6FD3283E096B}" type="datetimeFigureOut">
               <a:rPr lang="zh-CN" altLang="en-US" smtClean="0"/>
-              <a:t>2019/7/2</a:t>
+              <a:t>2019/7/5</a:t>
             </a:fld>
             <a:endParaRPr lang="zh-CN" altLang="en-US"/>
           </a:p>
@@ -2906,7 +2914,7 @@
           <a:p>
             <a:fld id="{E71FC8F0-C5AA-4101-828A-6FD3283E096B}" type="datetimeFigureOut">
               <a:rPr lang="zh-CN" altLang="en-US" smtClean="0"/>
-              <a:t>2019/7/2</a:t>
+              <a:t>2019/7/5</a:t>
             </a:fld>
             <a:endParaRPr lang="zh-CN" altLang="en-US"/>
           </a:p>
@@ -3455,303 +3463,6 @@
           </a:p>
         </p:txBody>
       </p:sp>
-      <p:sp>
-        <p:nvSpPr>
-          <p:cNvPr id="8" name="矩形 7">
-            <a:extLst>
-              <a:ext uri="{FF2B5EF4-FFF2-40B4-BE49-F238E27FC236}">
-                <a16:creationId xmlns:a16="http://schemas.microsoft.com/office/drawing/2014/main" id="{02CB3CBA-6E63-4C8B-9C08-893B060AD68E}"/>
-              </a:ext>
-            </a:extLst>
-          </p:cNvPr>
-          <p:cNvSpPr/>
-          <p:nvPr/>
-        </p:nvSpPr>
-        <p:spPr>
-          <a:xfrm>
-            <a:off x="5451792" y="1291472"/>
-            <a:ext cx="3707027" cy="2894538"/>
-          </a:xfrm>
-          <a:prstGeom prst="rect">
-            <a:avLst/>
-          </a:prstGeom>
-          <a:noFill/>
-          <a:ln w="57150"/>
-        </p:spPr>
-        <p:style>
-          <a:lnRef idx="2">
-            <a:schemeClr val="accent1">
-              <a:shade val="50000"/>
-            </a:schemeClr>
-          </a:lnRef>
-          <a:fillRef idx="1">
-            <a:schemeClr val="accent1"/>
-          </a:fillRef>
-          <a:effectRef idx="0">
-            <a:schemeClr val="accent1"/>
-          </a:effectRef>
-          <a:fontRef idx="minor">
-            <a:schemeClr val="lt1"/>
-          </a:fontRef>
-        </p:style>
-        <p:txBody>
-          <a:bodyPr rtlCol="0" anchor="ctr"/>
-          <a:lstStyle/>
-          <a:p>
-            <a:pPr algn="ctr"/>
-            <a:endParaRPr lang="zh-CN" altLang="en-US" dirty="0"/>
-          </a:p>
-        </p:txBody>
-      </p:sp>
-      <p:sp>
-        <p:nvSpPr>
-          <p:cNvPr id="9" name="文本框 8">
-            <a:extLst>
-              <a:ext uri="{FF2B5EF4-FFF2-40B4-BE49-F238E27FC236}">
-                <a16:creationId xmlns:a16="http://schemas.microsoft.com/office/drawing/2014/main" id="{7A21413E-559B-41BC-9CEC-60D6FD143199}"/>
-              </a:ext>
-            </a:extLst>
-          </p:cNvPr>
-          <p:cNvSpPr txBox="1"/>
-          <p:nvPr/>
-        </p:nvSpPr>
-        <p:spPr>
-          <a:xfrm>
-            <a:off x="5481088" y="820131"/>
-            <a:ext cx="1229824" cy="369332"/>
-          </a:xfrm>
-          <a:prstGeom prst="rect">
-            <a:avLst/>
-          </a:prstGeom>
-          <a:noFill/>
-        </p:spPr>
-        <p:txBody>
-          <a:bodyPr wrap="none" rtlCol="0">
-            <a:spAutoFit/>
-          </a:bodyPr>
-          <a:lstStyle/>
-          <a:p>
-            <a:r>
-              <a:rPr lang="en-US" altLang="zh-CN" dirty="0"/>
-              <a:t>d:/learngit</a:t>
-            </a:r>
-            <a:endParaRPr lang="zh-CN" altLang="en-US" dirty="0"/>
-          </a:p>
-        </p:txBody>
-      </p:sp>
-      <p:sp>
-        <p:nvSpPr>
-          <p:cNvPr id="10" name="矩形 9">
-            <a:extLst>
-              <a:ext uri="{FF2B5EF4-FFF2-40B4-BE49-F238E27FC236}">
-                <a16:creationId xmlns:a16="http://schemas.microsoft.com/office/drawing/2014/main" id="{7BE2A0CC-8A41-4521-8C6D-7C8A0BDDB29F}"/>
-              </a:ext>
-            </a:extLst>
-          </p:cNvPr>
-          <p:cNvSpPr/>
-          <p:nvPr/>
-        </p:nvSpPr>
-        <p:spPr>
-          <a:xfrm>
-            <a:off x="5451792" y="820131"/>
-            <a:ext cx="1421920" cy="471341"/>
-          </a:xfrm>
-          <a:prstGeom prst="rect">
-            <a:avLst/>
-          </a:prstGeom>
-          <a:noFill/>
-          <a:ln w="57150"/>
-        </p:spPr>
-        <p:style>
-          <a:lnRef idx="2">
-            <a:schemeClr val="accent1">
-              <a:shade val="50000"/>
-            </a:schemeClr>
-          </a:lnRef>
-          <a:fillRef idx="1">
-            <a:schemeClr val="accent1"/>
-          </a:fillRef>
-          <a:effectRef idx="0">
-            <a:schemeClr val="accent1"/>
-          </a:effectRef>
-          <a:fontRef idx="minor">
-            <a:schemeClr val="lt1"/>
-          </a:fontRef>
-        </p:style>
-        <p:txBody>
-          <a:bodyPr rtlCol="0" anchor="ctr"/>
-          <a:lstStyle/>
-          <a:p>
-            <a:pPr algn="ctr"/>
-            <a:endParaRPr lang="zh-CN" altLang="en-US" dirty="0"/>
-          </a:p>
-        </p:txBody>
-      </p:sp>
-      <p:pic>
-        <p:nvPicPr>
-          <p:cNvPr id="11" name="图片 10">
-            <a:extLst>
-              <a:ext uri="{FF2B5EF4-FFF2-40B4-BE49-F238E27FC236}">
-                <a16:creationId xmlns:a16="http://schemas.microsoft.com/office/drawing/2014/main" id="{9A880BC7-4DBA-41B9-886C-7AEBC075C44F}"/>
-              </a:ext>
-            </a:extLst>
-          </p:cNvPr>
-          <p:cNvPicPr>
-            <a:picLocks noChangeAspect="1"/>
-          </p:cNvPicPr>
-          <p:nvPr/>
-        </p:nvPicPr>
-        <p:blipFill>
-          <a:blip r:embed="rId2"/>
-          <a:stretch>
-            <a:fillRect/>
-          </a:stretch>
-        </p:blipFill>
-        <p:spPr>
-          <a:xfrm>
-            <a:off x="8010108" y="1483141"/>
-            <a:ext cx="998307" cy="1120237"/>
-          </a:xfrm>
-          <a:prstGeom prst="rect">
-            <a:avLst/>
-          </a:prstGeom>
-          <a:ln w="28575">
-            <a:noFill/>
-            <a:prstDash val="dashDot"/>
-          </a:ln>
-        </p:spPr>
-      </p:pic>
-      <p:sp>
-        <p:nvSpPr>
-          <p:cNvPr id="12" name="圆柱体 11">
-            <a:extLst>
-              <a:ext uri="{FF2B5EF4-FFF2-40B4-BE49-F238E27FC236}">
-                <a16:creationId xmlns:a16="http://schemas.microsoft.com/office/drawing/2014/main" id="{FA2855A8-2549-4D73-B137-9433E1DABF44}"/>
-              </a:ext>
-            </a:extLst>
-          </p:cNvPr>
-          <p:cNvSpPr/>
-          <p:nvPr/>
-        </p:nvSpPr>
-        <p:spPr>
-          <a:xfrm>
-            <a:off x="9726933" y="584462"/>
-            <a:ext cx="1954491" cy="2313525"/>
-          </a:xfrm>
-          <a:prstGeom prst="can">
-            <a:avLst/>
-          </a:prstGeom>
-          <a:noFill/>
-          <a:ln w="38100">
-            <a:prstDash val="dashDot"/>
-          </a:ln>
-        </p:spPr>
-        <p:style>
-          <a:lnRef idx="2">
-            <a:schemeClr val="accent1">
-              <a:shade val="50000"/>
-            </a:schemeClr>
-          </a:lnRef>
-          <a:fillRef idx="1">
-            <a:schemeClr val="accent1"/>
-          </a:fillRef>
-          <a:effectRef idx="0">
-            <a:schemeClr val="accent1"/>
-          </a:effectRef>
-          <a:fontRef idx="minor">
-            <a:schemeClr val="lt1"/>
-          </a:fontRef>
-        </p:style>
-        <p:txBody>
-          <a:bodyPr rtlCol="0" anchor="ctr"/>
-          <a:lstStyle/>
-          <a:p>
-            <a:pPr algn="ctr"/>
-            <a:endParaRPr lang="zh-CN" altLang="en-US"/>
-          </a:p>
-        </p:txBody>
-      </p:sp>
-      <p:cxnSp>
-        <p:nvCxnSpPr>
-          <p:cNvPr id="14" name="连接符: 曲线 13">
-            <a:extLst>
-              <a:ext uri="{FF2B5EF4-FFF2-40B4-BE49-F238E27FC236}">
-                <a16:creationId xmlns:a16="http://schemas.microsoft.com/office/drawing/2014/main" id="{3F8C4247-6CCD-4F5E-8D46-CA07EAD95DEF}"/>
-              </a:ext>
-            </a:extLst>
-          </p:cNvPr>
-          <p:cNvCxnSpPr>
-            <a:stCxn id="11" idx="3"/>
-            <a:endCxn id="12" idx="2"/>
-          </p:cNvCxnSpPr>
-          <p:nvPr/>
-        </p:nvCxnSpPr>
-        <p:spPr>
-          <a:xfrm flipV="1">
-            <a:off x="9008415" y="1741225"/>
-            <a:ext cx="718518" cy="302035"/>
-          </a:xfrm>
-          <a:prstGeom prst="curvedConnector3">
-            <a:avLst/>
-          </a:prstGeom>
-          <a:ln w="38100">
-            <a:tailEnd type="triangle"/>
-          </a:ln>
-        </p:spPr>
-        <p:style>
-          <a:lnRef idx="1">
-            <a:schemeClr val="accent1"/>
-          </a:lnRef>
-          <a:fillRef idx="0">
-            <a:schemeClr val="accent1"/>
-          </a:fillRef>
-          <a:effectRef idx="0">
-            <a:schemeClr val="accent1"/>
-          </a:effectRef>
-          <a:fontRef idx="minor">
-            <a:schemeClr val="tx1"/>
-          </a:fontRef>
-        </p:style>
-      </p:cxnSp>
-      <p:sp>
-        <p:nvSpPr>
-          <p:cNvPr id="15" name="文本框 14">
-            <a:extLst>
-              <a:ext uri="{FF2B5EF4-FFF2-40B4-BE49-F238E27FC236}">
-                <a16:creationId xmlns:a16="http://schemas.microsoft.com/office/drawing/2014/main" id="{0287D92B-ED49-412F-B3E5-98B33296C2BD}"/>
-              </a:ext>
-            </a:extLst>
-          </p:cNvPr>
-          <p:cNvSpPr txBox="1"/>
-          <p:nvPr/>
-        </p:nvSpPr>
-        <p:spPr>
-          <a:xfrm>
-            <a:off x="10393008" y="2418712"/>
-            <a:ext cx="926857" cy="369332"/>
-          </a:xfrm>
-          <a:prstGeom prst="rect">
-            <a:avLst/>
-          </a:prstGeom>
-          <a:noFill/>
-        </p:spPr>
-        <p:txBody>
-          <a:bodyPr wrap="none" rtlCol="0">
-            <a:spAutoFit/>
-          </a:bodyPr>
-          <a:lstStyle/>
-          <a:p>
-            <a:r>
-              <a:rPr lang="en-US" altLang="zh-CN" dirty="0"/>
-              <a:t>git</a:t>
-            </a:r>
-            <a:r>
-              <a:rPr lang="zh-CN" altLang="en-US" dirty="0"/>
-              <a:t>仓库</a:t>
-            </a:r>
-          </a:p>
-        </p:txBody>
-      </p:sp>
     </p:spTree>
     <p:extLst>
       <p:ext uri="{BB962C8B-B14F-4D97-AF65-F5344CB8AC3E}">
@@ -3796,8 +3507,8 @@
         </p:nvSpPr>
         <p:spPr>
           <a:xfrm>
-            <a:off x="474439" y="2903456"/>
-            <a:ext cx="2928638" cy="2639506"/>
+            <a:off x="879792" y="2903456"/>
+            <a:ext cx="3707027" cy="2894538"/>
           </a:xfrm>
           <a:prstGeom prst="rect">
             <a:avLst/>
@@ -3844,7 +3555,7 @@
         </p:nvSpPr>
         <p:spPr>
           <a:xfrm>
-            <a:off x="503734" y="2432114"/>
+            <a:off x="909088" y="2432115"/>
             <a:ext cx="1229824" cy="369332"/>
           </a:xfrm>
           <a:prstGeom prst="rect">
@@ -3880,7 +3591,7 @@
         </p:nvSpPr>
         <p:spPr>
           <a:xfrm>
-            <a:off x="474438" y="2432114"/>
+            <a:off x="879792" y="2432115"/>
             <a:ext cx="1421920" cy="471341"/>
           </a:xfrm>
           <a:prstGeom prst="rect">
@@ -3936,7 +3647,7 @@
         </p:blipFill>
         <p:spPr>
           <a:xfrm>
-            <a:off x="2239686" y="3044053"/>
+            <a:off x="3489099" y="3427797"/>
             <a:ext cx="998307" cy="1120237"/>
           </a:xfrm>
           <a:prstGeom prst="rect">
@@ -3962,11 +3673,13 @@
         </p:nvSpPr>
         <p:spPr>
           <a:xfrm>
-            <a:off x="3751656" y="2432114"/>
-            <a:ext cx="1555756" cy="2253008"/>
+            <a:off x="5281175" y="2831153"/>
+            <a:ext cx="1954491" cy="2313525"/>
           </a:xfrm>
           <a:prstGeom prst="can">
-            <a:avLst/>
+            <a:avLst>
+              <a:gd name="adj" fmla="val 402"/>
+            </a:avLst>
           </a:prstGeom>
           <a:noFill/>
           <a:ln w="38100">
@@ -3998,49 +3711,6 @@
           </a:p>
         </p:txBody>
       </p:sp>
-      <p:cxnSp>
-        <p:nvCxnSpPr>
-          <p:cNvPr id="14" name="连接符: 曲线 13">
-            <a:extLst>
-              <a:ext uri="{FF2B5EF4-FFF2-40B4-BE49-F238E27FC236}">
-                <a16:creationId xmlns:a16="http://schemas.microsoft.com/office/drawing/2014/main" id="{3F8C4247-6CCD-4F5E-8D46-CA07EAD95DEF}"/>
-              </a:ext>
-            </a:extLst>
-          </p:cNvPr>
-          <p:cNvCxnSpPr>
-            <a:cxnSpLocks/>
-            <a:stCxn id="11" idx="3"/>
-            <a:endCxn id="12" idx="2"/>
-          </p:cNvCxnSpPr>
-          <p:nvPr/>
-        </p:nvCxnSpPr>
-        <p:spPr>
-          <a:xfrm flipV="1">
-            <a:off x="3237993" y="3558618"/>
-            <a:ext cx="513663" cy="45554"/>
-          </a:xfrm>
-          <a:prstGeom prst="curvedConnector3">
-            <a:avLst/>
-          </a:prstGeom>
-          <a:ln w="38100">
-            <a:tailEnd type="triangle"/>
-          </a:ln>
-        </p:spPr>
-        <p:style>
-          <a:lnRef idx="1">
-            <a:schemeClr val="accent1"/>
-          </a:lnRef>
-          <a:fillRef idx="0">
-            <a:schemeClr val="accent1"/>
-          </a:fillRef>
-          <a:effectRef idx="0">
-            <a:schemeClr val="accent1"/>
-          </a:effectRef>
-          <a:fontRef idx="minor">
-            <a:schemeClr val="tx1"/>
-          </a:fontRef>
-        </p:style>
-      </p:cxnSp>
       <p:sp>
         <p:nvSpPr>
           <p:cNvPr id="15" name="文本框 14">
@@ -4055,84 +3725,13 @@
         </p:nvSpPr>
         <p:spPr>
           <a:xfrm>
-            <a:off x="4005606" y="4157220"/>
-            <a:ext cx="1087685" cy="369332"/>
+            <a:off x="5819838" y="4629278"/>
+            <a:ext cx="877163" cy="369332"/>
           </a:xfrm>
           <a:prstGeom prst="rect">
             <a:avLst/>
           </a:prstGeom>
           <a:noFill/>
-        </p:spPr>
-        <p:txBody>
-          <a:bodyPr wrap="square" rtlCol="0">
-            <a:spAutoFit/>
-          </a:bodyPr>
-          <a:lstStyle/>
-          <a:p>
-            <a:r>
-              <a:rPr lang="en-US" altLang="zh-CN" dirty="0"/>
-              <a:t>git</a:t>
-            </a:r>
-            <a:r>
-              <a:rPr lang="zh-CN" altLang="en-US" dirty="0"/>
-              <a:t>仓库</a:t>
-            </a:r>
-          </a:p>
-        </p:txBody>
-      </p:sp>
-      <p:pic>
-        <p:nvPicPr>
-          <p:cNvPr id="2" name="图片 1">
-            <a:extLst>
-              <a:ext uri="{FF2B5EF4-FFF2-40B4-BE49-F238E27FC236}">
-                <a16:creationId xmlns:a16="http://schemas.microsoft.com/office/drawing/2014/main" id="{B56B5511-6B0F-4149-A562-8BC0264EF5FB}"/>
-              </a:ext>
-            </a:extLst>
-          </p:cNvPr>
-          <p:cNvPicPr>
-            <a:picLocks noChangeAspect="1"/>
-          </p:cNvPicPr>
-          <p:nvPr/>
-        </p:nvPicPr>
-        <p:blipFill>
-          <a:blip r:embed="rId3"/>
-          <a:stretch>
-            <a:fillRect/>
-          </a:stretch>
-        </p:blipFill>
-        <p:spPr>
-          <a:xfrm>
-            <a:off x="683928" y="3180259"/>
-            <a:ext cx="713112" cy="800209"/>
-          </a:xfrm>
-          <a:prstGeom prst="rect">
-            <a:avLst/>
-          </a:prstGeom>
-        </p:spPr>
-      </p:pic>
-      <p:sp>
-        <p:nvSpPr>
-          <p:cNvPr id="13" name="文本框 12">
-            <a:extLst>
-              <a:ext uri="{FF2B5EF4-FFF2-40B4-BE49-F238E27FC236}">
-                <a16:creationId xmlns:a16="http://schemas.microsoft.com/office/drawing/2014/main" id="{F3E379CF-BEAE-4C83-A296-746DA36072D4}"/>
-              </a:ext>
-            </a:extLst>
-          </p:cNvPr>
-          <p:cNvSpPr txBox="1"/>
-          <p:nvPr/>
-        </p:nvSpPr>
-        <p:spPr>
-          <a:xfrm>
-            <a:off x="474438" y="395950"/>
-            <a:ext cx="4528804" cy="1200329"/>
-          </a:xfrm>
-          <a:prstGeom prst="rect">
-            <a:avLst/>
-          </a:prstGeom>
-          <a:solidFill>
-            <a:schemeClr val="accent3"/>
-          </a:solidFill>
         </p:spPr>
         <p:txBody>
           <a:bodyPr wrap="none" rtlCol="0">
@@ -4141,67 +3740,18 @@
           <a:lstStyle/>
           <a:p>
             <a:r>
-              <a:rPr lang="en-US" altLang="zh-CN" dirty="0"/>
-              <a:t>1. </a:t>
-            </a:r>
-            <a:r>
               <a:rPr lang="zh-CN" altLang="en-US" dirty="0"/>
-              <a:t>新建一个文件，名为</a:t>
-            </a:r>
-            <a:r>
-              <a:rPr lang="en-US" altLang="zh-CN" dirty="0"/>
-              <a:t>web.md</a:t>
-            </a:r>
-            <a:r>
-              <a:rPr lang="zh-CN" altLang="en-US" dirty="0"/>
-              <a:t>，</a:t>
-            </a:r>
-            <a:endParaRPr lang="en-US" altLang="zh-CN" dirty="0"/>
-          </a:p>
-          <a:p>
-            <a:r>
-              <a:rPr lang="zh-CN" altLang="en-US" dirty="0"/>
-              <a:t>添加任意内容，并保存。</a:t>
-            </a:r>
-            <a:endParaRPr lang="en-US" altLang="zh-CN" dirty="0"/>
-          </a:p>
-          <a:p>
-            <a:endParaRPr lang="en-US" altLang="zh-CN" dirty="0"/>
-          </a:p>
-          <a:p>
-            <a:r>
-              <a:rPr lang="zh-CN" altLang="en-US" dirty="0"/>
-              <a:t>此时，</a:t>
-            </a:r>
-            <a:r>
-              <a:rPr lang="en-US" altLang="zh-CN" dirty="0"/>
-              <a:t>web.md</a:t>
-            </a:r>
-            <a:r>
-              <a:rPr lang="zh-CN" altLang="en-US" dirty="0"/>
-              <a:t>对于</a:t>
-            </a:r>
-            <a:r>
-              <a:rPr lang="en-US" altLang="zh-CN" dirty="0"/>
-              <a:t>git</a:t>
-            </a:r>
-            <a:r>
-              <a:rPr lang="zh-CN" altLang="en-US" dirty="0"/>
-              <a:t>仓库来说是</a:t>
-            </a:r>
-            <a:r>
-              <a:rPr lang="en-US" altLang="zh-CN" dirty="0"/>
-              <a:t>untracked</a:t>
-            </a:r>
-          </a:p>
-        </p:txBody>
-      </p:sp>
-      <p:sp>
-        <p:nvSpPr>
-          <p:cNvPr id="38" name="矩形 37">
-            <a:extLst>
-              <a:ext uri="{FF2B5EF4-FFF2-40B4-BE49-F238E27FC236}">
-                <a16:creationId xmlns:a16="http://schemas.microsoft.com/office/drawing/2014/main" id="{8B5015B6-3AA8-43C2-A3B5-683169BB8CE2}"/>
+              <a:t>暂存区</a:t>
+            </a:r>
+          </a:p>
+        </p:txBody>
+      </p:sp>
+      <p:sp>
+        <p:nvSpPr>
+          <p:cNvPr id="13" name="圆柱体 12">
+            <a:extLst>
+              <a:ext uri="{FF2B5EF4-FFF2-40B4-BE49-F238E27FC236}">
+                <a16:creationId xmlns:a16="http://schemas.microsoft.com/office/drawing/2014/main" id="{8EEDCB6C-BA87-4985-AE29-FC7D192DF6B8}"/>
               </a:ext>
             </a:extLst>
           </p:cNvPr>
@@ -4210,14 +3760,16 @@
         </p:nvSpPr>
         <p:spPr>
           <a:xfrm>
-            <a:off x="6795985" y="2903456"/>
-            <a:ext cx="2928638" cy="2639506"/>
-          </a:xfrm>
-          <a:prstGeom prst="rect">
+            <a:off x="9004069" y="2831152"/>
+            <a:ext cx="1954491" cy="2313525"/>
+          </a:xfrm>
+          <a:prstGeom prst="can">
             <a:avLst/>
           </a:prstGeom>
           <a:noFill/>
-          <a:ln w="57150"/>
+          <a:ln w="38100">
+            <a:prstDash val="dashDot"/>
+          </a:ln>
         </p:spPr>
         <p:style>
           <a:lnRef idx="2">
@@ -4240,16 +3792,16 @@
           <a:lstStyle/>
           <a:p>
             <a:pPr algn="ctr"/>
-            <a:endParaRPr lang="zh-CN" altLang="en-US" dirty="0"/>
-          </a:p>
-        </p:txBody>
-      </p:sp>
-      <p:sp>
-        <p:nvSpPr>
-          <p:cNvPr id="39" name="文本框 38">
-            <a:extLst>
-              <a:ext uri="{FF2B5EF4-FFF2-40B4-BE49-F238E27FC236}">
-                <a16:creationId xmlns:a16="http://schemas.microsoft.com/office/drawing/2014/main" id="{AEE36737-2D42-479E-B791-F47B1F741993}"/>
+            <a:endParaRPr lang="zh-CN" altLang="en-US"/>
+          </a:p>
+        </p:txBody>
+      </p:sp>
+      <p:sp>
+        <p:nvSpPr>
+          <p:cNvPr id="16" name="文本框 15">
+            <a:extLst>
+              <a:ext uri="{FF2B5EF4-FFF2-40B4-BE49-F238E27FC236}">
+                <a16:creationId xmlns:a16="http://schemas.microsoft.com/office/drawing/2014/main" id="{8D8DD38A-A78D-43A9-BD61-75CD355F5CDE}"/>
               </a:ext>
             </a:extLst>
           </p:cNvPr>
@@ -4258,8 +3810,8 @@
         </p:nvSpPr>
         <p:spPr>
           <a:xfrm>
-            <a:off x="6825280" y="2432114"/>
-            <a:ext cx="1229824" cy="369332"/>
+            <a:off x="9621582" y="4629278"/>
+            <a:ext cx="926857" cy="369332"/>
           </a:xfrm>
           <a:prstGeom prst="rect">
             <a:avLst/>
@@ -4274,18 +3826,21 @@
           <a:p>
             <a:r>
               <a:rPr lang="en-US" altLang="zh-CN" dirty="0"/>
-              <a:t>d:/learngit</a:t>
-            </a:r>
-            <a:endParaRPr lang="zh-CN" altLang="en-US" dirty="0"/>
-          </a:p>
-        </p:txBody>
-      </p:sp>
-      <p:sp>
-        <p:nvSpPr>
-          <p:cNvPr id="40" name="矩形 39">
-            <a:extLst>
-              <a:ext uri="{FF2B5EF4-FFF2-40B4-BE49-F238E27FC236}">
-                <a16:creationId xmlns:a16="http://schemas.microsoft.com/office/drawing/2014/main" id="{AE63D1BF-34F2-4572-90AB-C8856AAB8BF7}"/>
+              <a:t>git</a:t>
+            </a:r>
+            <a:r>
+              <a:rPr lang="zh-CN" altLang="en-US" dirty="0"/>
+              <a:t>仓库</a:t>
+            </a:r>
+          </a:p>
+        </p:txBody>
+      </p:sp>
+      <p:sp>
+        <p:nvSpPr>
+          <p:cNvPr id="20" name="椭圆 19">
+            <a:extLst>
+              <a:ext uri="{FF2B5EF4-FFF2-40B4-BE49-F238E27FC236}">
+                <a16:creationId xmlns:a16="http://schemas.microsoft.com/office/drawing/2014/main" id="{57C67EF1-1F2C-45F7-9A38-29EF5A134254}"/>
               </a:ext>
             </a:extLst>
           </p:cNvPr>
@@ -4294,14 +3849,16 @@
         </p:nvSpPr>
         <p:spPr>
           <a:xfrm>
-            <a:off x="6795984" y="2432114"/>
-            <a:ext cx="1421920" cy="471341"/>
-          </a:xfrm>
-          <a:prstGeom prst="rect">
+            <a:off x="1000219" y="3035985"/>
+            <a:ext cx="2602986" cy="2425461"/>
+          </a:xfrm>
+          <a:prstGeom prst="ellipse">
             <a:avLst/>
           </a:prstGeom>
           <a:noFill/>
-          <a:ln w="57150"/>
+          <a:ln>
+            <a:prstDash val="dash"/>
+          </a:ln>
         </p:spPr>
         <p:style>
           <a:lnRef idx="2">
@@ -4324,50 +3881,141 @@
           <a:lstStyle/>
           <a:p>
             <a:pPr algn="ctr"/>
-            <a:endParaRPr lang="zh-CN" altLang="en-US" dirty="0"/>
-          </a:p>
-        </p:txBody>
-      </p:sp>
-      <p:pic>
-        <p:nvPicPr>
-          <p:cNvPr id="41" name="图片 40">
-            <a:extLst>
-              <a:ext uri="{FF2B5EF4-FFF2-40B4-BE49-F238E27FC236}">
-                <a16:creationId xmlns:a16="http://schemas.microsoft.com/office/drawing/2014/main" id="{D77A4552-DFE2-436D-B600-1FE78701EA8E}"/>
-              </a:ext>
-            </a:extLst>
-          </p:cNvPr>
-          <p:cNvPicPr>
-            <a:picLocks noChangeAspect="1"/>
-          </p:cNvPicPr>
-          <p:nvPr/>
-        </p:nvPicPr>
-        <p:blipFill>
-          <a:blip r:embed="rId2"/>
-          <a:stretch>
-            <a:fillRect/>
-          </a:stretch>
-        </p:blipFill>
-        <p:spPr>
-          <a:xfrm>
-            <a:off x="8561232" y="3044053"/>
-            <a:ext cx="998307" cy="1120237"/>
+            <a:endParaRPr lang="zh-CN" altLang="en-US"/>
+          </a:p>
+        </p:txBody>
+      </p:sp>
+      <p:sp>
+        <p:nvSpPr>
+          <p:cNvPr id="22" name="文本框 21">
+            <a:extLst>
+              <a:ext uri="{FF2B5EF4-FFF2-40B4-BE49-F238E27FC236}">
+                <a16:creationId xmlns:a16="http://schemas.microsoft.com/office/drawing/2014/main" id="{F995F98A-ABB3-4D47-9781-A01125E6D40B}"/>
+              </a:ext>
+            </a:extLst>
+          </p:cNvPr>
+          <p:cNvSpPr txBox="1"/>
+          <p:nvPr/>
+        </p:nvSpPr>
+        <p:spPr>
+          <a:xfrm>
+            <a:off x="1813243" y="4998610"/>
+            <a:ext cx="877163" cy="369332"/>
           </a:xfrm>
           <a:prstGeom prst="rect">
             <a:avLst/>
           </a:prstGeom>
-          <a:ln w="28575">
-            <a:noFill/>
-            <a:prstDash val="dashDot"/>
-          </a:ln>
-        </p:spPr>
-      </p:pic>
-      <p:sp>
-        <p:nvSpPr>
-          <p:cNvPr id="42" name="圆柱体 41">
-            <a:extLst>
-              <a:ext uri="{FF2B5EF4-FFF2-40B4-BE49-F238E27FC236}">
-                <a16:creationId xmlns:a16="http://schemas.microsoft.com/office/drawing/2014/main" id="{9B28ABE6-F946-456F-AFAE-0A93DDFF0083}"/>
+          <a:noFill/>
+        </p:spPr>
+        <p:txBody>
+          <a:bodyPr wrap="none" rtlCol="0">
+            <a:spAutoFit/>
+          </a:bodyPr>
+          <a:lstStyle/>
+          <a:p>
+            <a:r>
+              <a:rPr lang="zh-CN" altLang="en-US" dirty="0"/>
+              <a:t>工作区</a:t>
+            </a:r>
+          </a:p>
+        </p:txBody>
+      </p:sp>
+      <p:sp>
+        <p:nvSpPr>
+          <p:cNvPr id="23" name="文本框 22">
+            <a:extLst>
+              <a:ext uri="{FF2B5EF4-FFF2-40B4-BE49-F238E27FC236}">
+                <a16:creationId xmlns:a16="http://schemas.microsoft.com/office/drawing/2014/main" id="{A15D205C-DEB7-41AB-A645-5977E7DA2333}"/>
+              </a:ext>
+            </a:extLst>
+          </p:cNvPr>
+          <p:cNvSpPr txBox="1"/>
+          <p:nvPr/>
+        </p:nvSpPr>
+        <p:spPr>
+          <a:xfrm>
+            <a:off x="134660" y="105899"/>
+            <a:ext cx="4734420" cy="954107"/>
+          </a:xfrm>
+          <a:prstGeom prst="rect">
+            <a:avLst/>
+          </a:prstGeom>
+        </p:spPr>
+        <p:style>
+          <a:lnRef idx="1">
+            <a:schemeClr val="accent5"/>
+          </a:lnRef>
+          <a:fillRef idx="3">
+            <a:schemeClr val="accent5"/>
+          </a:fillRef>
+          <a:effectRef idx="2">
+            <a:schemeClr val="accent5"/>
+          </a:effectRef>
+          <a:fontRef idx="minor">
+            <a:schemeClr val="lt1"/>
+          </a:fontRef>
+        </p:style>
+        <p:txBody>
+          <a:bodyPr wrap="square" rtlCol="0">
+            <a:spAutoFit/>
+          </a:bodyPr>
+          <a:lstStyle/>
+          <a:p>
+            <a:r>
+              <a:rPr lang="zh-CN" altLang="en-US" sz="2800" dirty="0"/>
+              <a:t>命令：</a:t>
+            </a:r>
+            <a:endParaRPr lang="en-US" altLang="zh-CN" sz="2800" dirty="0"/>
+          </a:p>
+          <a:p>
+            <a:r>
+              <a:rPr lang="en-US" altLang="zh-CN" sz="2800" dirty="0"/>
+              <a:t>git </a:t>
+            </a:r>
+            <a:r>
+              <a:rPr lang="en-US" altLang="zh-CN" sz="2800" dirty="0" err="1"/>
+              <a:t>init</a:t>
+            </a:r>
+            <a:endParaRPr lang="zh-CN" altLang="en-US" sz="2800" dirty="0"/>
+          </a:p>
+        </p:txBody>
+      </p:sp>
+    </p:spTree>
+    <p:extLst>
+      <p:ext uri="{BB962C8B-B14F-4D97-AF65-F5344CB8AC3E}">
+        <p14:creationId xmlns:p14="http://schemas.microsoft.com/office/powerpoint/2010/main" val="3890253418"/>
+      </p:ext>
+    </p:extLst>
+  </p:cSld>
+  <p:clrMapOvr>
+    <a:masterClrMapping/>
+  </p:clrMapOvr>
+</p:sld>
+</file>
+
+<file path=ppt/slides/slide3.xml><?xml version="1.0" encoding="utf-8"?>
+<p:sld xmlns:a="http://schemas.openxmlformats.org/drawingml/2006/main" xmlns:r="http://schemas.openxmlformats.org/officeDocument/2006/relationships" xmlns:p="http://schemas.openxmlformats.org/presentationml/2006/main">
+  <p:cSld>
+    <p:spTree>
+      <p:nvGrpSpPr>
+        <p:cNvPr id="1" name=""/>
+        <p:cNvGrpSpPr/>
+        <p:nvPr/>
+      </p:nvGrpSpPr>
+      <p:grpSpPr>
+        <a:xfrm>
+          <a:off x="0" y="0"/>
+          <a:ext cx="0" cy="0"/>
+          <a:chOff x="0" y="0"/>
+          <a:chExt cx="0" cy="0"/>
+        </a:xfrm>
+      </p:grpSpPr>
+      <p:sp>
+        <p:nvSpPr>
+          <p:cNvPr id="8" name="矩形 7">
+            <a:extLst>
+              <a:ext uri="{FF2B5EF4-FFF2-40B4-BE49-F238E27FC236}">
+                <a16:creationId xmlns:a16="http://schemas.microsoft.com/office/drawing/2014/main" id="{02CB3CBA-6E63-4C8B-9C08-893B060AD68E}"/>
               </a:ext>
             </a:extLst>
           </p:cNvPr>
@@ -4376,16 +4024,14 @@
         </p:nvSpPr>
         <p:spPr>
           <a:xfrm>
-            <a:off x="10073202" y="2432114"/>
-            <a:ext cx="1555756" cy="2253008"/>
-          </a:xfrm>
-          <a:prstGeom prst="can">
+            <a:off x="879792" y="2903456"/>
+            <a:ext cx="3707027" cy="2894538"/>
+          </a:xfrm>
+          <a:prstGeom prst="rect">
             <a:avLst/>
           </a:prstGeom>
           <a:noFill/>
-          <a:ln w="38100">
-            <a:prstDash val="dashDot"/>
-          </a:ln>
+          <a:ln w="57150"/>
         </p:spPr>
         <p:style>
           <a:lnRef idx="2">
@@ -4408,35 +4054,823 @@
           <a:lstStyle/>
           <a:p>
             <a:pPr algn="ctr"/>
+            <a:endParaRPr lang="zh-CN" altLang="en-US" dirty="0"/>
+          </a:p>
+        </p:txBody>
+      </p:sp>
+      <p:sp>
+        <p:nvSpPr>
+          <p:cNvPr id="9" name="文本框 8">
+            <a:extLst>
+              <a:ext uri="{FF2B5EF4-FFF2-40B4-BE49-F238E27FC236}">
+                <a16:creationId xmlns:a16="http://schemas.microsoft.com/office/drawing/2014/main" id="{7A21413E-559B-41BC-9CEC-60D6FD143199}"/>
+              </a:ext>
+            </a:extLst>
+          </p:cNvPr>
+          <p:cNvSpPr txBox="1"/>
+          <p:nvPr/>
+        </p:nvSpPr>
+        <p:spPr>
+          <a:xfrm>
+            <a:off x="909088" y="2432115"/>
+            <a:ext cx="1229824" cy="369332"/>
+          </a:xfrm>
+          <a:prstGeom prst="rect">
+            <a:avLst/>
+          </a:prstGeom>
+          <a:noFill/>
+        </p:spPr>
+        <p:txBody>
+          <a:bodyPr wrap="none" rtlCol="0">
+            <a:spAutoFit/>
+          </a:bodyPr>
+          <a:lstStyle/>
+          <a:p>
+            <a:r>
+              <a:rPr lang="en-US" altLang="zh-CN" dirty="0"/>
+              <a:t>d:/learngit</a:t>
+            </a:r>
+            <a:endParaRPr lang="zh-CN" altLang="en-US" dirty="0"/>
+          </a:p>
+        </p:txBody>
+      </p:sp>
+      <p:sp>
+        <p:nvSpPr>
+          <p:cNvPr id="10" name="矩形 9">
+            <a:extLst>
+              <a:ext uri="{FF2B5EF4-FFF2-40B4-BE49-F238E27FC236}">
+                <a16:creationId xmlns:a16="http://schemas.microsoft.com/office/drawing/2014/main" id="{7BE2A0CC-8A41-4521-8C6D-7C8A0BDDB29F}"/>
+              </a:ext>
+            </a:extLst>
+          </p:cNvPr>
+          <p:cNvSpPr/>
+          <p:nvPr/>
+        </p:nvSpPr>
+        <p:spPr>
+          <a:xfrm>
+            <a:off x="879792" y="2432115"/>
+            <a:ext cx="1421920" cy="471341"/>
+          </a:xfrm>
+          <a:prstGeom prst="rect">
+            <a:avLst/>
+          </a:prstGeom>
+          <a:noFill/>
+          <a:ln w="57150"/>
+        </p:spPr>
+        <p:style>
+          <a:lnRef idx="2">
+            <a:schemeClr val="accent1">
+              <a:shade val="50000"/>
+            </a:schemeClr>
+          </a:lnRef>
+          <a:fillRef idx="1">
+            <a:schemeClr val="accent1"/>
+          </a:fillRef>
+          <a:effectRef idx="0">
+            <a:schemeClr val="accent1"/>
+          </a:effectRef>
+          <a:fontRef idx="minor">
+            <a:schemeClr val="lt1"/>
+          </a:fontRef>
+        </p:style>
+        <p:txBody>
+          <a:bodyPr rtlCol="0" anchor="ctr"/>
+          <a:lstStyle/>
+          <a:p>
+            <a:pPr algn="ctr"/>
+            <a:endParaRPr lang="zh-CN" altLang="en-US" dirty="0"/>
+          </a:p>
+        </p:txBody>
+      </p:sp>
+      <p:pic>
+        <p:nvPicPr>
+          <p:cNvPr id="11" name="图片 10">
+            <a:extLst>
+              <a:ext uri="{FF2B5EF4-FFF2-40B4-BE49-F238E27FC236}">
+                <a16:creationId xmlns:a16="http://schemas.microsoft.com/office/drawing/2014/main" id="{9A880BC7-4DBA-41B9-886C-7AEBC075C44F}"/>
+              </a:ext>
+            </a:extLst>
+          </p:cNvPr>
+          <p:cNvPicPr>
+            <a:picLocks noChangeAspect="1"/>
+          </p:cNvPicPr>
+          <p:nvPr/>
+        </p:nvPicPr>
+        <p:blipFill>
+          <a:blip r:embed="rId2"/>
+          <a:stretch>
+            <a:fillRect/>
+          </a:stretch>
+        </p:blipFill>
+        <p:spPr>
+          <a:xfrm>
+            <a:off x="3489099" y="3427797"/>
+            <a:ext cx="998307" cy="1120237"/>
+          </a:xfrm>
+          <a:prstGeom prst="rect">
+            <a:avLst/>
+          </a:prstGeom>
+          <a:ln w="28575">
+            <a:noFill/>
+            <a:prstDash val="dashDot"/>
+          </a:ln>
+        </p:spPr>
+      </p:pic>
+      <p:sp>
+        <p:nvSpPr>
+          <p:cNvPr id="12" name="圆柱体 11">
+            <a:extLst>
+              <a:ext uri="{FF2B5EF4-FFF2-40B4-BE49-F238E27FC236}">
+                <a16:creationId xmlns:a16="http://schemas.microsoft.com/office/drawing/2014/main" id="{FA2855A8-2549-4D73-B137-9433E1DABF44}"/>
+              </a:ext>
+            </a:extLst>
+          </p:cNvPr>
+          <p:cNvSpPr/>
+          <p:nvPr/>
+        </p:nvSpPr>
+        <p:spPr>
+          <a:xfrm>
+            <a:off x="5281175" y="2831153"/>
+            <a:ext cx="1954491" cy="2313525"/>
+          </a:xfrm>
+          <a:prstGeom prst="can">
+            <a:avLst>
+              <a:gd name="adj" fmla="val 402"/>
+            </a:avLst>
+          </a:prstGeom>
+          <a:noFill/>
+          <a:ln w="38100">
+            <a:prstDash val="dashDot"/>
+          </a:ln>
+        </p:spPr>
+        <p:style>
+          <a:lnRef idx="2">
+            <a:schemeClr val="accent1">
+              <a:shade val="50000"/>
+            </a:schemeClr>
+          </a:lnRef>
+          <a:fillRef idx="1">
+            <a:schemeClr val="accent1"/>
+          </a:fillRef>
+          <a:effectRef idx="0">
+            <a:schemeClr val="accent1"/>
+          </a:effectRef>
+          <a:fontRef idx="minor">
+            <a:schemeClr val="lt1"/>
+          </a:fontRef>
+        </p:style>
+        <p:txBody>
+          <a:bodyPr rtlCol="0" anchor="ctr"/>
+          <a:lstStyle/>
+          <a:p>
+            <a:pPr algn="ctr"/>
             <a:endParaRPr lang="zh-CN" altLang="en-US"/>
+          </a:p>
+        </p:txBody>
+      </p:sp>
+      <p:sp>
+        <p:nvSpPr>
+          <p:cNvPr id="15" name="文本框 14">
+            <a:extLst>
+              <a:ext uri="{FF2B5EF4-FFF2-40B4-BE49-F238E27FC236}">
+                <a16:creationId xmlns:a16="http://schemas.microsoft.com/office/drawing/2014/main" id="{0287D92B-ED49-412F-B3E5-98B33296C2BD}"/>
+              </a:ext>
+            </a:extLst>
+          </p:cNvPr>
+          <p:cNvSpPr txBox="1"/>
+          <p:nvPr/>
+        </p:nvSpPr>
+        <p:spPr>
+          <a:xfrm>
+            <a:off x="5819838" y="4629278"/>
+            <a:ext cx="877163" cy="369332"/>
+          </a:xfrm>
+          <a:prstGeom prst="rect">
+            <a:avLst/>
+          </a:prstGeom>
+          <a:noFill/>
+        </p:spPr>
+        <p:txBody>
+          <a:bodyPr wrap="none" rtlCol="0">
+            <a:spAutoFit/>
+          </a:bodyPr>
+          <a:lstStyle/>
+          <a:p>
+            <a:r>
+              <a:rPr lang="zh-CN" altLang="en-US" dirty="0"/>
+              <a:t>暂存区</a:t>
+            </a:r>
+          </a:p>
+        </p:txBody>
+      </p:sp>
+      <p:sp>
+        <p:nvSpPr>
+          <p:cNvPr id="13" name="圆柱体 12">
+            <a:extLst>
+              <a:ext uri="{FF2B5EF4-FFF2-40B4-BE49-F238E27FC236}">
+                <a16:creationId xmlns:a16="http://schemas.microsoft.com/office/drawing/2014/main" id="{8EEDCB6C-BA87-4985-AE29-FC7D192DF6B8}"/>
+              </a:ext>
+            </a:extLst>
+          </p:cNvPr>
+          <p:cNvSpPr/>
+          <p:nvPr/>
+        </p:nvSpPr>
+        <p:spPr>
+          <a:xfrm>
+            <a:off x="9004069" y="2831152"/>
+            <a:ext cx="1954491" cy="2313525"/>
+          </a:xfrm>
+          <a:prstGeom prst="can">
+            <a:avLst/>
+          </a:prstGeom>
+          <a:noFill/>
+          <a:ln w="38100">
+            <a:prstDash val="dashDot"/>
+          </a:ln>
+        </p:spPr>
+        <p:style>
+          <a:lnRef idx="2">
+            <a:schemeClr val="accent1">
+              <a:shade val="50000"/>
+            </a:schemeClr>
+          </a:lnRef>
+          <a:fillRef idx="1">
+            <a:schemeClr val="accent1"/>
+          </a:fillRef>
+          <a:effectRef idx="0">
+            <a:schemeClr val="accent1"/>
+          </a:effectRef>
+          <a:fontRef idx="minor">
+            <a:schemeClr val="lt1"/>
+          </a:fontRef>
+        </p:style>
+        <p:txBody>
+          <a:bodyPr rtlCol="0" anchor="ctr"/>
+          <a:lstStyle/>
+          <a:p>
+            <a:pPr algn="ctr"/>
+            <a:endParaRPr lang="zh-CN" altLang="en-US"/>
+          </a:p>
+        </p:txBody>
+      </p:sp>
+      <p:sp>
+        <p:nvSpPr>
+          <p:cNvPr id="16" name="文本框 15">
+            <a:extLst>
+              <a:ext uri="{FF2B5EF4-FFF2-40B4-BE49-F238E27FC236}">
+                <a16:creationId xmlns:a16="http://schemas.microsoft.com/office/drawing/2014/main" id="{8D8DD38A-A78D-43A9-BD61-75CD355F5CDE}"/>
+              </a:ext>
+            </a:extLst>
+          </p:cNvPr>
+          <p:cNvSpPr txBox="1"/>
+          <p:nvPr/>
+        </p:nvSpPr>
+        <p:spPr>
+          <a:xfrm>
+            <a:off x="9621582" y="4629278"/>
+            <a:ext cx="926857" cy="369332"/>
+          </a:xfrm>
+          <a:prstGeom prst="rect">
+            <a:avLst/>
+          </a:prstGeom>
+          <a:noFill/>
+        </p:spPr>
+        <p:txBody>
+          <a:bodyPr wrap="none" rtlCol="0">
+            <a:spAutoFit/>
+          </a:bodyPr>
+          <a:lstStyle/>
+          <a:p>
+            <a:r>
+              <a:rPr lang="en-US" altLang="zh-CN" dirty="0"/>
+              <a:t>git</a:t>
+            </a:r>
+            <a:r>
+              <a:rPr lang="zh-CN" altLang="en-US" dirty="0"/>
+              <a:t>仓库</a:t>
+            </a:r>
+          </a:p>
+        </p:txBody>
+      </p:sp>
+      <p:sp>
+        <p:nvSpPr>
+          <p:cNvPr id="20" name="椭圆 19">
+            <a:extLst>
+              <a:ext uri="{FF2B5EF4-FFF2-40B4-BE49-F238E27FC236}">
+                <a16:creationId xmlns:a16="http://schemas.microsoft.com/office/drawing/2014/main" id="{57C67EF1-1F2C-45F7-9A38-29EF5A134254}"/>
+              </a:ext>
+            </a:extLst>
+          </p:cNvPr>
+          <p:cNvSpPr/>
+          <p:nvPr/>
+        </p:nvSpPr>
+        <p:spPr>
+          <a:xfrm>
+            <a:off x="1000219" y="3035985"/>
+            <a:ext cx="2602986" cy="2425461"/>
+          </a:xfrm>
+          <a:prstGeom prst="ellipse">
+            <a:avLst/>
+          </a:prstGeom>
+          <a:noFill/>
+          <a:ln>
+            <a:prstDash val="dash"/>
+          </a:ln>
+        </p:spPr>
+        <p:style>
+          <a:lnRef idx="2">
+            <a:schemeClr val="accent1">
+              <a:shade val="50000"/>
+            </a:schemeClr>
+          </a:lnRef>
+          <a:fillRef idx="1">
+            <a:schemeClr val="accent1"/>
+          </a:fillRef>
+          <a:effectRef idx="0">
+            <a:schemeClr val="accent1"/>
+          </a:effectRef>
+          <a:fontRef idx="minor">
+            <a:schemeClr val="lt1"/>
+          </a:fontRef>
+        </p:style>
+        <p:txBody>
+          <a:bodyPr rtlCol="0" anchor="ctr"/>
+          <a:lstStyle/>
+          <a:p>
+            <a:pPr algn="ctr"/>
+            <a:endParaRPr lang="zh-CN" altLang="en-US"/>
+          </a:p>
+        </p:txBody>
+      </p:sp>
+      <p:sp>
+        <p:nvSpPr>
+          <p:cNvPr id="22" name="文本框 21">
+            <a:extLst>
+              <a:ext uri="{FF2B5EF4-FFF2-40B4-BE49-F238E27FC236}">
+                <a16:creationId xmlns:a16="http://schemas.microsoft.com/office/drawing/2014/main" id="{F995F98A-ABB3-4D47-9781-A01125E6D40B}"/>
+              </a:ext>
+            </a:extLst>
+          </p:cNvPr>
+          <p:cNvSpPr txBox="1"/>
+          <p:nvPr/>
+        </p:nvSpPr>
+        <p:spPr>
+          <a:xfrm>
+            <a:off x="1813243" y="4998610"/>
+            <a:ext cx="877163" cy="369332"/>
+          </a:xfrm>
+          <a:prstGeom prst="rect">
+            <a:avLst/>
+          </a:prstGeom>
+          <a:noFill/>
+        </p:spPr>
+        <p:txBody>
+          <a:bodyPr wrap="none" rtlCol="0">
+            <a:spAutoFit/>
+          </a:bodyPr>
+          <a:lstStyle/>
+          <a:p>
+            <a:r>
+              <a:rPr lang="zh-CN" altLang="en-US" dirty="0"/>
+              <a:t>工作区</a:t>
+            </a:r>
+          </a:p>
+        </p:txBody>
+      </p:sp>
+      <p:sp>
+        <p:nvSpPr>
+          <p:cNvPr id="23" name="文本框 22">
+            <a:extLst>
+              <a:ext uri="{FF2B5EF4-FFF2-40B4-BE49-F238E27FC236}">
+                <a16:creationId xmlns:a16="http://schemas.microsoft.com/office/drawing/2014/main" id="{A15D205C-DEB7-41AB-A645-5977E7DA2333}"/>
+              </a:ext>
+            </a:extLst>
+          </p:cNvPr>
+          <p:cNvSpPr txBox="1"/>
+          <p:nvPr/>
+        </p:nvSpPr>
+        <p:spPr>
+          <a:xfrm>
+            <a:off x="134660" y="105899"/>
+            <a:ext cx="4734420" cy="1384995"/>
+          </a:xfrm>
+          <a:prstGeom prst="rect">
+            <a:avLst/>
+          </a:prstGeom>
+        </p:spPr>
+        <p:style>
+          <a:lnRef idx="1">
+            <a:schemeClr val="accent5"/>
+          </a:lnRef>
+          <a:fillRef idx="3">
+            <a:schemeClr val="accent5"/>
+          </a:fillRef>
+          <a:effectRef idx="2">
+            <a:schemeClr val="accent5"/>
+          </a:effectRef>
+          <a:fontRef idx="minor">
+            <a:schemeClr val="lt1"/>
+          </a:fontRef>
+        </p:style>
+        <p:txBody>
+          <a:bodyPr wrap="square" rtlCol="0">
+            <a:spAutoFit/>
+          </a:bodyPr>
+          <a:lstStyle/>
+          <a:p>
+            <a:r>
+              <a:rPr lang="zh-CN" altLang="en-US" sz="2800" dirty="0"/>
+              <a:t>在工作区新建文件</a:t>
+            </a:r>
+            <a:endParaRPr lang="en-US" altLang="zh-CN" sz="2800" dirty="0"/>
+          </a:p>
+          <a:p>
+            <a:r>
+              <a:rPr lang="en-US" altLang="zh-CN" sz="2800" dirty="0"/>
+              <a:t>resume.md</a:t>
+            </a:r>
+          </a:p>
+          <a:p>
+            <a:r>
+              <a:rPr lang="zh-CN" altLang="en-US" sz="2800" dirty="0"/>
+              <a:t>进行编辑</a:t>
+            </a:r>
+          </a:p>
+        </p:txBody>
+      </p:sp>
+      <p:pic>
+        <p:nvPicPr>
+          <p:cNvPr id="3" name="图片 2">
+            <a:extLst>
+              <a:ext uri="{FF2B5EF4-FFF2-40B4-BE49-F238E27FC236}">
+                <a16:creationId xmlns:a16="http://schemas.microsoft.com/office/drawing/2014/main" id="{F3CD8B31-48D3-4822-B1C5-28348D4FDFCE}"/>
+              </a:ext>
+            </a:extLst>
+          </p:cNvPr>
+          <p:cNvPicPr>
+            <a:picLocks noChangeAspect="1"/>
+          </p:cNvPicPr>
+          <p:nvPr/>
+        </p:nvPicPr>
+        <p:blipFill>
+          <a:blip r:embed="rId3"/>
+          <a:stretch>
+            <a:fillRect/>
+          </a:stretch>
+        </p:blipFill>
+        <p:spPr>
+          <a:xfrm>
+            <a:off x="1625955" y="3576398"/>
+            <a:ext cx="746825" cy="823031"/>
+          </a:xfrm>
+          <a:prstGeom prst="rect">
+            <a:avLst/>
+          </a:prstGeom>
+        </p:spPr>
+      </p:pic>
+    </p:spTree>
+    <p:extLst>
+      <p:ext uri="{BB962C8B-B14F-4D97-AF65-F5344CB8AC3E}">
+        <p14:creationId xmlns:p14="http://schemas.microsoft.com/office/powerpoint/2010/main" val="2854061054"/>
+      </p:ext>
+    </p:extLst>
+  </p:cSld>
+  <p:clrMapOvr>
+    <a:masterClrMapping/>
+  </p:clrMapOvr>
+</p:sld>
+</file>
+
+<file path=ppt/slides/slide4.xml><?xml version="1.0" encoding="utf-8"?>
+<p:sld xmlns:a="http://schemas.openxmlformats.org/drawingml/2006/main" xmlns:r="http://schemas.openxmlformats.org/officeDocument/2006/relationships" xmlns:p="http://schemas.openxmlformats.org/presentationml/2006/main">
+  <p:cSld>
+    <p:spTree>
+      <p:nvGrpSpPr>
+        <p:cNvPr id="1" name=""/>
+        <p:cNvGrpSpPr/>
+        <p:nvPr/>
+      </p:nvGrpSpPr>
+      <p:grpSpPr>
+        <a:xfrm>
+          <a:off x="0" y="0"/>
+          <a:ext cx="0" cy="0"/>
+          <a:chOff x="0" y="0"/>
+          <a:chExt cx="0" cy="0"/>
+        </a:xfrm>
+      </p:grpSpPr>
+      <p:sp>
+        <p:nvSpPr>
+          <p:cNvPr id="4" name="矩形 3">
+            <a:extLst>
+              <a:ext uri="{FF2B5EF4-FFF2-40B4-BE49-F238E27FC236}">
+                <a16:creationId xmlns:a16="http://schemas.microsoft.com/office/drawing/2014/main" id="{D576D4A1-8641-4935-842D-A4171B9E8361}"/>
+              </a:ext>
+            </a:extLst>
+          </p:cNvPr>
+          <p:cNvSpPr/>
+          <p:nvPr/>
+        </p:nvSpPr>
+        <p:spPr>
+          <a:xfrm>
+            <a:off x="349271" y="1366884"/>
+            <a:ext cx="1649692" cy="961533"/>
+          </a:xfrm>
+          <a:prstGeom prst="rect">
+            <a:avLst/>
+          </a:prstGeom>
+        </p:spPr>
+        <p:style>
+          <a:lnRef idx="2">
+            <a:schemeClr val="accent5">
+              <a:shade val="50000"/>
+            </a:schemeClr>
+          </a:lnRef>
+          <a:fillRef idx="1">
+            <a:schemeClr val="accent5"/>
+          </a:fillRef>
+          <a:effectRef idx="0">
+            <a:schemeClr val="accent5"/>
+          </a:effectRef>
+          <a:fontRef idx="minor">
+            <a:schemeClr val="lt1"/>
+          </a:fontRef>
+        </p:style>
+        <p:txBody>
+          <a:bodyPr rtlCol="0" anchor="ctr"/>
+          <a:lstStyle/>
+          <a:p>
+            <a:pPr algn="ctr"/>
+            <a:r>
+              <a:rPr lang="zh-CN" altLang="en-US" dirty="0"/>
+              <a:t>未跟踪</a:t>
+            </a:r>
+          </a:p>
+        </p:txBody>
+      </p:sp>
+      <p:sp>
+        <p:nvSpPr>
+          <p:cNvPr id="5" name="矩形 4">
+            <a:extLst>
+              <a:ext uri="{FF2B5EF4-FFF2-40B4-BE49-F238E27FC236}">
+                <a16:creationId xmlns:a16="http://schemas.microsoft.com/office/drawing/2014/main" id="{D353AED4-BB41-4D1D-B12B-CD8EB91B555B}"/>
+              </a:ext>
+            </a:extLst>
+          </p:cNvPr>
+          <p:cNvSpPr/>
+          <p:nvPr/>
+        </p:nvSpPr>
+        <p:spPr>
+          <a:xfrm>
+            <a:off x="3208845" y="1102935"/>
+            <a:ext cx="5910607" cy="4053526"/>
+          </a:xfrm>
+          <a:prstGeom prst="rect">
+            <a:avLst/>
+          </a:prstGeom>
+          <a:noFill/>
+        </p:spPr>
+        <p:style>
+          <a:lnRef idx="2">
+            <a:schemeClr val="accent5">
+              <a:shade val="50000"/>
+            </a:schemeClr>
+          </a:lnRef>
+          <a:fillRef idx="1">
+            <a:schemeClr val="accent5"/>
+          </a:fillRef>
+          <a:effectRef idx="0">
+            <a:schemeClr val="accent5"/>
+          </a:effectRef>
+          <a:fontRef idx="minor">
+            <a:schemeClr val="lt1"/>
+          </a:fontRef>
+        </p:style>
+        <p:txBody>
+          <a:bodyPr rtlCol="0" anchor="ctr"/>
+          <a:lstStyle/>
+          <a:p>
+            <a:pPr algn="ctr"/>
+            <a:endParaRPr lang="zh-CN" altLang="en-US" dirty="0"/>
+          </a:p>
+        </p:txBody>
+      </p:sp>
+      <p:sp>
+        <p:nvSpPr>
+          <p:cNvPr id="6" name="矩形 5">
+            <a:extLst>
+              <a:ext uri="{FF2B5EF4-FFF2-40B4-BE49-F238E27FC236}">
+                <a16:creationId xmlns:a16="http://schemas.microsoft.com/office/drawing/2014/main" id="{6D209231-CD83-4E75-B033-7A97F669F02E}"/>
+              </a:ext>
+            </a:extLst>
+          </p:cNvPr>
+          <p:cNvSpPr/>
+          <p:nvPr/>
+        </p:nvSpPr>
+        <p:spPr>
+          <a:xfrm>
+            <a:off x="7645618" y="4686634"/>
+            <a:ext cx="1338828" cy="369332"/>
+          </a:xfrm>
+          <a:prstGeom prst="rect">
+            <a:avLst/>
+          </a:prstGeom>
+        </p:spPr>
+        <p:txBody>
+          <a:bodyPr wrap="none">
+            <a:spAutoFit/>
+          </a:bodyPr>
+          <a:lstStyle/>
+          <a:p>
+            <a:pPr algn="ctr"/>
+            <a:r>
+              <a:rPr lang="zh-CN" altLang="en-US" dirty="0"/>
+              <a:t>已跟踪状态</a:t>
+            </a:r>
+          </a:p>
+        </p:txBody>
+      </p:sp>
+      <p:sp>
+        <p:nvSpPr>
+          <p:cNvPr id="7" name="矩形 6">
+            <a:extLst>
+              <a:ext uri="{FF2B5EF4-FFF2-40B4-BE49-F238E27FC236}">
+                <a16:creationId xmlns:a16="http://schemas.microsoft.com/office/drawing/2014/main" id="{A06D6D77-7370-486C-9BF9-A64B314F12F7}"/>
+              </a:ext>
+            </a:extLst>
+          </p:cNvPr>
+          <p:cNvSpPr/>
+          <p:nvPr/>
+        </p:nvSpPr>
+        <p:spPr>
+          <a:xfrm>
+            <a:off x="3524659" y="1366884"/>
+            <a:ext cx="1946618" cy="961533"/>
+          </a:xfrm>
+          <a:prstGeom prst="rect">
+            <a:avLst/>
+          </a:prstGeom>
+        </p:spPr>
+        <p:style>
+          <a:lnRef idx="2">
+            <a:schemeClr val="accent5">
+              <a:shade val="50000"/>
+            </a:schemeClr>
+          </a:lnRef>
+          <a:fillRef idx="1">
+            <a:schemeClr val="accent5"/>
+          </a:fillRef>
+          <a:effectRef idx="0">
+            <a:schemeClr val="accent5"/>
+          </a:effectRef>
+          <a:fontRef idx="minor">
+            <a:schemeClr val="lt1"/>
+          </a:fontRef>
+        </p:style>
+        <p:txBody>
+          <a:bodyPr rtlCol="0" anchor="ctr"/>
+          <a:lstStyle/>
+          <a:p>
+            <a:pPr algn="ctr"/>
+            <a:r>
+              <a:rPr lang="zh-CN" altLang="en-US" dirty="0"/>
+              <a:t>已缓存</a:t>
+            </a:r>
+          </a:p>
+        </p:txBody>
+      </p:sp>
+      <p:sp>
+        <p:nvSpPr>
+          <p:cNvPr id="8" name="矩形 7">
+            <a:extLst>
+              <a:ext uri="{FF2B5EF4-FFF2-40B4-BE49-F238E27FC236}">
+                <a16:creationId xmlns:a16="http://schemas.microsoft.com/office/drawing/2014/main" id="{4774AF0F-9BCB-42B6-9AF8-2D0CBE0C6657}"/>
+              </a:ext>
+            </a:extLst>
+          </p:cNvPr>
+          <p:cNvSpPr/>
+          <p:nvPr/>
+        </p:nvSpPr>
+        <p:spPr>
+          <a:xfrm>
+            <a:off x="7094090" y="1346475"/>
+            <a:ext cx="1813203" cy="961533"/>
+          </a:xfrm>
+          <a:prstGeom prst="rect">
+            <a:avLst/>
+          </a:prstGeom>
+        </p:spPr>
+        <p:style>
+          <a:lnRef idx="2">
+            <a:schemeClr val="accent5">
+              <a:shade val="50000"/>
+            </a:schemeClr>
+          </a:lnRef>
+          <a:fillRef idx="1">
+            <a:schemeClr val="accent5"/>
+          </a:fillRef>
+          <a:effectRef idx="0">
+            <a:schemeClr val="accent5"/>
+          </a:effectRef>
+          <a:fontRef idx="minor">
+            <a:schemeClr val="lt1"/>
+          </a:fontRef>
+        </p:style>
+        <p:txBody>
+          <a:bodyPr rtlCol="0" anchor="ctr"/>
+          <a:lstStyle/>
+          <a:p>
+            <a:pPr algn="ctr"/>
+            <a:r>
+              <a:rPr lang="zh-CN" altLang="en-US" dirty="0"/>
+              <a:t>已提交</a:t>
+            </a:r>
+            <a:endParaRPr lang="en-US" altLang="zh-CN" dirty="0"/>
+          </a:p>
+        </p:txBody>
+      </p:sp>
+      <p:sp>
+        <p:nvSpPr>
+          <p:cNvPr id="9" name="矩形 8">
+            <a:extLst>
+              <a:ext uri="{FF2B5EF4-FFF2-40B4-BE49-F238E27FC236}">
+                <a16:creationId xmlns:a16="http://schemas.microsoft.com/office/drawing/2014/main" id="{3C9DF9EC-17FC-4C63-A8E3-6602D60A961C}"/>
+              </a:ext>
+            </a:extLst>
+          </p:cNvPr>
+          <p:cNvSpPr/>
+          <p:nvPr/>
+        </p:nvSpPr>
+        <p:spPr>
+          <a:xfrm>
+            <a:off x="3524659" y="3717189"/>
+            <a:ext cx="1946619" cy="961533"/>
+          </a:xfrm>
+          <a:prstGeom prst="rect">
+            <a:avLst/>
+          </a:prstGeom>
+        </p:spPr>
+        <p:style>
+          <a:lnRef idx="2">
+            <a:schemeClr val="accent5">
+              <a:shade val="50000"/>
+            </a:schemeClr>
+          </a:lnRef>
+          <a:fillRef idx="1">
+            <a:schemeClr val="accent5"/>
+          </a:fillRef>
+          <a:effectRef idx="0">
+            <a:schemeClr val="accent5"/>
+          </a:effectRef>
+          <a:fontRef idx="minor">
+            <a:schemeClr val="lt1"/>
+          </a:fontRef>
+        </p:style>
+        <p:txBody>
+          <a:bodyPr rtlCol="0" anchor="ctr"/>
+          <a:lstStyle/>
+          <a:p>
+            <a:pPr algn="ctr"/>
+            <a:r>
+              <a:rPr lang="zh-CN" altLang="en-US" dirty="0"/>
+              <a:t>已修改</a:t>
+            </a:r>
+            <a:endParaRPr lang="en-US" altLang="zh-CN" dirty="0"/>
+          </a:p>
+          <a:p>
+            <a:pPr algn="ctr"/>
+            <a:r>
+              <a:rPr lang="zh-CN" altLang="en-US" dirty="0"/>
+              <a:t>未缓存</a:t>
+            </a:r>
+            <a:endParaRPr lang="en-US" altLang="zh-CN" dirty="0"/>
           </a:p>
         </p:txBody>
       </p:sp>
       <p:cxnSp>
         <p:nvCxnSpPr>
-          <p:cNvPr id="43" name="连接符: 曲线 42">
-            <a:extLst>
-              <a:ext uri="{FF2B5EF4-FFF2-40B4-BE49-F238E27FC236}">
-                <a16:creationId xmlns:a16="http://schemas.microsoft.com/office/drawing/2014/main" id="{96E38B2C-6942-4156-9130-722DC1ECD66F}"/>
+          <p:cNvPr id="11" name="直接箭头连接符 10">
+            <a:extLst>
+              <a:ext uri="{FF2B5EF4-FFF2-40B4-BE49-F238E27FC236}">
+                <a16:creationId xmlns:a16="http://schemas.microsoft.com/office/drawing/2014/main" id="{A54372CB-6302-428C-8E74-87F1D55BCCDB}"/>
               </a:ext>
             </a:extLst>
           </p:cNvPr>
           <p:cNvCxnSpPr>
             <a:cxnSpLocks/>
-            <a:stCxn id="41" idx="3"/>
-            <a:endCxn id="42" idx="2"/>
+            <a:stCxn id="8" idx="2"/>
+            <a:endCxn id="9" idx="3"/>
           </p:cNvCxnSpPr>
           <p:nvPr/>
         </p:nvCxnSpPr>
         <p:spPr>
-          <a:xfrm flipV="1">
-            <a:off x="9559539" y="3558618"/>
-            <a:ext cx="513663" cy="45554"/>
-          </a:xfrm>
-          <a:prstGeom prst="curvedConnector3">
-            <a:avLst/>
-          </a:prstGeom>
-          <a:ln w="38100">
+          <a:xfrm flipH="1">
+            <a:off x="5471278" y="2308008"/>
+            <a:ext cx="2529414" cy="1889948"/>
+          </a:xfrm>
+          <a:prstGeom prst="straightConnector1">
+            <a:avLst/>
+          </a:prstGeom>
+          <a:ln>
             <a:tailEnd type="triangle"/>
           </a:ln>
         </p:spPr>
@@ -4457,6 +4891,2251 @@
       </p:cxnSp>
       <p:sp>
         <p:nvSpPr>
+          <p:cNvPr id="12" name="矩形 11">
+            <a:extLst>
+              <a:ext uri="{FF2B5EF4-FFF2-40B4-BE49-F238E27FC236}">
+                <a16:creationId xmlns:a16="http://schemas.microsoft.com/office/drawing/2014/main" id="{18EB17FC-FF6C-48AC-BB9C-0A9CE4384637}"/>
+              </a:ext>
+            </a:extLst>
+          </p:cNvPr>
+          <p:cNvSpPr/>
+          <p:nvPr/>
+        </p:nvSpPr>
+        <p:spPr>
+          <a:xfrm>
+            <a:off x="6177405" y="3369235"/>
+            <a:ext cx="1107996" cy="369332"/>
+          </a:xfrm>
+          <a:prstGeom prst="rect">
+            <a:avLst/>
+          </a:prstGeom>
+        </p:spPr>
+        <p:txBody>
+          <a:bodyPr wrap="none">
+            <a:spAutoFit/>
+          </a:bodyPr>
+          <a:lstStyle/>
+          <a:p>
+            <a:r>
+              <a:rPr lang="zh-CN" altLang="en-US" dirty="0"/>
+              <a:t>编辑文件</a:t>
+            </a:r>
+          </a:p>
+        </p:txBody>
+      </p:sp>
+      <p:cxnSp>
+        <p:nvCxnSpPr>
+          <p:cNvPr id="13" name="直接箭头连接符 12">
+            <a:extLst>
+              <a:ext uri="{FF2B5EF4-FFF2-40B4-BE49-F238E27FC236}">
+                <a16:creationId xmlns:a16="http://schemas.microsoft.com/office/drawing/2014/main" id="{E8C2B737-ECCC-4A4C-A1A1-1B6D062C1D27}"/>
+              </a:ext>
+            </a:extLst>
+          </p:cNvPr>
+          <p:cNvCxnSpPr>
+            <a:cxnSpLocks/>
+            <a:stCxn id="9" idx="0"/>
+            <a:endCxn id="7" idx="2"/>
+          </p:cNvCxnSpPr>
+          <p:nvPr/>
+        </p:nvCxnSpPr>
+        <p:spPr>
+          <a:xfrm flipH="1" flipV="1">
+            <a:off x="4497968" y="2328417"/>
+            <a:ext cx="1" cy="1388772"/>
+          </a:xfrm>
+          <a:prstGeom prst="straightConnector1">
+            <a:avLst/>
+          </a:prstGeom>
+          <a:ln>
+            <a:tailEnd type="triangle"/>
+          </a:ln>
+        </p:spPr>
+        <p:style>
+          <a:lnRef idx="1">
+            <a:schemeClr val="accent1"/>
+          </a:lnRef>
+          <a:fillRef idx="0">
+            <a:schemeClr val="accent1"/>
+          </a:fillRef>
+          <a:effectRef idx="0">
+            <a:schemeClr val="accent1"/>
+          </a:effectRef>
+          <a:fontRef idx="minor">
+            <a:schemeClr val="tx1"/>
+          </a:fontRef>
+        </p:style>
+      </p:cxnSp>
+      <p:sp>
+        <p:nvSpPr>
+          <p:cNvPr id="17" name="矩形 16">
+            <a:extLst>
+              <a:ext uri="{FF2B5EF4-FFF2-40B4-BE49-F238E27FC236}">
+                <a16:creationId xmlns:a16="http://schemas.microsoft.com/office/drawing/2014/main" id="{4DC2F189-0C45-4FF3-8113-AB74CD4D911C}"/>
+              </a:ext>
+            </a:extLst>
+          </p:cNvPr>
+          <p:cNvSpPr/>
+          <p:nvPr/>
+        </p:nvSpPr>
+        <p:spPr>
+          <a:xfrm>
+            <a:off x="3618660" y="2912712"/>
+            <a:ext cx="909223" cy="369332"/>
+          </a:xfrm>
+          <a:prstGeom prst="rect">
+            <a:avLst/>
+          </a:prstGeom>
+        </p:spPr>
+        <p:txBody>
+          <a:bodyPr wrap="none">
+            <a:spAutoFit/>
+          </a:bodyPr>
+          <a:lstStyle/>
+          <a:p>
+            <a:r>
+              <a:rPr lang="en-US" altLang="zh-CN" dirty="0"/>
+              <a:t>git add</a:t>
+            </a:r>
+            <a:endParaRPr lang="zh-CN" altLang="en-US" dirty="0"/>
+          </a:p>
+        </p:txBody>
+      </p:sp>
+      <p:cxnSp>
+        <p:nvCxnSpPr>
+          <p:cNvPr id="19" name="直接箭头连接符 18">
+            <a:extLst>
+              <a:ext uri="{FF2B5EF4-FFF2-40B4-BE49-F238E27FC236}">
+                <a16:creationId xmlns:a16="http://schemas.microsoft.com/office/drawing/2014/main" id="{D8FDAB46-FAAD-4EC2-A829-FE895CF8B296}"/>
+              </a:ext>
+            </a:extLst>
+          </p:cNvPr>
+          <p:cNvCxnSpPr>
+            <a:cxnSpLocks/>
+            <a:stCxn id="7" idx="3"/>
+            <a:endCxn id="8" idx="1"/>
+          </p:cNvCxnSpPr>
+          <p:nvPr/>
+        </p:nvCxnSpPr>
+        <p:spPr>
+          <a:xfrm flipV="1">
+            <a:off x="5471277" y="1827242"/>
+            <a:ext cx="1622813" cy="20409"/>
+          </a:xfrm>
+          <a:prstGeom prst="straightConnector1">
+            <a:avLst/>
+          </a:prstGeom>
+          <a:ln>
+            <a:tailEnd type="triangle"/>
+          </a:ln>
+        </p:spPr>
+        <p:style>
+          <a:lnRef idx="1">
+            <a:schemeClr val="accent1"/>
+          </a:lnRef>
+          <a:fillRef idx="0">
+            <a:schemeClr val="accent1"/>
+          </a:fillRef>
+          <a:effectRef idx="0">
+            <a:schemeClr val="accent1"/>
+          </a:effectRef>
+          <a:fontRef idx="minor">
+            <a:schemeClr val="tx1"/>
+          </a:fontRef>
+        </p:style>
+      </p:cxnSp>
+      <p:sp>
+        <p:nvSpPr>
+          <p:cNvPr id="22" name="矩形 21">
+            <a:extLst>
+              <a:ext uri="{FF2B5EF4-FFF2-40B4-BE49-F238E27FC236}">
+                <a16:creationId xmlns:a16="http://schemas.microsoft.com/office/drawing/2014/main" id="{84014E88-655E-4C54-9C53-E721B7238864}"/>
+              </a:ext>
+            </a:extLst>
+          </p:cNvPr>
+          <p:cNvSpPr/>
+          <p:nvPr/>
+        </p:nvSpPr>
+        <p:spPr>
+          <a:xfrm>
+            <a:off x="5651349" y="1449998"/>
+            <a:ext cx="1317990" cy="369332"/>
+          </a:xfrm>
+          <a:prstGeom prst="rect">
+            <a:avLst/>
+          </a:prstGeom>
+        </p:spPr>
+        <p:txBody>
+          <a:bodyPr wrap="none">
+            <a:spAutoFit/>
+          </a:bodyPr>
+          <a:lstStyle/>
+          <a:p>
+            <a:r>
+              <a:rPr lang="en-US" altLang="zh-CN" dirty="0"/>
+              <a:t>git commit </a:t>
+            </a:r>
+            <a:endParaRPr lang="zh-CN" altLang="en-US" dirty="0"/>
+          </a:p>
+        </p:txBody>
+      </p:sp>
+      <p:cxnSp>
+        <p:nvCxnSpPr>
+          <p:cNvPr id="23" name="直接箭头连接符 22">
+            <a:extLst>
+              <a:ext uri="{FF2B5EF4-FFF2-40B4-BE49-F238E27FC236}">
+                <a16:creationId xmlns:a16="http://schemas.microsoft.com/office/drawing/2014/main" id="{4FF039C9-53F0-46CF-B94B-F82E7A8E04A7}"/>
+              </a:ext>
+            </a:extLst>
+          </p:cNvPr>
+          <p:cNvCxnSpPr>
+            <a:cxnSpLocks/>
+            <a:stCxn id="4" idx="3"/>
+            <a:endCxn id="7" idx="1"/>
+          </p:cNvCxnSpPr>
+          <p:nvPr/>
+        </p:nvCxnSpPr>
+        <p:spPr>
+          <a:xfrm>
+            <a:off x="1998963" y="1847651"/>
+            <a:ext cx="1525696" cy="0"/>
+          </a:xfrm>
+          <a:prstGeom prst="straightConnector1">
+            <a:avLst/>
+          </a:prstGeom>
+          <a:ln>
+            <a:tailEnd type="triangle"/>
+          </a:ln>
+        </p:spPr>
+        <p:style>
+          <a:lnRef idx="1">
+            <a:schemeClr val="accent1"/>
+          </a:lnRef>
+          <a:fillRef idx="0">
+            <a:schemeClr val="accent1"/>
+          </a:fillRef>
+          <a:effectRef idx="0">
+            <a:schemeClr val="accent1"/>
+          </a:effectRef>
+          <a:fontRef idx="minor">
+            <a:schemeClr val="tx1"/>
+          </a:fontRef>
+        </p:style>
+      </p:cxnSp>
+      <p:sp>
+        <p:nvSpPr>
+          <p:cNvPr id="27" name="矩形 26">
+            <a:extLst>
+              <a:ext uri="{FF2B5EF4-FFF2-40B4-BE49-F238E27FC236}">
+                <a16:creationId xmlns:a16="http://schemas.microsoft.com/office/drawing/2014/main" id="{3D2EBA3F-F77B-4501-AB5A-B1AE27C8E0BC}"/>
+              </a:ext>
+            </a:extLst>
+          </p:cNvPr>
+          <p:cNvSpPr/>
+          <p:nvPr/>
+        </p:nvSpPr>
+        <p:spPr>
+          <a:xfrm>
+            <a:off x="2263741" y="1481410"/>
+            <a:ext cx="909223" cy="369332"/>
+          </a:xfrm>
+          <a:prstGeom prst="rect">
+            <a:avLst/>
+          </a:prstGeom>
+        </p:spPr>
+        <p:txBody>
+          <a:bodyPr wrap="none">
+            <a:spAutoFit/>
+          </a:bodyPr>
+          <a:lstStyle/>
+          <a:p>
+            <a:r>
+              <a:rPr lang="en-US" altLang="zh-CN" dirty="0"/>
+              <a:t>git add</a:t>
+            </a:r>
+            <a:endParaRPr lang="zh-CN" altLang="en-US" dirty="0"/>
+          </a:p>
+        </p:txBody>
+      </p:sp>
+      <p:sp>
+        <p:nvSpPr>
+          <p:cNvPr id="28" name="矩形 27">
+            <a:extLst>
+              <a:ext uri="{FF2B5EF4-FFF2-40B4-BE49-F238E27FC236}">
+                <a16:creationId xmlns:a16="http://schemas.microsoft.com/office/drawing/2014/main" id="{2D61C3BF-58D8-40C8-8410-A76AE036396C}"/>
+              </a:ext>
+            </a:extLst>
+          </p:cNvPr>
+          <p:cNvSpPr/>
+          <p:nvPr/>
+        </p:nvSpPr>
+        <p:spPr>
+          <a:xfrm>
+            <a:off x="4626188" y="1349005"/>
+            <a:ext cx="853119" cy="369332"/>
+          </a:xfrm>
+          <a:prstGeom prst="rect">
+            <a:avLst/>
+          </a:prstGeom>
+        </p:spPr>
+        <p:txBody>
+          <a:bodyPr wrap="none">
+            <a:spAutoFit/>
+          </a:bodyPr>
+          <a:lstStyle/>
+          <a:p>
+            <a:r>
+              <a:rPr lang="en-US" altLang="zh-CN" dirty="0"/>
+              <a:t>staged</a:t>
+            </a:r>
+            <a:endParaRPr lang="zh-CN" altLang="en-US" dirty="0"/>
+          </a:p>
+        </p:txBody>
+      </p:sp>
+      <p:sp>
+        <p:nvSpPr>
+          <p:cNvPr id="29" name="矩形 28">
+            <a:extLst>
+              <a:ext uri="{FF2B5EF4-FFF2-40B4-BE49-F238E27FC236}">
+                <a16:creationId xmlns:a16="http://schemas.microsoft.com/office/drawing/2014/main" id="{DC998DA8-408C-4E15-9244-08E130856378}"/>
+              </a:ext>
+            </a:extLst>
+          </p:cNvPr>
+          <p:cNvSpPr/>
+          <p:nvPr/>
+        </p:nvSpPr>
+        <p:spPr>
+          <a:xfrm>
+            <a:off x="4452998" y="4353993"/>
+            <a:ext cx="1066318" cy="369332"/>
+          </a:xfrm>
+          <a:prstGeom prst="rect">
+            <a:avLst/>
+          </a:prstGeom>
+        </p:spPr>
+        <p:txBody>
+          <a:bodyPr wrap="none">
+            <a:spAutoFit/>
+          </a:bodyPr>
+          <a:lstStyle/>
+          <a:p>
+            <a:r>
+              <a:rPr lang="en-US" altLang="zh-CN" dirty="0"/>
+              <a:t>modified</a:t>
+            </a:r>
+            <a:endParaRPr lang="zh-CN" altLang="en-US" dirty="0"/>
+          </a:p>
+        </p:txBody>
+      </p:sp>
+      <p:sp>
+        <p:nvSpPr>
+          <p:cNvPr id="30" name="矩形 29">
+            <a:extLst>
+              <a:ext uri="{FF2B5EF4-FFF2-40B4-BE49-F238E27FC236}">
+                <a16:creationId xmlns:a16="http://schemas.microsoft.com/office/drawing/2014/main" id="{4744D9E4-82D0-4B95-AF1E-256885F1200F}"/>
+              </a:ext>
+            </a:extLst>
+          </p:cNvPr>
+          <p:cNvSpPr/>
+          <p:nvPr/>
+        </p:nvSpPr>
+        <p:spPr>
+          <a:xfrm>
+            <a:off x="7646835" y="1933332"/>
+            <a:ext cx="1260281" cy="369332"/>
+          </a:xfrm>
+          <a:prstGeom prst="rect">
+            <a:avLst/>
+          </a:prstGeom>
+        </p:spPr>
+        <p:txBody>
+          <a:bodyPr wrap="none">
+            <a:spAutoFit/>
+          </a:bodyPr>
+          <a:lstStyle/>
+          <a:p>
+            <a:r>
+              <a:rPr lang="en-US" altLang="zh-CN" dirty="0"/>
+              <a:t>committed</a:t>
+            </a:r>
+            <a:endParaRPr lang="zh-CN" altLang="en-US" dirty="0"/>
+          </a:p>
+        </p:txBody>
+      </p:sp>
+      <p:sp>
+        <p:nvSpPr>
+          <p:cNvPr id="31" name="矩形 30">
+            <a:extLst>
+              <a:ext uri="{FF2B5EF4-FFF2-40B4-BE49-F238E27FC236}">
+                <a16:creationId xmlns:a16="http://schemas.microsoft.com/office/drawing/2014/main" id="{7CE805CC-E88B-4C39-BF6B-2F3A78A2A6E2}"/>
+              </a:ext>
+            </a:extLst>
+          </p:cNvPr>
+          <p:cNvSpPr/>
+          <p:nvPr/>
+        </p:nvSpPr>
+        <p:spPr>
+          <a:xfrm>
+            <a:off x="873336" y="1339274"/>
+            <a:ext cx="1170513" cy="369332"/>
+          </a:xfrm>
+          <a:prstGeom prst="rect">
+            <a:avLst/>
+          </a:prstGeom>
+        </p:spPr>
+        <p:txBody>
+          <a:bodyPr wrap="none">
+            <a:spAutoFit/>
+          </a:bodyPr>
+          <a:lstStyle/>
+          <a:p>
+            <a:r>
+              <a:rPr lang="en-US" altLang="zh-CN" dirty="0"/>
+              <a:t>untracked</a:t>
+            </a:r>
+            <a:endParaRPr lang="zh-CN" altLang="en-US" dirty="0"/>
+          </a:p>
+        </p:txBody>
+      </p:sp>
+      <p:sp>
+        <p:nvSpPr>
+          <p:cNvPr id="34" name="矩形 33">
+            <a:extLst>
+              <a:ext uri="{FF2B5EF4-FFF2-40B4-BE49-F238E27FC236}">
+                <a16:creationId xmlns:a16="http://schemas.microsoft.com/office/drawing/2014/main" id="{CF6AEF14-7A8A-4686-90CB-94C95BC6C3AE}"/>
+              </a:ext>
+            </a:extLst>
+          </p:cNvPr>
+          <p:cNvSpPr/>
+          <p:nvPr/>
+        </p:nvSpPr>
+        <p:spPr>
+          <a:xfrm>
+            <a:off x="134660" y="1102935"/>
+            <a:ext cx="2112179" cy="4053526"/>
+          </a:xfrm>
+          <a:prstGeom prst="rect">
+            <a:avLst/>
+          </a:prstGeom>
+          <a:noFill/>
+        </p:spPr>
+        <p:style>
+          <a:lnRef idx="2">
+            <a:schemeClr val="accent5">
+              <a:shade val="50000"/>
+            </a:schemeClr>
+          </a:lnRef>
+          <a:fillRef idx="1">
+            <a:schemeClr val="accent5"/>
+          </a:fillRef>
+          <a:effectRef idx="0">
+            <a:schemeClr val="accent5"/>
+          </a:effectRef>
+          <a:fontRef idx="minor">
+            <a:schemeClr val="lt1"/>
+          </a:fontRef>
+        </p:style>
+        <p:txBody>
+          <a:bodyPr rtlCol="0" anchor="ctr"/>
+          <a:lstStyle/>
+          <a:p>
+            <a:pPr algn="ctr"/>
+            <a:endParaRPr lang="zh-CN" altLang="en-US" dirty="0"/>
+          </a:p>
+        </p:txBody>
+      </p:sp>
+      <p:sp>
+        <p:nvSpPr>
+          <p:cNvPr id="35" name="矩形 34">
+            <a:extLst>
+              <a:ext uri="{FF2B5EF4-FFF2-40B4-BE49-F238E27FC236}">
+                <a16:creationId xmlns:a16="http://schemas.microsoft.com/office/drawing/2014/main" id="{299F313C-414C-413C-9673-A3F36950F563}"/>
+              </a:ext>
+            </a:extLst>
+          </p:cNvPr>
+          <p:cNvSpPr/>
+          <p:nvPr/>
+        </p:nvSpPr>
+        <p:spPr>
+          <a:xfrm>
+            <a:off x="851578" y="4686634"/>
+            <a:ext cx="1338829" cy="369332"/>
+          </a:xfrm>
+          <a:prstGeom prst="rect">
+            <a:avLst/>
+          </a:prstGeom>
+        </p:spPr>
+        <p:txBody>
+          <a:bodyPr wrap="none">
+            <a:spAutoFit/>
+          </a:bodyPr>
+          <a:lstStyle/>
+          <a:p>
+            <a:pPr algn="ctr"/>
+            <a:r>
+              <a:rPr lang="zh-CN" altLang="en-US" dirty="0"/>
+              <a:t>未跟踪状态</a:t>
+            </a:r>
+          </a:p>
+        </p:txBody>
+      </p:sp>
+      <p:sp>
+        <p:nvSpPr>
+          <p:cNvPr id="36" name="文本框 35">
+            <a:extLst>
+              <a:ext uri="{FF2B5EF4-FFF2-40B4-BE49-F238E27FC236}">
+                <a16:creationId xmlns:a16="http://schemas.microsoft.com/office/drawing/2014/main" id="{700E9B7B-BEDF-440D-836D-D3B05CB6909E}"/>
+              </a:ext>
+            </a:extLst>
+          </p:cNvPr>
+          <p:cNvSpPr txBox="1"/>
+          <p:nvPr/>
+        </p:nvSpPr>
+        <p:spPr>
+          <a:xfrm>
+            <a:off x="134660" y="105899"/>
+            <a:ext cx="4734420" cy="523220"/>
+          </a:xfrm>
+          <a:prstGeom prst="rect">
+            <a:avLst/>
+          </a:prstGeom>
+        </p:spPr>
+        <p:style>
+          <a:lnRef idx="1">
+            <a:schemeClr val="accent5"/>
+          </a:lnRef>
+          <a:fillRef idx="3">
+            <a:schemeClr val="accent5"/>
+          </a:fillRef>
+          <a:effectRef idx="2">
+            <a:schemeClr val="accent5"/>
+          </a:effectRef>
+          <a:fontRef idx="minor">
+            <a:schemeClr val="lt1"/>
+          </a:fontRef>
+        </p:style>
+        <p:txBody>
+          <a:bodyPr wrap="square" rtlCol="0">
+            <a:spAutoFit/>
+          </a:bodyPr>
+          <a:lstStyle/>
+          <a:p>
+            <a:r>
+              <a:rPr lang="zh-CN" altLang="en-US" sz="2800" dirty="0"/>
+              <a:t>文件的四种状态及变化</a:t>
+            </a:r>
+          </a:p>
+        </p:txBody>
+      </p:sp>
+      <p:sp>
+        <p:nvSpPr>
+          <p:cNvPr id="50" name="椭圆 49">
+            <a:extLst>
+              <a:ext uri="{FF2B5EF4-FFF2-40B4-BE49-F238E27FC236}">
+                <a16:creationId xmlns:a16="http://schemas.microsoft.com/office/drawing/2014/main" id="{7ADBEC97-AE2E-4C23-8FE9-F6F7D1ED537A}"/>
+              </a:ext>
+            </a:extLst>
+          </p:cNvPr>
+          <p:cNvSpPr/>
+          <p:nvPr/>
+        </p:nvSpPr>
+        <p:spPr>
+          <a:xfrm>
+            <a:off x="10468024" y="263948"/>
+            <a:ext cx="838987" cy="838987"/>
+          </a:xfrm>
+          <a:prstGeom prst="ellipse">
+            <a:avLst/>
+          </a:prstGeom>
+        </p:spPr>
+        <p:style>
+          <a:lnRef idx="2">
+            <a:schemeClr val="accent6">
+              <a:shade val="50000"/>
+            </a:schemeClr>
+          </a:lnRef>
+          <a:fillRef idx="1">
+            <a:schemeClr val="accent6"/>
+          </a:fillRef>
+          <a:effectRef idx="0">
+            <a:schemeClr val="accent6"/>
+          </a:effectRef>
+          <a:fontRef idx="minor">
+            <a:schemeClr val="lt1"/>
+          </a:fontRef>
+        </p:style>
+        <p:txBody>
+          <a:bodyPr rtlCol="0" anchor="ctr"/>
+          <a:lstStyle/>
+          <a:p>
+            <a:pPr algn="ctr"/>
+            <a:r>
+              <a:rPr lang="zh-CN" altLang="en-US" sz="1200" dirty="0"/>
+              <a:t>版本</a:t>
+            </a:r>
+            <a:r>
+              <a:rPr lang="en-US" altLang="zh-CN" sz="1200" dirty="0"/>
+              <a:t>1</a:t>
+            </a:r>
+            <a:endParaRPr lang="zh-CN" altLang="en-US" sz="1200" dirty="0"/>
+          </a:p>
+        </p:txBody>
+      </p:sp>
+      <p:sp>
+        <p:nvSpPr>
+          <p:cNvPr id="51" name="椭圆 50">
+            <a:extLst>
+              <a:ext uri="{FF2B5EF4-FFF2-40B4-BE49-F238E27FC236}">
+                <a16:creationId xmlns:a16="http://schemas.microsoft.com/office/drawing/2014/main" id="{7E8124F2-8A10-473C-BA4F-0225043EF41C}"/>
+              </a:ext>
+            </a:extLst>
+          </p:cNvPr>
+          <p:cNvSpPr/>
+          <p:nvPr/>
+        </p:nvSpPr>
+        <p:spPr>
+          <a:xfrm>
+            <a:off x="10468024" y="1438764"/>
+            <a:ext cx="838987" cy="838987"/>
+          </a:xfrm>
+          <a:prstGeom prst="ellipse">
+            <a:avLst/>
+          </a:prstGeom>
+        </p:spPr>
+        <p:style>
+          <a:lnRef idx="2">
+            <a:schemeClr val="accent6">
+              <a:shade val="50000"/>
+            </a:schemeClr>
+          </a:lnRef>
+          <a:fillRef idx="1">
+            <a:schemeClr val="accent6"/>
+          </a:fillRef>
+          <a:effectRef idx="0">
+            <a:schemeClr val="accent6"/>
+          </a:effectRef>
+          <a:fontRef idx="minor">
+            <a:schemeClr val="lt1"/>
+          </a:fontRef>
+        </p:style>
+        <p:txBody>
+          <a:bodyPr rtlCol="0" anchor="ctr"/>
+          <a:lstStyle/>
+          <a:p>
+            <a:pPr algn="ctr"/>
+            <a:r>
+              <a:rPr lang="zh-CN" altLang="en-US" sz="1200" dirty="0"/>
+              <a:t>版本</a:t>
+            </a:r>
+            <a:r>
+              <a:rPr lang="en-US" altLang="zh-CN" sz="1200" dirty="0"/>
+              <a:t>2</a:t>
+            </a:r>
+            <a:endParaRPr lang="zh-CN" altLang="en-US" sz="1200" dirty="0"/>
+          </a:p>
+        </p:txBody>
+      </p:sp>
+      <p:sp>
+        <p:nvSpPr>
+          <p:cNvPr id="52" name="椭圆 51">
+            <a:extLst>
+              <a:ext uri="{FF2B5EF4-FFF2-40B4-BE49-F238E27FC236}">
+                <a16:creationId xmlns:a16="http://schemas.microsoft.com/office/drawing/2014/main" id="{25B206A3-419A-48FB-ADA7-698E56071CE7}"/>
+              </a:ext>
+            </a:extLst>
+          </p:cNvPr>
+          <p:cNvSpPr/>
+          <p:nvPr/>
+        </p:nvSpPr>
+        <p:spPr>
+          <a:xfrm>
+            <a:off x="10468024" y="2613580"/>
+            <a:ext cx="838987" cy="838987"/>
+          </a:xfrm>
+          <a:prstGeom prst="ellipse">
+            <a:avLst/>
+          </a:prstGeom>
+        </p:spPr>
+        <p:style>
+          <a:lnRef idx="2">
+            <a:schemeClr val="accent6">
+              <a:shade val="50000"/>
+            </a:schemeClr>
+          </a:lnRef>
+          <a:fillRef idx="1">
+            <a:schemeClr val="accent6"/>
+          </a:fillRef>
+          <a:effectRef idx="0">
+            <a:schemeClr val="accent6"/>
+          </a:effectRef>
+          <a:fontRef idx="minor">
+            <a:schemeClr val="lt1"/>
+          </a:fontRef>
+        </p:style>
+        <p:txBody>
+          <a:bodyPr rtlCol="0" anchor="ctr"/>
+          <a:lstStyle/>
+          <a:p>
+            <a:pPr algn="ctr"/>
+            <a:r>
+              <a:rPr lang="zh-CN" altLang="en-US" sz="1200" dirty="0"/>
+              <a:t>版本</a:t>
+            </a:r>
+            <a:r>
+              <a:rPr lang="en-US" altLang="zh-CN" sz="1200" dirty="0"/>
+              <a:t>3</a:t>
+            </a:r>
+            <a:endParaRPr lang="zh-CN" altLang="en-US" sz="1200" dirty="0"/>
+          </a:p>
+        </p:txBody>
+      </p:sp>
+      <p:sp>
+        <p:nvSpPr>
+          <p:cNvPr id="53" name="椭圆 52">
+            <a:extLst>
+              <a:ext uri="{FF2B5EF4-FFF2-40B4-BE49-F238E27FC236}">
+                <a16:creationId xmlns:a16="http://schemas.microsoft.com/office/drawing/2014/main" id="{6D840373-D9D9-4479-999D-0B231236666E}"/>
+              </a:ext>
+            </a:extLst>
+          </p:cNvPr>
+          <p:cNvSpPr/>
+          <p:nvPr/>
+        </p:nvSpPr>
+        <p:spPr>
+          <a:xfrm>
+            <a:off x="10468024" y="3788396"/>
+            <a:ext cx="838987" cy="838987"/>
+          </a:xfrm>
+          <a:prstGeom prst="ellipse">
+            <a:avLst/>
+          </a:prstGeom>
+        </p:spPr>
+        <p:style>
+          <a:lnRef idx="2">
+            <a:schemeClr val="accent6">
+              <a:shade val="50000"/>
+            </a:schemeClr>
+          </a:lnRef>
+          <a:fillRef idx="1">
+            <a:schemeClr val="accent6"/>
+          </a:fillRef>
+          <a:effectRef idx="0">
+            <a:schemeClr val="accent6"/>
+          </a:effectRef>
+          <a:fontRef idx="minor">
+            <a:schemeClr val="lt1"/>
+          </a:fontRef>
+        </p:style>
+        <p:txBody>
+          <a:bodyPr rtlCol="0" anchor="ctr"/>
+          <a:lstStyle/>
+          <a:p>
+            <a:pPr algn="ctr"/>
+            <a:r>
+              <a:rPr lang="zh-CN" altLang="en-US" sz="1200" dirty="0"/>
+              <a:t>版本</a:t>
+            </a:r>
+            <a:r>
+              <a:rPr lang="en-US" altLang="zh-CN" sz="1200" dirty="0"/>
+              <a:t>4</a:t>
+            </a:r>
+            <a:endParaRPr lang="zh-CN" altLang="en-US" sz="1200" dirty="0"/>
+          </a:p>
+        </p:txBody>
+      </p:sp>
+      <p:sp>
+        <p:nvSpPr>
+          <p:cNvPr id="55" name="椭圆 54">
+            <a:extLst>
+              <a:ext uri="{FF2B5EF4-FFF2-40B4-BE49-F238E27FC236}">
+                <a16:creationId xmlns:a16="http://schemas.microsoft.com/office/drawing/2014/main" id="{19E65586-C00D-42F3-851F-DD8C239DB489}"/>
+              </a:ext>
+            </a:extLst>
+          </p:cNvPr>
+          <p:cNvSpPr/>
+          <p:nvPr/>
+        </p:nvSpPr>
+        <p:spPr>
+          <a:xfrm>
+            <a:off x="10468024" y="4963211"/>
+            <a:ext cx="838987" cy="838987"/>
+          </a:xfrm>
+          <a:prstGeom prst="ellipse">
+            <a:avLst/>
+          </a:prstGeom>
+        </p:spPr>
+        <p:style>
+          <a:lnRef idx="2">
+            <a:schemeClr val="accent6">
+              <a:shade val="50000"/>
+            </a:schemeClr>
+          </a:lnRef>
+          <a:fillRef idx="1">
+            <a:schemeClr val="accent6"/>
+          </a:fillRef>
+          <a:effectRef idx="0">
+            <a:schemeClr val="accent6"/>
+          </a:effectRef>
+          <a:fontRef idx="minor">
+            <a:schemeClr val="lt1"/>
+          </a:fontRef>
+        </p:style>
+        <p:txBody>
+          <a:bodyPr rtlCol="0" anchor="ctr"/>
+          <a:lstStyle/>
+          <a:p>
+            <a:pPr algn="ctr"/>
+            <a:r>
+              <a:rPr lang="en-US" altLang="zh-CN" sz="1200" dirty="0"/>
+              <a:t>……</a:t>
+            </a:r>
+            <a:endParaRPr lang="zh-CN" altLang="en-US" sz="1200" dirty="0"/>
+          </a:p>
+        </p:txBody>
+      </p:sp>
+      <p:cxnSp>
+        <p:nvCxnSpPr>
+          <p:cNvPr id="57" name="直接箭头连接符 56">
+            <a:extLst>
+              <a:ext uri="{FF2B5EF4-FFF2-40B4-BE49-F238E27FC236}">
+                <a16:creationId xmlns:a16="http://schemas.microsoft.com/office/drawing/2014/main" id="{1EEEF6B4-D4D6-4C28-95B9-9D405FA6BA36}"/>
+              </a:ext>
+            </a:extLst>
+          </p:cNvPr>
+          <p:cNvCxnSpPr>
+            <a:cxnSpLocks/>
+            <a:stCxn id="8" idx="3"/>
+          </p:cNvCxnSpPr>
+          <p:nvPr/>
+        </p:nvCxnSpPr>
+        <p:spPr>
+          <a:xfrm flipV="1">
+            <a:off x="8907293" y="882206"/>
+            <a:ext cx="1422057" cy="945036"/>
+          </a:xfrm>
+          <a:prstGeom prst="straightConnector1">
+            <a:avLst/>
+          </a:prstGeom>
+          <a:ln>
+            <a:tailEnd type="triangle"/>
+          </a:ln>
+        </p:spPr>
+        <p:style>
+          <a:lnRef idx="1">
+            <a:schemeClr val="accent1"/>
+          </a:lnRef>
+          <a:fillRef idx="0">
+            <a:schemeClr val="accent1"/>
+          </a:fillRef>
+          <a:effectRef idx="0">
+            <a:schemeClr val="accent1"/>
+          </a:effectRef>
+          <a:fontRef idx="minor">
+            <a:schemeClr val="tx1"/>
+          </a:fontRef>
+        </p:style>
+      </p:cxnSp>
+      <p:sp>
+        <p:nvSpPr>
+          <p:cNvPr id="60" name="矩形 59">
+            <a:extLst>
+              <a:ext uri="{FF2B5EF4-FFF2-40B4-BE49-F238E27FC236}">
+                <a16:creationId xmlns:a16="http://schemas.microsoft.com/office/drawing/2014/main" id="{2F22B913-B918-472E-ACA8-6F187BA7BAAC}"/>
+              </a:ext>
+            </a:extLst>
+          </p:cNvPr>
+          <p:cNvSpPr/>
+          <p:nvPr/>
+        </p:nvSpPr>
+        <p:spPr>
+          <a:xfrm>
+            <a:off x="9320266" y="733603"/>
+            <a:ext cx="830677" cy="369332"/>
+          </a:xfrm>
+          <a:prstGeom prst="rect">
+            <a:avLst/>
+          </a:prstGeom>
+        </p:spPr>
+        <p:txBody>
+          <a:bodyPr wrap="none">
+            <a:spAutoFit/>
+          </a:bodyPr>
+          <a:lstStyle/>
+          <a:p>
+            <a:r>
+              <a:rPr lang="zh-CN" altLang="en-US" dirty="0"/>
+              <a:t>提交</a:t>
+            </a:r>
+            <a:r>
+              <a:rPr lang="en-US" altLang="zh-CN" dirty="0"/>
+              <a:t>1 </a:t>
+            </a:r>
+            <a:endParaRPr lang="zh-CN" altLang="en-US" dirty="0"/>
+          </a:p>
+        </p:txBody>
+      </p:sp>
+      <p:cxnSp>
+        <p:nvCxnSpPr>
+          <p:cNvPr id="61" name="直接箭头连接符 60">
+            <a:extLst>
+              <a:ext uri="{FF2B5EF4-FFF2-40B4-BE49-F238E27FC236}">
+                <a16:creationId xmlns:a16="http://schemas.microsoft.com/office/drawing/2014/main" id="{D16A4347-AE07-4D84-8D92-EE9E4313FAB3}"/>
+              </a:ext>
+            </a:extLst>
+          </p:cNvPr>
+          <p:cNvCxnSpPr>
+            <a:cxnSpLocks/>
+            <a:stCxn id="8" idx="3"/>
+          </p:cNvCxnSpPr>
+          <p:nvPr/>
+        </p:nvCxnSpPr>
+        <p:spPr>
+          <a:xfrm>
+            <a:off x="8907293" y="1827242"/>
+            <a:ext cx="1422057" cy="58119"/>
+          </a:xfrm>
+          <a:prstGeom prst="straightConnector1">
+            <a:avLst/>
+          </a:prstGeom>
+          <a:ln>
+            <a:tailEnd type="triangle"/>
+          </a:ln>
+        </p:spPr>
+        <p:style>
+          <a:lnRef idx="1">
+            <a:schemeClr val="accent1"/>
+          </a:lnRef>
+          <a:fillRef idx="0">
+            <a:schemeClr val="accent1"/>
+          </a:fillRef>
+          <a:effectRef idx="0">
+            <a:schemeClr val="accent1"/>
+          </a:effectRef>
+          <a:fontRef idx="minor">
+            <a:schemeClr val="tx1"/>
+          </a:fontRef>
+        </p:style>
+      </p:cxnSp>
+      <p:sp>
+        <p:nvSpPr>
+          <p:cNvPr id="64" name="矩形 63">
+            <a:extLst>
+              <a:ext uri="{FF2B5EF4-FFF2-40B4-BE49-F238E27FC236}">
+                <a16:creationId xmlns:a16="http://schemas.microsoft.com/office/drawing/2014/main" id="{DC84008B-35A4-4775-B8BD-1AF9CAFEBD83}"/>
+              </a:ext>
+            </a:extLst>
+          </p:cNvPr>
+          <p:cNvSpPr/>
+          <p:nvPr/>
+        </p:nvSpPr>
+        <p:spPr>
+          <a:xfrm>
+            <a:off x="9339495" y="1453973"/>
+            <a:ext cx="830677" cy="369332"/>
+          </a:xfrm>
+          <a:prstGeom prst="rect">
+            <a:avLst/>
+          </a:prstGeom>
+        </p:spPr>
+        <p:txBody>
+          <a:bodyPr wrap="none">
+            <a:spAutoFit/>
+          </a:bodyPr>
+          <a:lstStyle/>
+          <a:p>
+            <a:r>
+              <a:rPr lang="zh-CN" altLang="en-US" dirty="0"/>
+              <a:t>提交</a:t>
+            </a:r>
+            <a:r>
+              <a:rPr lang="en-US" altLang="zh-CN" dirty="0"/>
+              <a:t>2 </a:t>
+            </a:r>
+            <a:endParaRPr lang="zh-CN" altLang="en-US" dirty="0"/>
+          </a:p>
+        </p:txBody>
+      </p:sp>
+      <p:cxnSp>
+        <p:nvCxnSpPr>
+          <p:cNvPr id="65" name="直接箭头连接符 64">
+            <a:extLst>
+              <a:ext uri="{FF2B5EF4-FFF2-40B4-BE49-F238E27FC236}">
+                <a16:creationId xmlns:a16="http://schemas.microsoft.com/office/drawing/2014/main" id="{451D659D-4295-4983-BB31-5209819AEE6A}"/>
+              </a:ext>
+            </a:extLst>
+          </p:cNvPr>
+          <p:cNvCxnSpPr>
+            <a:cxnSpLocks/>
+            <a:stCxn id="8" idx="3"/>
+          </p:cNvCxnSpPr>
+          <p:nvPr/>
+        </p:nvCxnSpPr>
+        <p:spPr>
+          <a:xfrm>
+            <a:off x="8907293" y="1827242"/>
+            <a:ext cx="1482568" cy="839409"/>
+          </a:xfrm>
+          <a:prstGeom prst="straightConnector1">
+            <a:avLst/>
+          </a:prstGeom>
+          <a:ln>
+            <a:tailEnd type="triangle"/>
+          </a:ln>
+        </p:spPr>
+        <p:style>
+          <a:lnRef idx="1">
+            <a:schemeClr val="accent1"/>
+          </a:lnRef>
+          <a:fillRef idx="0">
+            <a:schemeClr val="accent1"/>
+          </a:fillRef>
+          <a:effectRef idx="0">
+            <a:schemeClr val="accent1"/>
+          </a:effectRef>
+          <a:fontRef idx="minor">
+            <a:schemeClr val="tx1"/>
+          </a:fontRef>
+        </p:style>
+      </p:cxnSp>
+      <p:cxnSp>
+        <p:nvCxnSpPr>
+          <p:cNvPr id="67" name="直接箭头连接符 66">
+            <a:extLst>
+              <a:ext uri="{FF2B5EF4-FFF2-40B4-BE49-F238E27FC236}">
+                <a16:creationId xmlns:a16="http://schemas.microsoft.com/office/drawing/2014/main" id="{F1F88A18-D444-4C3E-B7DB-54967F84849C}"/>
+              </a:ext>
+            </a:extLst>
+          </p:cNvPr>
+          <p:cNvCxnSpPr>
+            <a:cxnSpLocks/>
+            <a:stCxn id="8" idx="3"/>
+          </p:cNvCxnSpPr>
+          <p:nvPr/>
+        </p:nvCxnSpPr>
+        <p:spPr>
+          <a:xfrm>
+            <a:off x="8907293" y="1827242"/>
+            <a:ext cx="1422057" cy="2128038"/>
+          </a:xfrm>
+          <a:prstGeom prst="straightConnector1">
+            <a:avLst/>
+          </a:prstGeom>
+          <a:ln>
+            <a:tailEnd type="triangle"/>
+          </a:ln>
+        </p:spPr>
+        <p:style>
+          <a:lnRef idx="1">
+            <a:schemeClr val="accent1"/>
+          </a:lnRef>
+          <a:fillRef idx="0">
+            <a:schemeClr val="accent1"/>
+          </a:fillRef>
+          <a:effectRef idx="0">
+            <a:schemeClr val="accent1"/>
+          </a:effectRef>
+          <a:fontRef idx="minor">
+            <a:schemeClr val="tx1"/>
+          </a:fontRef>
+        </p:style>
+      </p:cxnSp>
+      <p:cxnSp>
+        <p:nvCxnSpPr>
+          <p:cNvPr id="69" name="直接箭头连接符 68">
+            <a:extLst>
+              <a:ext uri="{FF2B5EF4-FFF2-40B4-BE49-F238E27FC236}">
+                <a16:creationId xmlns:a16="http://schemas.microsoft.com/office/drawing/2014/main" id="{A491DECA-FE2D-4225-9299-48FA04F44765}"/>
+              </a:ext>
+            </a:extLst>
+          </p:cNvPr>
+          <p:cNvCxnSpPr>
+            <a:cxnSpLocks/>
+            <a:stCxn id="8" idx="3"/>
+          </p:cNvCxnSpPr>
+          <p:nvPr/>
+        </p:nvCxnSpPr>
+        <p:spPr>
+          <a:xfrm>
+            <a:off x="8907293" y="1827242"/>
+            <a:ext cx="1411703" cy="3329219"/>
+          </a:xfrm>
+          <a:prstGeom prst="straightConnector1">
+            <a:avLst/>
+          </a:prstGeom>
+          <a:ln>
+            <a:tailEnd type="triangle"/>
+          </a:ln>
+        </p:spPr>
+        <p:style>
+          <a:lnRef idx="1">
+            <a:schemeClr val="accent1"/>
+          </a:lnRef>
+          <a:fillRef idx="0">
+            <a:schemeClr val="accent1"/>
+          </a:fillRef>
+          <a:effectRef idx="0">
+            <a:schemeClr val="accent1"/>
+          </a:effectRef>
+          <a:fontRef idx="minor">
+            <a:schemeClr val="tx1"/>
+          </a:fontRef>
+        </p:style>
+      </p:cxnSp>
+      <p:sp>
+        <p:nvSpPr>
+          <p:cNvPr id="71" name="矩形 70">
+            <a:extLst>
+              <a:ext uri="{FF2B5EF4-FFF2-40B4-BE49-F238E27FC236}">
+                <a16:creationId xmlns:a16="http://schemas.microsoft.com/office/drawing/2014/main" id="{E59B1A73-3482-42AE-A50D-6C3FD722DCF6}"/>
+              </a:ext>
+            </a:extLst>
+          </p:cNvPr>
+          <p:cNvSpPr/>
+          <p:nvPr/>
+        </p:nvSpPr>
+        <p:spPr>
+          <a:xfrm>
+            <a:off x="9398555" y="2132770"/>
+            <a:ext cx="830677" cy="369332"/>
+          </a:xfrm>
+          <a:prstGeom prst="rect">
+            <a:avLst/>
+          </a:prstGeom>
+        </p:spPr>
+        <p:txBody>
+          <a:bodyPr wrap="none">
+            <a:spAutoFit/>
+          </a:bodyPr>
+          <a:lstStyle/>
+          <a:p>
+            <a:r>
+              <a:rPr lang="zh-CN" altLang="en-US" dirty="0"/>
+              <a:t>提交</a:t>
+            </a:r>
+            <a:r>
+              <a:rPr lang="en-US" altLang="zh-CN" dirty="0"/>
+              <a:t>3 </a:t>
+            </a:r>
+            <a:endParaRPr lang="zh-CN" altLang="en-US" dirty="0"/>
+          </a:p>
+        </p:txBody>
+      </p:sp>
+      <p:sp>
+        <p:nvSpPr>
+          <p:cNvPr id="72" name="矩形 71">
+            <a:extLst>
+              <a:ext uri="{FF2B5EF4-FFF2-40B4-BE49-F238E27FC236}">
+                <a16:creationId xmlns:a16="http://schemas.microsoft.com/office/drawing/2014/main" id="{4D705D03-BC87-4006-9B50-120F3E9F9D0D}"/>
+              </a:ext>
+            </a:extLst>
+          </p:cNvPr>
+          <p:cNvSpPr/>
+          <p:nvPr/>
+        </p:nvSpPr>
+        <p:spPr>
+          <a:xfrm>
+            <a:off x="9493496" y="3134260"/>
+            <a:ext cx="830677" cy="369332"/>
+          </a:xfrm>
+          <a:prstGeom prst="rect">
+            <a:avLst/>
+          </a:prstGeom>
+        </p:spPr>
+        <p:txBody>
+          <a:bodyPr wrap="none">
+            <a:spAutoFit/>
+          </a:bodyPr>
+          <a:lstStyle/>
+          <a:p>
+            <a:r>
+              <a:rPr lang="zh-CN" altLang="en-US" dirty="0"/>
+              <a:t>提交</a:t>
+            </a:r>
+            <a:r>
+              <a:rPr lang="en-US" altLang="zh-CN" dirty="0"/>
+              <a:t>4 </a:t>
+            </a:r>
+            <a:endParaRPr lang="zh-CN" altLang="en-US" dirty="0"/>
+          </a:p>
+        </p:txBody>
+      </p:sp>
+      <p:sp>
+        <p:nvSpPr>
+          <p:cNvPr id="73" name="矩形 72">
+            <a:extLst>
+              <a:ext uri="{FF2B5EF4-FFF2-40B4-BE49-F238E27FC236}">
+                <a16:creationId xmlns:a16="http://schemas.microsoft.com/office/drawing/2014/main" id="{4D1BCE37-3480-45DA-9DDB-5500CFF73924}"/>
+              </a:ext>
+            </a:extLst>
+          </p:cNvPr>
+          <p:cNvSpPr/>
+          <p:nvPr/>
+        </p:nvSpPr>
+        <p:spPr>
+          <a:xfrm>
+            <a:off x="9446884" y="4315148"/>
+            <a:ext cx="748923" cy="369332"/>
+          </a:xfrm>
+          <a:prstGeom prst="rect">
+            <a:avLst/>
+          </a:prstGeom>
+        </p:spPr>
+        <p:txBody>
+          <a:bodyPr wrap="none">
+            <a:spAutoFit/>
+          </a:bodyPr>
+          <a:lstStyle/>
+          <a:p>
+            <a:r>
+              <a:rPr lang="zh-CN" altLang="en-US" dirty="0"/>
+              <a:t>提交</a:t>
+            </a:r>
+            <a:r>
+              <a:rPr lang="en-US" altLang="zh-CN" dirty="0"/>
+              <a:t>..</a:t>
+            </a:r>
+            <a:endParaRPr lang="zh-CN" altLang="en-US" dirty="0"/>
+          </a:p>
+        </p:txBody>
+      </p:sp>
+      <p:sp>
+        <p:nvSpPr>
+          <p:cNvPr id="74" name="椭圆 73">
+            <a:extLst>
+              <a:ext uri="{FF2B5EF4-FFF2-40B4-BE49-F238E27FC236}">
+                <a16:creationId xmlns:a16="http://schemas.microsoft.com/office/drawing/2014/main" id="{55C83297-4592-4652-AD24-5C18CD60C152}"/>
+              </a:ext>
+            </a:extLst>
+          </p:cNvPr>
+          <p:cNvSpPr/>
+          <p:nvPr/>
+        </p:nvSpPr>
+        <p:spPr>
+          <a:xfrm>
+            <a:off x="233800" y="1228889"/>
+            <a:ext cx="449926" cy="442217"/>
+          </a:xfrm>
+          <a:prstGeom prst="ellipse">
+            <a:avLst/>
+          </a:prstGeom>
+        </p:spPr>
+        <p:style>
+          <a:lnRef idx="2">
+            <a:schemeClr val="accent2">
+              <a:shade val="50000"/>
+            </a:schemeClr>
+          </a:lnRef>
+          <a:fillRef idx="1">
+            <a:schemeClr val="accent2"/>
+          </a:fillRef>
+          <a:effectRef idx="0">
+            <a:schemeClr val="accent2"/>
+          </a:effectRef>
+          <a:fontRef idx="minor">
+            <a:schemeClr val="lt1"/>
+          </a:fontRef>
+        </p:style>
+        <p:txBody>
+          <a:bodyPr rtlCol="0" anchor="ctr"/>
+          <a:lstStyle/>
+          <a:p>
+            <a:pPr algn="ctr"/>
+            <a:r>
+              <a:rPr lang="en-US" altLang="zh-CN" sz="1200" dirty="0"/>
+              <a:t>1</a:t>
+            </a:r>
+            <a:endParaRPr lang="zh-CN" altLang="en-US" sz="1200" dirty="0"/>
+          </a:p>
+        </p:txBody>
+      </p:sp>
+      <p:sp>
+        <p:nvSpPr>
+          <p:cNvPr id="75" name="椭圆 74">
+            <a:extLst>
+              <a:ext uri="{FF2B5EF4-FFF2-40B4-BE49-F238E27FC236}">
+                <a16:creationId xmlns:a16="http://schemas.microsoft.com/office/drawing/2014/main" id="{3C42C8CC-EEFC-4555-99E9-BCECEBFAEA27}"/>
+              </a:ext>
+            </a:extLst>
+          </p:cNvPr>
+          <p:cNvSpPr/>
+          <p:nvPr/>
+        </p:nvSpPr>
+        <p:spPr>
+          <a:xfrm>
+            <a:off x="3373130" y="1205005"/>
+            <a:ext cx="449926" cy="442217"/>
+          </a:xfrm>
+          <a:prstGeom prst="ellipse">
+            <a:avLst/>
+          </a:prstGeom>
+        </p:spPr>
+        <p:style>
+          <a:lnRef idx="2">
+            <a:schemeClr val="accent2">
+              <a:shade val="50000"/>
+            </a:schemeClr>
+          </a:lnRef>
+          <a:fillRef idx="1">
+            <a:schemeClr val="accent2"/>
+          </a:fillRef>
+          <a:effectRef idx="0">
+            <a:schemeClr val="accent2"/>
+          </a:effectRef>
+          <a:fontRef idx="minor">
+            <a:schemeClr val="lt1"/>
+          </a:fontRef>
+        </p:style>
+        <p:txBody>
+          <a:bodyPr rtlCol="0" anchor="ctr"/>
+          <a:lstStyle/>
+          <a:p>
+            <a:pPr algn="ctr"/>
+            <a:r>
+              <a:rPr lang="en-US" altLang="zh-CN" sz="1200" dirty="0"/>
+              <a:t>2</a:t>
+            </a:r>
+            <a:endParaRPr lang="zh-CN" altLang="en-US" sz="1200" dirty="0"/>
+          </a:p>
+        </p:txBody>
+      </p:sp>
+      <p:sp>
+        <p:nvSpPr>
+          <p:cNvPr id="76" name="箭头: 左弧形 75">
+            <a:extLst>
+              <a:ext uri="{FF2B5EF4-FFF2-40B4-BE49-F238E27FC236}">
+                <a16:creationId xmlns:a16="http://schemas.microsoft.com/office/drawing/2014/main" id="{4EF5BDB5-C7E3-4787-8B5E-0E6FC41F4244}"/>
+              </a:ext>
+            </a:extLst>
+          </p:cNvPr>
+          <p:cNvSpPr/>
+          <p:nvPr/>
+        </p:nvSpPr>
+        <p:spPr>
+          <a:xfrm>
+            <a:off x="2975533" y="3722948"/>
+            <a:ext cx="443388" cy="961532"/>
+          </a:xfrm>
+          <a:prstGeom prst="curvedRightArrow">
+            <a:avLst/>
+          </a:prstGeom>
+        </p:spPr>
+        <p:style>
+          <a:lnRef idx="2">
+            <a:schemeClr val="accent1">
+              <a:shade val="50000"/>
+            </a:schemeClr>
+          </a:lnRef>
+          <a:fillRef idx="1">
+            <a:schemeClr val="accent1"/>
+          </a:fillRef>
+          <a:effectRef idx="0">
+            <a:schemeClr val="accent1"/>
+          </a:effectRef>
+          <a:fontRef idx="minor">
+            <a:schemeClr val="lt1"/>
+          </a:fontRef>
+        </p:style>
+        <p:txBody>
+          <a:bodyPr rtlCol="0" anchor="ctr"/>
+          <a:lstStyle/>
+          <a:p>
+            <a:pPr algn="ctr"/>
+            <a:endParaRPr lang="zh-CN" altLang="en-US">
+              <a:solidFill>
+                <a:schemeClr val="tx1"/>
+              </a:solidFill>
+            </a:endParaRPr>
+          </a:p>
+        </p:txBody>
+      </p:sp>
+      <p:sp>
+        <p:nvSpPr>
+          <p:cNvPr id="77" name="椭圆 76">
+            <a:extLst>
+              <a:ext uri="{FF2B5EF4-FFF2-40B4-BE49-F238E27FC236}">
+                <a16:creationId xmlns:a16="http://schemas.microsoft.com/office/drawing/2014/main" id="{AEEFDC06-0280-4ADB-99EF-310126085A57}"/>
+              </a:ext>
+            </a:extLst>
+          </p:cNvPr>
+          <p:cNvSpPr/>
+          <p:nvPr/>
+        </p:nvSpPr>
+        <p:spPr>
+          <a:xfrm>
+            <a:off x="3414759" y="3540604"/>
+            <a:ext cx="449926" cy="442217"/>
+          </a:xfrm>
+          <a:prstGeom prst="ellipse">
+            <a:avLst/>
+          </a:prstGeom>
+        </p:spPr>
+        <p:style>
+          <a:lnRef idx="2">
+            <a:schemeClr val="accent2">
+              <a:shade val="50000"/>
+            </a:schemeClr>
+          </a:lnRef>
+          <a:fillRef idx="1">
+            <a:schemeClr val="accent2"/>
+          </a:fillRef>
+          <a:effectRef idx="0">
+            <a:schemeClr val="accent2"/>
+          </a:effectRef>
+          <a:fontRef idx="minor">
+            <a:schemeClr val="lt1"/>
+          </a:fontRef>
+        </p:style>
+        <p:txBody>
+          <a:bodyPr rtlCol="0" anchor="ctr"/>
+          <a:lstStyle/>
+          <a:p>
+            <a:pPr algn="ctr"/>
+            <a:r>
+              <a:rPr lang="en-US" altLang="zh-CN" sz="1200" dirty="0"/>
+              <a:t>4</a:t>
+            </a:r>
+            <a:endParaRPr lang="zh-CN" altLang="en-US" sz="1200" dirty="0"/>
+          </a:p>
+        </p:txBody>
+      </p:sp>
+      <p:sp>
+        <p:nvSpPr>
+          <p:cNvPr id="78" name="椭圆 77">
+            <a:extLst>
+              <a:ext uri="{FF2B5EF4-FFF2-40B4-BE49-F238E27FC236}">
+                <a16:creationId xmlns:a16="http://schemas.microsoft.com/office/drawing/2014/main" id="{96D03E28-7C05-4FB1-A38B-989B2B0767D8}"/>
+              </a:ext>
+            </a:extLst>
+          </p:cNvPr>
+          <p:cNvSpPr/>
+          <p:nvPr/>
+        </p:nvSpPr>
+        <p:spPr>
+          <a:xfrm>
+            <a:off x="6923768" y="1205005"/>
+            <a:ext cx="449926" cy="442217"/>
+          </a:xfrm>
+          <a:prstGeom prst="ellipse">
+            <a:avLst/>
+          </a:prstGeom>
+        </p:spPr>
+        <p:style>
+          <a:lnRef idx="2">
+            <a:schemeClr val="accent2">
+              <a:shade val="50000"/>
+            </a:schemeClr>
+          </a:lnRef>
+          <a:fillRef idx="1">
+            <a:schemeClr val="accent2"/>
+          </a:fillRef>
+          <a:effectRef idx="0">
+            <a:schemeClr val="accent2"/>
+          </a:effectRef>
+          <a:fontRef idx="minor">
+            <a:schemeClr val="lt1"/>
+          </a:fontRef>
+        </p:style>
+        <p:txBody>
+          <a:bodyPr rtlCol="0" anchor="ctr"/>
+          <a:lstStyle/>
+          <a:p>
+            <a:pPr algn="ctr"/>
+            <a:r>
+              <a:rPr lang="en-US" altLang="zh-CN" sz="1200" dirty="0"/>
+              <a:t>3</a:t>
+            </a:r>
+            <a:endParaRPr lang="zh-CN" altLang="en-US" sz="1200" dirty="0"/>
+          </a:p>
+        </p:txBody>
+      </p:sp>
+      <p:sp>
+        <p:nvSpPr>
+          <p:cNvPr id="79" name="矩形 78">
+            <a:extLst>
+              <a:ext uri="{FF2B5EF4-FFF2-40B4-BE49-F238E27FC236}">
+                <a16:creationId xmlns:a16="http://schemas.microsoft.com/office/drawing/2014/main" id="{7B3EB1B4-CC9B-4763-B1A4-FFD366B86DA4}"/>
+              </a:ext>
+            </a:extLst>
+          </p:cNvPr>
+          <p:cNvSpPr/>
+          <p:nvPr/>
+        </p:nvSpPr>
+        <p:spPr>
+          <a:xfrm>
+            <a:off x="137817" y="5901177"/>
+            <a:ext cx="8984793" cy="523220"/>
+          </a:xfrm>
+          <a:prstGeom prst="rect">
+            <a:avLst/>
+          </a:prstGeom>
+        </p:spPr>
+        <p:txBody>
+          <a:bodyPr wrap="square">
+            <a:spAutoFit/>
+          </a:bodyPr>
+          <a:lstStyle/>
+          <a:p>
+            <a:pPr marL="342900" indent="-342900">
+              <a:buAutoNum type="arabicPeriod"/>
+            </a:pPr>
+            <a:r>
+              <a:rPr lang="zh-CN" altLang="en-US" sz="1400" dirty="0"/>
+              <a:t>对于一个文件，可以多次</a:t>
+            </a:r>
+            <a:r>
+              <a:rPr lang="en-US" altLang="zh-CN" sz="1400" dirty="0"/>
+              <a:t>add</a:t>
+            </a:r>
+            <a:r>
+              <a:rPr lang="zh-CN" altLang="en-US" sz="1400" dirty="0"/>
+              <a:t>。修改一点，就</a:t>
+            </a:r>
+            <a:r>
+              <a:rPr lang="en-US" altLang="zh-CN" sz="1400" dirty="0"/>
+              <a:t>add</a:t>
+            </a:r>
+            <a:r>
+              <a:rPr lang="zh-CN" altLang="en-US" sz="1400" dirty="0"/>
+              <a:t>一次；每一次的</a:t>
+            </a:r>
+            <a:r>
+              <a:rPr lang="en-US" altLang="zh-CN" sz="1400" dirty="0"/>
+              <a:t>add</a:t>
+            </a:r>
+            <a:r>
+              <a:rPr lang="zh-CN" altLang="en-US" sz="1400" dirty="0"/>
+              <a:t>都会把当前的修改添加到缓存区中去。</a:t>
+            </a:r>
+            <a:endParaRPr lang="en-US" altLang="zh-CN" sz="1400" dirty="0"/>
+          </a:p>
+          <a:p>
+            <a:pPr marL="342900" indent="-342900">
+              <a:buAutoNum type="arabicPeriod"/>
+            </a:pPr>
+            <a:r>
+              <a:rPr lang="en-US" altLang="zh-CN" sz="1400" dirty="0"/>
+              <a:t>Commit</a:t>
+            </a:r>
+            <a:r>
+              <a:rPr lang="zh-CN" altLang="en-US" sz="1400" dirty="0"/>
+              <a:t>会把暂存区中全部的修改提交到仓库中。每一次的</a:t>
+            </a:r>
+            <a:r>
+              <a:rPr lang="en-US" altLang="zh-CN" sz="1400" dirty="0"/>
+              <a:t>commit</a:t>
+            </a:r>
+            <a:r>
+              <a:rPr lang="zh-CN" altLang="en-US" sz="1400" dirty="0"/>
+              <a:t>都会产生一个新的版本</a:t>
+            </a:r>
+          </a:p>
+        </p:txBody>
+      </p:sp>
+    </p:spTree>
+    <p:extLst>
+      <p:ext uri="{BB962C8B-B14F-4D97-AF65-F5344CB8AC3E}">
+        <p14:creationId xmlns:p14="http://schemas.microsoft.com/office/powerpoint/2010/main" val="1128484218"/>
+      </p:ext>
+    </p:extLst>
+  </p:cSld>
+  <p:clrMapOvr>
+    <a:masterClrMapping/>
+  </p:clrMapOvr>
+</p:sld>
+</file>
+
+<file path=ppt/slides/slide5.xml><?xml version="1.0" encoding="utf-8"?>
+<p:sld xmlns:a="http://schemas.openxmlformats.org/drawingml/2006/main" xmlns:r="http://schemas.openxmlformats.org/officeDocument/2006/relationships" xmlns:p="http://schemas.openxmlformats.org/presentationml/2006/main">
+  <p:cSld>
+    <p:spTree>
+      <p:nvGrpSpPr>
+        <p:cNvPr id="1" name=""/>
+        <p:cNvGrpSpPr/>
+        <p:nvPr/>
+      </p:nvGrpSpPr>
+      <p:grpSpPr>
+        <a:xfrm>
+          <a:off x="0" y="0"/>
+          <a:ext cx="0" cy="0"/>
+          <a:chOff x="0" y="0"/>
+          <a:chExt cx="0" cy="0"/>
+        </a:xfrm>
+      </p:grpSpPr>
+      <p:sp>
+        <p:nvSpPr>
+          <p:cNvPr id="8" name="矩形 7">
+            <a:extLst>
+              <a:ext uri="{FF2B5EF4-FFF2-40B4-BE49-F238E27FC236}">
+                <a16:creationId xmlns:a16="http://schemas.microsoft.com/office/drawing/2014/main" id="{02CB3CBA-6E63-4C8B-9C08-893B060AD68E}"/>
+              </a:ext>
+            </a:extLst>
+          </p:cNvPr>
+          <p:cNvSpPr/>
+          <p:nvPr/>
+        </p:nvSpPr>
+        <p:spPr>
+          <a:xfrm>
+            <a:off x="474439" y="2903456"/>
+            <a:ext cx="2928638" cy="2639506"/>
+          </a:xfrm>
+          <a:prstGeom prst="rect">
+            <a:avLst/>
+          </a:prstGeom>
+          <a:noFill/>
+          <a:ln w="57150"/>
+        </p:spPr>
+        <p:style>
+          <a:lnRef idx="2">
+            <a:schemeClr val="accent1">
+              <a:shade val="50000"/>
+            </a:schemeClr>
+          </a:lnRef>
+          <a:fillRef idx="1">
+            <a:schemeClr val="accent1"/>
+          </a:fillRef>
+          <a:effectRef idx="0">
+            <a:schemeClr val="accent1"/>
+          </a:effectRef>
+          <a:fontRef idx="minor">
+            <a:schemeClr val="lt1"/>
+          </a:fontRef>
+        </p:style>
+        <p:txBody>
+          <a:bodyPr rtlCol="0" anchor="ctr"/>
+          <a:lstStyle/>
+          <a:p>
+            <a:pPr algn="ctr"/>
+            <a:endParaRPr lang="zh-CN" altLang="en-US" dirty="0"/>
+          </a:p>
+        </p:txBody>
+      </p:sp>
+      <p:sp>
+        <p:nvSpPr>
+          <p:cNvPr id="9" name="文本框 8">
+            <a:extLst>
+              <a:ext uri="{FF2B5EF4-FFF2-40B4-BE49-F238E27FC236}">
+                <a16:creationId xmlns:a16="http://schemas.microsoft.com/office/drawing/2014/main" id="{7A21413E-559B-41BC-9CEC-60D6FD143199}"/>
+              </a:ext>
+            </a:extLst>
+          </p:cNvPr>
+          <p:cNvSpPr txBox="1"/>
+          <p:nvPr/>
+        </p:nvSpPr>
+        <p:spPr>
+          <a:xfrm>
+            <a:off x="503734" y="2432114"/>
+            <a:ext cx="1229824" cy="369332"/>
+          </a:xfrm>
+          <a:prstGeom prst="rect">
+            <a:avLst/>
+          </a:prstGeom>
+          <a:noFill/>
+        </p:spPr>
+        <p:txBody>
+          <a:bodyPr wrap="none" rtlCol="0">
+            <a:spAutoFit/>
+          </a:bodyPr>
+          <a:lstStyle/>
+          <a:p>
+            <a:r>
+              <a:rPr lang="en-US" altLang="zh-CN" dirty="0"/>
+              <a:t>d:/learngit</a:t>
+            </a:r>
+            <a:endParaRPr lang="zh-CN" altLang="en-US" dirty="0"/>
+          </a:p>
+        </p:txBody>
+      </p:sp>
+      <p:sp>
+        <p:nvSpPr>
+          <p:cNvPr id="10" name="矩形 9">
+            <a:extLst>
+              <a:ext uri="{FF2B5EF4-FFF2-40B4-BE49-F238E27FC236}">
+                <a16:creationId xmlns:a16="http://schemas.microsoft.com/office/drawing/2014/main" id="{7BE2A0CC-8A41-4521-8C6D-7C8A0BDDB29F}"/>
+              </a:ext>
+            </a:extLst>
+          </p:cNvPr>
+          <p:cNvSpPr/>
+          <p:nvPr/>
+        </p:nvSpPr>
+        <p:spPr>
+          <a:xfrm>
+            <a:off x="474438" y="2432114"/>
+            <a:ext cx="1421920" cy="471341"/>
+          </a:xfrm>
+          <a:prstGeom prst="rect">
+            <a:avLst/>
+          </a:prstGeom>
+          <a:noFill/>
+          <a:ln w="57150"/>
+        </p:spPr>
+        <p:style>
+          <a:lnRef idx="2">
+            <a:schemeClr val="accent1">
+              <a:shade val="50000"/>
+            </a:schemeClr>
+          </a:lnRef>
+          <a:fillRef idx="1">
+            <a:schemeClr val="accent1"/>
+          </a:fillRef>
+          <a:effectRef idx="0">
+            <a:schemeClr val="accent1"/>
+          </a:effectRef>
+          <a:fontRef idx="minor">
+            <a:schemeClr val="lt1"/>
+          </a:fontRef>
+        </p:style>
+        <p:txBody>
+          <a:bodyPr rtlCol="0" anchor="ctr"/>
+          <a:lstStyle/>
+          <a:p>
+            <a:pPr algn="ctr"/>
+            <a:endParaRPr lang="zh-CN" altLang="en-US" dirty="0"/>
+          </a:p>
+        </p:txBody>
+      </p:sp>
+      <p:pic>
+        <p:nvPicPr>
+          <p:cNvPr id="11" name="图片 10">
+            <a:extLst>
+              <a:ext uri="{FF2B5EF4-FFF2-40B4-BE49-F238E27FC236}">
+                <a16:creationId xmlns:a16="http://schemas.microsoft.com/office/drawing/2014/main" id="{9A880BC7-4DBA-41B9-886C-7AEBC075C44F}"/>
+              </a:ext>
+            </a:extLst>
+          </p:cNvPr>
+          <p:cNvPicPr>
+            <a:picLocks noChangeAspect="1"/>
+          </p:cNvPicPr>
+          <p:nvPr/>
+        </p:nvPicPr>
+        <p:blipFill>
+          <a:blip r:embed="rId2"/>
+          <a:stretch>
+            <a:fillRect/>
+          </a:stretch>
+        </p:blipFill>
+        <p:spPr>
+          <a:xfrm>
+            <a:off x="2239686" y="3044053"/>
+            <a:ext cx="998307" cy="1120237"/>
+          </a:xfrm>
+          <a:prstGeom prst="rect">
+            <a:avLst/>
+          </a:prstGeom>
+          <a:ln w="28575">
+            <a:noFill/>
+            <a:prstDash val="dashDot"/>
+          </a:ln>
+        </p:spPr>
+      </p:pic>
+      <p:sp>
+        <p:nvSpPr>
+          <p:cNvPr id="12" name="圆柱体 11">
+            <a:extLst>
+              <a:ext uri="{FF2B5EF4-FFF2-40B4-BE49-F238E27FC236}">
+                <a16:creationId xmlns:a16="http://schemas.microsoft.com/office/drawing/2014/main" id="{FA2855A8-2549-4D73-B137-9433E1DABF44}"/>
+              </a:ext>
+            </a:extLst>
+          </p:cNvPr>
+          <p:cNvSpPr/>
+          <p:nvPr/>
+        </p:nvSpPr>
+        <p:spPr>
+          <a:xfrm>
+            <a:off x="3751656" y="2432114"/>
+            <a:ext cx="1555756" cy="2253008"/>
+          </a:xfrm>
+          <a:prstGeom prst="can">
+            <a:avLst/>
+          </a:prstGeom>
+          <a:noFill/>
+          <a:ln w="38100">
+            <a:prstDash val="dashDot"/>
+          </a:ln>
+        </p:spPr>
+        <p:style>
+          <a:lnRef idx="2">
+            <a:schemeClr val="accent1">
+              <a:shade val="50000"/>
+            </a:schemeClr>
+          </a:lnRef>
+          <a:fillRef idx="1">
+            <a:schemeClr val="accent1"/>
+          </a:fillRef>
+          <a:effectRef idx="0">
+            <a:schemeClr val="accent1"/>
+          </a:effectRef>
+          <a:fontRef idx="minor">
+            <a:schemeClr val="lt1"/>
+          </a:fontRef>
+        </p:style>
+        <p:txBody>
+          <a:bodyPr rtlCol="0" anchor="ctr"/>
+          <a:lstStyle/>
+          <a:p>
+            <a:pPr algn="ctr"/>
+            <a:endParaRPr lang="zh-CN" altLang="en-US"/>
+          </a:p>
+        </p:txBody>
+      </p:sp>
+      <p:cxnSp>
+        <p:nvCxnSpPr>
+          <p:cNvPr id="14" name="连接符: 曲线 13">
+            <a:extLst>
+              <a:ext uri="{FF2B5EF4-FFF2-40B4-BE49-F238E27FC236}">
+                <a16:creationId xmlns:a16="http://schemas.microsoft.com/office/drawing/2014/main" id="{3F8C4247-6CCD-4F5E-8D46-CA07EAD95DEF}"/>
+              </a:ext>
+            </a:extLst>
+          </p:cNvPr>
+          <p:cNvCxnSpPr>
+            <a:cxnSpLocks/>
+            <a:stCxn id="11" idx="3"/>
+            <a:endCxn id="12" idx="2"/>
+          </p:cNvCxnSpPr>
+          <p:nvPr/>
+        </p:nvCxnSpPr>
+        <p:spPr>
+          <a:xfrm flipV="1">
+            <a:off x="3237993" y="3558618"/>
+            <a:ext cx="513663" cy="45554"/>
+          </a:xfrm>
+          <a:prstGeom prst="curvedConnector3">
+            <a:avLst/>
+          </a:prstGeom>
+          <a:ln w="38100">
+            <a:tailEnd type="triangle"/>
+          </a:ln>
+        </p:spPr>
+        <p:style>
+          <a:lnRef idx="1">
+            <a:schemeClr val="accent1"/>
+          </a:lnRef>
+          <a:fillRef idx="0">
+            <a:schemeClr val="accent1"/>
+          </a:fillRef>
+          <a:effectRef idx="0">
+            <a:schemeClr val="accent1"/>
+          </a:effectRef>
+          <a:fontRef idx="minor">
+            <a:schemeClr val="tx1"/>
+          </a:fontRef>
+        </p:style>
+      </p:cxnSp>
+      <p:sp>
+        <p:nvSpPr>
+          <p:cNvPr id="15" name="文本框 14">
+            <a:extLst>
+              <a:ext uri="{FF2B5EF4-FFF2-40B4-BE49-F238E27FC236}">
+                <a16:creationId xmlns:a16="http://schemas.microsoft.com/office/drawing/2014/main" id="{0287D92B-ED49-412F-B3E5-98B33296C2BD}"/>
+              </a:ext>
+            </a:extLst>
+          </p:cNvPr>
+          <p:cNvSpPr txBox="1"/>
+          <p:nvPr/>
+        </p:nvSpPr>
+        <p:spPr>
+          <a:xfrm>
+            <a:off x="4005606" y="4157220"/>
+            <a:ext cx="1087685" cy="369332"/>
+          </a:xfrm>
+          <a:prstGeom prst="rect">
+            <a:avLst/>
+          </a:prstGeom>
+          <a:noFill/>
+        </p:spPr>
+        <p:txBody>
+          <a:bodyPr wrap="square" rtlCol="0">
+            <a:spAutoFit/>
+          </a:bodyPr>
+          <a:lstStyle/>
+          <a:p>
+            <a:r>
+              <a:rPr lang="en-US" altLang="zh-CN" dirty="0"/>
+              <a:t>git</a:t>
+            </a:r>
+            <a:r>
+              <a:rPr lang="zh-CN" altLang="en-US" dirty="0"/>
+              <a:t>仓库</a:t>
+            </a:r>
+          </a:p>
+        </p:txBody>
+      </p:sp>
+      <p:pic>
+        <p:nvPicPr>
+          <p:cNvPr id="2" name="图片 1">
+            <a:extLst>
+              <a:ext uri="{FF2B5EF4-FFF2-40B4-BE49-F238E27FC236}">
+                <a16:creationId xmlns:a16="http://schemas.microsoft.com/office/drawing/2014/main" id="{B56B5511-6B0F-4149-A562-8BC0264EF5FB}"/>
+              </a:ext>
+            </a:extLst>
+          </p:cNvPr>
+          <p:cNvPicPr>
+            <a:picLocks noChangeAspect="1"/>
+          </p:cNvPicPr>
+          <p:nvPr/>
+        </p:nvPicPr>
+        <p:blipFill>
+          <a:blip r:embed="rId3"/>
+          <a:stretch>
+            <a:fillRect/>
+          </a:stretch>
+        </p:blipFill>
+        <p:spPr>
+          <a:xfrm>
+            <a:off x="683928" y="3180259"/>
+            <a:ext cx="713112" cy="800209"/>
+          </a:xfrm>
+          <a:prstGeom prst="rect">
+            <a:avLst/>
+          </a:prstGeom>
+        </p:spPr>
+      </p:pic>
+      <p:sp>
+        <p:nvSpPr>
+          <p:cNvPr id="13" name="文本框 12">
+            <a:extLst>
+              <a:ext uri="{FF2B5EF4-FFF2-40B4-BE49-F238E27FC236}">
+                <a16:creationId xmlns:a16="http://schemas.microsoft.com/office/drawing/2014/main" id="{F3E379CF-BEAE-4C83-A296-746DA36072D4}"/>
+              </a:ext>
+            </a:extLst>
+          </p:cNvPr>
+          <p:cNvSpPr txBox="1"/>
+          <p:nvPr/>
+        </p:nvSpPr>
+        <p:spPr>
+          <a:xfrm>
+            <a:off x="474438" y="395950"/>
+            <a:ext cx="4528804" cy="1200329"/>
+          </a:xfrm>
+          <a:prstGeom prst="rect">
+            <a:avLst/>
+          </a:prstGeom>
+          <a:solidFill>
+            <a:schemeClr val="accent3"/>
+          </a:solidFill>
+        </p:spPr>
+        <p:txBody>
+          <a:bodyPr wrap="none" rtlCol="0">
+            <a:spAutoFit/>
+          </a:bodyPr>
+          <a:lstStyle/>
+          <a:p>
+            <a:r>
+              <a:rPr lang="en-US" altLang="zh-CN" dirty="0"/>
+              <a:t>1. </a:t>
+            </a:r>
+            <a:r>
+              <a:rPr lang="zh-CN" altLang="en-US" dirty="0"/>
+              <a:t>新建一个文件，名为</a:t>
+            </a:r>
+            <a:r>
+              <a:rPr lang="en-US" altLang="zh-CN" dirty="0"/>
+              <a:t>web.md</a:t>
+            </a:r>
+            <a:r>
+              <a:rPr lang="zh-CN" altLang="en-US" dirty="0"/>
+              <a:t>，</a:t>
+            </a:r>
+            <a:endParaRPr lang="en-US" altLang="zh-CN" dirty="0"/>
+          </a:p>
+          <a:p>
+            <a:r>
+              <a:rPr lang="zh-CN" altLang="en-US" dirty="0"/>
+              <a:t>添加任意内容，并保存。</a:t>
+            </a:r>
+            <a:endParaRPr lang="en-US" altLang="zh-CN" dirty="0"/>
+          </a:p>
+          <a:p>
+            <a:endParaRPr lang="en-US" altLang="zh-CN" dirty="0"/>
+          </a:p>
+          <a:p>
+            <a:r>
+              <a:rPr lang="zh-CN" altLang="en-US" dirty="0"/>
+              <a:t>此时，</a:t>
+            </a:r>
+            <a:r>
+              <a:rPr lang="en-US" altLang="zh-CN" dirty="0"/>
+              <a:t>web.md</a:t>
+            </a:r>
+            <a:r>
+              <a:rPr lang="zh-CN" altLang="en-US" dirty="0"/>
+              <a:t>对于</a:t>
+            </a:r>
+            <a:r>
+              <a:rPr lang="en-US" altLang="zh-CN" dirty="0"/>
+              <a:t>git</a:t>
+            </a:r>
+            <a:r>
+              <a:rPr lang="zh-CN" altLang="en-US" dirty="0"/>
+              <a:t>仓库来说是</a:t>
+            </a:r>
+            <a:r>
+              <a:rPr lang="en-US" altLang="zh-CN" dirty="0"/>
+              <a:t>untracked</a:t>
+            </a:r>
+          </a:p>
+        </p:txBody>
+      </p:sp>
+      <p:sp>
+        <p:nvSpPr>
+          <p:cNvPr id="38" name="矩形 37">
+            <a:extLst>
+              <a:ext uri="{FF2B5EF4-FFF2-40B4-BE49-F238E27FC236}">
+                <a16:creationId xmlns:a16="http://schemas.microsoft.com/office/drawing/2014/main" id="{8B5015B6-3AA8-43C2-A3B5-683169BB8CE2}"/>
+              </a:ext>
+            </a:extLst>
+          </p:cNvPr>
+          <p:cNvSpPr/>
+          <p:nvPr/>
+        </p:nvSpPr>
+        <p:spPr>
+          <a:xfrm>
+            <a:off x="6795985" y="2903456"/>
+            <a:ext cx="2928638" cy="2639506"/>
+          </a:xfrm>
+          <a:prstGeom prst="rect">
+            <a:avLst/>
+          </a:prstGeom>
+          <a:noFill/>
+          <a:ln w="57150"/>
+        </p:spPr>
+        <p:style>
+          <a:lnRef idx="2">
+            <a:schemeClr val="accent1">
+              <a:shade val="50000"/>
+            </a:schemeClr>
+          </a:lnRef>
+          <a:fillRef idx="1">
+            <a:schemeClr val="accent1"/>
+          </a:fillRef>
+          <a:effectRef idx="0">
+            <a:schemeClr val="accent1"/>
+          </a:effectRef>
+          <a:fontRef idx="minor">
+            <a:schemeClr val="lt1"/>
+          </a:fontRef>
+        </p:style>
+        <p:txBody>
+          <a:bodyPr rtlCol="0" anchor="ctr"/>
+          <a:lstStyle/>
+          <a:p>
+            <a:pPr algn="ctr"/>
+            <a:endParaRPr lang="zh-CN" altLang="en-US" dirty="0"/>
+          </a:p>
+        </p:txBody>
+      </p:sp>
+      <p:sp>
+        <p:nvSpPr>
+          <p:cNvPr id="39" name="文本框 38">
+            <a:extLst>
+              <a:ext uri="{FF2B5EF4-FFF2-40B4-BE49-F238E27FC236}">
+                <a16:creationId xmlns:a16="http://schemas.microsoft.com/office/drawing/2014/main" id="{AEE36737-2D42-479E-B791-F47B1F741993}"/>
+              </a:ext>
+            </a:extLst>
+          </p:cNvPr>
+          <p:cNvSpPr txBox="1"/>
+          <p:nvPr/>
+        </p:nvSpPr>
+        <p:spPr>
+          <a:xfrm>
+            <a:off x="6825280" y="2432114"/>
+            <a:ext cx="1229824" cy="369332"/>
+          </a:xfrm>
+          <a:prstGeom prst="rect">
+            <a:avLst/>
+          </a:prstGeom>
+          <a:noFill/>
+        </p:spPr>
+        <p:txBody>
+          <a:bodyPr wrap="none" rtlCol="0">
+            <a:spAutoFit/>
+          </a:bodyPr>
+          <a:lstStyle/>
+          <a:p>
+            <a:r>
+              <a:rPr lang="en-US" altLang="zh-CN" dirty="0"/>
+              <a:t>d:/learngit</a:t>
+            </a:r>
+            <a:endParaRPr lang="zh-CN" altLang="en-US" dirty="0"/>
+          </a:p>
+        </p:txBody>
+      </p:sp>
+      <p:sp>
+        <p:nvSpPr>
+          <p:cNvPr id="40" name="矩形 39">
+            <a:extLst>
+              <a:ext uri="{FF2B5EF4-FFF2-40B4-BE49-F238E27FC236}">
+                <a16:creationId xmlns:a16="http://schemas.microsoft.com/office/drawing/2014/main" id="{AE63D1BF-34F2-4572-90AB-C8856AAB8BF7}"/>
+              </a:ext>
+            </a:extLst>
+          </p:cNvPr>
+          <p:cNvSpPr/>
+          <p:nvPr/>
+        </p:nvSpPr>
+        <p:spPr>
+          <a:xfrm>
+            <a:off x="6795984" y="2432114"/>
+            <a:ext cx="1421920" cy="471341"/>
+          </a:xfrm>
+          <a:prstGeom prst="rect">
+            <a:avLst/>
+          </a:prstGeom>
+          <a:noFill/>
+          <a:ln w="57150"/>
+        </p:spPr>
+        <p:style>
+          <a:lnRef idx="2">
+            <a:schemeClr val="accent1">
+              <a:shade val="50000"/>
+            </a:schemeClr>
+          </a:lnRef>
+          <a:fillRef idx="1">
+            <a:schemeClr val="accent1"/>
+          </a:fillRef>
+          <a:effectRef idx="0">
+            <a:schemeClr val="accent1"/>
+          </a:effectRef>
+          <a:fontRef idx="minor">
+            <a:schemeClr val="lt1"/>
+          </a:fontRef>
+        </p:style>
+        <p:txBody>
+          <a:bodyPr rtlCol="0" anchor="ctr"/>
+          <a:lstStyle/>
+          <a:p>
+            <a:pPr algn="ctr"/>
+            <a:endParaRPr lang="zh-CN" altLang="en-US" dirty="0"/>
+          </a:p>
+        </p:txBody>
+      </p:sp>
+      <p:pic>
+        <p:nvPicPr>
+          <p:cNvPr id="41" name="图片 40">
+            <a:extLst>
+              <a:ext uri="{FF2B5EF4-FFF2-40B4-BE49-F238E27FC236}">
+                <a16:creationId xmlns:a16="http://schemas.microsoft.com/office/drawing/2014/main" id="{D77A4552-DFE2-436D-B600-1FE78701EA8E}"/>
+              </a:ext>
+            </a:extLst>
+          </p:cNvPr>
+          <p:cNvPicPr>
+            <a:picLocks noChangeAspect="1"/>
+          </p:cNvPicPr>
+          <p:nvPr/>
+        </p:nvPicPr>
+        <p:blipFill>
+          <a:blip r:embed="rId2"/>
+          <a:stretch>
+            <a:fillRect/>
+          </a:stretch>
+        </p:blipFill>
+        <p:spPr>
+          <a:xfrm>
+            <a:off x="8561232" y="3044053"/>
+            <a:ext cx="998307" cy="1120237"/>
+          </a:xfrm>
+          <a:prstGeom prst="rect">
+            <a:avLst/>
+          </a:prstGeom>
+          <a:ln w="28575">
+            <a:noFill/>
+            <a:prstDash val="dashDot"/>
+          </a:ln>
+        </p:spPr>
+      </p:pic>
+      <p:sp>
+        <p:nvSpPr>
+          <p:cNvPr id="42" name="圆柱体 41">
+            <a:extLst>
+              <a:ext uri="{FF2B5EF4-FFF2-40B4-BE49-F238E27FC236}">
+                <a16:creationId xmlns:a16="http://schemas.microsoft.com/office/drawing/2014/main" id="{9B28ABE6-F946-456F-AFAE-0A93DDFF0083}"/>
+              </a:ext>
+            </a:extLst>
+          </p:cNvPr>
+          <p:cNvSpPr/>
+          <p:nvPr/>
+        </p:nvSpPr>
+        <p:spPr>
+          <a:xfrm>
+            <a:off x="10073202" y="2432114"/>
+            <a:ext cx="1555756" cy="2253008"/>
+          </a:xfrm>
+          <a:prstGeom prst="can">
+            <a:avLst/>
+          </a:prstGeom>
+          <a:noFill/>
+          <a:ln w="38100">
+            <a:prstDash val="dashDot"/>
+          </a:ln>
+        </p:spPr>
+        <p:style>
+          <a:lnRef idx="2">
+            <a:schemeClr val="accent1">
+              <a:shade val="50000"/>
+            </a:schemeClr>
+          </a:lnRef>
+          <a:fillRef idx="1">
+            <a:schemeClr val="accent1"/>
+          </a:fillRef>
+          <a:effectRef idx="0">
+            <a:schemeClr val="accent1"/>
+          </a:effectRef>
+          <a:fontRef idx="minor">
+            <a:schemeClr val="lt1"/>
+          </a:fontRef>
+        </p:style>
+        <p:txBody>
+          <a:bodyPr rtlCol="0" anchor="ctr"/>
+          <a:lstStyle/>
+          <a:p>
+            <a:pPr algn="ctr"/>
+            <a:endParaRPr lang="zh-CN" altLang="en-US"/>
+          </a:p>
+        </p:txBody>
+      </p:sp>
+      <p:cxnSp>
+        <p:nvCxnSpPr>
+          <p:cNvPr id="43" name="连接符: 曲线 42">
+            <a:extLst>
+              <a:ext uri="{FF2B5EF4-FFF2-40B4-BE49-F238E27FC236}">
+                <a16:creationId xmlns:a16="http://schemas.microsoft.com/office/drawing/2014/main" id="{96E38B2C-6942-4156-9130-722DC1ECD66F}"/>
+              </a:ext>
+            </a:extLst>
+          </p:cNvPr>
+          <p:cNvCxnSpPr>
+            <a:cxnSpLocks/>
+            <a:stCxn id="41" idx="3"/>
+            <a:endCxn id="42" idx="2"/>
+          </p:cNvCxnSpPr>
+          <p:nvPr/>
+        </p:nvCxnSpPr>
+        <p:spPr>
+          <a:xfrm flipV="1">
+            <a:off x="9559539" y="3558618"/>
+            <a:ext cx="513663" cy="45554"/>
+          </a:xfrm>
+          <a:prstGeom prst="curvedConnector3">
+            <a:avLst/>
+          </a:prstGeom>
+          <a:ln w="38100">
+            <a:tailEnd type="triangle"/>
+          </a:ln>
+        </p:spPr>
+        <p:style>
+          <a:lnRef idx="1">
+            <a:schemeClr val="accent1"/>
+          </a:lnRef>
+          <a:fillRef idx="0">
+            <a:schemeClr val="accent1"/>
+          </a:fillRef>
+          <a:effectRef idx="0">
+            <a:schemeClr val="accent1"/>
+          </a:effectRef>
+          <a:fontRef idx="minor">
+            <a:schemeClr val="tx1"/>
+          </a:fontRef>
+        </p:style>
+      </p:cxnSp>
+      <p:sp>
+        <p:nvSpPr>
           <p:cNvPr id="44" name="文本框 43">
             <a:extLst>
               <a:ext uri="{FF2B5EF4-FFF2-40B4-BE49-F238E27FC236}">
@@ -4625,7 +7304,7 @@
 </p:sld>
 </file>
 
-<file path=ppt/slides/slide3.xml><?xml version="1.0" encoding="utf-8"?>
+<file path=ppt/slides/slide6.xml><?xml version="1.0" encoding="utf-8"?>
 <p:sld xmlns:a="http://schemas.openxmlformats.org/drawingml/2006/main" xmlns:r="http://schemas.openxmlformats.org/officeDocument/2006/relationships" xmlns:p="http://schemas.openxmlformats.org/presentationml/2006/main">
   <p:cSld>
     <p:spTree>

--- a/ppt.pptx
+++ b/ppt.pptx
@@ -9,8 +9,11 @@
     <p:sldId id="259" r:id="rId3"/>
     <p:sldId id="260" r:id="rId4"/>
     <p:sldId id="261" r:id="rId5"/>
-    <p:sldId id="257" r:id="rId6"/>
-    <p:sldId id="258" r:id="rId7"/>
+    <p:sldId id="262" r:id="rId6"/>
+    <p:sldId id="263" r:id="rId7"/>
+    <p:sldId id="264" r:id="rId8"/>
+    <p:sldId id="266" r:id="rId9"/>
+    <p:sldId id="265" r:id="rId10"/>
   </p:sldIdLst>
   <p:sldSz cx="12192000" cy="6858000"/>
   <p:notesSz cx="6858000" cy="9144000"/>
@@ -264,7 +267,7 @@
           <a:p>
             <a:fld id="{E71FC8F0-C5AA-4101-828A-6FD3283E096B}" type="datetimeFigureOut">
               <a:rPr lang="zh-CN" altLang="en-US" smtClean="0"/>
-              <a:t>2019/7/5</a:t>
+              <a:t>2019/7/8</a:t>
             </a:fld>
             <a:endParaRPr lang="zh-CN" altLang="en-US"/>
           </a:p>
@@ -462,7 +465,7 @@
           <a:p>
             <a:fld id="{E71FC8F0-C5AA-4101-828A-6FD3283E096B}" type="datetimeFigureOut">
               <a:rPr lang="zh-CN" altLang="en-US" smtClean="0"/>
-              <a:t>2019/7/5</a:t>
+              <a:t>2019/7/8</a:t>
             </a:fld>
             <a:endParaRPr lang="zh-CN" altLang="en-US"/>
           </a:p>
@@ -670,7 +673,7 @@
           <a:p>
             <a:fld id="{E71FC8F0-C5AA-4101-828A-6FD3283E096B}" type="datetimeFigureOut">
               <a:rPr lang="zh-CN" altLang="en-US" smtClean="0"/>
-              <a:t>2019/7/5</a:t>
+              <a:t>2019/7/8</a:t>
             </a:fld>
             <a:endParaRPr lang="zh-CN" altLang="en-US"/>
           </a:p>
@@ -868,7 +871,7 @@
           <a:p>
             <a:fld id="{E71FC8F0-C5AA-4101-828A-6FD3283E096B}" type="datetimeFigureOut">
               <a:rPr lang="zh-CN" altLang="en-US" smtClean="0"/>
-              <a:t>2019/7/5</a:t>
+              <a:t>2019/7/8</a:t>
             </a:fld>
             <a:endParaRPr lang="zh-CN" altLang="en-US"/>
           </a:p>
@@ -1143,7 +1146,7 @@
           <a:p>
             <a:fld id="{E71FC8F0-C5AA-4101-828A-6FD3283E096B}" type="datetimeFigureOut">
               <a:rPr lang="zh-CN" altLang="en-US" smtClean="0"/>
-              <a:t>2019/7/5</a:t>
+              <a:t>2019/7/8</a:t>
             </a:fld>
             <a:endParaRPr lang="zh-CN" altLang="en-US"/>
           </a:p>
@@ -1408,7 +1411,7 @@
           <a:p>
             <a:fld id="{E71FC8F0-C5AA-4101-828A-6FD3283E096B}" type="datetimeFigureOut">
               <a:rPr lang="zh-CN" altLang="en-US" smtClean="0"/>
-              <a:t>2019/7/5</a:t>
+              <a:t>2019/7/8</a:t>
             </a:fld>
             <a:endParaRPr lang="zh-CN" altLang="en-US"/>
           </a:p>
@@ -1820,7 +1823,7 @@
           <a:p>
             <a:fld id="{E71FC8F0-C5AA-4101-828A-6FD3283E096B}" type="datetimeFigureOut">
               <a:rPr lang="zh-CN" altLang="en-US" smtClean="0"/>
-              <a:t>2019/7/5</a:t>
+              <a:t>2019/7/8</a:t>
             </a:fld>
             <a:endParaRPr lang="zh-CN" altLang="en-US"/>
           </a:p>
@@ -1961,7 +1964,7 @@
           <a:p>
             <a:fld id="{E71FC8F0-C5AA-4101-828A-6FD3283E096B}" type="datetimeFigureOut">
               <a:rPr lang="zh-CN" altLang="en-US" smtClean="0"/>
-              <a:t>2019/7/5</a:t>
+              <a:t>2019/7/8</a:t>
             </a:fld>
             <a:endParaRPr lang="zh-CN" altLang="en-US"/>
           </a:p>
@@ -2074,7 +2077,7 @@
           <a:p>
             <a:fld id="{E71FC8F0-C5AA-4101-828A-6FD3283E096B}" type="datetimeFigureOut">
               <a:rPr lang="zh-CN" altLang="en-US" smtClean="0"/>
-              <a:t>2019/7/5</a:t>
+              <a:t>2019/7/8</a:t>
             </a:fld>
             <a:endParaRPr lang="zh-CN" altLang="en-US"/>
           </a:p>
@@ -2385,7 +2388,7 @@
           <a:p>
             <a:fld id="{E71FC8F0-C5AA-4101-828A-6FD3283E096B}" type="datetimeFigureOut">
               <a:rPr lang="zh-CN" altLang="en-US" smtClean="0"/>
-              <a:t>2019/7/5</a:t>
+              <a:t>2019/7/8</a:t>
             </a:fld>
             <a:endParaRPr lang="zh-CN" altLang="en-US"/>
           </a:p>
@@ -2673,7 +2676,7 @@
           <a:p>
             <a:fld id="{E71FC8F0-C5AA-4101-828A-6FD3283E096B}" type="datetimeFigureOut">
               <a:rPr lang="zh-CN" altLang="en-US" smtClean="0"/>
-              <a:t>2019/7/5</a:t>
+              <a:t>2019/7/8</a:t>
             </a:fld>
             <a:endParaRPr lang="zh-CN" altLang="en-US"/>
           </a:p>
@@ -2914,7 +2917,7 @@
           <a:p>
             <a:fld id="{E71FC8F0-C5AA-4101-828A-6FD3283E096B}" type="datetimeFigureOut">
               <a:rPr lang="zh-CN" altLang="en-US" smtClean="0"/>
-              <a:t>2019/7/5</a:t>
+              <a:t>2019/7/8</a:t>
             </a:fld>
             <a:endParaRPr lang="zh-CN" altLang="en-US"/>
           </a:p>
@@ -6431,6 +6434,178 @@
           </a:p>
         </p:txBody>
       </p:sp>
+      <p:cxnSp>
+        <p:nvCxnSpPr>
+          <p:cNvPr id="44" name="直接箭头连接符 43">
+            <a:extLst>
+              <a:ext uri="{FF2B5EF4-FFF2-40B4-BE49-F238E27FC236}">
+                <a16:creationId xmlns:a16="http://schemas.microsoft.com/office/drawing/2014/main" id="{B881E941-FB33-4565-83EC-DAADBF2550FC}"/>
+              </a:ext>
+            </a:extLst>
+          </p:cNvPr>
+          <p:cNvCxnSpPr>
+            <a:cxnSpLocks/>
+            <a:stCxn id="50" idx="4"/>
+            <a:endCxn id="51" idx="0"/>
+          </p:cNvCxnSpPr>
+          <p:nvPr/>
+        </p:nvCxnSpPr>
+        <p:spPr>
+          <a:xfrm>
+            <a:off x="10887518" y="1102935"/>
+            <a:ext cx="0" cy="335829"/>
+          </a:xfrm>
+          <a:prstGeom prst="straightConnector1">
+            <a:avLst/>
+          </a:prstGeom>
+          <a:ln>
+            <a:tailEnd type="triangle"/>
+          </a:ln>
+        </p:spPr>
+        <p:style>
+          <a:lnRef idx="1">
+            <a:schemeClr val="accent1"/>
+          </a:lnRef>
+          <a:fillRef idx="0">
+            <a:schemeClr val="accent1"/>
+          </a:fillRef>
+          <a:effectRef idx="0">
+            <a:schemeClr val="accent1"/>
+          </a:effectRef>
+          <a:fontRef idx="minor">
+            <a:schemeClr val="tx1"/>
+          </a:fontRef>
+        </p:style>
+      </p:cxnSp>
+      <p:cxnSp>
+        <p:nvCxnSpPr>
+          <p:cNvPr id="47" name="直接箭头连接符 46">
+            <a:extLst>
+              <a:ext uri="{FF2B5EF4-FFF2-40B4-BE49-F238E27FC236}">
+                <a16:creationId xmlns:a16="http://schemas.microsoft.com/office/drawing/2014/main" id="{717B30EC-DE20-4B0D-B181-749DF0124F07}"/>
+              </a:ext>
+            </a:extLst>
+          </p:cNvPr>
+          <p:cNvCxnSpPr>
+            <a:cxnSpLocks/>
+            <a:stCxn id="51" idx="4"/>
+            <a:endCxn id="52" idx="0"/>
+          </p:cNvCxnSpPr>
+          <p:nvPr/>
+        </p:nvCxnSpPr>
+        <p:spPr>
+          <a:xfrm>
+            <a:off x="10887518" y="2277751"/>
+            <a:ext cx="0" cy="335829"/>
+          </a:xfrm>
+          <a:prstGeom prst="straightConnector1">
+            <a:avLst/>
+          </a:prstGeom>
+          <a:ln>
+            <a:tailEnd type="triangle"/>
+          </a:ln>
+        </p:spPr>
+        <p:style>
+          <a:lnRef idx="1">
+            <a:schemeClr val="accent1"/>
+          </a:lnRef>
+          <a:fillRef idx="0">
+            <a:schemeClr val="accent1"/>
+          </a:fillRef>
+          <a:effectRef idx="0">
+            <a:schemeClr val="accent1"/>
+          </a:effectRef>
+          <a:fontRef idx="minor">
+            <a:schemeClr val="tx1"/>
+          </a:fontRef>
+        </p:style>
+      </p:cxnSp>
+      <p:cxnSp>
+        <p:nvCxnSpPr>
+          <p:cNvPr id="54" name="直接箭头连接符 53">
+            <a:extLst>
+              <a:ext uri="{FF2B5EF4-FFF2-40B4-BE49-F238E27FC236}">
+                <a16:creationId xmlns:a16="http://schemas.microsoft.com/office/drawing/2014/main" id="{3E9E670B-F8AD-4563-9BFE-97B6EB443BB6}"/>
+              </a:ext>
+            </a:extLst>
+          </p:cNvPr>
+          <p:cNvCxnSpPr>
+            <a:cxnSpLocks/>
+            <a:stCxn id="52" idx="4"/>
+            <a:endCxn id="53" idx="0"/>
+          </p:cNvCxnSpPr>
+          <p:nvPr/>
+        </p:nvCxnSpPr>
+        <p:spPr>
+          <a:xfrm>
+            <a:off x="10887518" y="3452567"/>
+            <a:ext cx="0" cy="335829"/>
+          </a:xfrm>
+          <a:prstGeom prst="straightConnector1">
+            <a:avLst/>
+          </a:prstGeom>
+          <a:ln>
+            <a:tailEnd type="triangle"/>
+          </a:ln>
+        </p:spPr>
+        <p:style>
+          <a:lnRef idx="1">
+            <a:schemeClr val="accent1"/>
+          </a:lnRef>
+          <a:fillRef idx="0">
+            <a:schemeClr val="accent1"/>
+          </a:fillRef>
+          <a:effectRef idx="0">
+            <a:schemeClr val="accent1"/>
+          </a:effectRef>
+          <a:fontRef idx="minor">
+            <a:schemeClr val="tx1"/>
+          </a:fontRef>
+        </p:style>
+      </p:cxnSp>
+      <p:cxnSp>
+        <p:nvCxnSpPr>
+          <p:cNvPr id="56" name="直接箭头连接符 55">
+            <a:extLst>
+              <a:ext uri="{FF2B5EF4-FFF2-40B4-BE49-F238E27FC236}">
+                <a16:creationId xmlns:a16="http://schemas.microsoft.com/office/drawing/2014/main" id="{69FF3580-85D1-4898-A75B-4F7C8CAEB0AA}"/>
+              </a:ext>
+            </a:extLst>
+          </p:cNvPr>
+          <p:cNvCxnSpPr>
+            <a:cxnSpLocks/>
+            <a:stCxn id="53" idx="4"/>
+            <a:endCxn id="55" idx="0"/>
+          </p:cNvCxnSpPr>
+          <p:nvPr/>
+        </p:nvCxnSpPr>
+        <p:spPr>
+          <a:xfrm>
+            <a:off x="10887518" y="4627383"/>
+            <a:ext cx="0" cy="335828"/>
+          </a:xfrm>
+          <a:prstGeom prst="straightConnector1">
+            <a:avLst/>
+          </a:prstGeom>
+          <a:ln>
+            <a:tailEnd type="triangle"/>
+          </a:ln>
+        </p:spPr>
+        <p:style>
+          <a:lnRef idx="1">
+            <a:schemeClr val="accent1"/>
+          </a:lnRef>
+          <a:fillRef idx="0">
+            <a:schemeClr val="accent1"/>
+          </a:fillRef>
+          <a:effectRef idx="0">
+            <a:schemeClr val="accent1"/>
+          </a:effectRef>
+          <a:fontRef idx="minor">
+            <a:schemeClr val="tx1"/>
+          </a:fontRef>
+        </p:style>
+      </p:cxnSp>
     </p:spTree>
     <p:extLst>
       <p:ext uri="{BB962C8B-B14F-4D97-AF65-F5344CB8AC3E}">
@@ -6475,8 +6650,8 @@
         </p:nvSpPr>
         <p:spPr>
           <a:xfrm>
-            <a:off x="474439" y="2903456"/>
-            <a:ext cx="2928638" cy="2639506"/>
+            <a:off x="879792" y="2903456"/>
+            <a:ext cx="3707027" cy="2894538"/>
           </a:xfrm>
           <a:prstGeom prst="rect">
             <a:avLst/>
@@ -6523,7 +6698,7 @@
         </p:nvSpPr>
         <p:spPr>
           <a:xfrm>
-            <a:off x="503734" y="2432114"/>
+            <a:off x="909088" y="2432115"/>
             <a:ext cx="1229824" cy="369332"/>
           </a:xfrm>
           <a:prstGeom prst="rect">
@@ -6559,7 +6734,7 @@
         </p:nvSpPr>
         <p:spPr>
           <a:xfrm>
-            <a:off x="474438" y="2432114"/>
+            <a:off x="879792" y="2432115"/>
             <a:ext cx="1421920" cy="471341"/>
           </a:xfrm>
           <a:prstGeom prst="rect">
@@ -6615,7 +6790,7 @@
         </p:blipFill>
         <p:spPr>
           <a:xfrm>
-            <a:off x="2239686" y="3044053"/>
+            <a:off x="3489099" y="3427797"/>
             <a:ext cx="998307" cy="1120237"/>
           </a:xfrm>
           <a:prstGeom prst="rect">
@@ -6641,11 +6816,13 @@
         </p:nvSpPr>
         <p:spPr>
           <a:xfrm>
-            <a:off x="3751656" y="2432114"/>
-            <a:ext cx="1555756" cy="2253008"/>
+            <a:off x="5281175" y="2831153"/>
+            <a:ext cx="1954491" cy="2313525"/>
           </a:xfrm>
           <a:prstGeom prst="can">
-            <a:avLst/>
+            <a:avLst>
+              <a:gd name="adj" fmla="val 402"/>
+            </a:avLst>
           </a:prstGeom>
           <a:noFill/>
           <a:ln w="38100">
@@ -6677,71 +6854,250 @@
           </a:p>
         </p:txBody>
       </p:sp>
-      <p:cxnSp>
-        <p:nvCxnSpPr>
-          <p:cNvPr id="14" name="连接符: 曲线 13">
-            <a:extLst>
-              <a:ext uri="{FF2B5EF4-FFF2-40B4-BE49-F238E27FC236}">
-                <a16:creationId xmlns:a16="http://schemas.microsoft.com/office/drawing/2014/main" id="{3F8C4247-6CCD-4F5E-8D46-CA07EAD95DEF}"/>
-              </a:ext>
-            </a:extLst>
-          </p:cNvPr>
-          <p:cNvCxnSpPr>
-            <a:cxnSpLocks/>
-            <a:stCxn id="11" idx="3"/>
-            <a:endCxn id="12" idx="2"/>
-          </p:cNvCxnSpPr>
-          <p:nvPr/>
-        </p:nvCxnSpPr>
-        <p:spPr>
-          <a:xfrm flipV="1">
-            <a:off x="3237993" y="3558618"/>
-            <a:ext cx="513663" cy="45554"/>
-          </a:xfrm>
-          <a:prstGeom prst="curvedConnector3">
-            <a:avLst/>
-          </a:prstGeom>
+      <p:sp>
+        <p:nvSpPr>
+          <p:cNvPr id="15" name="文本框 14">
+            <a:extLst>
+              <a:ext uri="{FF2B5EF4-FFF2-40B4-BE49-F238E27FC236}">
+                <a16:creationId xmlns:a16="http://schemas.microsoft.com/office/drawing/2014/main" id="{0287D92B-ED49-412F-B3E5-98B33296C2BD}"/>
+              </a:ext>
+            </a:extLst>
+          </p:cNvPr>
+          <p:cNvSpPr txBox="1"/>
+          <p:nvPr/>
+        </p:nvSpPr>
+        <p:spPr>
+          <a:xfrm>
+            <a:off x="5819838" y="4629278"/>
+            <a:ext cx="877163" cy="369332"/>
+          </a:xfrm>
+          <a:prstGeom prst="rect">
+            <a:avLst/>
+          </a:prstGeom>
+          <a:noFill/>
+        </p:spPr>
+        <p:txBody>
+          <a:bodyPr wrap="none" rtlCol="0">
+            <a:spAutoFit/>
+          </a:bodyPr>
+          <a:lstStyle/>
+          <a:p>
+            <a:r>
+              <a:rPr lang="zh-CN" altLang="en-US" dirty="0"/>
+              <a:t>暂存区</a:t>
+            </a:r>
+          </a:p>
+        </p:txBody>
+      </p:sp>
+      <p:sp>
+        <p:nvSpPr>
+          <p:cNvPr id="13" name="圆柱体 12">
+            <a:extLst>
+              <a:ext uri="{FF2B5EF4-FFF2-40B4-BE49-F238E27FC236}">
+                <a16:creationId xmlns:a16="http://schemas.microsoft.com/office/drawing/2014/main" id="{8EEDCB6C-BA87-4985-AE29-FC7D192DF6B8}"/>
+              </a:ext>
+            </a:extLst>
+          </p:cNvPr>
+          <p:cNvSpPr/>
+          <p:nvPr/>
+        </p:nvSpPr>
+        <p:spPr>
+          <a:xfrm>
+            <a:off x="9004069" y="2831152"/>
+            <a:ext cx="1954491" cy="2313525"/>
+          </a:xfrm>
+          <a:prstGeom prst="can">
+            <a:avLst/>
+          </a:prstGeom>
+          <a:noFill/>
           <a:ln w="38100">
-            <a:tailEnd type="triangle"/>
+            <a:prstDash val="dashDot"/>
           </a:ln>
+        </p:spPr>
+        <p:style>
+          <a:lnRef idx="2">
+            <a:schemeClr val="accent1">
+              <a:shade val="50000"/>
+            </a:schemeClr>
+          </a:lnRef>
+          <a:fillRef idx="1">
+            <a:schemeClr val="accent1"/>
+          </a:fillRef>
+          <a:effectRef idx="0">
+            <a:schemeClr val="accent1"/>
+          </a:effectRef>
+          <a:fontRef idx="minor">
+            <a:schemeClr val="lt1"/>
+          </a:fontRef>
+        </p:style>
+        <p:txBody>
+          <a:bodyPr rtlCol="0" anchor="ctr"/>
+          <a:lstStyle/>
+          <a:p>
+            <a:pPr algn="ctr"/>
+            <a:endParaRPr lang="zh-CN" altLang="en-US"/>
+          </a:p>
+        </p:txBody>
+      </p:sp>
+      <p:sp>
+        <p:nvSpPr>
+          <p:cNvPr id="16" name="文本框 15">
+            <a:extLst>
+              <a:ext uri="{FF2B5EF4-FFF2-40B4-BE49-F238E27FC236}">
+                <a16:creationId xmlns:a16="http://schemas.microsoft.com/office/drawing/2014/main" id="{8D8DD38A-A78D-43A9-BD61-75CD355F5CDE}"/>
+              </a:ext>
+            </a:extLst>
+          </p:cNvPr>
+          <p:cNvSpPr txBox="1"/>
+          <p:nvPr/>
+        </p:nvSpPr>
+        <p:spPr>
+          <a:xfrm>
+            <a:off x="9621582" y="4629278"/>
+            <a:ext cx="926857" cy="369332"/>
+          </a:xfrm>
+          <a:prstGeom prst="rect">
+            <a:avLst/>
+          </a:prstGeom>
+          <a:noFill/>
+        </p:spPr>
+        <p:txBody>
+          <a:bodyPr wrap="none" rtlCol="0">
+            <a:spAutoFit/>
+          </a:bodyPr>
+          <a:lstStyle/>
+          <a:p>
+            <a:r>
+              <a:rPr lang="en-US" altLang="zh-CN" dirty="0"/>
+              <a:t>git</a:t>
+            </a:r>
+            <a:r>
+              <a:rPr lang="zh-CN" altLang="en-US" dirty="0"/>
+              <a:t>仓库</a:t>
+            </a:r>
+          </a:p>
+        </p:txBody>
+      </p:sp>
+      <p:sp>
+        <p:nvSpPr>
+          <p:cNvPr id="20" name="椭圆 19">
+            <a:extLst>
+              <a:ext uri="{FF2B5EF4-FFF2-40B4-BE49-F238E27FC236}">
+                <a16:creationId xmlns:a16="http://schemas.microsoft.com/office/drawing/2014/main" id="{57C67EF1-1F2C-45F7-9A38-29EF5A134254}"/>
+              </a:ext>
+            </a:extLst>
+          </p:cNvPr>
+          <p:cNvSpPr/>
+          <p:nvPr/>
+        </p:nvSpPr>
+        <p:spPr>
+          <a:xfrm>
+            <a:off x="1000219" y="3035985"/>
+            <a:ext cx="2602986" cy="2425461"/>
+          </a:xfrm>
+          <a:prstGeom prst="ellipse">
+            <a:avLst/>
+          </a:prstGeom>
+          <a:noFill/>
+          <a:ln>
+            <a:prstDash val="dash"/>
+          </a:ln>
+        </p:spPr>
+        <p:style>
+          <a:lnRef idx="2">
+            <a:schemeClr val="accent1">
+              <a:shade val="50000"/>
+            </a:schemeClr>
+          </a:lnRef>
+          <a:fillRef idx="1">
+            <a:schemeClr val="accent1"/>
+          </a:fillRef>
+          <a:effectRef idx="0">
+            <a:schemeClr val="accent1"/>
+          </a:effectRef>
+          <a:fontRef idx="minor">
+            <a:schemeClr val="lt1"/>
+          </a:fontRef>
+        </p:style>
+        <p:txBody>
+          <a:bodyPr rtlCol="0" anchor="ctr"/>
+          <a:lstStyle/>
+          <a:p>
+            <a:pPr algn="ctr"/>
+            <a:endParaRPr lang="zh-CN" altLang="en-US"/>
+          </a:p>
+        </p:txBody>
+      </p:sp>
+      <p:sp>
+        <p:nvSpPr>
+          <p:cNvPr id="22" name="文本框 21">
+            <a:extLst>
+              <a:ext uri="{FF2B5EF4-FFF2-40B4-BE49-F238E27FC236}">
+                <a16:creationId xmlns:a16="http://schemas.microsoft.com/office/drawing/2014/main" id="{F995F98A-ABB3-4D47-9781-A01125E6D40B}"/>
+              </a:ext>
+            </a:extLst>
+          </p:cNvPr>
+          <p:cNvSpPr txBox="1"/>
+          <p:nvPr/>
+        </p:nvSpPr>
+        <p:spPr>
+          <a:xfrm>
+            <a:off x="1813243" y="4998610"/>
+            <a:ext cx="877163" cy="369332"/>
+          </a:xfrm>
+          <a:prstGeom prst="rect">
+            <a:avLst/>
+          </a:prstGeom>
+          <a:noFill/>
+        </p:spPr>
+        <p:txBody>
+          <a:bodyPr wrap="none" rtlCol="0">
+            <a:spAutoFit/>
+          </a:bodyPr>
+          <a:lstStyle/>
+          <a:p>
+            <a:r>
+              <a:rPr lang="zh-CN" altLang="en-US" dirty="0"/>
+              <a:t>工作区</a:t>
+            </a:r>
+          </a:p>
+        </p:txBody>
+      </p:sp>
+      <p:sp>
+        <p:nvSpPr>
+          <p:cNvPr id="23" name="文本框 22">
+            <a:extLst>
+              <a:ext uri="{FF2B5EF4-FFF2-40B4-BE49-F238E27FC236}">
+                <a16:creationId xmlns:a16="http://schemas.microsoft.com/office/drawing/2014/main" id="{A15D205C-DEB7-41AB-A645-5977E7DA2333}"/>
+              </a:ext>
+            </a:extLst>
+          </p:cNvPr>
+          <p:cNvSpPr txBox="1"/>
+          <p:nvPr/>
+        </p:nvSpPr>
+        <p:spPr>
+          <a:xfrm>
+            <a:off x="134660" y="105899"/>
+            <a:ext cx="7925258" cy="1815882"/>
+          </a:xfrm>
+          <a:prstGeom prst="rect">
+            <a:avLst/>
+          </a:prstGeom>
         </p:spPr>
         <p:style>
           <a:lnRef idx="1">
-            <a:schemeClr val="accent1"/>
+            <a:schemeClr val="accent5"/>
           </a:lnRef>
-          <a:fillRef idx="0">
-            <a:schemeClr val="accent1"/>
+          <a:fillRef idx="3">
+            <a:schemeClr val="accent5"/>
           </a:fillRef>
-          <a:effectRef idx="0">
-            <a:schemeClr val="accent1"/>
+          <a:effectRef idx="2">
+            <a:schemeClr val="accent5"/>
           </a:effectRef>
           <a:fontRef idx="minor">
-            <a:schemeClr val="tx1"/>
+            <a:schemeClr val="lt1"/>
           </a:fontRef>
         </p:style>
-      </p:cxnSp>
-      <p:sp>
-        <p:nvSpPr>
-          <p:cNvPr id="15" name="文本框 14">
-            <a:extLst>
-              <a:ext uri="{FF2B5EF4-FFF2-40B4-BE49-F238E27FC236}">
-                <a16:creationId xmlns:a16="http://schemas.microsoft.com/office/drawing/2014/main" id="{0287D92B-ED49-412F-B3E5-98B33296C2BD}"/>
-              </a:ext>
-            </a:extLst>
-          </p:cNvPr>
-          <p:cNvSpPr txBox="1"/>
-          <p:nvPr/>
-        </p:nvSpPr>
-        <p:spPr>
-          <a:xfrm>
-            <a:off x="4005606" y="4157220"/>
-            <a:ext cx="1087685" cy="369332"/>
-          </a:xfrm>
-          <a:prstGeom prst="rect">
-            <a:avLst/>
-          </a:prstGeom>
-          <a:noFill/>
-        </p:spPr>
         <p:txBody>
           <a:bodyPr wrap="square" rtlCol="0">
             <a:spAutoFit/>
@@ -6749,22 +7105,63 @@
           <a:lstStyle/>
           <a:p>
             <a:r>
-              <a:rPr lang="en-US" altLang="zh-CN" dirty="0"/>
+              <a:rPr lang="zh-CN" altLang="en-US" sz="2800" dirty="0"/>
+              <a:t>新建一个文件，名为</a:t>
+            </a:r>
+            <a:r>
+              <a:rPr lang="en-US" altLang="zh-CN" sz="2800" dirty="0"/>
+              <a:t>resume.md</a:t>
+            </a:r>
+            <a:r>
+              <a:rPr lang="zh-CN" altLang="en-US" sz="2800" dirty="0"/>
+              <a:t>，</a:t>
+            </a:r>
+            <a:endParaRPr lang="en-US" altLang="zh-CN" sz="2800" dirty="0"/>
+          </a:p>
+          <a:p>
+            <a:r>
+              <a:rPr lang="zh-CN" altLang="en-US" sz="2800" dirty="0"/>
+              <a:t>添加任意内容，并保存。</a:t>
+            </a:r>
+            <a:endParaRPr lang="en-US" altLang="zh-CN" sz="2800" dirty="0"/>
+          </a:p>
+          <a:p>
+            <a:endParaRPr lang="en-US" altLang="zh-CN" sz="2800" dirty="0"/>
+          </a:p>
+          <a:p>
+            <a:r>
+              <a:rPr lang="zh-CN" altLang="en-US" sz="2800" dirty="0"/>
+              <a:t>此时，</a:t>
+            </a:r>
+            <a:r>
+              <a:rPr lang="en-US" altLang="zh-CN" sz="2800" dirty="0"/>
+              <a:t> resume.md</a:t>
+            </a:r>
+            <a:r>
+              <a:rPr lang="zh-CN" altLang="en-US" sz="2800" dirty="0"/>
+              <a:t>对于</a:t>
+            </a:r>
+            <a:r>
+              <a:rPr lang="en-US" altLang="zh-CN" sz="2800" dirty="0"/>
               <a:t>git</a:t>
             </a:r>
             <a:r>
-              <a:rPr lang="zh-CN" altLang="en-US" dirty="0"/>
-              <a:t>仓库</a:t>
+              <a:rPr lang="zh-CN" altLang="en-US" sz="2800" dirty="0"/>
+              <a:t>仓库来说是</a:t>
+            </a:r>
+            <a:r>
+              <a:rPr lang="en-US" altLang="zh-CN" sz="2800" dirty="0"/>
+              <a:t>untracked</a:t>
             </a:r>
           </a:p>
         </p:txBody>
       </p:sp>
       <p:pic>
         <p:nvPicPr>
-          <p:cNvPr id="2" name="图片 1">
-            <a:extLst>
-              <a:ext uri="{FF2B5EF4-FFF2-40B4-BE49-F238E27FC236}">
-                <a16:creationId xmlns:a16="http://schemas.microsoft.com/office/drawing/2014/main" id="{B56B5511-6B0F-4149-A562-8BC0264EF5FB}"/>
+          <p:cNvPr id="3" name="图片 2">
+            <a:extLst>
+              <a:ext uri="{FF2B5EF4-FFF2-40B4-BE49-F238E27FC236}">
+                <a16:creationId xmlns:a16="http://schemas.microsoft.com/office/drawing/2014/main" id="{F3CD8B31-48D3-4822-B1C5-28348D4FDFCE}"/>
               </a:ext>
             </a:extLst>
           </p:cNvPr>
@@ -6781,510 +7178,8 @@
         </p:blipFill>
         <p:spPr>
           <a:xfrm>
-            <a:off x="683928" y="3180259"/>
-            <a:ext cx="713112" cy="800209"/>
-          </a:xfrm>
-          <a:prstGeom prst="rect">
-            <a:avLst/>
-          </a:prstGeom>
-        </p:spPr>
-      </p:pic>
-      <p:sp>
-        <p:nvSpPr>
-          <p:cNvPr id="13" name="文本框 12">
-            <a:extLst>
-              <a:ext uri="{FF2B5EF4-FFF2-40B4-BE49-F238E27FC236}">
-                <a16:creationId xmlns:a16="http://schemas.microsoft.com/office/drawing/2014/main" id="{F3E379CF-BEAE-4C83-A296-746DA36072D4}"/>
-              </a:ext>
-            </a:extLst>
-          </p:cNvPr>
-          <p:cNvSpPr txBox="1"/>
-          <p:nvPr/>
-        </p:nvSpPr>
-        <p:spPr>
-          <a:xfrm>
-            <a:off x="474438" y="395950"/>
-            <a:ext cx="4528804" cy="1200329"/>
-          </a:xfrm>
-          <a:prstGeom prst="rect">
-            <a:avLst/>
-          </a:prstGeom>
-          <a:solidFill>
-            <a:schemeClr val="accent3"/>
-          </a:solidFill>
-        </p:spPr>
-        <p:txBody>
-          <a:bodyPr wrap="none" rtlCol="0">
-            <a:spAutoFit/>
-          </a:bodyPr>
-          <a:lstStyle/>
-          <a:p>
-            <a:r>
-              <a:rPr lang="en-US" altLang="zh-CN" dirty="0"/>
-              <a:t>1. </a:t>
-            </a:r>
-            <a:r>
-              <a:rPr lang="zh-CN" altLang="en-US" dirty="0"/>
-              <a:t>新建一个文件，名为</a:t>
-            </a:r>
-            <a:r>
-              <a:rPr lang="en-US" altLang="zh-CN" dirty="0"/>
-              <a:t>web.md</a:t>
-            </a:r>
-            <a:r>
-              <a:rPr lang="zh-CN" altLang="en-US" dirty="0"/>
-              <a:t>，</a:t>
-            </a:r>
-            <a:endParaRPr lang="en-US" altLang="zh-CN" dirty="0"/>
-          </a:p>
-          <a:p>
-            <a:r>
-              <a:rPr lang="zh-CN" altLang="en-US" dirty="0"/>
-              <a:t>添加任意内容，并保存。</a:t>
-            </a:r>
-            <a:endParaRPr lang="en-US" altLang="zh-CN" dirty="0"/>
-          </a:p>
-          <a:p>
-            <a:endParaRPr lang="en-US" altLang="zh-CN" dirty="0"/>
-          </a:p>
-          <a:p>
-            <a:r>
-              <a:rPr lang="zh-CN" altLang="en-US" dirty="0"/>
-              <a:t>此时，</a:t>
-            </a:r>
-            <a:r>
-              <a:rPr lang="en-US" altLang="zh-CN" dirty="0"/>
-              <a:t>web.md</a:t>
-            </a:r>
-            <a:r>
-              <a:rPr lang="zh-CN" altLang="en-US" dirty="0"/>
-              <a:t>对于</a:t>
-            </a:r>
-            <a:r>
-              <a:rPr lang="en-US" altLang="zh-CN" dirty="0"/>
-              <a:t>git</a:t>
-            </a:r>
-            <a:r>
-              <a:rPr lang="zh-CN" altLang="en-US" dirty="0"/>
-              <a:t>仓库来说是</a:t>
-            </a:r>
-            <a:r>
-              <a:rPr lang="en-US" altLang="zh-CN" dirty="0"/>
-              <a:t>untracked</a:t>
-            </a:r>
-          </a:p>
-        </p:txBody>
-      </p:sp>
-      <p:sp>
-        <p:nvSpPr>
-          <p:cNvPr id="38" name="矩形 37">
-            <a:extLst>
-              <a:ext uri="{FF2B5EF4-FFF2-40B4-BE49-F238E27FC236}">
-                <a16:creationId xmlns:a16="http://schemas.microsoft.com/office/drawing/2014/main" id="{8B5015B6-3AA8-43C2-A3B5-683169BB8CE2}"/>
-              </a:ext>
-            </a:extLst>
-          </p:cNvPr>
-          <p:cNvSpPr/>
-          <p:nvPr/>
-        </p:nvSpPr>
-        <p:spPr>
-          <a:xfrm>
-            <a:off x="6795985" y="2903456"/>
-            <a:ext cx="2928638" cy="2639506"/>
-          </a:xfrm>
-          <a:prstGeom prst="rect">
-            <a:avLst/>
-          </a:prstGeom>
-          <a:noFill/>
-          <a:ln w="57150"/>
-        </p:spPr>
-        <p:style>
-          <a:lnRef idx="2">
-            <a:schemeClr val="accent1">
-              <a:shade val="50000"/>
-            </a:schemeClr>
-          </a:lnRef>
-          <a:fillRef idx="1">
-            <a:schemeClr val="accent1"/>
-          </a:fillRef>
-          <a:effectRef idx="0">
-            <a:schemeClr val="accent1"/>
-          </a:effectRef>
-          <a:fontRef idx="minor">
-            <a:schemeClr val="lt1"/>
-          </a:fontRef>
-        </p:style>
-        <p:txBody>
-          <a:bodyPr rtlCol="0" anchor="ctr"/>
-          <a:lstStyle/>
-          <a:p>
-            <a:pPr algn="ctr"/>
-            <a:endParaRPr lang="zh-CN" altLang="en-US" dirty="0"/>
-          </a:p>
-        </p:txBody>
-      </p:sp>
-      <p:sp>
-        <p:nvSpPr>
-          <p:cNvPr id="39" name="文本框 38">
-            <a:extLst>
-              <a:ext uri="{FF2B5EF4-FFF2-40B4-BE49-F238E27FC236}">
-                <a16:creationId xmlns:a16="http://schemas.microsoft.com/office/drawing/2014/main" id="{AEE36737-2D42-479E-B791-F47B1F741993}"/>
-              </a:ext>
-            </a:extLst>
-          </p:cNvPr>
-          <p:cNvSpPr txBox="1"/>
-          <p:nvPr/>
-        </p:nvSpPr>
-        <p:spPr>
-          <a:xfrm>
-            <a:off x="6825280" y="2432114"/>
-            <a:ext cx="1229824" cy="369332"/>
-          </a:xfrm>
-          <a:prstGeom prst="rect">
-            <a:avLst/>
-          </a:prstGeom>
-          <a:noFill/>
-        </p:spPr>
-        <p:txBody>
-          <a:bodyPr wrap="none" rtlCol="0">
-            <a:spAutoFit/>
-          </a:bodyPr>
-          <a:lstStyle/>
-          <a:p>
-            <a:r>
-              <a:rPr lang="en-US" altLang="zh-CN" dirty="0"/>
-              <a:t>d:/learngit</a:t>
-            </a:r>
-            <a:endParaRPr lang="zh-CN" altLang="en-US" dirty="0"/>
-          </a:p>
-        </p:txBody>
-      </p:sp>
-      <p:sp>
-        <p:nvSpPr>
-          <p:cNvPr id="40" name="矩形 39">
-            <a:extLst>
-              <a:ext uri="{FF2B5EF4-FFF2-40B4-BE49-F238E27FC236}">
-                <a16:creationId xmlns:a16="http://schemas.microsoft.com/office/drawing/2014/main" id="{AE63D1BF-34F2-4572-90AB-C8856AAB8BF7}"/>
-              </a:ext>
-            </a:extLst>
-          </p:cNvPr>
-          <p:cNvSpPr/>
-          <p:nvPr/>
-        </p:nvSpPr>
-        <p:spPr>
-          <a:xfrm>
-            <a:off x="6795984" y="2432114"/>
-            <a:ext cx="1421920" cy="471341"/>
-          </a:xfrm>
-          <a:prstGeom prst="rect">
-            <a:avLst/>
-          </a:prstGeom>
-          <a:noFill/>
-          <a:ln w="57150"/>
-        </p:spPr>
-        <p:style>
-          <a:lnRef idx="2">
-            <a:schemeClr val="accent1">
-              <a:shade val="50000"/>
-            </a:schemeClr>
-          </a:lnRef>
-          <a:fillRef idx="1">
-            <a:schemeClr val="accent1"/>
-          </a:fillRef>
-          <a:effectRef idx="0">
-            <a:schemeClr val="accent1"/>
-          </a:effectRef>
-          <a:fontRef idx="minor">
-            <a:schemeClr val="lt1"/>
-          </a:fontRef>
-        </p:style>
-        <p:txBody>
-          <a:bodyPr rtlCol="0" anchor="ctr"/>
-          <a:lstStyle/>
-          <a:p>
-            <a:pPr algn="ctr"/>
-            <a:endParaRPr lang="zh-CN" altLang="en-US" dirty="0"/>
-          </a:p>
-        </p:txBody>
-      </p:sp>
-      <p:pic>
-        <p:nvPicPr>
-          <p:cNvPr id="41" name="图片 40">
-            <a:extLst>
-              <a:ext uri="{FF2B5EF4-FFF2-40B4-BE49-F238E27FC236}">
-                <a16:creationId xmlns:a16="http://schemas.microsoft.com/office/drawing/2014/main" id="{D77A4552-DFE2-436D-B600-1FE78701EA8E}"/>
-              </a:ext>
-            </a:extLst>
-          </p:cNvPr>
-          <p:cNvPicPr>
-            <a:picLocks noChangeAspect="1"/>
-          </p:cNvPicPr>
-          <p:nvPr/>
-        </p:nvPicPr>
-        <p:blipFill>
-          <a:blip r:embed="rId2"/>
-          <a:stretch>
-            <a:fillRect/>
-          </a:stretch>
-        </p:blipFill>
-        <p:spPr>
-          <a:xfrm>
-            <a:off x="8561232" y="3044053"/>
-            <a:ext cx="998307" cy="1120237"/>
-          </a:xfrm>
-          <a:prstGeom prst="rect">
-            <a:avLst/>
-          </a:prstGeom>
-          <a:ln w="28575">
-            <a:noFill/>
-            <a:prstDash val="dashDot"/>
-          </a:ln>
-        </p:spPr>
-      </p:pic>
-      <p:sp>
-        <p:nvSpPr>
-          <p:cNvPr id="42" name="圆柱体 41">
-            <a:extLst>
-              <a:ext uri="{FF2B5EF4-FFF2-40B4-BE49-F238E27FC236}">
-                <a16:creationId xmlns:a16="http://schemas.microsoft.com/office/drawing/2014/main" id="{9B28ABE6-F946-456F-AFAE-0A93DDFF0083}"/>
-              </a:ext>
-            </a:extLst>
-          </p:cNvPr>
-          <p:cNvSpPr/>
-          <p:nvPr/>
-        </p:nvSpPr>
-        <p:spPr>
-          <a:xfrm>
-            <a:off x="10073202" y="2432114"/>
-            <a:ext cx="1555756" cy="2253008"/>
-          </a:xfrm>
-          <a:prstGeom prst="can">
-            <a:avLst/>
-          </a:prstGeom>
-          <a:noFill/>
-          <a:ln w="38100">
-            <a:prstDash val="dashDot"/>
-          </a:ln>
-        </p:spPr>
-        <p:style>
-          <a:lnRef idx="2">
-            <a:schemeClr val="accent1">
-              <a:shade val="50000"/>
-            </a:schemeClr>
-          </a:lnRef>
-          <a:fillRef idx="1">
-            <a:schemeClr val="accent1"/>
-          </a:fillRef>
-          <a:effectRef idx="0">
-            <a:schemeClr val="accent1"/>
-          </a:effectRef>
-          <a:fontRef idx="minor">
-            <a:schemeClr val="lt1"/>
-          </a:fontRef>
-        </p:style>
-        <p:txBody>
-          <a:bodyPr rtlCol="0" anchor="ctr"/>
-          <a:lstStyle/>
-          <a:p>
-            <a:pPr algn="ctr"/>
-            <a:endParaRPr lang="zh-CN" altLang="en-US"/>
-          </a:p>
-        </p:txBody>
-      </p:sp>
-      <p:cxnSp>
-        <p:nvCxnSpPr>
-          <p:cNvPr id="43" name="连接符: 曲线 42">
-            <a:extLst>
-              <a:ext uri="{FF2B5EF4-FFF2-40B4-BE49-F238E27FC236}">
-                <a16:creationId xmlns:a16="http://schemas.microsoft.com/office/drawing/2014/main" id="{96E38B2C-6942-4156-9130-722DC1ECD66F}"/>
-              </a:ext>
-            </a:extLst>
-          </p:cNvPr>
-          <p:cNvCxnSpPr>
-            <a:cxnSpLocks/>
-            <a:stCxn id="41" idx="3"/>
-            <a:endCxn id="42" idx="2"/>
-          </p:cNvCxnSpPr>
-          <p:nvPr/>
-        </p:nvCxnSpPr>
-        <p:spPr>
-          <a:xfrm flipV="1">
-            <a:off x="9559539" y="3558618"/>
-            <a:ext cx="513663" cy="45554"/>
-          </a:xfrm>
-          <a:prstGeom prst="curvedConnector3">
-            <a:avLst/>
-          </a:prstGeom>
-          <a:ln w="38100">
-            <a:tailEnd type="triangle"/>
-          </a:ln>
-        </p:spPr>
-        <p:style>
-          <a:lnRef idx="1">
-            <a:schemeClr val="accent1"/>
-          </a:lnRef>
-          <a:fillRef idx="0">
-            <a:schemeClr val="accent1"/>
-          </a:fillRef>
-          <a:effectRef idx="0">
-            <a:schemeClr val="accent1"/>
-          </a:effectRef>
-          <a:fontRef idx="minor">
-            <a:schemeClr val="tx1"/>
-          </a:fontRef>
-        </p:style>
-      </p:cxnSp>
-      <p:sp>
-        <p:nvSpPr>
-          <p:cNvPr id="44" name="文本框 43">
-            <a:extLst>
-              <a:ext uri="{FF2B5EF4-FFF2-40B4-BE49-F238E27FC236}">
-                <a16:creationId xmlns:a16="http://schemas.microsoft.com/office/drawing/2014/main" id="{E430E5D1-4538-4966-8F76-CFBF74C9FE32}"/>
-              </a:ext>
-            </a:extLst>
-          </p:cNvPr>
-          <p:cNvSpPr txBox="1"/>
-          <p:nvPr/>
-        </p:nvSpPr>
-        <p:spPr>
-          <a:xfrm>
-            <a:off x="10327152" y="4157220"/>
-            <a:ext cx="1087685" cy="369332"/>
-          </a:xfrm>
-          <a:prstGeom prst="rect">
-            <a:avLst/>
-          </a:prstGeom>
-          <a:noFill/>
-        </p:spPr>
-        <p:txBody>
-          <a:bodyPr wrap="square" rtlCol="0">
-            <a:spAutoFit/>
-          </a:bodyPr>
-          <a:lstStyle/>
-          <a:p>
-            <a:r>
-              <a:rPr lang="en-US" altLang="zh-CN" dirty="0"/>
-              <a:t>git</a:t>
-            </a:r>
-            <a:r>
-              <a:rPr lang="zh-CN" altLang="en-US" dirty="0"/>
-              <a:t>仓库</a:t>
-            </a:r>
-          </a:p>
-        </p:txBody>
-      </p:sp>
-      <p:pic>
-        <p:nvPicPr>
-          <p:cNvPr id="45" name="图片 44">
-            <a:extLst>
-              <a:ext uri="{FF2B5EF4-FFF2-40B4-BE49-F238E27FC236}">
-                <a16:creationId xmlns:a16="http://schemas.microsoft.com/office/drawing/2014/main" id="{DDB5CFB9-51A2-4415-9F17-E872CAC680C2}"/>
-              </a:ext>
-            </a:extLst>
-          </p:cNvPr>
-          <p:cNvPicPr>
-            <a:picLocks noChangeAspect="1"/>
-          </p:cNvPicPr>
-          <p:nvPr/>
-        </p:nvPicPr>
-        <p:blipFill>
-          <a:blip r:embed="rId3"/>
-          <a:stretch>
-            <a:fillRect/>
-          </a:stretch>
-        </p:blipFill>
-        <p:spPr>
-          <a:xfrm>
-            <a:off x="7005474" y="3180259"/>
-            <a:ext cx="713112" cy="800209"/>
-          </a:xfrm>
-          <a:prstGeom prst="rect">
-            <a:avLst/>
-          </a:prstGeom>
-        </p:spPr>
-      </p:pic>
-      <p:sp>
-        <p:nvSpPr>
-          <p:cNvPr id="46" name="文本框 45">
-            <a:extLst>
-              <a:ext uri="{FF2B5EF4-FFF2-40B4-BE49-F238E27FC236}">
-                <a16:creationId xmlns:a16="http://schemas.microsoft.com/office/drawing/2014/main" id="{94575308-7C41-49AF-9895-1AC2A09B6225}"/>
-              </a:ext>
-            </a:extLst>
-          </p:cNvPr>
-          <p:cNvSpPr txBox="1"/>
-          <p:nvPr/>
-        </p:nvSpPr>
-        <p:spPr>
-          <a:xfrm>
-            <a:off x="6795984" y="395950"/>
-            <a:ext cx="2855269" cy="369332"/>
-          </a:xfrm>
-          <a:prstGeom prst="rect">
-            <a:avLst/>
-          </a:prstGeom>
-          <a:solidFill>
-            <a:schemeClr val="accent3"/>
-          </a:solidFill>
-        </p:spPr>
-        <p:txBody>
-          <a:bodyPr wrap="none" rtlCol="0">
-            <a:spAutoFit/>
-          </a:bodyPr>
-          <a:lstStyle/>
-          <a:p>
-            <a:r>
-              <a:rPr lang="en-US" altLang="zh-CN" dirty="0"/>
-              <a:t>2.</a:t>
-            </a:r>
-            <a:r>
-              <a:rPr lang="zh-CN" altLang="en-US" dirty="0"/>
-              <a:t> 把</a:t>
-            </a:r>
-            <a:r>
-              <a:rPr lang="en-US" altLang="zh-CN" dirty="0"/>
-              <a:t>web.md</a:t>
-            </a:r>
-            <a:r>
-              <a:rPr lang="zh-CN" altLang="en-US" dirty="0"/>
-              <a:t>添加到</a:t>
-            </a:r>
-            <a:r>
-              <a:rPr lang="en-US" altLang="zh-CN" dirty="0"/>
-              <a:t>git</a:t>
-            </a:r>
-            <a:r>
-              <a:rPr lang="zh-CN" altLang="en-US" dirty="0"/>
-              <a:t>仓库</a:t>
-            </a:r>
-            <a:endParaRPr lang="en-US" altLang="zh-CN" dirty="0"/>
-          </a:p>
-        </p:txBody>
-      </p:sp>
-      <p:pic>
-        <p:nvPicPr>
-          <p:cNvPr id="47" name="图片 46">
-            <a:extLst>
-              <a:ext uri="{FF2B5EF4-FFF2-40B4-BE49-F238E27FC236}">
-                <a16:creationId xmlns:a16="http://schemas.microsoft.com/office/drawing/2014/main" id="{69244904-6D40-4096-A017-35AF7486CA6D}"/>
-              </a:ext>
-            </a:extLst>
-          </p:cNvPr>
-          <p:cNvPicPr>
-            <a:picLocks noChangeAspect="1"/>
-          </p:cNvPicPr>
-          <p:nvPr/>
-        </p:nvPicPr>
-        <p:blipFill>
-          <a:blip r:embed="rId3"/>
-          <a:stretch>
-            <a:fillRect/>
-          </a:stretch>
-        </p:blipFill>
-        <p:spPr>
-          <a:xfrm>
-            <a:off x="10500084" y="3023618"/>
-            <a:ext cx="713112" cy="800209"/>
+            <a:off x="1625955" y="3576398"/>
+            <a:ext cx="746825" cy="823031"/>
           </a:xfrm>
           <a:prstGeom prst="rect">
             <a:avLst/>
@@ -7294,7 +7189,7 @@
     </p:spTree>
     <p:extLst>
       <p:ext uri="{BB962C8B-B14F-4D97-AF65-F5344CB8AC3E}">
-        <p14:creationId xmlns:p14="http://schemas.microsoft.com/office/powerpoint/2010/main" val="3295866250"/>
+        <p14:creationId xmlns:p14="http://schemas.microsoft.com/office/powerpoint/2010/main" val="2937824553"/>
       </p:ext>
     </p:extLst>
   </p:cSld>
@@ -7323,47 +7218,10 @@
       </p:grpSpPr>
       <p:sp>
         <p:nvSpPr>
-          <p:cNvPr id="13" name="文本框 12">
-            <a:extLst>
-              <a:ext uri="{FF2B5EF4-FFF2-40B4-BE49-F238E27FC236}">
-                <a16:creationId xmlns:a16="http://schemas.microsoft.com/office/drawing/2014/main" id="{F3E379CF-BEAE-4C83-A296-746DA36072D4}"/>
-              </a:ext>
-            </a:extLst>
-          </p:cNvPr>
-          <p:cNvSpPr txBox="1"/>
-          <p:nvPr/>
-        </p:nvSpPr>
-        <p:spPr>
-          <a:xfrm>
-            <a:off x="474438" y="395950"/>
-            <a:ext cx="1271502" cy="369332"/>
-          </a:xfrm>
-          <a:prstGeom prst="rect">
-            <a:avLst/>
-          </a:prstGeom>
-          <a:solidFill>
-            <a:schemeClr val="accent3"/>
-          </a:solidFill>
-        </p:spPr>
-        <p:txBody>
-          <a:bodyPr wrap="none" rtlCol="0">
-            <a:spAutoFit/>
-          </a:bodyPr>
-          <a:lstStyle/>
-          <a:p>
-            <a:r>
-              <a:rPr lang="en-US" altLang="zh-CN" dirty="0"/>
-              <a:t>3. commit </a:t>
-            </a:r>
-          </a:p>
-        </p:txBody>
-      </p:sp>
-      <p:sp>
-        <p:nvSpPr>
-          <p:cNvPr id="38" name="矩形 37">
-            <a:extLst>
-              <a:ext uri="{FF2B5EF4-FFF2-40B4-BE49-F238E27FC236}">
-                <a16:creationId xmlns:a16="http://schemas.microsoft.com/office/drawing/2014/main" id="{8B5015B6-3AA8-43C2-A3B5-683169BB8CE2}"/>
+          <p:cNvPr id="8" name="矩形 7">
+            <a:extLst>
+              <a:ext uri="{FF2B5EF4-FFF2-40B4-BE49-F238E27FC236}">
+                <a16:creationId xmlns:a16="http://schemas.microsoft.com/office/drawing/2014/main" id="{02CB3CBA-6E63-4C8B-9C08-893B060AD68E}"/>
               </a:ext>
             </a:extLst>
           </p:cNvPr>
@@ -7372,8 +7230,8 @@
         </p:nvSpPr>
         <p:spPr>
           <a:xfrm>
-            <a:off x="474439" y="1998482"/>
-            <a:ext cx="2928638" cy="2639506"/>
+            <a:off x="879792" y="2903456"/>
+            <a:ext cx="3707027" cy="2894538"/>
           </a:xfrm>
           <a:prstGeom prst="rect">
             <a:avLst/>
@@ -7408,10 +7266,10 @@
       </p:sp>
       <p:sp>
         <p:nvSpPr>
-          <p:cNvPr id="39" name="文本框 38">
-            <a:extLst>
-              <a:ext uri="{FF2B5EF4-FFF2-40B4-BE49-F238E27FC236}">
-                <a16:creationId xmlns:a16="http://schemas.microsoft.com/office/drawing/2014/main" id="{AEE36737-2D42-479E-B791-F47B1F741993}"/>
+          <p:cNvPr id="9" name="文本框 8">
+            <a:extLst>
+              <a:ext uri="{FF2B5EF4-FFF2-40B4-BE49-F238E27FC236}">
+                <a16:creationId xmlns:a16="http://schemas.microsoft.com/office/drawing/2014/main" id="{7A21413E-559B-41BC-9CEC-60D6FD143199}"/>
               </a:ext>
             </a:extLst>
           </p:cNvPr>
@@ -7420,7 +7278,7 @@
         </p:nvSpPr>
         <p:spPr>
           <a:xfrm>
-            <a:off x="503734" y="1527140"/>
+            <a:off x="909088" y="2432115"/>
             <a:ext cx="1229824" cy="369332"/>
           </a:xfrm>
           <a:prstGeom prst="rect">
@@ -7444,10 +7302,10 @@
       </p:sp>
       <p:sp>
         <p:nvSpPr>
-          <p:cNvPr id="40" name="矩形 39">
-            <a:extLst>
-              <a:ext uri="{FF2B5EF4-FFF2-40B4-BE49-F238E27FC236}">
-                <a16:creationId xmlns:a16="http://schemas.microsoft.com/office/drawing/2014/main" id="{AE63D1BF-34F2-4572-90AB-C8856AAB8BF7}"/>
+          <p:cNvPr id="10" name="矩形 9">
+            <a:extLst>
+              <a:ext uri="{FF2B5EF4-FFF2-40B4-BE49-F238E27FC236}">
+                <a16:creationId xmlns:a16="http://schemas.microsoft.com/office/drawing/2014/main" id="{7BE2A0CC-8A41-4521-8C6D-7C8A0BDDB29F}"/>
               </a:ext>
             </a:extLst>
           </p:cNvPr>
@@ -7456,7 +7314,7 @@
         </p:nvSpPr>
         <p:spPr>
           <a:xfrm>
-            <a:off x="474438" y="1527140"/>
+            <a:off x="879792" y="2432115"/>
             <a:ext cx="1421920" cy="471341"/>
           </a:xfrm>
           <a:prstGeom prst="rect">
@@ -7492,10 +7350,10 @@
       </p:sp>
       <p:pic>
         <p:nvPicPr>
-          <p:cNvPr id="41" name="图片 40">
-            <a:extLst>
-              <a:ext uri="{FF2B5EF4-FFF2-40B4-BE49-F238E27FC236}">
-                <a16:creationId xmlns:a16="http://schemas.microsoft.com/office/drawing/2014/main" id="{D77A4552-DFE2-436D-B600-1FE78701EA8E}"/>
+          <p:cNvPr id="11" name="图片 10">
+            <a:extLst>
+              <a:ext uri="{FF2B5EF4-FFF2-40B4-BE49-F238E27FC236}">
+                <a16:creationId xmlns:a16="http://schemas.microsoft.com/office/drawing/2014/main" id="{9A880BC7-4DBA-41B9-886C-7AEBC075C44F}"/>
               </a:ext>
             </a:extLst>
           </p:cNvPr>
@@ -7512,7 +7370,7 @@
         </p:blipFill>
         <p:spPr>
           <a:xfrm>
-            <a:off x="2239686" y="2139079"/>
+            <a:off x="3489099" y="3427797"/>
             <a:ext cx="998307" cy="1120237"/>
           </a:xfrm>
           <a:prstGeom prst="rect">
@@ -7526,10 +7384,10 @@
       </p:pic>
       <p:sp>
         <p:nvSpPr>
-          <p:cNvPr id="42" name="圆柱体 41">
-            <a:extLst>
-              <a:ext uri="{FF2B5EF4-FFF2-40B4-BE49-F238E27FC236}">
-                <a16:creationId xmlns:a16="http://schemas.microsoft.com/office/drawing/2014/main" id="{9B28ABE6-F946-456F-AFAE-0A93DDFF0083}"/>
+          <p:cNvPr id="12" name="圆柱体 11">
+            <a:extLst>
+              <a:ext uri="{FF2B5EF4-FFF2-40B4-BE49-F238E27FC236}">
+                <a16:creationId xmlns:a16="http://schemas.microsoft.com/office/drawing/2014/main" id="{FA2855A8-2549-4D73-B137-9433E1DABF44}"/>
               </a:ext>
             </a:extLst>
           </p:cNvPr>
@@ -7538,16 +7396,16 @@
         </p:nvSpPr>
         <p:spPr>
           <a:xfrm>
-            <a:off x="3751655" y="1602555"/>
-            <a:ext cx="5637441" cy="2253008"/>
+            <a:off x="5281175" y="2831153"/>
+            <a:ext cx="2175427" cy="2313525"/>
           </a:xfrm>
           <a:prstGeom prst="can">
             <a:avLst>
-              <a:gd name="adj" fmla="val 14121"/>
+              <a:gd name="adj" fmla="val 402"/>
             </a:avLst>
           </a:prstGeom>
           <a:noFill/>
-          <a:ln w="9525">
+          <a:ln w="38100">
             <a:prstDash val="dashDot"/>
           </a:ln>
         </p:spPr>
@@ -7576,71 +7434,250 @@
           </a:p>
         </p:txBody>
       </p:sp>
-      <p:cxnSp>
-        <p:nvCxnSpPr>
-          <p:cNvPr id="43" name="连接符: 曲线 42">
-            <a:extLst>
-              <a:ext uri="{FF2B5EF4-FFF2-40B4-BE49-F238E27FC236}">
-                <a16:creationId xmlns:a16="http://schemas.microsoft.com/office/drawing/2014/main" id="{96E38B2C-6942-4156-9130-722DC1ECD66F}"/>
-              </a:ext>
-            </a:extLst>
-          </p:cNvPr>
-          <p:cNvCxnSpPr>
-            <a:cxnSpLocks/>
-            <a:stCxn id="41" idx="3"/>
-            <a:endCxn id="42" idx="2"/>
-          </p:cNvCxnSpPr>
-          <p:nvPr/>
-        </p:nvCxnSpPr>
-        <p:spPr>
-          <a:xfrm>
-            <a:off x="3237993" y="2699198"/>
-            <a:ext cx="513662" cy="29861"/>
-          </a:xfrm>
-          <a:prstGeom prst="curvedConnector3">
-            <a:avLst/>
-          </a:prstGeom>
+      <p:sp>
+        <p:nvSpPr>
+          <p:cNvPr id="15" name="文本框 14">
+            <a:extLst>
+              <a:ext uri="{FF2B5EF4-FFF2-40B4-BE49-F238E27FC236}">
+                <a16:creationId xmlns:a16="http://schemas.microsoft.com/office/drawing/2014/main" id="{0287D92B-ED49-412F-B3E5-98B33296C2BD}"/>
+              </a:ext>
+            </a:extLst>
+          </p:cNvPr>
+          <p:cNvSpPr txBox="1"/>
+          <p:nvPr/>
+        </p:nvSpPr>
+        <p:spPr>
+          <a:xfrm>
+            <a:off x="5819838" y="4629278"/>
+            <a:ext cx="877163" cy="369332"/>
+          </a:xfrm>
+          <a:prstGeom prst="rect">
+            <a:avLst/>
+          </a:prstGeom>
+          <a:noFill/>
+        </p:spPr>
+        <p:txBody>
+          <a:bodyPr wrap="none" rtlCol="0">
+            <a:spAutoFit/>
+          </a:bodyPr>
+          <a:lstStyle/>
+          <a:p>
+            <a:r>
+              <a:rPr lang="zh-CN" altLang="en-US" dirty="0"/>
+              <a:t>暂存区</a:t>
+            </a:r>
+          </a:p>
+        </p:txBody>
+      </p:sp>
+      <p:sp>
+        <p:nvSpPr>
+          <p:cNvPr id="13" name="圆柱体 12">
+            <a:extLst>
+              <a:ext uri="{FF2B5EF4-FFF2-40B4-BE49-F238E27FC236}">
+                <a16:creationId xmlns:a16="http://schemas.microsoft.com/office/drawing/2014/main" id="{8EEDCB6C-BA87-4985-AE29-FC7D192DF6B8}"/>
+              </a:ext>
+            </a:extLst>
+          </p:cNvPr>
+          <p:cNvSpPr/>
+          <p:nvPr/>
+        </p:nvSpPr>
+        <p:spPr>
+          <a:xfrm>
+            <a:off x="9004069" y="2831152"/>
+            <a:ext cx="1954491" cy="2313525"/>
+          </a:xfrm>
+          <a:prstGeom prst="can">
+            <a:avLst/>
+          </a:prstGeom>
+          <a:noFill/>
           <a:ln w="38100">
-            <a:tailEnd type="triangle"/>
+            <a:prstDash val="dashDot"/>
           </a:ln>
+        </p:spPr>
+        <p:style>
+          <a:lnRef idx="2">
+            <a:schemeClr val="accent1">
+              <a:shade val="50000"/>
+            </a:schemeClr>
+          </a:lnRef>
+          <a:fillRef idx="1">
+            <a:schemeClr val="accent1"/>
+          </a:fillRef>
+          <a:effectRef idx="0">
+            <a:schemeClr val="accent1"/>
+          </a:effectRef>
+          <a:fontRef idx="minor">
+            <a:schemeClr val="lt1"/>
+          </a:fontRef>
+        </p:style>
+        <p:txBody>
+          <a:bodyPr rtlCol="0" anchor="ctr"/>
+          <a:lstStyle/>
+          <a:p>
+            <a:pPr algn="ctr"/>
+            <a:endParaRPr lang="zh-CN" altLang="en-US"/>
+          </a:p>
+        </p:txBody>
+      </p:sp>
+      <p:sp>
+        <p:nvSpPr>
+          <p:cNvPr id="16" name="文本框 15">
+            <a:extLst>
+              <a:ext uri="{FF2B5EF4-FFF2-40B4-BE49-F238E27FC236}">
+                <a16:creationId xmlns:a16="http://schemas.microsoft.com/office/drawing/2014/main" id="{8D8DD38A-A78D-43A9-BD61-75CD355F5CDE}"/>
+              </a:ext>
+            </a:extLst>
+          </p:cNvPr>
+          <p:cNvSpPr txBox="1"/>
+          <p:nvPr/>
+        </p:nvSpPr>
+        <p:spPr>
+          <a:xfrm>
+            <a:off x="9621582" y="4629278"/>
+            <a:ext cx="926857" cy="369332"/>
+          </a:xfrm>
+          <a:prstGeom prst="rect">
+            <a:avLst/>
+          </a:prstGeom>
+          <a:noFill/>
+        </p:spPr>
+        <p:txBody>
+          <a:bodyPr wrap="none" rtlCol="0">
+            <a:spAutoFit/>
+          </a:bodyPr>
+          <a:lstStyle/>
+          <a:p>
+            <a:r>
+              <a:rPr lang="en-US" altLang="zh-CN" dirty="0"/>
+              <a:t>git</a:t>
+            </a:r>
+            <a:r>
+              <a:rPr lang="zh-CN" altLang="en-US" dirty="0"/>
+              <a:t>仓库</a:t>
+            </a:r>
+          </a:p>
+        </p:txBody>
+      </p:sp>
+      <p:sp>
+        <p:nvSpPr>
+          <p:cNvPr id="20" name="椭圆 19">
+            <a:extLst>
+              <a:ext uri="{FF2B5EF4-FFF2-40B4-BE49-F238E27FC236}">
+                <a16:creationId xmlns:a16="http://schemas.microsoft.com/office/drawing/2014/main" id="{57C67EF1-1F2C-45F7-9A38-29EF5A134254}"/>
+              </a:ext>
+            </a:extLst>
+          </p:cNvPr>
+          <p:cNvSpPr/>
+          <p:nvPr/>
+        </p:nvSpPr>
+        <p:spPr>
+          <a:xfrm>
+            <a:off x="1000219" y="3035985"/>
+            <a:ext cx="2602986" cy="2425461"/>
+          </a:xfrm>
+          <a:prstGeom prst="ellipse">
+            <a:avLst/>
+          </a:prstGeom>
+          <a:noFill/>
+          <a:ln>
+            <a:prstDash val="dash"/>
+          </a:ln>
+        </p:spPr>
+        <p:style>
+          <a:lnRef idx="2">
+            <a:schemeClr val="accent1">
+              <a:shade val="50000"/>
+            </a:schemeClr>
+          </a:lnRef>
+          <a:fillRef idx="1">
+            <a:schemeClr val="accent1"/>
+          </a:fillRef>
+          <a:effectRef idx="0">
+            <a:schemeClr val="accent1"/>
+          </a:effectRef>
+          <a:fontRef idx="minor">
+            <a:schemeClr val="lt1"/>
+          </a:fontRef>
+        </p:style>
+        <p:txBody>
+          <a:bodyPr rtlCol="0" anchor="ctr"/>
+          <a:lstStyle/>
+          <a:p>
+            <a:pPr algn="ctr"/>
+            <a:endParaRPr lang="zh-CN" altLang="en-US"/>
+          </a:p>
+        </p:txBody>
+      </p:sp>
+      <p:sp>
+        <p:nvSpPr>
+          <p:cNvPr id="22" name="文本框 21">
+            <a:extLst>
+              <a:ext uri="{FF2B5EF4-FFF2-40B4-BE49-F238E27FC236}">
+                <a16:creationId xmlns:a16="http://schemas.microsoft.com/office/drawing/2014/main" id="{F995F98A-ABB3-4D47-9781-A01125E6D40B}"/>
+              </a:ext>
+            </a:extLst>
+          </p:cNvPr>
+          <p:cNvSpPr txBox="1"/>
+          <p:nvPr/>
+        </p:nvSpPr>
+        <p:spPr>
+          <a:xfrm>
+            <a:off x="1813243" y="4998610"/>
+            <a:ext cx="877163" cy="369332"/>
+          </a:xfrm>
+          <a:prstGeom prst="rect">
+            <a:avLst/>
+          </a:prstGeom>
+          <a:noFill/>
+        </p:spPr>
+        <p:txBody>
+          <a:bodyPr wrap="none" rtlCol="0">
+            <a:spAutoFit/>
+          </a:bodyPr>
+          <a:lstStyle/>
+          <a:p>
+            <a:r>
+              <a:rPr lang="zh-CN" altLang="en-US" dirty="0"/>
+              <a:t>工作区</a:t>
+            </a:r>
+          </a:p>
+        </p:txBody>
+      </p:sp>
+      <p:sp>
+        <p:nvSpPr>
+          <p:cNvPr id="23" name="文本框 22">
+            <a:extLst>
+              <a:ext uri="{FF2B5EF4-FFF2-40B4-BE49-F238E27FC236}">
+                <a16:creationId xmlns:a16="http://schemas.microsoft.com/office/drawing/2014/main" id="{A15D205C-DEB7-41AB-A645-5977E7DA2333}"/>
+              </a:ext>
+            </a:extLst>
+          </p:cNvPr>
+          <p:cNvSpPr txBox="1"/>
+          <p:nvPr/>
+        </p:nvSpPr>
+        <p:spPr>
+          <a:xfrm>
+            <a:off x="134660" y="105899"/>
+            <a:ext cx="7925258" cy="1384995"/>
+          </a:xfrm>
+          <a:prstGeom prst="rect">
+            <a:avLst/>
+          </a:prstGeom>
         </p:spPr>
         <p:style>
           <a:lnRef idx="1">
-            <a:schemeClr val="accent1"/>
+            <a:schemeClr val="accent5"/>
           </a:lnRef>
-          <a:fillRef idx="0">
-            <a:schemeClr val="accent1"/>
+          <a:fillRef idx="3">
+            <a:schemeClr val="accent5"/>
           </a:fillRef>
-          <a:effectRef idx="0">
-            <a:schemeClr val="accent1"/>
+          <a:effectRef idx="2">
+            <a:schemeClr val="accent5"/>
           </a:effectRef>
           <a:fontRef idx="minor">
-            <a:schemeClr val="tx1"/>
+            <a:schemeClr val="lt1"/>
           </a:fontRef>
         </p:style>
-      </p:cxnSp>
-      <p:sp>
-        <p:nvSpPr>
-          <p:cNvPr id="44" name="文本框 43">
-            <a:extLst>
-              <a:ext uri="{FF2B5EF4-FFF2-40B4-BE49-F238E27FC236}">
-                <a16:creationId xmlns:a16="http://schemas.microsoft.com/office/drawing/2014/main" id="{E430E5D1-4538-4966-8F76-CFBF74C9FE32}"/>
-              </a:ext>
-            </a:extLst>
-          </p:cNvPr>
-          <p:cNvSpPr txBox="1"/>
-          <p:nvPr/>
-        </p:nvSpPr>
-        <p:spPr>
-          <a:xfrm>
-            <a:off x="4005606" y="3252246"/>
-            <a:ext cx="1087685" cy="369332"/>
-          </a:xfrm>
-          <a:prstGeom prst="rect">
-            <a:avLst/>
-          </a:prstGeom>
-          <a:noFill/>
-        </p:spPr>
         <p:txBody>
           <a:bodyPr wrap="square" rtlCol="0">
             <a:spAutoFit/>
@@ -7648,22 +7685,47 @@
           <a:lstStyle/>
           <a:p>
             <a:r>
-              <a:rPr lang="en-US" altLang="zh-CN" dirty="0"/>
-              <a:t>git</a:t>
-            </a:r>
-            <a:r>
-              <a:rPr lang="zh-CN" altLang="en-US" dirty="0"/>
-              <a:t>仓库</a:t>
-            </a:r>
+              <a:rPr lang="en-US" altLang="zh-CN" sz="2800" dirty="0"/>
+              <a:t>Git add resume.md</a:t>
+            </a:r>
+          </a:p>
+          <a:p>
+            <a:pPr marL="514350" indent="-514350">
+              <a:buAutoNum type="arabicPeriod"/>
+            </a:pPr>
+            <a:endParaRPr lang="en-US" altLang="zh-CN" sz="2800" dirty="0"/>
+          </a:p>
+          <a:p>
+            <a:r>
+              <a:rPr lang="zh-CN" altLang="en-US" sz="2800" dirty="0"/>
+              <a:t>此时文件</a:t>
+            </a:r>
+            <a:r>
+              <a:rPr lang="en-US" altLang="zh-CN" sz="2800" dirty="0"/>
+              <a:t>resume.md</a:t>
+            </a:r>
+            <a:r>
+              <a:rPr lang="zh-CN" altLang="en-US" sz="2800" dirty="0"/>
+              <a:t>处于</a:t>
+            </a:r>
+            <a:r>
+              <a:rPr lang="en-US" altLang="zh-CN" sz="2800" dirty="0"/>
+              <a:t>modified</a:t>
+            </a:r>
+            <a:r>
+              <a:rPr lang="zh-CN" altLang="en-US" sz="2800" dirty="0"/>
+              <a:t>状态</a:t>
+            </a:r>
+            <a:endParaRPr lang="en-US" altLang="zh-CN" sz="2800" dirty="0"/>
           </a:p>
         </p:txBody>
       </p:sp>
       <p:pic>
         <p:nvPicPr>
-          <p:cNvPr id="45" name="图片 44">
-            <a:extLst>
-              <a:ext uri="{FF2B5EF4-FFF2-40B4-BE49-F238E27FC236}">
-                <a16:creationId xmlns:a16="http://schemas.microsoft.com/office/drawing/2014/main" id="{DDB5CFB9-51A2-4415-9F17-E872CAC680C2}"/>
+          <p:cNvPr id="3" name="图片 2">
+            <a:extLst>
+              <a:ext uri="{FF2B5EF4-FFF2-40B4-BE49-F238E27FC236}">
+                <a16:creationId xmlns:a16="http://schemas.microsoft.com/office/drawing/2014/main" id="{F3CD8B31-48D3-4822-B1C5-28348D4FDFCE}"/>
               </a:ext>
             </a:extLst>
           </p:cNvPr>
@@ -7680,20 +7742,593 @@
         </p:blipFill>
         <p:spPr>
           <a:xfrm>
-            <a:off x="683928" y="2275285"/>
-            <a:ext cx="713112" cy="800209"/>
+            <a:off x="1720696" y="3452534"/>
+            <a:ext cx="746825" cy="823031"/>
           </a:xfrm>
           <a:prstGeom prst="rect">
             <a:avLst/>
           </a:prstGeom>
         </p:spPr>
       </p:pic>
+      <p:sp>
+        <p:nvSpPr>
+          <p:cNvPr id="2" name="矩形 1">
+            <a:extLst>
+              <a:ext uri="{FF2B5EF4-FFF2-40B4-BE49-F238E27FC236}">
+                <a16:creationId xmlns:a16="http://schemas.microsoft.com/office/drawing/2014/main" id="{D6BCF7AA-9B3E-462A-BABA-D81AC97F30D3}"/>
+              </a:ext>
+            </a:extLst>
+          </p:cNvPr>
+          <p:cNvSpPr/>
+          <p:nvPr/>
+        </p:nvSpPr>
+        <p:spPr>
+          <a:xfrm>
+            <a:off x="5362001" y="3035985"/>
+            <a:ext cx="1986441" cy="369332"/>
+          </a:xfrm>
+          <a:prstGeom prst="rect">
+            <a:avLst/>
+          </a:prstGeom>
+        </p:spPr>
+        <p:txBody>
+          <a:bodyPr wrap="none">
+            <a:spAutoFit/>
+          </a:bodyPr>
+          <a:lstStyle/>
+          <a:p>
+            <a:r>
+              <a:rPr lang="zh-CN" altLang="en-US" dirty="0"/>
+              <a:t>修改了</a:t>
+            </a:r>
+            <a:r>
+              <a:rPr lang="en-US" altLang="zh-CN" dirty="0"/>
+              <a:t>resume.md</a:t>
+            </a:r>
+            <a:endParaRPr lang="zh-CN" altLang="en-US" dirty="0"/>
+          </a:p>
+        </p:txBody>
+      </p:sp>
+    </p:spTree>
+    <p:extLst>
+      <p:ext uri="{BB962C8B-B14F-4D97-AF65-F5344CB8AC3E}">
+        <p14:creationId xmlns:p14="http://schemas.microsoft.com/office/powerpoint/2010/main" val="3387125209"/>
+      </p:ext>
+    </p:extLst>
+  </p:cSld>
+  <p:clrMapOvr>
+    <a:masterClrMapping/>
+  </p:clrMapOvr>
+</p:sld>
+</file>
+
+<file path=ppt/slides/slide7.xml><?xml version="1.0" encoding="utf-8"?>
+<p:sld xmlns:a="http://schemas.openxmlformats.org/drawingml/2006/main" xmlns:r="http://schemas.openxmlformats.org/officeDocument/2006/relationships" xmlns:p="http://schemas.openxmlformats.org/presentationml/2006/main">
+  <p:cSld>
+    <p:spTree>
+      <p:nvGrpSpPr>
+        <p:cNvPr id="1" name=""/>
+        <p:cNvGrpSpPr/>
+        <p:nvPr/>
+      </p:nvGrpSpPr>
+      <p:grpSpPr>
+        <a:xfrm>
+          <a:off x="0" y="0"/>
+          <a:ext cx="0" cy="0"/>
+          <a:chOff x="0" y="0"/>
+          <a:chExt cx="0" cy="0"/>
+        </a:xfrm>
+      </p:grpSpPr>
+      <p:sp>
+        <p:nvSpPr>
+          <p:cNvPr id="8" name="矩形 7">
+            <a:extLst>
+              <a:ext uri="{FF2B5EF4-FFF2-40B4-BE49-F238E27FC236}">
+                <a16:creationId xmlns:a16="http://schemas.microsoft.com/office/drawing/2014/main" id="{02CB3CBA-6E63-4C8B-9C08-893B060AD68E}"/>
+              </a:ext>
+            </a:extLst>
+          </p:cNvPr>
+          <p:cNvSpPr/>
+          <p:nvPr/>
+        </p:nvSpPr>
+        <p:spPr>
+          <a:xfrm>
+            <a:off x="879792" y="2903456"/>
+            <a:ext cx="3707027" cy="2894538"/>
+          </a:xfrm>
+          <a:prstGeom prst="rect">
+            <a:avLst/>
+          </a:prstGeom>
+          <a:noFill/>
+          <a:ln w="57150"/>
+        </p:spPr>
+        <p:style>
+          <a:lnRef idx="2">
+            <a:schemeClr val="accent1">
+              <a:shade val="50000"/>
+            </a:schemeClr>
+          </a:lnRef>
+          <a:fillRef idx="1">
+            <a:schemeClr val="accent1"/>
+          </a:fillRef>
+          <a:effectRef idx="0">
+            <a:schemeClr val="accent1"/>
+          </a:effectRef>
+          <a:fontRef idx="minor">
+            <a:schemeClr val="lt1"/>
+          </a:fontRef>
+        </p:style>
+        <p:txBody>
+          <a:bodyPr rtlCol="0" anchor="ctr"/>
+          <a:lstStyle/>
+          <a:p>
+            <a:pPr algn="ctr"/>
+            <a:endParaRPr lang="zh-CN" altLang="en-US" dirty="0"/>
+          </a:p>
+        </p:txBody>
+      </p:sp>
+      <p:sp>
+        <p:nvSpPr>
+          <p:cNvPr id="9" name="文本框 8">
+            <a:extLst>
+              <a:ext uri="{FF2B5EF4-FFF2-40B4-BE49-F238E27FC236}">
+                <a16:creationId xmlns:a16="http://schemas.microsoft.com/office/drawing/2014/main" id="{7A21413E-559B-41BC-9CEC-60D6FD143199}"/>
+              </a:ext>
+            </a:extLst>
+          </p:cNvPr>
+          <p:cNvSpPr txBox="1"/>
+          <p:nvPr/>
+        </p:nvSpPr>
+        <p:spPr>
+          <a:xfrm>
+            <a:off x="909088" y="2432115"/>
+            <a:ext cx="1229824" cy="369332"/>
+          </a:xfrm>
+          <a:prstGeom prst="rect">
+            <a:avLst/>
+          </a:prstGeom>
+          <a:noFill/>
+        </p:spPr>
+        <p:txBody>
+          <a:bodyPr wrap="none" rtlCol="0">
+            <a:spAutoFit/>
+          </a:bodyPr>
+          <a:lstStyle/>
+          <a:p>
+            <a:r>
+              <a:rPr lang="en-US" altLang="zh-CN" dirty="0"/>
+              <a:t>d:/learngit</a:t>
+            </a:r>
+            <a:endParaRPr lang="zh-CN" altLang="en-US" dirty="0"/>
+          </a:p>
+        </p:txBody>
+      </p:sp>
+      <p:sp>
+        <p:nvSpPr>
+          <p:cNvPr id="10" name="矩形 9">
+            <a:extLst>
+              <a:ext uri="{FF2B5EF4-FFF2-40B4-BE49-F238E27FC236}">
+                <a16:creationId xmlns:a16="http://schemas.microsoft.com/office/drawing/2014/main" id="{7BE2A0CC-8A41-4521-8C6D-7C8A0BDDB29F}"/>
+              </a:ext>
+            </a:extLst>
+          </p:cNvPr>
+          <p:cNvSpPr/>
+          <p:nvPr/>
+        </p:nvSpPr>
+        <p:spPr>
+          <a:xfrm>
+            <a:off x="879792" y="2432115"/>
+            <a:ext cx="1421920" cy="471341"/>
+          </a:xfrm>
+          <a:prstGeom prst="rect">
+            <a:avLst/>
+          </a:prstGeom>
+          <a:noFill/>
+          <a:ln w="57150"/>
+        </p:spPr>
+        <p:style>
+          <a:lnRef idx="2">
+            <a:schemeClr val="accent1">
+              <a:shade val="50000"/>
+            </a:schemeClr>
+          </a:lnRef>
+          <a:fillRef idx="1">
+            <a:schemeClr val="accent1"/>
+          </a:fillRef>
+          <a:effectRef idx="0">
+            <a:schemeClr val="accent1"/>
+          </a:effectRef>
+          <a:fontRef idx="minor">
+            <a:schemeClr val="lt1"/>
+          </a:fontRef>
+        </p:style>
+        <p:txBody>
+          <a:bodyPr rtlCol="0" anchor="ctr"/>
+          <a:lstStyle/>
+          <a:p>
+            <a:pPr algn="ctr"/>
+            <a:endParaRPr lang="zh-CN" altLang="en-US" dirty="0"/>
+          </a:p>
+        </p:txBody>
+      </p:sp>
       <p:pic>
         <p:nvPicPr>
-          <p:cNvPr id="47" name="图片 46">
-            <a:extLst>
-              <a:ext uri="{FF2B5EF4-FFF2-40B4-BE49-F238E27FC236}">
-                <a16:creationId xmlns:a16="http://schemas.microsoft.com/office/drawing/2014/main" id="{69244904-6D40-4096-A017-35AF7486CA6D}"/>
+          <p:cNvPr id="11" name="图片 10">
+            <a:extLst>
+              <a:ext uri="{FF2B5EF4-FFF2-40B4-BE49-F238E27FC236}">
+                <a16:creationId xmlns:a16="http://schemas.microsoft.com/office/drawing/2014/main" id="{9A880BC7-4DBA-41B9-886C-7AEBC075C44F}"/>
+              </a:ext>
+            </a:extLst>
+          </p:cNvPr>
+          <p:cNvPicPr>
+            <a:picLocks noChangeAspect="1"/>
+          </p:cNvPicPr>
+          <p:nvPr/>
+        </p:nvPicPr>
+        <p:blipFill>
+          <a:blip r:embed="rId2"/>
+          <a:stretch>
+            <a:fillRect/>
+          </a:stretch>
+        </p:blipFill>
+        <p:spPr>
+          <a:xfrm>
+            <a:off x="3489099" y="3427797"/>
+            <a:ext cx="998307" cy="1120237"/>
+          </a:xfrm>
+          <a:prstGeom prst="rect">
+            <a:avLst/>
+          </a:prstGeom>
+          <a:ln w="28575">
+            <a:noFill/>
+            <a:prstDash val="dashDot"/>
+          </a:ln>
+        </p:spPr>
+      </p:pic>
+      <p:sp>
+        <p:nvSpPr>
+          <p:cNvPr id="12" name="圆柱体 11">
+            <a:extLst>
+              <a:ext uri="{FF2B5EF4-FFF2-40B4-BE49-F238E27FC236}">
+                <a16:creationId xmlns:a16="http://schemas.microsoft.com/office/drawing/2014/main" id="{FA2855A8-2549-4D73-B137-9433E1DABF44}"/>
+              </a:ext>
+            </a:extLst>
+          </p:cNvPr>
+          <p:cNvSpPr/>
+          <p:nvPr/>
+        </p:nvSpPr>
+        <p:spPr>
+          <a:xfrm>
+            <a:off x="5281175" y="2831153"/>
+            <a:ext cx="2175427" cy="2313525"/>
+          </a:xfrm>
+          <a:prstGeom prst="can">
+            <a:avLst>
+              <a:gd name="adj" fmla="val 402"/>
+            </a:avLst>
+          </a:prstGeom>
+          <a:noFill/>
+          <a:ln w="38100">
+            <a:prstDash val="dashDot"/>
+          </a:ln>
+        </p:spPr>
+        <p:style>
+          <a:lnRef idx="2">
+            <a:schemeClr val="accent1">
+              <a:shade val="50000"/>
+            </a:schemeClr>
+          </a:lnRef>
+          <a:fillRef idx="1">
+            <a:schemeClr val="accent1"/>
+          </a:fillRef>
+          <a:effectRef idx="0">
+            <a:schemeClr val="accent1"/>
+          </a:effectRef>
+          <a:fontRef idx="minor">
+            <a:schemeClr val="lt1"/>
+          </a:fontRef>
+        </p:style>
+        <p:txBody>
+          <a:bodyPr rtlCol="0" anchor="ctr"/>
+          <a:lstStyle/>
+          <a:p>
+            <a:pPr algn="ctr"/>
+            <a:endParaRPr lang="zh-CN" altLang="en-US"/>
+          </a:p>
+        </p:txBody>
+      </p:sp>
+      <p:sp>
+        <p:nvSpPr>
+          <p:cNvPr id="15" name="文本框 14">
+            <a:extLst>
+              <a:ext uri="{FF2B5EF4-FFF2-40B4-BE49-F238E27FC236}">
+                <a16:creationId xmlns:a16="http://schemas.microsoft.com/office/drawing/2014/main" id="{0287D92B-ED49-412F-B3E5-98B33296C2BD}"/>
+              </a:ext>
+            </a:extLst>
+          </p:cNvPr>
+          <p:cNvSpPr txBox="1"/>
+          <p:nvPr/>
+        </p:nvSpPr>
+        <p:spPr>
+          <a:xfrm>
+            <a:off x="5819838" y="4629278"/>
+            <a:ext cx="877163" cy="369332"/>
+          </a:xfrm>
+          <a:prstGeom prst="rect">
+            <a:avLst/>
+          </a:prstGeom>
+          <a:noFill/>
+        </p:spPr>
+        <p:txBody>
+          <a:bodyPr wrap="none" rtlCol="0">
+            <a:spAutoFit/>
+          </a:bodyPr>
+          <a:lstStyle/>
+          <a:p>
+            <a:r>
+              <a:rPr lang="zh-CN" altLang="en-US" dirty="0"/>
+              <a:t>暂存区</a:t>
+            </a:r>
+          </a:p>
+        </p:txBody>
+      </p:sp>
+      <p:sp>
+        <p:nvSpPr>
+          <p:cNvPr id="13" name="圆柱体 12">
+            <a:extLst>
+              <a:ext uri="{FF2B5EF4-FFF2-40B4-BE49-F238E27FC236}">
+                <a16:creationId xmlns:a16="http://schemas.microsoft.com/office/drawing/2014/main" id="{8EEDCB6C-BA87-4985-AE29-FC7D192DF6B8}"/>
+              </a:ext>
+            </a:extLst>
+          </p:cNvPr>
+          <p:cNvSpPr/>
+          <p:nvPr/>
+        </p:nvSpPr>
+        <p:spPr>
+          <a:xfrm>
+            <a:off x="8481574" y="2801447"/>
+            <a:ext cx="2274410" cy="2313525"/>
+          </a:xfrm>
+          <a:prstGeom prst="can">
+            <a:avLst/>
+          </a:prstGeom>
+          <a:noFill/>
+          <a:ln w="38100">
+            <a:prstDash val="dashDot"/>
+          </a:ln>
+        </p:spPr>
+        <p:style>
+          <a:lnRef idx="2">
+            <a:schemeClr val="accent1">
+              <a:shade val="50000"/>
+            </a:schemeClr>
+          </a:lnRef>
+          <a:fillRef idx="1">
+            <a:schemeClr val="accent1"/>
+          </a:fillRef>
+          <a:effectRef idx="0">
+            <a:schemeClr val="accent1"/>
+          </a:effectRef>
+          <a:fontRef idx="minor">
+            <a:schemeClr val="lt1"/>
+          </a:fontRef>
+        </p:style>
+        <p:txBody>
+          <a:bodyPr rtlCol="0" anchor="ctr"/>
+          <a:lstStyle/>
+          <a:p>
+            <a:pPr algn="ctr"/>
+            <a:endParaRPr lang="zh-CN" altLang="en-US"/>
+          </a:p>
+        </p:txBody>
+      </p:sp>
+      <p:sp>
+        <p:nvSpPr>
+          <p:cNvPr id="16" name="文本框 15">
+            <a:extLst>
+              <a:ext uri="{FF2B5EF4-FFF2-40B4-BE49-F238E27FC236}">
+                <a16:creationId xmlns:a16="http://schemas.microsoft.com/office/drawing/2014/main" id="{8D8DD38A-A78D-43A9-BD61-75CD355F5CDE}"/>
+              </a:ext>
+            </a:extLst>
+          </p:cNvPr>
+          <p:cNvSpPr txBox="1"/>
+          <p:nvPr/>
+        </p:nvSpPr>
+        <p:spPr>
+          <a:xfrm>
+            <a:off x="9099087" y="4599573"/>
+            <a:ext cx="926857" cy="369332"/>
+          </a:xfrm>
+          <a:prstGeom prst="rect">
+            <a:avLst/>
+          </a:prstGeom>
+          <a:noFill/>
+        </p:spPr>
+        <p:txBody>
+          <a:bodyPr wrap="none" rtlCol="0">
+            <a:spAutoFit/>
+          </a:bodyPr>
+          <a:lstStyle/>
+          <a:p>
+            <a:r>
+              <a:rPr lang="en-US" altLang="zh-CN" dirty="0"/>
+              <a:t>git</a:t>
+            </a:r>
+            <a:r>
+              <a:rPr lang="zh-CN" altLang="en-US" dirty="0"/>
+              <a:t>仓库</a:t>
+            </a:r>
+          </a:p>
+        </p:txBody>
+      </p:sp>
+      <p:sp>
+        <p:nvSpPr>
+          <p:cNvPr id="20" name="椭圆 19">
+            <a:extLst>
+              <a:ext uri="{FF2B5EF4-FFF2-40B4-BE49-F238E27FC236}">
+                <a16:creationId xmlns:a16="http://schemas.microsoft.com/office/drawing/2014/main" id="{57C67EF1-1F2C-45F7-9A38-29EF5A134254}"/>
+              </a:ext>
+            </a:extLst>
+          </p:cNvPr>
+          <p:cNvSpPr/>
+          <p:nvPr/>
+        </p:nvSpPr>
+        <p:spPr>
+          <a:xfrm>
+            <a:off x="1000219" y="3035985"/>
+            <a:ext cx="2602986" cy="2425461"/>
+          </a:xfrm>
+          <a:prstGeom prst="ellipse">
+            <a:avLst/>
+          </a:prstGeom>
+          <a:noFill/>
+          <a:ln>
+            <a:prstDash val="dash"/>
+          </a:ln>
+        </p:spPr>
+        <p:style>
+          <a:lnRef idx="2">
+            <a:schemeClr val="accent1">
+              <a:shade val="50000"/>
+            </a:schemeClr>
+          </a:lnRef>
+          <a:fillRef idx="1">
+            <a:schemeClr val="accent1"/>
+          </a:fillRef>
+          <a:effectRef idx="0">
+            <a:schemeClr val="accent1"/>
+          </a:effectRef>
+          <a:fontRef idx="minor">
+            <a:schemeClr val="lt1"/>
+          </a:fontRef>
+        </p:style>
+        <p:txBody>
+          <a:bodyPr rtlCol="0" anchor="ctr"/>
+          <a:lstStyle/>
+          <a:p>
+            <a:pPr algn="ctr"/>
+            <a:endParaRPr lang="zh-CN" altLang="en-US"/>
+          </a:p>
+        </p:txBody>
+      </p:sp>
+      <p:sp>
+        <p:nvSpPr>
+          <p:cNvPr id="22" name="文本框 21">
+            <a:extLst>
+              <a:ext uri="{FF2B5EF4-FFF2-40B4-BE49-F238E27FC236}">
+                <a16:creationId xmlns:a16="http://schemas.microsoft.com/office/drawing/2014/main" id="{F995F98A-ABB3-4D47-9781-A01125E6D40B}"/>
+              </a:ext>
+            </a:extLst>
+          </p:cNvPr>
+          <p:cNvSpPr txBox="1"/>
+          <p:nvPr/>
+        </p:nvSpPr>
+        <p:spPr>
+          <a:xfrm>
+            <a:off x="1813243" y="4998610"/>
+            <a:ext cx="877163" cy="369332"/>
+          </a:xfrm>
+          <a:prstGeom prst="rect">
+            <a:avLst/>
+          </a:prstGeom>
+          <a:noFill/>
+        </p:spPr>
+        <p:txBody>
+          <a:bodyPr wrap="none" rtlCol="0">
+            <a:spAutoFit/>
+          </a:bodyPr>
+          <a:lstStyle/>
+          <a:p>
+            <a:r>
+              <a:rPr lang="zh-CN" altLang="en-US" dirty="0"/>
+              <a:t>工作区</a:t>
+            </a:r>
+          </a:p>
+        </p:txBody>
+      </p:sp>
+      <p:sp>
+        <p:nvSpPr>
+          <p:cNvPr id="23" name="文本框 22">
+            <a:extLst>
+              <a:ext uri="{FF2B5EF4-FFF2-40B4-BE49-F238E27FC236}">
+                <a16:creationId xmlns:a16="http://schemas.microsoft.com/office/drawing/2014/main" id="{A15D205C-DEB7-41AB-A645-5977E7DA2333}"/>
+              </a:ext>
+            </a:extLst>
+          </p:cNvPr>
+          <p:cNvSpPr txBox="1"/>
+          <p:nvPr/>
+        </p:nvSpPr>
+        <p:spPr>
+          <a:xfrm>
+            <a:off x="134660" y="105899"/>
+            <a:ext cx="7925258" cy="1384995"/>
+          </a:xfrm>
+          <a:prstGeom prst="rect">
+            <a:avLst/>
+          </a:prstGeom>
+        </p:spPr>
+        <p:style>
+          <a:lnRef idx="1">
+            <a:schemeClr val="accent5"/>
+          </a:lnRef>
+          <a:fillRef idx="3">
+            <a:schemeClr val="accent5"/>
+          </a:fillRef>
+          <a:effectRef idx="2">
+            <a:schemeClr val="accent5"/>
+          </a:effectRef>
+          <a:fontRef idx="minor">
+            <a:schemeClr val="lt1"/>
+          </a:fontRef>
+        </p:style>
+        <p:txBody>
+          <a:bodyPr wrap="square" rtlCol="0">
+            <a:spAutoFit/>
+          </a:bodyPr>
+          <a:lstStyle/>
+          <a:p>
+            <a:r>
+              <a:rPr lang="en-US" altLang="zh-CN" sz="2800" dirty="0"/>
+              <a:t>Git commit –m  “resume.md”</a:t>
+            </a:r>
+          </a:p>
+          <a:p>
+            <a:pPr marL="514350" indent="-514350">
+              <a:buAutoNum type="arabicPeriod"/>
+            </a:pPr>
+            <a:endParaRPr lang="en-US" altLang="zh-CN" sz="2800" dirty="0"/>
+          </a:p>
+          <a:p>
+            <a:r>
+              <a:rPr lang="zh-CN" altLang="en-US" sz="2800" dirty="0"/>
+              <a:t>此时文件</a:t>
+            </a:r>
+            <a:r>
+              <a:rPr lang="en-US" altLang="zh-CN" sz="2800" dirty="0"/>
+              <a:t>resume.md</a:t>
+            </a:r>
+            <a:r>
+              <a:rPr lang="zh-CN" altLang="en-US" sz="2800" dirty="0"/>
+              <a:t>处于</a:t>
+            </a:r>
+            <a:r>
+              <a:rPr lang="en-US" altLang="zh-CN" sz="2800" dirty="0"/>
+              <a:t>modified</a:t>
+            </a:r>
+            <a:r>
+              <a:rPr lang="zh-CN" altLang="en-US" sz="2800" dirty="0"/>
+              <a:t>状态</a:t>
+            </a:r>
+            <a:endParaRPr lang="en-US" altLang="zh-CN" sz="2800" dirty="0"/>
+          </a:p>
+        </p:txBody>
+      </p:sp>
+      <p:pic>
+        <p:nvPicPr>
+          <p:cNvPr id="3" name="图片 2">
+            <a:extLst>
+              <a:ext uri="{FF2B5EF4-FFF2-40B4-BE49-F238E27FC236}">
+                <a16:creationId xmlns:a16="http://schemas.microsoft.com/office/drawing/2014/main" id="{F3CD8B31-48D3-4822-B1C5-28348D4FDFCE}"/>
               </a:ext>
             </a:extLst>
           </p:cNvPr>
@@ -7710,48 +8345,2230 @@
         </p:blipFill>
         <p:spPr>
           <a:xfrm>
-            <a:off x="4005606" y="2328954"/>
-            <a:ext cx="713112" cy="800209"/>
+            <a:off x="1720696" y="3452534"/>
+            <a:ext cx="746825" cy="823031"/>
           </a:xfrm>
           <a:prstGeom prst="rect">
             <a:avLst/>
           </a:prstGeom>
         </p:spPr>
       </p:pic>
-      <p:pic>
-        <p:nvPicPr>
-          <p:cNvPr id="23" name="图片 22">
-            <a:extLst>
-              <a:ext uri="{FF2B5EF4-FFF2-40B4-BE49-F238E27FC236}">
-                <a16:creationId xmlns:a16="http://schemas.microsoft.com/office/drawing/2014/main" id="{02B391E1-6962-41C8-8B33-98DE22E99D49}"/>
-              </a:ext>
-            </a:extLst>
-          </p:cNvPr>
-          <p:cNvPicPr>
-            <a:picLocks noChangeAspect="1"/>
-          </p:cNvPicPr>
-          <p:nvPr/>
-        </p:nvPicPr>
-        <p:blipFill>
-          <a:blip r:embed="rId3"/>
-          <a:stretch>
-            <a:fillRect/>
-          </a:stretch>
-        </p:blipFill>
-        <p:spPr>
-          <a:xfrm>
-            <a:off x="5047509" y="2275284"/>
-            <a:ext cx="713112" cy="800209"/>
+      <p:sp>
+        <p:nvSpPr>
+          <p:cNvPr id="17" name="矩形 16">
+            <a:extLst>
+              <a:ext uri="{FF2B5EF4-FFF2-40B4-BE49-F238E27FC236}">
+                <a16:creationId xmlns:a16="http://schemas.microsoft.com/office/drawing/2014/main" id="{7022B504-BE2B-4861-A0CB-3D0187B967DF}"/>
+              </a:ext>
+            </a:extLst>
+          </p:cNvPr>
+          <p:cNvSpPr/>
+          <p:nvPr/>
+        </p:nvSpPr>
+        <p:spPr>
+          <a:xfrm>
+            <a:off x="8647383" y="3435421"/>
+            <a:ext cx="1986441" cy="369332"/>
           </a:xfrm>
           <a:prstGeom prst="rect">
             <a:avLst/>
           </a:prstGeom>
         </p:spPr>
-      </p:pic>
+        <p:txBody>
+          <a:bodyPr wrap="none">
+            <a:spAutoFit/>
+          </a:bodyPr>
+          <a:lstStyle/>
+          <a:p>
+            <a:r>
+              <a:rPr lang="zh-CN" altLang="en-US" dirty="0"/>
+              <a:t>修改了</a:t>
+            </a:r>
+            <a:r>
+              <a:rPr lang="en-US" altLang="zh-CN" dirty="0"/>
+              <a:t>resume.md</a:t>
+            </a:r>
+            <a:endParaRPr lang="zh-CN" altLang="en-US" dirty="0"/>
+          </a:p>
+        </p:txBody>
+      </p:sp>
+      <p:sp>
+        <p:nvSpPr>
+          <p:cNvPr id="18" name="椭圆 17">
+            <a:extLst>
+              <a:ext uri="{FF2B5EF4-FFF2-40B4-BE49-F238E27FC236}">
+                <a16:creationId xmlns:a16="http://schemas.microsoft.com/office/drawing/2014/main" id="{19CBFFA6-6E51-49F6-9A41-E68E064B67B1}"/>
+              </a:ext>
+            </a:extLst>
+          </p:cNvPr>
+          <p:cNvSpPr/>
+          <p:nvPr/>
+        </p:nvSpPr>
+        <p:spPr>
+          <a:xfrm>
+            <a:off x="11191781" y="2381953"/>
+            <a:ext cx="838987" cy="838987"/>
+          </a:xfrm>
+          <a:prstGeom prst="ellipse">
+            <a:avLst/>
+          </a:prstGeom>
+        </p:spPr>
+        <p:style>
+          <a:lnRef idx="2">
+            <a:schemeClr val="accent6">
+              <a:shade val="50000"/>
+            </a:schemeClr>
+          </a:lnRef>
+          <a:fillRef idx="1">
+            <a:schemeClr val="accent6"/>
+          </a:fillRef>
+          <a:effectRef idx="0">
+            <a:schemeClr val="accent6"/>
+          </a:effectRef>
+          <a:fontRef idx="minor">
+            <a:schemeClr val="lt1"/>
+          </a:fontRef>
+        </p:style>
+        <p:txBody>
+          <a:bodyPr rtlCol="0" anchor="ctr"/>
+          <a:lstStyle/>
+          <a:p>
+            <a:pPr algn="ctr"/>
+            <a:r>
+              <a:rPr lang="zh-CN" altLang="en-US" sz="1200" dirty="0"/>
+              <a:t>版本</a:t>
+            </a:r>
+            <a:r>
+              <a:rPr lang="en-US" altLang="zh-CN" sz="1200" dirty="0"/>
+              <a:t>1</a:t>
+            </a:r>
+            <a:endParaRPr lang="zh-CN" altLang="en-US" sz="1200" dirty="0"/>
+          </a:p>
+        </p:txBody>
+      </p:sp>
     </p:spTree>
     <p:extLst>
       <p:ext uri="{BB962C8B-B14F-4D97-AF65-F5344CB8AC3E}">
-        <p14:creationId xmlns:p14="http://schemas.microsoft.com/office/powerpoint/2010/main" val="1565109490"/>
+        <p14:creationId xmlns:p14="http://schemas.microsoft.com/office/powerpoint/2010/main" val="1607235039"/>
+      </p:ext>
+    </p:extLst>
+  </p:cSld>
+  <p:clrMapOvr>
+    <a:masterClrMapping/>
+  </p:clrMapOvr>
+</p:sld>
+</file>
+
+<file path=ppt/slides/slide8.xml><?xml version="1.0" encoding="utf-8"?>
+<p:sld xmlns:a="http://schemas.openxmlformats.org/drawingml/2006/main" xmlns:r="http://schemas.openxmlformats.org/officeDocument/2006/relationships" xmlns:p="http://schemas.openxmlformats.org/presentationml/2006/main">
+  <p:cSld>
+    <p:spTree>
+      <p:nvGrpSpPr>
+        <p:cNvPr id="1" name=""/>
+        <p:cNvGrpSpPr/>
+        <p:nvPr/>
+      </p:nvGrpSpPr>
+      <p:grpSpPr>
+        <a:xfrm>
+          <a:off x="0" y="0"/>
+          <a:ext cx="0" cy="0"/>
+          <a:chOff x="0" y="0"/>
+          <a:chExt cx="0" cy="0"/>
+        </a:xfrm>
+      </p:grpSpPr>
+      <p:sp>
+        <p:nvSpPr>
+          <p:cNvPr id="4" name="椭圆 3">
+            <a:extLst>
+              <a:ext uri="{FF2B5EF4-FFF2-40B4-BE49-F238E27FC236}">
+                <a16:creationId xmlns:a16="http://schemas.microsoft.com/office/drawing/2014/main" id="{5D3B6187-D811-47A0-8CB0-9340BC21BE01}"/>
+              </a:ext>
+            </a:extLst>
+          </p:cNvPr>
+          <p:cNvSpPr/>
+          <p:nvPr/>
+        </p:nvSpPr>
+        <p:spPr>
+          <a:xfrm>
+            <a:off x="2346389" y="2083323"/>
+            <a:ext cx="838987" cy="838987"/>
+          </a:xfrm>
+          <a:prstGeom prst="ellipse">
+            <a:avLst/>
+          </a:prstGeom>
+        </p:spPr>
+        <p:style>
+          <a:lnRef idx="2">
+            <a:schemeClr val="accent6">
+              <a:shade val="50000"/>
+            </a:schemeClr>
+          </a:lnRef>
+          <a:fillRef idx="1">
+            <a:schemeClr val="accent6"/>
+          </a:fillRef>
+          <a:effectRef idx="0">
+            <a:schemeClr val="accent6"/>
+          </a:effectRef>
+          <a:fontRef idx="minor">
+            <a:schemeClr val="lt1"/>
+          </a:fontRef>
+        </p:style>
+        <p:txBody>
+          <a:bodyPr rtlCol="0" anchor="ctr"/>
+          <a:lstStyle/>
+          <a:p>
+            <a:pPr algn="ctr"/>
+            <a:r>
+              <a:rPr lang="zh-CN" altLang="en-US" sz="1200" dirty="0"/>
+              <a:t>版本</a:t>
+            </a:r>
+            <a:r>
+              <a:rPr lang="en-US" altLang="zh-CN" sz="1200" dirty="0"/>
+              <a:t>1</a:t>
+            </a:r>
+            <a:endParaRPr lang="zh-CN" altLang="en-US" sz="1200" dirty="0"/>
+          </a:p>
+        </p:txBody>
+      </p:sp>
+      <p:sp>
+        <p:nvSpPr>
+          <p:cNvPr id="5" name="椭圆 4">
+            <a:extLst>
+              <a:ext uri="{FF2B5EF4-FFF2-40B4-BE49-F238E27FC236}">
+                <a16:creationId xmlns:a16="http://schemas.microsoft.com/office/drawing/2014/main" id="{C83E2D29-824F-4126-9F79-DFD057C2D3AE}"/>
+              </a:ext>
+            </a:extLst>
+          </p:cNvPr>
+          <p:cNvSpPr/>
+          <p:nvPr/>
+        </p:nvSpPr>
+        <p:spPr>
+          <a:xfrm>
+            <a:off x="4265186" y="2083323"/>
+            <a:ext cx="838987" cy="838987"/>
+          </a:xfrm>
+          <a:prstGeom prst="ellipse">
+            <a:avLst/>
+          </a:prstGeom>
+        </p:spPr>
+        <p:style>
+          <a:lnRef idx="2">
+            <a:schemeClr val="accent6">
+              <a:shade val="50000"/>
+            </a:schemeClr>
+          </a:lnRef>
+          <a:fillRef idx="1">
+            <a:schemeClr val="accent6"/>
+          </a:fillRef>
+          <a:effectRef idx="0">
+            <a:schemeClr val="accent6"/>
+          </a:effectRef>
+          <a:fontRef idx="minor">
+            <a:schemeClr val="lt1"/>
+          </a:fontRef>
+        </p:style>
+        <p:txBody>
+          <a:bodyPr rtlCol="0" anchor="ctr"/>
+          <a:lstStyle/>
+          <a:p>
+            <a:pPr algn="ctr"/>
+            <a:r>
+              <a:rPr lang="zh-CN" altLang="en-US" sz="1200" dirty="0"/>
+              <a:t>版本</a:t>
+            </a:r>
+            <a:r>
+              <a:rPr lang="en-US" altLang="zh-CN" sz="1200" dirty="0"/>
+              <a:t>2</a:t>
+            </a:r>
+            <a:endParaRPr lang="zh-CN" altLang="en-US" sz="1200" dirty="0"/>
+          </a:p>
+        </p:txBody>
+      </p:sp>
+      <p:sp>
+        <p:nvSpPr>
+          <p:cNvPr id="6" name="椭圆 5">
+            <a:extLst>
+              <a:ext uri="{FF2B5EF4-FFF2-40B4-BE49-F238E27FC236}">
+                <a16:creationId xmlns:a16="http://schemas.microsoft.com/office/drawing/2014/main" id="{B97ACECA-1FFB-4A5C-AA0C-3BA2CC1F61BC}"/>
+              </a:ext>
+            </a:extLst>
+          </p:cNvPr>
+          <p:cNvSpPr/>
+          <p:nvPr/>
+        </p:nvSpPr>
+        <p:spPr>
+          <a:xfrm>
+            <a:off x="6183983" y="2083323"/>
+            <a:ext cx="838987" cy="838987"/>
+          </a:xfrm>
+          <a:prstGeom prst="ellipse">
+            <a:avLst/>
+          </a:prstGeom>
+        </p:spPr>
+        <p:style>
+          <a:lnRef idx="2">
+            <a:schemeClr val="accent6">
+              <a:shade val="50000"/>
+            </a:schemeClr>
+          </a:lnRef>
+          <a:fillRef idx="1">
+            <a:schemeClr val="accent6"/>
+          </a:fillRef>
+          <a:effectRef idx="0">
+            <a:schemeClr val="accent6"/>
+          </a:effectRef>
+          <a:fontRef idx="minor">
+            <a:schemeClr val="lt1"/>
+          </a:fontRef>
+        </p:style>
+        <p:txBody>
+          <a:bodyPr rtlCol="0" anchor="ctr"/>
+          <a:lstStyle/>
+          <a:p>
+            <a:pPr algn="ctr"/>
+            <a:r>
+              <a:rPr lang="zh-CN" altLang="en-US" sz="1200" dirty="0"/>
+              <a:t>版本</a:t>
+            </a:r>
+            <a:r>
+              <a:rPr lang="en-US" altLang="zh-CN" sz="1200" dirty="0"/>
+              <a:t>3</a:t>
+            </a:r>
+            <a:endParaRPr lang="zh-CN" altLang="en-US" sz="1200" dirty="0"/>
+          </a:p>
+        </p:txBody>
+      </p:sp>
+      <p:cxnSp>
+        <p:nvCxnSpPr>
+          <p:cNvPr id="9" name="直接箭头连接符 8">
+            <a:extLst>
+              <a:ext uri="{FF2B5EF4-FFF2-40B4-BE49-F238E27FC236}">
+                <a16:creationId xmlns:a16="http://schemas.microsoft.com/office/drawing/2014/main" id="{86B0029C-A3AB-4681-AD23-6A644A4AB2FB}"/>
+              </a:ext>
+            </a:extLst>
+          </p:cNvPr>
+          <p:cNvCxnSpPr>
+            <a:cxnSpLocks/>
+            <a:stCxn id="4" idx="6"/>
+            <a:endCxn id="5" idx="2"/>
+          </p:cNvCxnSpPr>
+          <p:nvPr/>
+        </p:nvCxnSpPr>
+        <p:spPr>
+          <a:xfrm>
+            <a:off x="3185376" y="2502817"/>
+            <a:ext cx="1079810" cy="0"/>
+          </a:xfrm>
+          <a:prstGeom prst="straightConnector1">
+            <a:avLst/>
+          </a:prstGeom>
+          <a:ln w="38100">
+            <a:tailEnd type="triangle"/>
+          </a:ln>
+        </p:spPr>
+        <p:style>
+          <a:lnRef idx="1">
+            <a:schemeClr val="accent1"/>
+          </a:lnRef>
+          <a:fillRef idx="0">
+            <a:schemeClr val="accent1"/>
+          </a:fillRef>
+          <a:effectRef idx="0">
+            <a:schemeClr val="accent1"/>
+          </a:effectRef>
+          <a:fontRef idx="minor">
+            <a:schemeClr val="tx1"/>
+          </a:fontRef>
+        </p:style>
+      </p:cxnSp>
+      <p:cxnSp>
+        <p:nvCxnSpPr>
+          <p:cNvPr id="23" name="直接箭头连接符 22">
+            <a:extLst>
+              <a:ext uri="{FF2B5EF4-FFF2-40B4-BE49-F238E27FC236}">
+                <a16:creationId xmlns:a16="http://schemas.microsoft.com/office/drawing/2014/main" id="{057CB3F7-4E56-4A6B-B05B-9983BEAC0898}"/>
+              </a:ext>
+            </a:extLst>
+          </p:cNvPr>
+          <p:cNvCxnSpPr>
+            <a:cxnSpLocks/>
+            <a:stCxn id="5" idx="6"/>
+            <a:endCxn id="6" idx="2"/>
+          </p:cNvCxnSpPr>
+          <p:nvPr/>
+        </p:nvCxnSpPr>
+        <p:spPr>
+          <a:xfrm>
+            <a:off x="5104173" y="2502817"/>
+            <a:ext cx="1079810" cy="0"/>
+          </a:xfrm>
+          <a:prstGeom prst="straightConnector1">
+            <a:avLst/>
+          </a:prstGeom>
+          <a:ln w="38100">
+            <a:tailEnd type="triangle"/>
+          </a:ln>
+        </p:spPr>
+        <p:style>
+          <a:lnRef idx="1">
+            <a:schemeClr val="accent1"/>
+          </a:lnRef>
+          <a:fillRef idx="0">
+            <a:schemeClr val="accent1"/>
+          </a:fillRef>
+          <a:effectRef idx="0">
+            <a:schemeClr val="accent1"/>
+          </a:effectRef>
+          <a:fontRef idx="minor">
+            <a:schemeClr val="tx1"/>
+          </a:fontRef>
+        </p:style>
+      </p:cxnSp>
+      <p:sp>
+        <p:nvSpPr>
+          <p:cNvPr id="27" name="箭头: 下 26">
+            <a:extLst>
+              <a:ext uri="{FF2B5EF4-FFF2-40B4-BE49-F238E27FC236}">
+                <a16:creationId xmlns:a16="http://schemas.microsoft.com/office/drawing/2014/main" id="{E3B6286A-CF8D-4785-A330-4DD41C5AB539}"/>
+              </a:ext>
+            </a:extLst>
+          </p:cNvPr>
+          <p:cNvSpPr/>
+          <p:nvPr/>
+        </p:nvSpPr>
+        <p:spPr>
+          <a:xfrm rot="17801321">
+            <a:off x="5743470" y="402840"/>
+            <a:ext cx="90306" cy="642665"/>
+          </a:xfrm>
+          <a:prstGeom prst="downArrow">
+            <a:avLst/>
+          </a:prstGeom>
+        </p:spPr>
+        <p:style>
+          <a:lnRef idx="2">
+            <a:schemeClr val="accent1">
+              <a:shade val="50000"/>
+            </a:schemeClr>
+          </a:lnRef>
+          <a:fillRef idx="1">
+            <a:schemeClr val="accent1"/>
+          </a:fillRef>
+          <a:effectRef idx="0">
+            <a:schemeClr val="accent1"/>
+          </a:effectRef>
+          <a:fontRef idx="minor">
+            <a:schemeClr val="lt1"/>
+          </a:fontRef>
+        </p:style>
+        <p:txBody>
+          <a:bodyPr rtlCol="0" anchor="ctr"/>
+          <a:lstStyle/>
+          <a:p>
+            <a:pPr algn="ctr"/>
+            <a:endParaRPr lang="zh-CN" altLang="en-US"/>
+          </a:p>
+        </p:txBody>
+      </p:sp>
+      <p:sp>
+        <p:nvSpPr>
+          <p:cNvPr id="29" name="椭圆 28">
+            <a:extLst>
+              <a:ext uri="{FF2B5EF4-FFF2-40B4-BE49-F238E27FC236}">
+                <a16:creationId xmlns:a16="http://schemas.microsoft.com/office/drawing/2014/main" id="{E6B33524-2B16-4CF0-BE29-7CACD5BADC8B}"/>
+              </a:ext>
+            </a:extLst>
+          </p:cNvPr>
+          <p:cNvSpPr/>
+          <p:nvPr/>
+        </p:nvSpPr>
+        <p:spPr>
+          <a:xfrm>
+            <a:off x="473032" y="2083323"/>
+            <a:ext cx="838987" cy="838987"/>
+          </a:xfrm>
+          <a:prstGeom prst="ellipse">
+            <a:avLst/>
+          </a:prstGeom>
+        </p:spPr>
+        <p:style>
+          <a:lnRef idx="2">
+            <a:schemeClr val="accent6">
+              <a:shade val="50000"/>
+            </a:schemeClr>
+          </a:lnRef>
+          <a:fillRef idx="1">
+            <a:schemeClr val="accent6"/>
+          </a:fillRef>
+          <a:effectRef idx="0">
+            <a:schemeClr val="accent6"/>
+          </a:effectRef>
+          <a:fontRef idx="minor">
+            <a:schemeClr val="lt1"/>
+          </a:fontRef>
+        </p:style>
+        <p:txBody>
+          <a:bodyPr rtlCol="0" anchor="ctr"/>
+          <a:lstStyle/>
+          <a:p>
+            <a:pPr algn="ctr"/>
+            <a:r>
+              <a:rPr lang="zh-CN" altLang="en-US" sz="1200" dirty="0"/>
+              <a:t>版本</a:t>
+            </a:r>
+            <a:r>
+              <a:rPr lang="en-US" altLang="zh-CN" sz="1200" dirty="0"/>
+              <a:t>0</a:t>
+            </a:r>
+            <a:endParaRPr lang="zh-CN" altLang="en-US" sz="1200" dirty="0"/>
+          </a:p>
+        </p:txBody>
+      </p:sp>
+      <p:cxnSp>
+        <p:nvCxnSpPr>
+          <p:cNvPr id="30" name="直接箭头连接符 29">
+            <a:extLst>
+              <a:ext uri="{FF2B5EF4-FFF2-40B4-BE49-F238E27FC236}">
+                <a16:creationId xmlns:a16="http://schemas.microsoft.com/office/drawing/2014/main" id="{7F411AEB-4693-40BE-AC25-DFA0C6D13DA0}"/>
+              </a:ext>
+            </a:extLst>
+          </p:cNvPr>
+          <p:cNvCxnSpPr>
+            <a:cxnSpLocks/>
+            <a:stCxn id="29" idx="6"/>
+            <a:endCxn id="4" idx="2"/>
+          </p:cNvCxnSpPr>
+          <p:nvPr/>
+        </p:nvCxnSpPr>
+        <p:spPr>
+          <a:xfrm>
+            <a:off x="1312019" y="2502817"/>
+            <a:ext cx="1034370" cy="0"/>
+          </a:xfrm>
+          <a:prstGeom prst="straightConnector1">
+            <a:avLst/>
+          </a:prstGeom>
+          <a:ln w="38100">
+            <a:tailEnd type="triangle"/>
+          </a:ln>
+        </p:spPr>
+        <p:style>
+          <a:lnRef idx="1">
+            <a:schemeClr val="accent1"/>
+          </a:lnRef>
+          <a:fillRef idx="0">
+            <a:schemeClr val="accent1"/>
+          </a:fillRef>
+          <a:effectRef idx="0">
+            <a:schemeClr val="accent1"/>
+          </a:effectRef>
+          <a:fontRef idx="minor">
+            <a:schemeClr val="tx1"/>
+          </a:fontRef>
+        </p:style>
+      </p:cxnSp>
+      <p:sp>
+        <p:nvSpPr>
+          <p:cNvPr id="33" name="矩形 32">
+            <a:extLst>
+              <a:ext uri="{FF2B5EF4-FFF2-40B4-BE49-F238E27FC236}">
+                <a16:creationId xmlns:a16="http://schemas.microsoft.com/office/drawing/2014/main" id="{614299EB-FF64-43F6-9269-D3AF3268BD66}"/>
+              </a:ext>
+            </a:extLst>
+          </p:cNvPr>
+          <p:cNvSpPr/>
+          <p:nvPr/>
+        </p:nvSpPr>
+        <p:spPr>
+          <a:xfrm>
+            <a:off x="4720894" y="260571"/>
+            <a:ext cx="766557" cy="369332"/>
+          </a:xfrm>
+          <a:prstGeom prst="rect">
+            <a:avLst/>
+          </a:prstGeom>
+        </p:spPr>
+        <p:txBody>
+          <a:bodyPr wrap="none">
+            <a:spAutoFit/>
+          </a:bodyPr>
+          <a:lstStyle/>
+          <a:p>
+            <a:r>
+              <a:rPr lang="en-US" altLang="zh-CN" dirty="0"/>
+              <a:t>HEAD</a:t>
+            </a:r>
+            <a:endParaRPr lang="zh-CN" altLang="en-US" dirty="0"/>
+          </a:p>
+        </p:txBody>
+      </p:sp>
+      <p:sp>
+        <p:nvSpPr>
+          <p:cNvPr id="34" name="箭头: 下 33">
+            <a:extLst>
+              <a:ext uri="{FF2B5EF4-FFF2-40B4-BE49-F238E27FC236}">
+                <a16:creationId xmlns:a16="http://schemas.microsoft.com/office/drawing/2014/main" id="{0219139E-D6FF-4438-9796-0C25A402D754}"/>
+              </a:ext>
+            </a:extLst>
+          </p:cNvPr>
+          <p:cNvSpPr/>
+          <p:nvPr/>
+        </p:nvSpPr>
+        <p:spPr>
+          <a:xfrm>
+            <a:off x="6414939" y="1282043"/>
+            <a:ext cx="377073" cy="707011"/>
+          </a:xfrm>
+          <a:prstGeom prst="downArrow">
+            <a:avLst/>
+          </a:prstGeom>
+        </p:spPr>
+        <p:style>
+          <a:lnRef idx="2">
+            <a:schemeClr val="accent1">
+              <a:shade val="50000"/>
+            </a:schemeClr>
+          </a:lnRef>
+          <a:fillRef idx="1">
+            <a:schemeClr val="accent1"/>
+          </a:fillRef>
+          <a:effectRef idx="0">
+            <a:schemeClr val="accent1"/>
+          </a:effectRef>
+          <a:fontRef idx="minor">
+            <a:schemeClr val="lt1"/>
+          </a:fontRef>
+        </p:style>
+        <p:txBody>
+          <a:bodyPr rtlCol="0" anchor="ctr"/>
+          <a:lstStyle/>
+          <a:p>
+            <a:pPr algn="ctr"/>
+            <a:endParaRPr lang="zh-CN" altLang="en-US"/>
+          </a:p>
+        </p:txBody>
+      </p:sp>
+      <p:sp>
+        <p:nvSpPr>
+          <p:cNvPr id="35" name="矩形 34">
+            <a:extLst>
+              <a:ext uri="{FF2B5EF4-FFF2-40B4-BE49-F238E27FC236}">
+                <a16:creationId xmlns:a16="http://schemas.microsoft.com/office/drawing/2014/main" id="{7715C85A-062F-4F89-A3BD-2248EBB9E280}"/>
+              </a:ext>
+            </a:extLst>
+          </p:cNvPr>
+          <p:cNvSpPr/>
+          <p:nvPr/>
+        </p:nvSpPr>
+        <p:spPr>
+          <a:xfrm>
+            <a:off x="5965596" y="818442"/>
+            <a:ext cx="859531" cy="369332"/>
+          </a:xfrm>
+          <a:prstGeom prst="rect">
+            <a:avLst/>
+          </a:prstGeom>
+        </p:spPr>
+        <p:txBody>
+          <a:bodyPr wrap="none">
+            <a:spAutoFit/>
+          </a:bodyPr>
+          <a:lstStyle/>
+          <a:p>
+            <a:r>
+              <a:rPr lang="en-US" altLang="zh-CN" dirty="0"/>
+              <a:t>master</a:t>
+            </a:r>
+            <a:endParaRPr lang="zh-CN" altLang="en-US" dirty="0"/>
+          </a:p>
+        </p:txBody>
+      </p:sp>
+      <p:sp>
+        <p:nvSpPr>
+          <p:cNvPr id="47" name="矩形 46">
+            <a:extLst>
+              <a:ext uri="{FF2B5EF4-FFF2-40B4-BE49-F238E27FC236}">
+                <a16:creationId xmlns:a16="http://schemas.microsoft.com/office/drawing/2014/main" id="{B070F7DE-BFC4-4C51-A7A3-BAE155FD1C78}"/>
+              </a:ext>
+            </a:extLst>
+          </p:cNvPr>
+          <p:cNvSpPr/>
+          <p:nvPr/>
+        </p:nvSpPr>
+        <p:spPr>
+          <a:xfrm>
+            <a:off x="1519362" y="2154571"/>
+            <a:ext cx="574196" cy="276999"/>
+          </a:xfrm>
+          <a:prstGeom prst="rect">
+            <a:avLst/>
+          </a:prstGeom>
+        </p:spPr>
+        <p:txBody>
+          <a:bodyPr wrap="none">
+            <a:spAutoFit/>
+          </a:bodyPr>
+          <a:lstStyle/>
+          <a:p>
+            <a:r>
+              <a:rPr lang="zh-CN" altLang="en-US" sz="1200" dirty="0"/>
+              <a:t>提交</a:t>
+            </a:r>
+            <a:r>
+              <a:rPr lang="en-US" altLang="zh-CN" sz="1200" dirty="0"/>
+              <a:t>1</a:t>
+            </a:r>
+            <a:endParaRPr lang="zh-CN" altLang="en-US" sz="1200" dirty="0"/>
+          </a:p>
+        </p:txBody>
+      </p:sp>
+      <p:sp>
+        <p:nvSpPr>
+          <p:cNvPr id="48" name="矩形 47">
+            <a:extLst>
+              <a:ext uri="{FF2B5EF4-FFF2-40B4-BE49-F238E27FC236}">
+                <a16:creationId xmlns:a16="http://schemas.microsoft.com/office/drawing/2014/main" id="{1E2CCEC1-8E5E-4507-ABC2-84B64504E006}"/>
+              </a:ext>
+            </a:extLst>
+          </p:cNvPr>
+          <p:cNvSpPr/>
+          <p:nvPr/>
+        </p:nvSpPr>
+        <p:spPr>
+          <a:xfrm>
+            <a:off x="3438183" y="2154571"/>
+            <a:ext cx="574196" cy="276999"/>
+          </a:xfrm>
+          <a:prstGeom prst="rect">
+            <a:avLst/>
+          </a:prstGeom>
+        </p:spPr>
+        <p:txBody>
+          <a:bodyPr wrap="none">
+            <a:spAutoFit/>
+          </a:bodyPr>
+          <a:lstStyle/>
+          <a:p>
+            <a:r>
+              <a:rPr lang="zh-CN" altLang="en-US" sz="1200" dirty="0"/>
+              <a:t>提交</a:t>
+            </a:r>
+            <a:r>
+              <a:rPr lang="en-US" altLang="zh-CN" sz="1200" dirty="0"/>
+              <a:t>2</a:t>
+            </a:r>
+            <a:endParaRPr lang="zh-CN" altLang="en-US" sz="1200" dirty="0"/>
+          </a:p>
+        </p:txBody>
+      </p:sp>
+      <p:sp>
+        <p:nvSpPr>
+          <p:cNvPr id="49" name="矩形 48">
+            <a:extLst>
+              <a:ext uri="{FF2B5EF4-FFF2-40B4-BE49-F238E27FC236}">
+                <a16:creationId xmlns:a16="http://schemas.microsoft.com/office/drawing/2014/main" id="{47486B2F-B3B7-4BA1-9865-A59493425738}"/>
+              </a:ext>
+            </a:extLst>
+          </p:cNvPr>
+          <p:cNvSpPr/>
+          <p:nvPr/>
+        </p:nvSpPr>
+        <p:spPr>
+          <a:xfrm>
+            <a:off x="5339554" y="2154571"/>
+            <a:ext cx="574196" cy="276999"/>
+          </a:xfrm>
+          <a:prstGeom prst="rect">
+            <a:avLst/>
+          </a:prstGeom>
+        </p:spPr>
+        <p:txBody>
+          <a:bodyPr wrap="none">
+            <a:spAutoFit/>
+          </a:bodyPr>
+          <a:lstStyle/>
+          <a:p>
+            <a:r>
+              <a:rPr lang="zh-CN" altLang="en-US" sz="1200" dirty="0"/>
+              <a:t>提交</a:t>
+            </a:r>
+            <a:r>
+              <a:rPr lang="en-US" altLang="zh-CN" sz="1200" dirty="0"/>
+              <a:t>3</a:t>
+            </a:r>
+            <a:endParaRPr lang="zh-CN" altLang="en-US" sz="1200" dirty="0"/>
+          </a:p>
+        </p:txBody>
+      </p:sp>
+    </p:spTree>
+    <p:extLst>
+      <p:ext uri="{BB962C8B-B14F-4D97-AF65-F5344CB8AC3E}">
+        <p14:creationId xmlns:p14="http://schemas.microsoft.com/office/powerpoint/2010/main" val="2251403853"/>
+      </p:ext>
+    </p:extLst>
+  </p:cSld>
+  <p:clrMapOvr>
+    <a:masterClrMapping/>
+  </p:clrMapOvr>
+</p:sld>
+</file>
+
+<file path=ppt/slides/slide9.xml><?xml version="1.0" encoding="utf-8"?>
+<p:sld xmlns:a="http://schemas.openxmlformats.org/drawingml/2006/main" xmlns:r="http://schemas.openxmlformats.org/officeDocument/2006/relationships" xmlns:p="http://schemas.openxmlformats.org/presentationml/2006/main">
+  <p:cSld>
+    <p:spTree>
+      <p:nvGrpSpPr>
+        <p:cNvPr id="1" name=""/>
+        <p:cNvGrpSpPr/>
+        <p:nvPr/>
+      </p:nvGrpSpPr>
+      <p:grpSpPr>
+        <a:xfrm>
+          <a:off x="0" y="0"/>
+          <a:ext cx="0" cy="0"/>
+          <a:chOff x="0" y="0"/>
+          <a:chExt cx="0" cy="0"/>
+        </a:xfrm>
+      </p:grpSpPr>
+      <p:sp>
+        <p:nvSpPr>
+          <p:cNvPr id="4" name="椭圆 3">
+            <a:extLst>
+              <a:ext uri="{FF2B5EF4-FFF2-40B4-BE49-F238E27FC236}">
+                <a16:creationId xmlns:a16="http://schemas.microsoft.com/office/drawing/2014/main" id="{5D3B6187-D811-47A0-8CB0-9340BC21BE01}"/>
+              </a:ext>
+            </a:extLst>
+          </p:cNvPr>
+          <p:cNvSpPr/>
+          <p:nvPr/>
+        </p:nvSpPr>
+        <p:spPr>
+          <a:xfrm>
+            <a:off x="2393523" y="1253764"/>
+            <a:ext cx="838987" cy="838987"/>
+          </a:xfrm>
+          <a:prstGeom prst="ellipse">
+            <a:avLst/>
+          </a:prstGeom>
+        </p:spPr>
+        <p:style>
+          <a:lnRef idx="2">
+            <a:schemeClr val="accent6">
+              <a:shade val="50000"/>
+            </a:schemeClr>
+          </a:lnRef>
+          <a:fillRef idx="1">
+            <a:schemeClr val="accent6"/>
+          </a:fillRef>
+          <a:effectRef idx="0">
+            <a:schemeClr val="accent6"/>
+          </a:effectRef>
+          <a:fontRef idx="minor">
+            <a:schemeClr val="lt1"/>
+          </a:fontRef>
+        </p:style>
+        <p:txBody>
+          <a:bodyPr rtlCol="0" anchor="ctr"/>
+          <a:lstStyle/>
+          <a:p>
+            <a:pPr algn="ctr"/>
+            <a:r>
+              <a:rPr lang="zh-CN" altLang="en-US" sz="1200" dirty="0"/>
+              <a:t>版本</a:t>
+            </a:r>
+            <a:r>
+              <a:rPr lang="en-US" altLang="zh-CN" sz="1200" dirty="0"/>
+              <a:t>1</a:t>
+            </a:r>
+            <a:endParaRPr lang="zh-CN" altLang="en-US" sz="1200" dirty="0"/>
+          </a:p>
+        </p:txBody>
+      </p:sp>
+      <p:sp>
+        <p:nvSpPr>
+          <p:cNvPr id="5" name="椭圆 4">
+            <a:extLst>
+              <a:ext uri="{FF2B5EF4-FFF2-40B4-BE49-F238E27FC236}">
+                <a16:creationId xmlns:a16="http://schemas.microsoft.com/office/drawing/2014/main" id="{C83E2D29-824F-4126-9F79-DFD057C2D3AE}"/>
+              </a:ext>
+            </a:extLst>
+          </p:cNvPr>
+          <p:cNvSpPr/>
+          <p:nvPr/>
+        </p:nvSpPr>
+        <p:spPr>
+          <a:xfrm>
+            <a:off x="4312320" y="1253764"/>
+            <a:ext cx="838987" cy="838987"/>
+          </a:xfrm>
+          <a:prstGeom prst="ellipse">
+            <a:avLst/>
+          </a:prstGeom>
+        </p:spPr>
+        <p:style>
+          <a:lnRef idx="2">
+            <a:schemeClr val="accent6">
+              <a:shade val="50000"/>
+            </a:schemeClr>
+          </a:lnRef>
+          <a:fillRef idx="1">
+            <a:schemeClr val="accent6"/>
+          </a:fillRef>
+          <a:effectRef idx="0">
+            <a:schemeClr val="accent6"/>
+          </a:effectRef>
+          <a:fontRef idx="minor">
+            <a:schemeClr val="lt1"/>
+          </a:fontRef>
+        </p:style>
+        <p:txBody>
+          <a:bodyPr rtlCol="0" anchor="ctr"/>
+          <a:lstStyle/>
+          <a:p>
+            <a:pPr algn="ctr"/>
+            <a:r>
+              <a:rPr lang="zh-CN" altLang="en-US" sz="1200" dirty="0"/>
+              <a:t>版本</a:t>
+            </a:r>
+            <a:r>
+              <a:rPr lang="en-US" altLang="zh-CN" sz="1200" dirty="0"/>
+              <a:t>2</a:t>
+            </a:r>
+            <a:endParaRPr lang="zh-CN" altLang="en-US" sz="1200" dirty="0"/>
+          </a:p>
+        </p:txBody>
+      </p:sp>
+      <p:sp>
+        <p:nvSpPr>
+          <p:cNvPr id="6" name="椭圆 5">
+            <a:extLst>
+              <a:ext uri="{FF2B5EF4-FFF2-40B4-BE49-F238E27FC236}">
+                <a16:creationId xmlns:a16="http://schemas.microsoft.com/office/drawing/2014/main" id="{B97ACECA-1FFB-4A5C-AA0C-3BA2CC1F61BC}"/>
+              </a:ext>
+            </a:extLst>
+          </p:cNvPr>
+          <p:cNvSpPr/>
+          <p:nvPr/>
+        </p:nvSpPr>
+        <p:spPr>
+          <a:xfrm>
+            <a:off x="6231117" y="1253764"/>
+            <a:ext cx="838987" cy="838987"/>
+          </a:xfrm>
+          <a:prstGeom prst="ellipse">
+            <a:avLst/>
+          </a:prstGeom>
+        </p:spPr>
+        <p:style>
+          <a:lnRef idx="2">
+            <a:schemeClr val="accent6">
+              <a:shade val="50000"/>
+            </a:schemeClr>
+          </a:lnRef>
+          <a:fillRef idx="1">
+            <a:schemeClr val="accent6"/>
+          </a:fillRef>
+          <a:effectRef idx="0">
+            <a:schemeClr val="accent6"/>
+          </a:effectRef>
+          <a:fontRef idx="minor">
+            <a:schemeClr val="lt1"/>
+          </a:fontRef>
+        </p:style>
+        <p:txBody>
+          <a:bodyPr rtlCol="0" anchor="ctr"/>
+          <a:lstStyle/>
+          <a:p>
+            <a:pPr algn="ctr"/>
+            <a:r>
+              <a:rPr lang="zh-CN" altLang="en-US" sz="1200" dirty="0"/>
+              <a:t>版本</a:t>
+            </a:r>
+            <a:r>
+              <a:rPr lang="en-US" altLang="zh-CN" sz="1200" dirty="0"/>
+              <a:t>3</a:t>
+            </a:r>
+            <a:endParaRPr lang="zh-CN" altLang="en-US" sz="1200" dirty="0"/>
+          </a:p>
+        </p:txBody>
+      </p:sp>
+      <p:cxnSp>
+        <p:nvCxnSpPr>
+          <p:cNvPr id="9" name="直接箭头连接符 8">
+            <a:extLst>
+              <a:ext uri="{FF2B5EF4-FFF2-40B4-BE49-F238E27FC236}">
+                <a16:creationId xmlns:a16="http://schemas.microsoft.com/office/drawing/2014/main" id="{86B0029C-A3AB-4681-AD23-6A644A4AB2FB}"/>
+              </a:ext>
+            </a:extLst>
+          </p:cNvPr>
+          <p:cNvCxnSpPr>
+            <a:cxnSpLocks/>
+            <a:stCxn id="4" idx="6"/>
+            <a:endCxn id="5" idx="2"/>
+          </p:cNvCxnSpPr>
+          <p:nvPr/>
+        </p:nvCxnSpPr>
+        <p:spPr>
+          <a:xfrm>
+            <a:off x="3232510" y="1673258"/>
+            <a:ext cx="1079810" cy="0"/>
+          </a:xfrm>
+          <a:prstGeom prst="straightConnector1">
+            <a:avLst/>
+          </a:prstGeom>
+          <a:ln w="38100">
+            <a:tailEnd type="triangle"/>
+          </a:ln>
+        </p:spPr>
+        <p:style>
+          <a:lnRef idx="1">
+            <a:schemeClr val="accent1"/>
+          </a:lnRef>
+          <a:fillRef idx="0">
+            <a:schemeClr val="accent1"/>
+          </a:fillRef>
+          <a:effectRef idx="0">
+            <a:schemeClr val="accent1"/>
+          </a:effectRef>
+          <a:fontRef idx="minor">
+            <a:schemeClr val="tx1"/>
+          </a:fontRef>
+        </p:style>
+      </p:cxnSp>
+      <p:cxnSp>
+        <p:nvCxnSpPr>
+          <p:cNvPr id="23" name="直接箭头连接符 22">
+            <a:extLst>
+              <a:ext uri="{FF2B5EF4-FFF2-40B4-BE49-F238E27FC236}">
+                <a16:creationId xmlns:a16="http://schemas.microsoft.com/office/drawing/2014/main" id="{057CB3F7-4E56-4A6B-B05B-9983BEAC0898}"/>
+              </a:ext>
+            </a:extLst>
+          </p:cNvPr>
+          <p:cNvCxnSpPr>
+            <a:cxnSpLocks/>
+            <a:stCxn id="5" idx="6"/>
+            <a:endCxn id="6" idx="2"/>
+          </p:cNvCxnSpPr>
+          <p:nvPr/>
+        </p:nvCxnSpPr>
+        <p:spPr>
+          <a:xfrm>
+            <a:off x="5151307" y="1673258"/>
+            <a:ext cx="1079810" cy="0"/>
+          </a:xfrm>
+          <a:prstGeom prst="straightConnector1">
+            <a:avLst/>
+          </a:prstGeom>
+          <a:ln w="38100">
+            <a:tailEnd type="triangle"/>
+          </a:ln>
+        </p:spPr>
+        <p:style>
+          <a:lnRef idx="1">
+            <a:schemeClr val="accent1"/>
+          </a:lnRef>
+          <a:fillRef idx="0">
+            <a:schemeClr val="accent1"/>
+          </a:fillRef>
+          <a:effectRef idx="0">
+            <a:schemeClr val="accent1"/>
+          </a:effectRef>
+          <a:fontRef idx="minor">
+            <a:schemeClr val="tx1"/>
+          </a:fontRef>
+        </p:style>
+      </p:cxnSp>
+      <p:sp>
+        <p:nvSpPr>
+          <p:cNvPr id="27" name="箭头: 下 26">
+            <a:extLst>
+              <a:ext uri="{FF2B5EF4-FFF2-40B4-BE49-F238E27FC236}">
+                <a16:creationId xmlns:a16="http://schemas.microsoft.com/office/drawing/2014/main" id="{E3B6286A-CF8D-4785-A330-4DD41C5AB539}"/>
+              </a:ext>
+            </a:extLst>
+          </p:cNvPr>
+          <p:cNvSpPr/>
+          <p:nvPr/>
+        </p:nvSpPr>
+        <p:spPr>
+          <a:xfrm rot="3734915">
+            <a:off x="7300120" y="160201"/>
+            <a:ext cx="74768" cy="410842"/>
+          </a:xfrm>
+          <a:prstGeom prst="downArrow">
+            <a:avLst/>
+          </a:prstGeom>
+        </p:spPr>
+        <p:style>
+          <a:lnRef idx="2">
+            <a:schemeClr val="accent1">
+              <a:shade val="50000"/>
+            </a:schemeClr>
+          </a:lnRef>
+          <a:fillRef idx="1">
+            <a:schemeClr val="accent1"/>
+          </a:fillRef>
+          <a:effectRef idx="0">
+            <a:schemeClr val="accent1"/>
+          </a:effectRef>
+          <a:fontRef idx="minor">
+            <a:schemeClr val="lt1"/>
+          </a:fontRef>
+        </p:style>
+        <p:txBody>
+          <a:bodyPr rtlCol="0" anchor="ctr"/>
+          <a:lstStyle/>
+          <a:p>
+            <a:pPr algn="ctr"/>
+            <a:endParaRPr lang="zh-CN" altLang="en-US"/>
+          </a:p>
+        </p:txBody>
+      </p:sp>
+      <p:sp>
+        <p:nvSpPr>
+          <p:cNvPr id="29" name="椭圆 28">
+            <a:extLst>
+              <a:ext uri="{FF2B5EF4-FFF2-40B4-BE49-F238E27FC236}">
+                <a16:creationId xmlns:a16="http://schemas.microsoft.com/office/drawing/2014/main" id="{E6B33524-2B16-4CF0-BE29-7CACD5BADC8B}"/>
+              </a:ext>
+            </a:extLst>
+          </p:cNvPr>
+          <p:cNvSpPr/>
+          <p:nvPr/>
+        </p:nvSpPr>
+        <p:spPr>
+          <a:xfrm>
+            <a:off x="520166" y="1253764"/>
+            <a:ext cx="838987" cy="838987"/>
+          </a:xfrm>
+          <a:prstGeom prst="ellipse">
+            <a:avLst/>
+          </a:prstGeom>
+        </p:spPr>
+        <p:style>
+          <a:lnRef idx="2">
+            <a:schemeClr val="accent6">
+              <a:shade val="50000"/>
+            </a:schemeClr>
+          </a:lnRef>
+          <a:fillRef idx="1">
+            <a:schemeClr val="accent6"/>
+          </a:fillRef>
+          <a:effectRef idx="0">
+            <a:schemeClr val="accent6"/>
+          </a:effectRef>
+          <a:fontRef idx="minor">
+            <a:schemeClr val="lt1"/>
+          </a:fontRef>
+        </p:style>
+        <p:txBody>
+          <a:bodyPr rtlCol="0" anchor="ctr"/>
+          <a:lstStyle/>
+          <a:p>
+            <a:pPr algn="ctr"/>
+            <a:r>
+              <a:rPr lang="zh-CN" altLang="en-US" sz="1200" dirty="0"/>
+              <a:t>版本</a:t>
+            </a:r>
+            <a:r>
+              <a:rPr lang="en-US" altLang="zh-CN" sz="1200" dirty="0"/>
+              <a:t>0</a:t>
+            </a:r>
+            <a:endParaRPr lang="zh-CN" altLang="en-US" sz="1200" dirty="0"/>
+          </a:p>
+        </p:txBody>
+      </p:sp>
+      <p:cxnSp>
+        <p:nvCxnSpPr>
+          <p:cNvPr id="30" name="直接箭头连接符 29">
+            <a:extLst>
+              <a:ext uri="{FF2B5EF4-FFF2-40B4-BE49-F238E27FC236}">
+                <a16:creationId xmlns:a16="http://schemas.microsoft.com/office/drawing/2014/main" id="{7F411AEB-4693-40BE-AC25-DFA0C6D13DA0}"/>
+              </a:ext>
+            </a:extLst>
+          </p:cNvPr>
+          <p:cNvCxnSpPr>
+            <a:cxnSpLocks/>
+            <a:stCxn id="29" idx="6"/>
+            <a:endCxn id="4" idx="2"/>
+          </p:cNvCxnSpPr>
+          <p:nvPr/>
+        </p:nvCxnSpPr>
+        <p:spPr>
+          <a:xfrm>
+            <a:off x="1359153" y="1673258"/>
+            <a:ext cx="1034370" cy="0"/>
+          </a:xfrm>
+          <a:prstGeom prst="straightConnector1">
+            <a:avLst/>
+          </a:prstGeom>
+          <a:ln w="38100">
+            <a:tailEnd type="triangle"/>
+          </a:ln>
+        </p:spPr>
+        <p:style>
+          <a:lnRef idx="1">
+            <a:schemeClr val="accent1"/>
+          </a:lnRef>
+          <a:fillRef idx="0">
+            <a:schemeClr val="accent1"/>
+          </a:fillRef>
+          <a:effectRef idx="0">
+            <a:schemeClr val="accent1"/>
+          </a:effectRef>
+          <a:fontRef idx="minor">
+            <a:schemeClr val="tx1"/>
+          </a:fontRef>
+        </p:style>
+      </p:cxnSp>
+      <p:sp>
+        <p:nvSpPr>
+          <p:cNvPr id="33" name="矩形 32">
+            <a:extLst>
+              <a:ext uri="{FF2B5EF4-FFF2-40B4-BE49-F238E27FC236}">
+                <a16:creationId xmlns:a16="http://schemas.microsoft.com/office/drawing/2014/main" id="{614299EB-FF64-43F6-9269-D3AF3268BD66}"/>
+              </a:ext>
+            </a:extLst>
+          </p:cNvPr>
+          <p:cNvSpPr/>
+          <p:nvPr/>
+        </p:nvSpPr>
+        <p:spPr>
+          <a:xfrm>
+            <a:off x="7638877" y="125026"/>
+            <a:ext cx="766557" cy="369332"/>
+          </a:xfrm>
+          <a:prstGeom prst="rect">
+            <a:avLst/>
+          </a:prstGeom>
+        </p:spPr>
+        <p:txBody>
+          <a:bodyPr wrap="none">
+            <a:spAutoFit/>
+          </a:bodyPr>
+          <a:lstStyle/>
+          <a:p>
+            <a:r>
+              <a:rPr lang="en-US" altLang="zh-CN" dirty="0"/>
+              <a:t>HEAD</a:t>
+            </a:r>
+            <a:endParaRPr lang="zh-CN" altLang="en-US" dirty="0"/>
+          </a:p>
+        </p:txBody>
+      </p:sp>
+      <p:sp>
+        <p:nvSpPr>
+          <p:cNvPr id="34" name="箭头: 下 33">
+            <a:extLst>
+              <a:ext uri="{FF2B5EF4-FFF2-40B4-BE49-F238E27FC236}">
+                <a16:creationId xmlns:a16="http://schemas.microsoft.com/office/drawing/2014/main" id="{0219139E-D6FF-4438-9796-0C25A402D754}"/>
+              </a:ext>
+            </a:extLst>
+          </p:cNvPr>
+          <p:cNvSpPr/>
+          <p:nvPr/>
+        </p:nvSpPr>
+        <p:spPr>
+          <a:xfrm>
+            <a:off x="6419653" y="782987"/>
+            <a:ext cx="377073" cy="369332"/>
+          </a:xfrm>
+          <a:prstGeom prst="downArrow">
+            <a:avLst/>
+          </a:prstGeom>
+        </p:spPr>
+        <p:style>
+          <a:lnRef idx="2">
+            <a:schemeClr val="accent1">
+              <a:shade val="50000"/>
+            </a:schemeClr>
+          </a:lnRef>
+          <a:fillRef idx="1">
+            <a:schemeClr val="accent1"/>
+          </a:fillRef>
+          <a:effectRef idx="0">
+            <a:schemeClr val="accent1"/>
+          </a:effectRef>
+          <a:fontRef idx="minor">
+            <a:schemeClr val="lt1"/>
+          </a:fontRef>
+        </p:style>
+        <p:txBody>
+          <a:bodyPr rtlCol="0" anchor="ctr"/>
+          <a:lstStyle/>
+          <a:p>
+            <a:pPr algn="ctr"/>
+            <a:endParaRPr lang="zh-CN" altLang="en-US"/>
+          </a:p>
+        </p:txBody>
+      </p:sp>
+      <p:sp>
+        <p:nvSpPr>
+          <p:cNvPr id="35" name="矩形 34">
+            <a:extLst>
+              <a:ext uri="{FF2B5EF4-FFF2-40B4-BE49-F238E27FC236}">
+                <a16:creationId xmlns:a16="http://schemas.microsoft.com/office/drawing/2014/main" id="{7715C85A-062F-4F89-A3BD-2248EBB9E280}"/>
+              </a:ext>
+            </a:extLst>
+          </p:cNvPr>
+          <p:cNvSpPr/>
+          <p:nvPr/>
+        </p:nvSpPr>
+        <p:spPr>
+          <a:xfrm>
+            <a:off x="6136826" y="309692"/>
+            <a:ext cx="859531" cy="369332"/>
+          </a:xfrm>
+          <a:prstGeom prst="rect">
+            <a:avLst/>
+          </a:prstGeom>
+        </p:spPr>
+        <p:txBody>
+          <a:bodyPr wrap="none">
+            <a:spAutoFit/>
+          </a:bodyPr>
+          <a:lstStyle/>
+          <a:p>
+            <a:r>
+              <a:rPr lang="en-US" altLang="zh-CN" dirty="0"/>
+              <a:t>master</a:t>
+            </a:r>
+            <a:endParaRPr lang="zh-CN" altLang="en-US" dirty="0"/>
+          </a:p>
+        </p:txBody>
+      </p:sp>
+      <p:sp>
+        <p:nvSpPr>
+          <p:cNvPr id="36" name="椭圆 35">
+            <a:extLst>
+              <a:ext uri="{FF2B5EF4-FFF2-40B4-BE49-F238E27FC236}">
+                <a16:creationId xmlns:a16="http://schemas.microsoft.com/office/drawing/2014/main" id="{4DFF4318-2BB7-4D8C-B8CA-F170B9C88EAE}"/>
+              </a:ext>
+            </a:extLst>
+          </p:cNvPr>
+          <p:cNvSpPr/>
+          <p:nvPr/>
+        </p:nvSpPr>
+        <p:spPr>
+          <a:xfrm>
+            <a:off x="2393523" y="4429768"/>
+            <a:ext cx="838987" cy="838987"/>
+          </a:xfrm>
+          <a:prstGeom prst="ellipse">
+            <a:avLst/>
+          </a:prstGeom>
+        </p:spPr>
+        <p:style>
+          <a:lnRef idx="2">
+            <a:schemeClr val="accent6">
+              <a:shade val="50000"/>
+            </a:schemeClr>
+          </a:lnRef>
+          <a:fillRef idx="1">
+            <a:schemeClr val="accent6"/>
+          </a:fillRef>
+          <a:effectRef idx="0">
+            <a:schemeClr val="accent6"/>
+          </a:effectRef>
+          <a:fontRef idx="minor">
+            <a:schemeClr val="lt1"/>
+          </a:fontRef>
+        </p:style>
+        <p:txBody>
+          <a:bodyPr rtlCol="0" anchor="ctr"/>
+          <a:lstStyle/>
+          <a:p>
+            <a:pPr algn="ctr"/>
+            <a:r>
+              <a:rPr lang="zh-CN" altLang="en-US" sz="1200" dirty="0"/>
+              <a:t>版本</a:t>
+            </a:r>
+            <a:r>
+              <a:rPr lang="en-US" altLang="zh-CN" sz="1200" dirty="0"/>
+              <a:t>1</a:t>
+            </a:r>
+            <a:endParaRPr lang="zh-CN" altLang="en-US" sz="1200" dirty="0"/>
+          </a:p>
+        </p:txBody>
+      </p:sp>
+      <p:sp>
+        <p:nvSpPr>
+          <p:cNvPr id="37" name="椭圆 36">
+            <a:extLst>
+              <a:ext uri="{FF2B5EF4-FFF2-40B4-BE49-F238E27FC236}">
+                <a16:creationId xmlns:a16="http://schemas.microsoft.com/office/drawing/2014/main" id="{C7C25640-6FD4-40B9-9B9A-AF1A47ADA5A4}"/>
+              </a:ext>
+            </a:extLst>
+          </p:cNvPr>
+          <p:cNvSpPr/>
+          <p:nvPr/>
+        </p:nvSpPr>
+        <p:spPr>
+          <a:xfrm>
+            <a:off x="4312320" y="4429768"/>
+            <a:ext cx="838987" cy="838987"/>
+          </a:xfrm>
+          <a:prstGeom prst="ellipse">
+            <a:avLst/>
+          </a:prstGeom>
+        </p:spPr>
+        <p:style>
+          <a:lnRef idx="2">
+            <a:schemeClr val="accent6">
+              <a:shade val="50000"/>
+            </a:schemeClr>
+          </a:lnRef>
+          <a:fillRef idx="1">
+            <a:schemeClr val="accent6"/>
+          </a:fillRef>
+          <a:effectRef idx="0">
+            <a:schemeClr val="accent6"/>
+          </a:effectRef>
+          <a:fontRef idx="minor">
+            <a:schemeClr val="lt1"/>
+          </a:fontRef>
+        </p:style>
+        <p:txBody>
+          <a:bodyPr rtlCol="0" anchor="ctr"/>
+          <a:lstStyle/>
+          <a:p>
+            <a:pPr algn="ctr"/>
+            <a:r>
+              <a:rPr lang="zh-CN" altLang="en-US" sz="1200" dirty="0"/>
+              <a:t>版本</a:t>
+            </a:r>
+            <a:r>
+              <a:rPr lang="en-US" altLang="zh-CN" sz="1200" dirty="0"/>
+              <a:t>2</a:t>
+            </a:r>
+            <a:endParaRPr lang="zh-CN" altLang="en-US" sz="1200" dirty="0"/>
+          </a:p>
+        </p:txBody>
+      </p:sp>
+      <p:sp>
+        <p:nvSpPr>
+          <p:cNvPr id="38" name="椭圆 37">
+            <a:extLst>
+              <a:ext uri="{FF2B5EF4-FFF2-40B4-BE49-F238E27FC236}">
+                <a16:creationId xmlns:a16="http://schemas.microsoft.com/office/drawing/2014/main" id="{6E9A8C7A-2329-4D35-AD82-9A99DAC05071}"/>
+              </a:ext>
+            </a:extLst>
+          </p:cNvPr>
+          <p:cNvSpPr/>
+          <p:nvPr/>
+        </p:nvSpPr>
+        <p:spPr>
+          <a:xfrm>
+            <a:off x="6231117" y="4429768"/>
+            <a:ext cx="838987" cy="838987"/>
+          </a:xfrm>
+          <a:prstGeom prst="ellipse">
+            <a:avLst/>
+          </a:prstGeom>
+        </p:spPr>
+        <p:style>
+          <a:lnRef idx="2">
+            <a:schemeClr val="accent6">
+              <a:shade val="50000"/>
+            </a:schemeClr>
+          </a:lnRef>
+          <a:fillRef idx="1">
+            <a:schemeClr val="accent6"/>
+          </a:fillRef>
+          <a:effectRef idx="0">
+            <a:schemeClr val="accent6"/>
+          </a:effectRef>
+          <a:fontRef idx="minor">
+            <a:schemeClr val="lt1"/>
+          </a:fontRef>
+        </p:style>
+        <p:txBody>
+          <a:bodyPr rtlCol="0" anchor="ctr"/>
+          <a:lstStyle/>
+          <a:p>
+            <a:pPr algn="ctr"/>
+            <a:r>
+              <a:rPr lang="zh-CN" altLang="en-US" sz="1200" dirty="0"/>
+              <a:t>版本</a:t>
+            </a:r>
+            <a:r>
+              <a:rPr lang="en-US" altLang="zh-CN" sz="1200" dirty="0"/>
+              <a:t>3</a:t>
+            </a:r>
+            <a:endParaRPr lang="zh-CN" altLang="en-US" sz="1200" dirty="0"/>
+          </a:p>
+        </p:txBody>
+      </p:sp>
+      <p:cxnSp>
+        <p:nvCxnSpPr>
+          <p:cNvPr id="39" name="直接箭头连接符 38">
+            <a:extLst>
+              <a:ext uri="{FF2B5EF4-FFF2-40B4-BE49-F238E27FC236}">
+                <a16:creationId xmlns:a16="http://schemas.microsoft.com/office/drawing/2014/main" id="{C25ACF1B-160A-439E-B8E6-C01E1559E464}"/>
+              </a:ext>
+            </a:extLst>
+          </p:cNvPr>
+          <p:cNvCxnSpPr>
+            <a:cxnSpLocks/>
+            <a:stCxn id="36" idx="6"/>
+            <a:endCxn id="37" idx="2"/>
+          </p:cNvCxnSpPr>
+          <p:nvPr/>
+        </p:nvCxnSpPr>
+        <p:spPr>
+          <a:xfrm>
+            <a:off x="3232510" y="4849262"/>
+            <a:ext cx="1079810" cy="0"/>
+          </a:xfrm>
+          <a:prstGeom prst="straightConnector1">
+            <a:avLst/>
+          </a:prstGeom>
+          <a:ln w="38100">
+            <a:tailEnd type="triangle"/>
+          </a:ln>
+        </p:spPr>
+        <p:style>
+          <a:lnRef idx="1">
+            <a:schemeClr val="accent1"/>
+          </a:lnRef>
+          <a:fillRef idx="0">
+            <a:schemeClr val="accent1"/>
+          </a:fillRef>
+          <a:effectRef idx="0">
+            <a:schemeClr val="accent1"/>
+          </a:effectRef>
+          <a:fontRef idx="minor">
+            <a:schemeClr val="tx1"/>
+          </a:fontRef>
+        </p:style>
+      </p:cxnSp>
+      <p:cxnSp>
+        <p:nvCxnSpPr>
+          <p:cNvPr id="40" name="直接箭头连接符 39">
+            <a:extLst>
+              <a:ext uri="{FF2B5EF4-FFF2-40B4-BE49-F238E27FC236}">
+                <a16:creationId xmlns:a16="http://schemas.microsoft.com/office/drawing/2014/main" id="{2418462E-9DBF-4462-8177-DC0F6E8F2903}"/>
+              </a:ext>
+            </a:extLst>
+          </p:cNvPr>
+          <p:cNvCxnSpPr>
+            <a:cxnSpLocks/>
+            <a:stCxn id="37" idx="6"/>
+            <a:endCxn id="38" idx="2"/>
+          </p:cNvCxnSpPr>
+          <p:nvPr/>
+        </p:nvCxnSpPr>
+        <p:spPr>
+          <a:xfrm>
+            <a:off x="5151307" y="4849262"/>
+            <a:ext cx="1079810" cy="0"/>
+          </a:xfrm>
+          <a:prstGeom prst="straightConnector1">
+            <a:avLst/>
+          </a:prstGeom>
+          <a:ln w="38100">
+            <a:tailEnd type="triangle"/>
+          </a:ln>
+        </p:spPr>
+        <p:style>
+          <a:lnRef idx="1">
+            <a:schemeClr val="accent1"/>
+          </a:lnRef>
+          <a:fillRef idx="0">
+            <a:schemeClr val="accent1"/>
+          </a:fillRef>
+          <a:effectRef idx="0">
+            <a:schemeClr val="accent1"/>
+          </a:effectRef>
+          <a:fontRef idx="minor">
+            <a:schemeClr val="tx1"/>
+          </a:fontRef>
+        </p:style>
+      </p:cxnSp>
+      <p:sp>
+        <p:nvSpPr>
+          <p:cNvPr id="41" name="箭头: 下 40">
+            <a:extLst>
+              <a:ext uri="{FF2B5EF4-FFF2-40B4-BE49-F238E27FC236}">
+                <a16:creationId xmlns:a16="http://schemas.microsoft.com/office/drawing/2014/main" id="{9759C6EF-DCC1-44AD-B778-7F48373B2F65}"/>
+              </a:ext>
+            </a:extLst>
+          </p:cNvPr>
+          <p:cNvSpPr/>
+          <p:nvPr/>
+        </p:nvSpPr>
+        <p:spPr>
+          <a:xfrm rot="4455811">
+            <a:off x="8919398" y="2985108"/>
+            <a:ext cx="140076" cy="707011"/>
+          </a:xfrm>
+          <a:prstGeom prst="downArrow">
+            <a:avLst/>
+          </a:prstGeom>
+        </p:spPr>
+        <p:style>
+          <a:lnRef idx="2">
+            <a:schemeClr val="accent1">
+              <a:shade val="50000"/>
+            </a:schemeClr>
+          </a:lnRef>
+          <a:fillRef idx="1">
+            <a:schemeClr val="accent1"/>
+          </a:fillRef>
+          <a:effectRef idx="0">
+            <a:schemeClr val="accent1"/>
+          </a:effectRef>
+          <a:fontRef idx="minor">
+            <a:schemeClr val="lt1"/>
+          </a:fontRef>
+        </p:style>
+        <p:txBody>
+          <a:bodyPr rtlCol="0" anchor="ctr"/>
+          <a:lstStyle/>
+          <a:p>
+            <a:pPr algn="ctr"/>
+            <a:endParaRPr lang="zh-CN" altLang="en-US"/>
+          </a:p>
+        </p:txBody>
+      </p:sp>
+      <p:sp>
+        <p:nvSpPr>
+          <p:cNvPr id="42" name="椭圆 41">
+            <a:extLst>
+              <a:ext uri="{FF2B5EF4-FFF2-40B4-BE49-F238E27FC236}">
+                <a16:creationId xmlns:a16="http://schemas.microsoft.com/office/drawing/2014/main" id="{0422CFFB-4C92-47E4-9A6D-22B3918E2F22}"/>
+              </a:ext>
+            </a:extLst>
+          </p:cNvPr>
+          <p:cNvSpPr/>
+          <p:nvPr/>
+        </p:nvSpPr>
+        <p:spPr>
+          <a:xfrm>
+            <a:off x="520166" y="4429768"/>
+            <a:ext cx="838987" cy="838987"/>
+          </a:xfrm>
+          <a:prstGeom prst="ellipse">
+            <a:avLst/>
+          </a:prstGeom>
+        </p:spPr>
+        <p:style>
+          <a:lnRef idx="2">
+            <a:schemeClr val="accent6">
+              <a:shade val="50000"/>
+            </a:schemeClr>
+          </a:lnRef>
+          <a:fillRef idx="1">
+            <a:schemeClr val="accent6"/>
+          </a:fillRef>
+          <a:effectRef idx="0">
+            <a:schemeClr val="accent6"/>
+          </a:effectRef>
+          <a:fontRef idx="minor">
+            <a:schemeClr val="lt1"/>
+          </a:fontRef>
+        </p:style>
+        <p:txBody>
+          <a:bodyPr rtlCol="0" anchor="ctr"/>
+          <a:lstStyle/>
+          <a:p>
+            <a:pPr algn="ctr"/>
+            <a:r>
+              <a:rPr lang="zh-CN" altLang="en-US" sz="1200" dirty="0"/>
+              <a:t>版本</a:t>
+            </a:r>
+            <a:r>
+              <a:rPr lang="en-US" altLang="zh-CN" sz="1200" dirty="0"/>
+              <a:t>0</a:t>
+            </a:r>
+            <a:endParaRPr lang="zh-CN" altLang="en-US" sz="1200" dirty="0"/>
+          </a:p>
+        </p:txBody>
+      </p:sp>
+      <p:cxnSp>
+        <p:nvCxnSpPr>
+          <p:cNvPr id="43" name="直接箭头连接符 42">
+            <a:extLst>
+              <a:ext uri="{FF2B5EF4-FFF2-40B4-BE49-F238E27FC236}">
+                <a16:creationId xmlns:a16="http://schemas.microsoft.com/office/drawing/2014/main" id="{AD99E71B-D07B-4622-8AC0-0D7490793274}"/>
+              </a:ext>
+            </a:extLst>
+          </p:cNvPr>
+          <p:cNvCxnSpPr>
+            <a:cxnSpLocks/>
+            <a:stCxn id="42" idx="6"/>
+            <a:endCxn id="36" idx="2"/>
+          </p:cNvCxnSpPr>
+          <p:nvPr/>
+        </p:nvCxnSpPr>
+        <p:spPr>
+          <a:xfrm>
+            <a:off x="1359153" y="4849262"/>
+            <a:ext cx="1034370" cy="0"/>
+          </a:xfrm>
+          <a:prstGeom prst="straightConnector1">
+            <a:avLst/>
+          </a:prstGeom>
+          <a:ln w="38100">
+            <a:tailEnd type="triangle"/>
+          </a:ln>
+        </p:spPr>
+        <p:style>
+          <a:lnRef idx="1">
+            <a:schemeClr val="accent1"/>
+          </a:lnRef>
+          <a:fillRef idx="0">
+            <a:schemeClr val="accent1"/>
+          </a:fillRef>
+          <a:effectRef idx="0">
+            <a:schemeClr val="accent1"/>
+          </a:effectRef>
+          <a:fontRef idx="minor">
+            <a:schemeClr val="tx1"/>
+          </a:fontRef>
+        </p:style>
+      </p:cxnSp>
+      <p:sp>
+        <p:nvSpPr>
+          <p:cNvPr id="44" name="矩形 43">
+            <a:extLst>
+              <a:ext uri="{FF2B5EF4-FFF2-40B4-BE49-F238E27FC236}">
+                <a16:creationId xmlns:a16="http://schemas.microsoft.com/office/drawing/2014/main" id="{3225C89A-227A-41DF-870C-91B7CA4D1925}"/>
+              </a:ext>
+            </a:extLst>
+          </p:cNvPr>
+          <p:cNvSpPr/>
+          <p:nvPr/>
+        </p:nvSpPr>
+        <p:spPr>
+          <a:xfrm>
+            <a:off x="9462029" y="2990659"/>
+            <a:ext cx="766557" cy="369332"/>
+          </a:xfrm>
+          <a:prstGeom prst="rect">
+            <a:avLst/>
+          </a:prstGeom>
+        </p:spPr>
+        <p:txBody>
+          <a:bodyPr wrap="square">
+            <a:spAutoFit/>
+          </a:bodyPr>
+          <a:lstStyle/>
+          <a:p>
+            <a:r>
+              <a:rPr lang="en-US" altLang="zh-CN" dirty="0"/>
+              <a:t>HEAD</a:t>
+            </a:r>
+            <a:endParaRPr lang="zh-CN" altLang="en-US" dirty="0"/>
+          </a:p>
+        </p:txBody>
+      </p:sp>
+      <p:sp>
+        <p:nvSpPr>
+          <p:cNvPr id="45" name="箭头: 下 44">
+            <a:extLst>
+              <a:ext uri="{FF2B5EF4-FFF2-40B4-BE49-F238E27FC236}">
+                <a16:creationId xmlns:a16="http://schemas.microsoft.com/office/drawing/2014/main" id="{42AB848B-4BDC-4B18-BA46-2745AA7D67C3}"/>
+              </a:ext>
+            </a:extLst>
+          </p:cNvPr>
+          <p:cNvSpPr/>
+          <p:nvPr/>
+        </p:nvSpPr>
+        <p:spPr>
+          <a:xfrm>
+            <a:off x="8253112" y="3919781"/>
+            <a:ext cx="377073" cy="456702"/>
+          </a:xfrm>
+          <a:prstGeom prst="downArrow">
+            <a:avLst/>
+          </a:prstGeom>
+          <a:solidFill>
+            <a:srgbClr val="C00000"/>
+          </a:solidFill>
+        </p:spPr>
+        <p:style>
+          <a:lnRef idx="2">
+            <a:schemeClr val="accent1">
+              <a:shade val="50000"/>
+            </a:schemeClr>
+          </a:lnRef>
+          <a:fillRef idx="1">
+            <a:schemeClr val="accent1"/>
+          </a:fillRef>
+          <a:effectRef idx="0">
+            <a:schemeClr val="accent1"/>
+          </a:effectRef>
+          <a:fontRef idx="minor">
+            <a:schemeClr val="lt1"/>
+          </a:fontRef>
+        </p:style>
+        <p:txBody>
+          <a:bodyPr rtlCol="0" anchor="ctr"/>
+          <a:lstStyle/>
+          <a:p>
+            <a:pPr algn="ctr"/>
+            <a:endParaRPr lang="zh-CN" altLang="en-US"/>
+          </a:p>
+        </p:txBody>
+      </p:sp>
+      <p:sp>
+        <p:nvSpPr>
+          <p:cNvPr id="46" name="矩形 45">
+            <a:extLst>
+              <a:ext uri="{FF2B5EF4-FFF2-40B4-BE49-F238E27FC236}">
+                <a16:creationId xmlns:a16="http://schemas.microsoft.com/office/drawing/2014/main" id="{E9BAB446-26FB-4FB3-AEE3-7A591DAB9273}"/>
+              </a:ext>
+            </a:extLst>
+          </p:cNvPr>
+          <p:cNvSpPr/>
+          <p:nvPr/>
+        </p:nvSpPr>
+        <p:spPr>
+          <a:xfrm>
+            <a:off x="6210573" y="3471469"/>
+            <a:ext cx="859531" cy="369332"/>
+          </a:xfrm>
+          <a:prstGeom prst="rect">
+            <a:avLst/>
+          </a:prstGeom>
+        </p:spPr>
+        <p:txBody>
+          <a:bodyPr wrap="square">
+            <a:spAutoFit/>
+          </a:bodyPr>
+          <a:lstStyle/>
+          <a:p>
+            <a:r>
+              <a:rPr lang="en-US" altLang="zh-CN" dirty="0"/>
+              <a:t>master</a:t>
+            </a:r>
+            <a:endParaRPr lang="zh-CN" altLang="en-US" dirty="0"/>
+          </a:p>
+        </p:txBody>
+      </p:sp>
+      <p:sp>
+        <p:nvSpPr>
+          <p:cNvPr id="47" name="矩形 46">
+            <a:extLst>
+              <a:ext uri="{FF2B5EF4-FFF2-40B4-BE49-F238E27FC236}">
+                <a16:creationId xmlns:a16="http://schemas.microsoft.com/office/drawing/2014/main" id="{B070F7DE-BFC4-4C51-A7A3-BAE155FD1C78}"/>
+              </a:ext>
+            </a:extLst>
+          </p:cNvPr>
+          <p:cNvSpPr/>
+          <p:nvPr/>
+        </p:nvSpPr>
+        <p:spPr>
+          <a:xfrm>
+            <a:off x="1566496" y="1325012"/>
+            <a:ext cx="574196" cy="276999"/>
+          </a:xfrm>
+          <a:prstGeom prst="rect">
+            <a:avLst/>
+          </a:prstGeom>
+        </p:spPr>
+        <p:txBody>
+          <a:bodyPr wrap="none">
+            <a:spAutoFit/>
+          </a:bodyPr>
+          <a:lstStyle/>
+          <a:p>
+            <a:r>
+              <a:rPr lang="zh-CN" altLang="en-US" sz="1200" dirty="0"/>
+              <a:t>提交</a:t>
+            </a:r>
+            <a:r>
+              <a:rPr lang="en-US" altLang="zh-CN" sz="1200" dirty="0"/>
+              <a:t>1</a:t>
+            </a:r>
+            <a:endParaRPr lang="zh-CN" altLang="en-US" sz="1200" dirty="0"/>
+          </a:p>
+        </p:txBody>
+      </p:sp>
+      <p:sp>
+        <p:nvSpPr>
+          <p:cNvPr id="48" name="矩形 47">
+            <a:extLst>
+              <a:ext uri="{FF2B5EF4-FFF2-40B4-BE49-F238E27FC236}">
+                <a16:creationId xmlns:a16="http://schemas.microsoft.com/office/drawing/2014/main" id="{1E2CCEC1-8E5E-4507-ABC2-84B64504E006}"/>
+              </a:ext>
+            </a:extLst>
+          </p:cNvPr>
+          <p:cNvSpPr/>
+          <p:nvPr/>
+        </p:nvSpPr>
+        <p:spPr>
+          <a:xfrm>
+            <a:off x="3485317" y="1325012"/>
+            <a:ext cx="574196" cy="276999"/>
+          </a:xfrm>
+          <a:prstGeom prst="rect">
+            <a:avLst/>
+          </a:prstGeom>
+        </p:spPr>
+        <p:txBody>
+          <a:bodyPr wrap="none">
+            <a:spAutoFit/>
+          </a:bodyPr>
+          <a:lstStyle/>
+          <a:p>
+            <a:r>
+              <a:rPr lang="zh-CN" altLang="en-US" sz="1200" dirty="0"/>
+              <a:t>提交</a:t>
+            </a:r>
+            <a:r>
+              <a:rPr lang="en-US" altLang="zh-CN" sz="1200" dirty="0"/>
+              <a:t>2</a:t>
+            </a:r>
+            <a:endParaRPr lang="zh-CN" altLang="en-US" sz="1200" dirty="0"/>
+          </a:p>
+        </p:txBody>
+      </p:sp>
+      <p:sp>
+        <p:nvSpPr>
+          <p:cNvPr id="49" name="矩形 48">
+            <a:extLst>
+              <a:ext uri="{FF2B5EF4-FFF2-40B4-BE49-F238E27FC236}">
+                <a16:creationId xmlns:a16="http://schemas.microsoft.com/office/drawing/2014/main" id="{47486B2F-B3B7-4BA1-9865-A59493425738}"/>
+              </a:ext>
+            </a:extLst>
+          </p:cNvPr>
+          <p:cNvSpPr/>
+          <p:nvPr/>
+        </p:nvSpPr>
+        <p:spPr>
+          <a:xfrm>
+            <a:off x="5386688" y="1325012"/>
+            <a:ext cx="574196" cy="276999"/>
+          </a:xfrm>
+          <a:prstGeom prst="rect">
+            <a:avLst/>
+          </a:prstGeom>
+        </p:spPr>
+        <p:txBody>
+          <a:bodyPr wrap="none">
+            <a:spAutoFit/>
+          </a:bodyPr>
+          <a:lstStyle/>
+          <a:p>
+            <a:r>
+              <a:rPr lang="zh-CN" altLang="en-US" sz="1200" dirty="0"/>
+              <a:t>提交</a:t>
+            </a:r>
+            <a:r>
+              <a:rPr lang="en-US" altLang="zh-CN" sz="1200" dirty="0"/>
+              <a:t>3</a:t>
+            </a:r>
+            <a:endParaRPr lang="zh-CN" altLang="en-US" sz="1200" dirty="0"/>
+          </a:p>
+        </p:txBody>
+      </p:sp>
+      <p:sp>
+        <p:nvSpPr>
+          <p:cNvPr id="50" name="矩形 49">
+            <a:extLst>
+              <a:ext uri="{FF2B5EF4-FFF2-40B4-BE49-F238E27FC236}">
+                <a16:creationId xmlns:a16="http://schemas.microsoft.com/office/drawing/2014/main" id="{12602C8E-B65D-4A10-8356-25D521D9C12C}"/>
+              </a:ext>
+            </a:extLst>
+          </p:cNvPr>
+          <p:cNvSpPr/>
+          <p:nvPr/>
+        </p:nvSpPr>
+        <p:spPr>
+          <a:xfrm>
+            <a:off x="1541293" y="4429768"/>
+            <a:ext cx="574196" cy="276999"/>
+          </a:xfrm>
+          <a:prstGeom prst="rect">
+            <a:avLst/>
+          </a:prstGeom>
+        </p:spPr>
+        <p:txBody>
+          <a:bodyPr wrap="square">
+            <a:spAutoFit/>
+          </a:bodyPr>
+          <a:lstStyle/>
+          <a:p>
+            <a:r>
+              <a:rPr lang="zh-CN" altLang="en-US" sz="1200" dirty="0"/>
+              <a:t>提交</a:t>
+            </a:r>
+            <a:r>
+              <a:rPr lang="en-US" altLang="zh-CN" sz="1200" dirty="0"/>
+              <a:t>1</a:t>
+            </a:r>
+            <a:endParaRPr lang="zh-CN" altLang="en-US" sz="1200" dirty="0"/>
+          </a:p>
+        </p:txBody>
+      </p:sp>
+      <p:sp>
+        <p:nvSpPr>
+          <p:cNvPr id="51" name="矩形 50">
+            <a:extLst>
+              <a:ext uri="{FF2B5EF4-FFF2-40B4-BE49-F238E27FC236}">
+                <a16:creationId xmlns:a16="http://schemas.microsoft.com/office/drawing/2014/main" id="{7575D30E-7384-4FD0-A524-C166EC0977D9}"/>
+              </a:ext>
+            </a:extLst>
+          </p:cNvPr>
+          <p:cNvSpPr/>
+          <p:nvPr/>
+        </p:nvSpPr>
+        <p:spPr>
+          <a:xfrm>
+            <a:off x="3375618" y="4429767"/>
+            <a:ext cx="574196" cy="276999"/>
+          </a:xfrm>
+          <a:prstGeom prst="rect">
+            <a:avLst/>
+          </a:prstGeom>
+        </p:spPr>
+        <p:txBody>
+          <a:bodyPr wrap="square">
+            <a:spAutoFit/>
+          </a:bodyPr>
+          <a:lstStyle/>
+          <a:p>
+            <a:r>
+              <a:rPr lang="zh-CN" altLang="en-US" sz="1200" dirty="0"/>
+              <a:t>提交</a:t>
+            </a:r>
+            <a:r>
+              <a:rPr lang="en-US" altLang="zh-CN" sz="1200" dirty="0"/>
+              <a:t>2</a:t>
+            </a:r>
+            <a:endParaRPr lang="zh-CN" altLang="en-US" sz="1200" dirty="0"/>
+          </a:p>
+        </p:txBody>
+      </p:sp>
+      <p:sp>
+        <p:nvSpPr>
+          <p:cNvPr id="52" name="矩形 51">
+            <a:extLst>
+              <a:ext uri="{FF2B5EF4-FFF2-40B4-BE49-F238E27FC236}">
+                <a16:creationId xmlns:a16="http://schemas.microsoft.com/office/drawing/2014/main" id="{51B2844B-5924-4E19-AE54-A39253120A13}"/>
+              </a:ext>
+            </a:extLst>
+          </p:cNvPr>
+          <p:cNvSpPr/>
+          <p:nvPr/>
+        </p:nvSpPr>
+        <p:spPr>
+          <a:xfrm>
+            <a:off x="5392083" y="4452398"/>
+            <a:ext cx="574196" cy="276999"/>
+          </a:xfrm>
+          <a:prstGeom prst="rect">
+            <a:avLst/>
+          </a:prstGeom>
+        </p:spPr>
+        <p:txBody>
+          <a:bodyPr wrap="square">
+            <a:spAutoFit/>
+          </a:bodyPr>
+          <a:lstStyle/>
+          <a:p>
+            <a:r>
+              <a:rPr lang="zh-CN" altLang="en-US" sz="1200" dirty="0"/>
+              <a:t>提交</a:t>
+            </a:r>
+            <a:r>
+              <a:rPr lang="en-US" altLang="zh-CN" sz="1200" dirty="0"/>
+              <a:t>3</a:t>
+            </a:r>
+            <a:endParaRPr lang="zh-CN" altLang="en-US" sz="1200" dirty="0"/>
+          </a:p>
+        </p:txBody>
+      </p:sp>
+      <p:sp>
+        <p:nvSpPr>
+          <p:cNvPr id="56" name="箭头: 下 55">
+            <a:extLst>
+              <a:ext uri="{FF2B5EF4-FFF2-40B4-BE49-F238E27FC236}">
+                <a16:creationId xmlns:a16="http://schemas.microsoft.com/office/drawing/2014/main" id="{DB79A4BD-ADB5-4FF1-904B-872C07C1EF02}"/>
+              </a:ext>
+            </a:extLst>
+          </p:cNvPr>
+          <p:cNvSpPr/>
+          <p:nvPr/>
+        </p:nvSpPr>
+        <p:spPr>
+          <a:xfrm>
+            <a:off x="6419653" y="3919781"/>
+            <a:ext cx="377073" cy="369332"/>
+          </a:xfrm>
+          <a:prstGeom prst="downArrow">
+            <a:avLst/>
+          </a:prstGeom>
+        </p:spPr>
+        <p:style>
+          <a:lnRef idx="2">
+            <a:schemeClr val="accent1">
+              <a:shade val="50000"/>
+            </a:schemeClr>
+          </a:lnRef>
+          <a:fillRef idx="1">
+            <a:schemeClr val="accent1"/>
+          </a:fillRef>
+          <a:effectRef idx="0">
+            <a:schemeClr val="accent1"/>
+          </a:effectRef>
+          <a:fontRef idx="minor">
+            <a:schemeClr val="lt1"/>
+          </a:fontRef>
+        </p:style>
+        <p:txBody>
+          <a:bodyPr rtlCol="0" anchor="ctr"/>
+          <a:lstStyle/>
+          <a:p>
+            <a:pPr algn="ctr"/>
+            <a:endParaRPr lang="zh-CN" altLang="en-US"/>
+          </a:p>
+        </p:txBody>
+      </p:sp>
+      <p:sp>
+        <p:nvSpPr>
+          <p:cNvPr id="59" name="椭圆 58">
+            <a:extLst>
+              <a:ext uri="{FF2B5EF4-FFF2-40B4-BE49-F238E27FC236}">
+                <a16:creationId xmlns:a16="http://schemas.microsoft.com/office/drawing/2014/main" id="{C597C359-A3F6-48E2-BE33-D26F226EDED9}"/>
+              </a:ext>
+            </a:extLst>
+          </p:cNvPr>
+          <p:cNvSpPr/>
+          <p:nvPr/>
+        </p:nvSpPr>
+        <p:spPr>
+          <a:xfrm>
+            <a:off x="8022156" y="4429767"/>
+            <a:ext cx="838987" cy="838987"/>
+          </a:xfrm>
+          <a:prstGeom prst="ellipse">
+            <a:avLst/>
+          </a:prstGeom>
+          <a:solidFill>
+            <a:srgbClr val="C00000"/>
+          </a:solidFill>
+        </p:spPr>
+        <p:style>
+          <a:lnRef idx="2">
+            <a:schemeClr val="accent6">
+              <a:shade val="50000"/>
+            </a:schemeClr>
+          </a:lnRef>
+          <a:fillRef idx="1">
+            <a:schemeClr val="accent6"/>
+          </a:fillRef>
+          <a:effectRef idx="0">
+            <a:schemeClr val="accent6"/>
+          </a:effectRef>
+          <a:fontRef idx="minor">
+            <a:schemeClr val="lt1"/>
+          </a:fontRef>
+        </p:style>
+        <p:txBody>
+          <a:bodyPr rtlCol="0" anchor="ctr"/>
+          <a:lstStyle/>
+          <a:p>
+            <a:pPr algn="ctr"/>
+            <a:r>
+              <a:rPr lang="zh-CN" altLang="en-US" sz="1200" dirty="0"/>
+              <a:t>版本</a:t>
+            </a:r>
+            <a:r>
+              <a:rPr lang="en-US" altLang="zh-CN" sz="1200" dirty="0"/>
+              <a:t>4</a:t>
+            </a:r>
+            <a:endParaRPr lang="zh-CN" altLang="en-US" sz="1200" dirty="0"/>
+          </a:p>
+        </p:txBody>
+      </p:sp>
+      <p:cxnSp>
+        <p:nvCxnSpPr>
+          <p:cNvPr id="60" name="直接箭头连接符 59">
+            <a:extLst>
+              <a:ext uri="{FF2B5EF4-FFF2-40B4-BE49-F238E27FC236}">
+                <a16:creationId xmlns:a16="http://schemas.microsoft.com/office/drawing/2014/main" id="{B9EE75AD-B9B1-4938-837A-B97CFFB6C945}"/>
+              </a:ext>
+            </a:extLst>
+          </p:cNvPr>
+          <p:cNvCxnSpPr>
+            <a:cxnSpLocks/>
+            <a:stCxn id="38" idx="6"/>
+            <a:endCxn id="59" idx="2"/>
+          </p:cNvCxnSpPr>
+          <p:nvPr/>
+        </p:nvCxnSpPr>
+        <p:spPr>
+          <a:xfrm flipV="1">
+            <a:off x="7070104" y="4849261"/>
+            <a:ext cx="952052" cy="1"/>
+          </a:xfrm>
+          <a:prstGeom prst="straightConnector1">
+            <a:avLst/>
+          </a:prstGeom>
+          <a:ln w="38100">
+            <a:solidFill>
+              <a:srgbClr val="C00000"/>
+            </a:solidFill>
+            <a:tailEnd type="triangle"/>
+          </a:ln>
+        </p:spPr>
+        <p:style>
+          <a:lnRef idx="1">
+            <a:schemeClr val="accent1"/>
+          </a:lnRef>
+          <a:fillRef idx="0">
+            <a:schemeClr val="accent1"/>
+          </a:fillRef>
+          <a:effectRef idx="0">
+            <a:schemeClr val="accent1"/>
+          </a:effectRef>
+          <a:fontRef idx="minor">
+            <a:schemeClr val="tx1"/>
+          </a:fontRef>
+        </p:style>
+      </p:cxnSp>
+      <p:sp>
+        <p:nvSpPr>
+          <p:cNvPr id="65" name="矩形 64">
+            <a:extLst>
+              <a:ext uri="{FF2B5EF4-FFF2-40B4-BE49-F238E27FC236}">
+                <a16:creationId xmlns:a16="http://schemas.microsoft.com/office/drawing/2014/main" id="{441D4DCA-829E-42D0-A69A-23FF6A9EA1D5}"/>
+              </a:ext>
+            </a:extLst>
+          </p:cNvPr>
+          <p:cNvSpPr/>
+          <p:nvPr/>
+        </p:nvSpPr>
+        <p:spPr>
+          <a:xfrm>
+            <a:off x="8133564" y="3429000"/>
+            <a:ext cx="543739" cy="369332"/>
+          </a:xfrm>
+          <a:prstGeom prst="rect">
+            <a:avLst/>
+          </a:prstGeom>
+        </p:spPr>
+        <p:txBody>
+          <a:bodyPr wrap="none">
+            <a:spAutoFit/>
+          </a:bodyPr>
+          <a:lstStyle/>
+          <a:p>
+            <a:r>
+              <a:rPr lang="en-US" altLang="zh-CN" dirty="0"/>
+              <a:t>dev</a:t>
+            </a:r>
+            <a:endParaRPr lang="zh-CN" altLang="en-US" dirty="0"/>
+          </a:p>
+        </p:txBody>
+      </p:sp>
+    </p:spTree>
+    <p:extLst>
+      <p:ext uri="{BB962C8B-B14F-4D97-AF65-F5344CB8AC3E}">
+        <p14:creationId xmlns:p14="http://schemas.microsoft.com/office/powerpoint/2010/main" val="3590456531"/>
       </p:ext>
     </p:extLst>
   </p:cSld>

--- a/ppt.pptx
+++ b/ppt.pptx
@@ -4,14 +4,16 @@
   <p:sldMasterIdLst>
     <p:sldMasterId id="2147483648" r:id="rId1"/>
   </p:sldMasterIdLst>
-  <p:notesMasterIdLst>
-    <p:notesMasterId r:id="rId6"/>
-  </p:notesMasterIdLst>
   <p:sldIdLst>
     <p:sldId id="256" r:id="rId2"/>
-    <p:sldId id="257" r:id="rId3"/>
-    <p:sldId id="258" r:id="rId4"/>
-    <p:sldId id="259" r:id="rId5"/>
+    <p:sldId id="259" r:id="rId3"/>
+    <p:sldId id="260" r:id="rId4"/>
+    <p:sldId id="261" r:id="rId5"/>
+    <p:sldId id="262" r:id="rId6"/>
+    <p:sldId id="263" r:id="rId7"/>
+    <p:sldId id="264" r:id="rId8"/>
+    <p:sldId id="266" r:id="rId9"/>
+    <p:sldId id="265" r:id="rId10"/>
   </p:sldIdLst>
   <p:sldSz cx="12192000" cy="6858000"/>
   <p:notesSz cx="6858000" cy="9144000"/>
@@ -118,451 +120,6 @@
 </p:presentation>
 </file>
 
-<file path=ppt/notesMasters/notesMaster1.xml><?xml version="1.0" encoding="utf-8"?>
-<p:notesMaster xmlns:a="http://schemas.openxmlformats.org/drawingml/2006/main" xmlns:r="http://schemas.openxmlformats.org/officeDocument/2006/relationships" xmlns:p="http://schemas.openxmlformats.org/presentationml/2006/main">
-  <p:cSld>
-    <p:bg>
-      <p:bgRef idx="1001">
-        <a:schemeClr val="bg1"/>
-      </p:bgRef>
-    </p:bg>
-    <p:spTree>
-      <p:nvGrpSpPr>
-        <p:cNvPr id="1" name=""/>
-        <p:cNvGrpSpPr/>
-        <p:nvPr/>
-      </p:nvGrpSpPr>
-      <p:grpSpPr>
-        <a:xfrm>
-          <a:off x="0" y="0"/>
-          <a:ext cx="0" cy="0"/>
-          <a:chOff x="0" y="0"/>
-          <a:chExt cx="0" cy="0"/>
-        </a:xfrm>
-      </p:grpSpPr>
-      <p:sp>
-        <p:nvSpPr>
-          <p:cNvPr id="2" name="页眉占位符 1"/>
-          <p:cNvSpPr>
-            <a:spLocks noGrp="1"/>
-          </p:cNvSpPr>
-          <p:nvPr>
-            <p:ph type="hdr" sz="quarter"/>
-          </p:nvPr>
-        </p:nvSpPr>
-        <p:spPr>
-          <a:xfrm>
-            <a:off x="0" y="0"/>
-            <a:ext cx="2971800" cy="458788"/>
-          </a:xfrm>
-          <a:prstGeom prst="rect">
-            <a:avLst/>
-          </a:prstGeom>
-        </p:spPr>
-        <p:txBody>
-          <a:bodyPr vert="horz" lIns="91440" tIns="45720" rIns="91440" bIns="45720" rtlCol="0"/>
-          <a:lstStyle>
-            <a:lvl1pPr algn="l">
-              <a:defRPr sz="1200"/>
-            </a:lvl1pPr>
-          </a:lstStyle>
-          <a:p>
-            <a:endParaRPr lang="zh-CN" altLang="en-US"/>
-          </a:p>
-        </p:txBody>
-      </p:sp>
-      <p:sp>
-        <p:nvSpPr>
-          <p:cNvPr id="3" name="日期占位符 2"/>
-          <p:cNvSpPr>
-            <a:spLocks noGrp="1"/>
-          </p:cNvSpPr>
-          <p:nvPr>
-            <p:ph type="dt" idx="1"/>
-          </p:nvPr>
-        </p:nvSpPr>
-        <p:spPr>
-          <a:xfrm>
-            <a:off x="3884613" y="0"/>
-            <a:ext cx="2971800" cy="458788"/>
-          </a:xfrm>
-          <a:prstGeom prst="rect">
-            <a:avLst/>
-          </a:prstGeom>
-        </p:spPr>
-        <p:txBody>
-          <a:bodyPr vert="horz" lIns="91440" tIns="45720" rIns="91440" bIns="45720" rtlCol="0"/>
-          <a:lstStyle>
-            <a:lvl1pPr algn="r">
-              <a:defRPr sz="1200"/>
-            </a:lvl1pPr>
-          </a:lstStyle>
-          <a:p>
-            <a:fld id="{C581955E-DD24-4710-B49C-179A7084E279}" type="datetimeFigureOut">
-              <a:rPr lang="zh-CN" altLang="en-US" smtClean="0"/>
-              <a:t>2019/7/3</a:t>
-            </a:fld>
-            <a:endParaRPr lang="zh-CN" altLang="en-US"/>
-          </a:p>
-        </p:txBody>
-      </p:sp>
-      <p:sp>
-        <p:nvSpPr>
-          <p:cNvPr id="4" name="幻灯片图像占位符 3"/>
-          <p:cNvSpPr>
-            <a:spLocks noGrp="1" noRot="1" noChangeAspect="1"/>
-          </p:cNvSpPr>
-          <p:nvPr>
-            <p:ph type="sldImg" idx="2"/>
-          </p:nvPr>
-        </p:nvSpPr>
-        <p:spPr>
-          <a:xfrm>
-            <a:off x="685800" y="1143000"/>
-            <a:ext cx="5486400" cy="3086100"/>
-          </a:xfrm>
-          <a:prstGeom prst="rect">
-            <a:avLst/>
-          </a:prstGeom>
-          <a:noFill/>
-          <a:ln w="12700">
-            <a:solidFill>
-              <a:prstClr val="black"/>
-            </a:solidFill>
-          </a:ln>
-        </p:spPr>
-        <p:txBody>
-          <a:bodyPr vert="horz" lIns="91440" tIns="45720" rIns="91440" bIns="45720" rtlCol="0" anchor="ctr"/>
-          <a:lstStyle/>
-          <a:p>
-            <a:endParaRPr lang="zh-CN" altLang="en-US"/>
-          </a:p>
-        </p:txBody>
-      </p:sp>
-      <p:sp>
-        <p:nvSpPr>
-          <p:cNvPr id="5" name="备注占位符 4"/>
-          <p:cNvSpPr>
-            <a:spLocks noGrp="1"/>
-          </p:cNvSpPr>
-          <p:nvPr>
-            <p:ph type="body" sz="quarter" idx="3"/>
-          </p:nvPr>
-        </p:nvSpPr>
-        <p:spPr>
-          <a:xfrm>
-            <a:off x="685800" y="4400550"/>
-            <a:ext cx="5486400" cy="3600450"/>
-          </a:xfrm>
-          <a:prstGeom prst="rect">
-            <a:avLst/>
-          </a:prstGeom>
-        </p:spPr>
-        <p:txBody>
-          <a:bodyPr vert="horz" lIns="91440" tIns="45720" rIns="91440" bIns="45720" rtlCol="0"/>
-          <a:lstStyle/>
-          <a:p>
-            <a:pPr lvl="0"/>
-            <a:r>
-              <a:rPr lang="zh-CN" altLang="en-US"/>
-              <a:t>单击此处编辑母版文本样式</a:t>
-            </a:r>
-          </a:p>
-          <a:p>
-            <a:pPr lvl="1"/>
-            <a:r>
-              <a:rPr lang="zh-CN" altLang="en-US"/>
-              <a:t>二级</a:t>
-            </a:r>
-          </a:p>
-          <a:p>
-            <a:pPr lvl="2"/>
-            <a:r>
-              <a:rPr lang="zh-CN" altLang="en-US"/>
-              <a:t>三级</a:t>
-            </a:r>
-          </a:p>
-          <a:p>
-            <a:pPr lvl="3"/>
-            <a:r>
-              <a:rPr lang="zh-CN" altLang="en-US"/>
-              <a:t>四级</a:t>
-            </a:r>
-          </a:p>
-          <a:p>
-            <a:pPr lvl="4"/>
-            <a:r>
-              <a:rPr lang="zh-CN" altLang="en-US"/>
-              <a:t>五级</a:t>
-            </a:r>
-          </a:p>
-        </p:txBody>
-      </p:sp>
-      <p:sp>
-        <p:nvSpPr>
-          <p:cNvPr id="6" name="页脚占位符 5"/>
-          <p:cNvSpPr>
-            <a:spLocks noGrp="1"/>
-          </p:cNvSpPr>
-          <p:nvPr>
-            <p:ph type="ftr" sz="quarter" idx="4"/>
-          </p:nvPr>
-        </p:nvSpPr>
-        <p:spPr>
-          <a:xfrm>
-            <a:off x="0" y="8685213"/>
-            <a:ext cx="2971800" cy="458787"/>
-          </a:xfrm>
-          <a:prstGeom prst="rect">
-            <a:avLst/>
-          </a:prstGeom>
-        </p:spPr>
-        <p:txBody>
-          <a:bodyPr vert="horz" lIns="91440" tIns="45720" rIns="91440" bIns="45720" rtlCol="0" anchor="b"/>
-          <a:lstStyle>
-            <a:lvl1pPr algn="l">
-              <a:defRPr sz="1200"/>
-            </a:lvl1pPr>
-          </a:lstStyle>
-          <a:p>
-            <a:endParaRPr lang="zh-CN" altLang="en-US"/>
-          </a:p>
-        </p:txBody>
-      </p:sp>
-      <p:sp>
-        <p:nvSpPr>
-          <p:cNvPr id="7" name="灯片编号占位符 6"/>
-          <p:cNvSpPr>
-            <a:spLocks noGrp="1"/>
-          </p:cNvSpPr>
-          <p:nvPr>
-            <p:ph type="sldNum" sz="quarter" idx="5"/>
-          </p:nvPr>
-        </p:nvSpPr>
-        <p:spPr>
-          <a:xfrm>
-            <a:off x="3884613" y="8685213"/>
-            <a:ext cx="2971800" cy="458787"/>
-          </a:xfrm>
-          <a:prstGeom prst="rect">
-            <a:avLst/>
-          </a:prstGeom>
-        </p:spPr>
-        <p:txBody>
-          <a:bodyPr vert="horz" lIns="91440" tIns="45720" rIns="91440" bIns="45720" rtlCol="0" anchor="b"/>
-          <a:lstStyle>
-            <a:lvl1pPr algn="r">
-              <a:defRPr sz="1200"/>
-            </a:lvl1pPr>
-          </a:lstStyle>
-          <a:p>
-            <a:fld id="{0AC2068B-54E8-4548-A45B-5F88448608AC}" type="slidenum">
-              <a:rPr lang="zh-CN" altLang="en-US" smtClean="0"/>
-              <a:t>‹#›</a:t>
-            </a:fld>
-            <a:endParaRPr lang="zh-CN" altLang="en-US"/>
-          </a:p>
-        </p:txBody>
-      </p:sp>
-    </p:spTree>
-    <p:extLst>
-      <p:ext uri="{BB962C8B-B14F-4D97-AF65-F5344CB8AC3E}">
-        <p14:creationId xmlns:p14="http://schemas.microsoft.com/office/powerpoint/2010/main" val="3892658104"/>
-      </p:ext>
-    </p:extLst>
-  </p:cSld>
-  <p:clrMap bg1="lt1" tx1="dk1" bg2="lt2" tx2="dk2" accent1="accent1" accent2="accent2" accent3="accent3" accent4="accent4" accent5="accent5" accent6="accent6" hlink="hlink" folHlink="folHlink"/>
-  <p:notesStyle>
-    <a:lvl1pPr marL="0" algn="l" defTabSz="914400" rtl="0" eaLnBrk="1" latinLnBrk="0" hangingPunct="1">
-      <a:defRPr sz="1200" kern="1200">
-        <a:solidFill>
-          <a:schemeClr val="tx1"/>
-        </a:solidFill>
-        <a:latin typeface="+mn-lt"/>
-        <a:ea typeface="+mn-ea"/>
-        <a:cs typeface="+mn-cs"/>
-      </a:defRPr>
-    </a:lvl1pPr>
-    <a:lvl2pPr marL="457200" algn="l" defTabSz="914400" rtl="0" eaLnBrk="1" latinLnBrk="0" hangingPunct="1">
-      <a:defRPr sz="1200" kern="1200">
-        <a:solidFill>
-          <a:schemeClr val="tx1"/>
-        </a:solidFill>
-        <a:latin typeface="+mn-lt"/>
-        <a:ea typeface="+mn-ea"/>
-        <a:cs typeface="+mn-cs"/>
-      </a:defRPr>
-    </a:lvl2pPr>
-    <a:lvl3pPr marL="914400" algn="l" defTabSz="914400" rtl="0" eaLnBrk="1" latinLnBrk="0" hangingPunct="1">
-      <a:defRPr sz="1200" kern="1200">
-        <a:solidFill>
-          <a:schemeClr val="tx1"/>
-        </a:solidFill>
-        <a:latin typeface="+mn-lt"/>
-        <a:ea typeface="+mn-ea"/>
-        <a:cs typeface="+mn-cs"/>
-      </a:defRPr>
-    </a:lvl3pPr>
-    <a:lvl4pPr marL="1371600" algn="l" defTabSz="914400" rtl="0" eaLnBrk="1" latinLnBrk="0" hangingPunct="1">
-      <a:defRPr sz="1200" kern="1200">
-        <a:solidFill>
-          <a:schemeClr val="tx1"/>
-        </a:solidFill>
-        <a:latin typeface="+mn-lt"/>
-        <a:ea typeface="+mn-ea"/>
-        <a:cs typeface="+mn-cs"/>
-      </a:defRPr>
-    </a:lvl4pPr>
-    <a:lvl5pPr marL="1828800" algn="l" defTabSz="914400" rtl="0" eaLnBrk="1" latinLnBrk="0" hangingPunct="1">
-      <a:defRPr sz="1200" kern="1200">
-        <a:solidFill>
-          <a:schemeClr val="tx1"/>
-        </a:solidFill>
-        <a:latin typeface="+mn-lt"/>
-        <a:ea typeface="+mn-ea"/>
-        <a:cs typeface="+mn-cs"/>
-      </a:defRPr>
-    </a:lvl5pPr>
-    <a:lvl6pPr marL="2286000" algn="l" defTabSz="914400" rtl="0" eaLnBrk="1" latinLnBrk="0" hangingPunct="1">
-      <a:defRPr sz="1200" kern="1200">
-        <a:solidFill>
-          <a:schemeClr val="tx1"/>
-        </a:solidFill>
-        <a:latin typeface="+mn-lt"/>
-        <a:ea typeface="+mn-ea"/>
-        <a:cs typeface="+mn-cs"/>
-      </a:defRPr>
-    </a:lvl6pPr>
-    <a:lvl7pPr marL="2743200" algn="l" defTabSz="914400" rtl="0" eaLnBrk="1" latinLnBrk="0" hangingPunct="1">
-      <a:defRPr sz="1200" kern="1200">
-        <a:solidFill>
-          <a:schemeClr val="tx1"/>
-        </a:solidFill>
-        <a:latin typeface="+mn-lt"/>
-        <a:ea typeface="+mn-ea"/>
-        <a:cs typeface="+mn-cs"/>
-      </a:defRPr>
-    </a:lvl7pPr>
-    <a:lvl8pPr marL="3200400" algn="l" defTabSz="914400" rtl="0" eaLnBrk="1" latinLnBrk="0" hangingPunct="1">
-      <a:defRPr sz="1200" kern="1200">
-        <a:solidFill>
-          <a:schemeClr val="tx1"/>
-        </a:solidFill>
-        <a:latin typeface="+mn-lt"/>
-        <a:ea typeface="+mn-ea"/>
-        <a:cs typeface="+mn-cs"/>
-      </a:defRPr>
-    </a:lvl8pPr>
-    <a:lvl9pPr marL="3657600" algn="l" defTabSz="914400" rtl="0" eaLnBrk="1" latinLnBrk="0" hangingPunct="1">
-      <a:defRPr sz="1200" kern="1200">
-        <a:solidFill>
-          <a:schemeClr val="tx1"/>
-        </a:solidFill>
-        <a:latin typeface="+mn-lt"/>
-        <a:ea typeface="+mn-ea"/>
-        <a:cs typeface="+mn-cs"/>
-      </a:defRPr>
-    </a:lvl9pPr>
-  </p:notesStyle>
-</p:notesMaster>
-</file>
-
-<file path=ppt/notesSlides/notesSlide1.xml><?xml version="1.0" encoding="utf-8"?>
-<p:notes xmlns:a="http://schemas.openxmlformats.org/drawingml/2006/main" xmlns:r="http://schemas.openxmlformats.org/officeDocument/2006/relationships" xmlns:p="http://schemas.openxmlformats.org/presentationml/2006/main">
-  <p:cSld>
-    <p:spTree>
-      <p:nvGrpSpPr>
-        <p:cNvPr id="1" name=""/>
-        <p:cNvGrpSpPr/>
-        <p:nvPr/>
-      </p:nvGrpSpPr>
-      <p:grpSpPr>
-        <a:xfrm>
-          <a:off x="0" y="0"/>
-          <a:ext cx="0" cy="0"/>
-          <a:chOff x="0" y="0"/>
-          <a:chExt cx="0" cy="0"/>
-        </a:xfrm>
-      </p:grpSpPr>
-      <p:sp>
-        <p:nvSpPr>
-          <p:cNvPr id="2" name="幻灯片图像占位符 1"/>
-          <p:cNvSpPr>
-            <a:spLocks noGrp="1" noRot="1" noChangeAspect="1"/>
-          </p:cNvSpPr>
-          <p:nvPr>
-            <p:ph type="sldImg"/>
-          </p:nvPr>
-        </p:nvSpPr>
-        <p:spPr/>
-      </p:sp>
-      <p:sp>
-        <p:nvSpPr>
-          <p:cNvPr id="3" name="备注占位符 2"/>
-          <p:cNvSpPr>
-            <a:spLocks noGrp="1"/>
-          </p:cNvSpPr>
-          <p:nvPr>
-            <p:ph type="body" idx="1"/>
-          </p:nvPr>
-        </p:nvSpPr>
-        <p:spPr/>
-        <p:txBody>
-          <a:bodyPr/>
-          <a:lstStyle/>
-          <a:p>
-            <a:r>
-              <a:rPr lang="zh-CN" altLang="en-US" sz="1200" b="0" i="0" kern="1200" dirty="0">
-                <a:solidFill>
-                  <a:schemeClr val="tx1"/>
-                </a:solidFill>
-                <a:effectLst/>
-                <a:latin typeface="+mn-lt"/>
-                <a:ea typeface="+mn-ea"/>
-                <a:cs typeface="+mn-cs"/>
-              </a:rPr>
-              <a:t>第一天，造光。第二天，造空气。第三天，陆水分离。第四天，三光普照。第五天，造鱼和鸟。第六天，造牲畜和昆虫，野兽和人。第七天，神安息。</a:t>
-            </a:r>
-            <a:endParaRPr lang="zh-CN" altLang="en-US" dirty="0"/>
-          </a:p>
-        </p:txBody>
-      </p:sp>
-      <p:sp>
-        <p:nvSpPr>
-          <p:cNvPr id="4" name="灯片编号占位符 3"/>
-          <p:cNvSpPr>
-            <a:spLocks noGrp="1"/>
-          </p:cNvSpPr>
-          <p:nvPr>
-            <p:ph type="sldNum" sz="quarter" idx="5"/>
-          </p:nvPr>
-        </p:nvSpPr>
-        <p:spPr/>
-        <p:txBody>
-          <a:bodyPr/>
-          <a:lstStyle/>
-          <a:p>
-            <a:fld id="{0AC2068B-54E8-4548-A45B-5F88448608AC}" type="slidenum">
-              <a:rPr lang="zh-CN" altLang="en-US" smtClean="0"/>
-              <a:t>4</a:t>
-            </a:fld>
-            <a:endParaRPr lang="zh-CN" altLang="en-US"/>
-          </a:p>
-        </p:txBody>
-      </p:sp>
-    </p:spTree>
-    <p:extLst>
-      <p:ext uri="{BB962C8B-B14F-4D97-AF65-F5344CB8AC3E}">
-        <p14:creationId xmlns:p14="http://schemas.microsoft.com/office/powerpoint/2010/main" val="1146368069"/>
-      </p:ext>
-    </p:extLst>
-  </p:cSld>
-  <p:clrMapOvr>
-    <a:masterClrMapping/>
-  </p:clrMapOvr>
-</p:notes>
-</file>
-
 <file path=ppt/slideLayouts/slideLayout1.xml><?xml version="1.0" encoding="utf-8"?>
 <p:sldLayout xmlns:a="http://schemas.openxmlformats.org/drawingml/2006/main" xmlns:r="http://schemas.openxmlformats.org/officeDocument/2006/relationships" xmlns:p="http://schemas.openxmlformats.org/presentationml/2006/main" type="title" preserve="1">
   <p:cSld name="标题幻灯片">
@@ -710,7 +267,7 @@
           <a:p>
             <a:fld id="{E71FC8F0-C5AA-4101-828A-6FD3283E096B}" type="datetimeFigureOut">
               <a:rPr lang="zh-CN" altLang="en-US" smtClean="0"/>
-              <a:t>2019/7/3</a:t>
+              <a:t>2019/7/8</a:t>
             </a:fld>
             <a:endParaRPr lang="zh-CN" altLang="en-US"/>
           </a:p>
@@ -908,7 +465,7 @@
           <a:p>
             <a:fld id="{E71FC8F0-C5AA-4101-828A-6FD3283E096B}" type="datetimeFigureOut">
               <a:rPr lang="zh-CN" altLang="en-US" smtClean="0"/>
-              <a:t>2019/7/3</a:t>
+              <a:t>2019/7/8</a:t>
             </a:fld>
             <a:endParaRPr lang="zh-CN" altLang="en-US"/>
           </a:p>
@@ -1116,7 +673,7 @@
           <a:p>
             <a:fld id="{E71FC8F0-C5AA-4101-828A-6FD3283E096B}" type="datetimeFigureOut">
               <a:rPr lang="zh-CN" altLang="en-US" smtClean="0"/>
-              <a:t>2019/7/3</a:t>
+              <a:t>2019/7/8</a:t>
             </a:fld>
             <a:endParaRPr lang="zh-CN" altLang="en-US"/>
           </a:p>
@@ -1314,7 +871,7 @@
           <a:p>
             <a:fld id="{E71FC8F0-C5AA-4101-828A-6FD3283E096B}" type="datetimeFigureOut">
               <a:rPr lang="zh-CN" altLang="en-US" smtClean="0"/>
-              <a:t>2019/7/3</a:t>
+              <a:t>2019/7/8</a:t>
             </a:fld>
             <a:endParaRPr lang="zh-CN" altLang="en-US"/>
           </a:p>
@@ -1589,7 +1146,7 @@
           <a:p>
             <a:fld id="{E71FC8F0-C5AA-4101-828A-6FD3283E096B}" type="datetimeFigureOut">
               <a:rPr lang="zh-CN" altLang="en-US" smtClean="0"/>
-              <a:t>2019/7/3</a:t>
+              <a:t>2019/7/8</a:t>
             </a:fld>
             <a:endParaRPr lang="zh-CN" altLang="en-US"/>
           </a:p>
@@ -1854,7 +1411,7 @@
           <a:p>
             <a:fld id="{E71FC8F0-C5AA-4101-828A-6FD3283E096B}" type="datetimeFigureOut">
               <a:rPr lang="zh-CN" altLang="en-US" smtClean="0"/>
-              <a:t>2019/7/3</a:t>
+              <a:t>2019/7/8</a:t>
             </a:fld>
             <a:endParaRPr lang="zh-CN" altLang="en-US"/>
           </a:p>
@@ -2266,7 +1823,7 @@
           <a:p>
             <a:fld id="{E71FC8F0-C5AA-4101-828A-6FD3283E096B}" type="datetimeFigureOut">
               <a:rPr lang="zh-CN" altLang="en-US" smtClean="0"/>
-              <a:t>2019/7/3</a:t>
+              <a:t>2019/7/8</a:t>
             </a:fld>
             <a:endParaRPr lang="zh-CN" altLang="en-US"/>
           </a:p>
@@ -2407,7 +1964,7 @@
           <a:p>
             <a:fld id="{E71FC8F0-C5AA-4101-828A-6FD3283E096B}" type="datetimeFigureOut">
               <a:rPr lang="zh-CN" altLang="en-US" smtClean="0"/>
-              <a:t>2019/7/3</a:t>
+              <a:t>2019/7/8</a:t>
             </a:fld>
             <a:endParaRPr lang="zh-CN" altLang="en-US"/>
           </a:p>
@@ -2520,7 +2077,7 @@
           <a:p>
             <a:fld id="{E71FC8F0-C5AA-4101-828A-6FD3283E096B}" type="datetimeFigureOut">
               <a:rPr lang="zh-CN" altLang="en-US" smtClean="0"/>
-              <a:t>2019/7/3</a:t>
+              <a:t>2019/7/8</a:t>
             </a:fld>
             <a:endParaRPr lang="zh-CN" altLang="en-US"/>
           </a:p>
@@ -2831,7 +2388,7 @@
           <a:p>
             <a:fld id="{E71FC8F0-C5AA-4101-828A-6FD3283E096B}" type="datetimeFigureOut">
               <a:rPr lang="zh-CN" altLang="en-US" smtClean="0"/>
-              <a:t>2019/7/3</a:t>
+              <a:t>2019/7/8</a:t>
             </a:fld>
             <a:endParaRPr lang="zh-CN" altLang="en-US"/>
           </a:p>
@@ -3119,7 +2676,7 @@
           <a:p>
             <a:fld id="{E71FC8F0-C5AA-4101-828A-6FD3283E096B}" type="datetimeFigureOut">
               <a:rPr lang="zh-CN" altLang="en-US" smtClean="0"/>
-              <a:t>2019/7/3</a:t>
+              <a:t>2019/7/8</a:t>
             </a:fld>
             <a:endParaRPr lang="zh-CN" altLang="en-US"/>
           </a:p>
@@ -3360,7 +2917,7 @@
           <a:p>
             <a:fld id="{E71FC8F0-C5AA-4101-828A-6FD3283E096B}" type="datetimeFigureOut">
               <a:rPr lang="zh-CN" altLang="en-US" smtClean="0"/>
-              <a:t>2019/7/3</a:t>
+              <a:t>2019/7/8</a:t>
             </a:fld>
             <a:endParaRPr lang="zh-CN" altLang="en-US"/>
           </a:p>
@@ -3909,303 +3466,6 @@
           </a:p>
         </p:txBody>
       </p:sp>
-      <p:sp>
-        <p:nvSpPr>
-          <p:cNvPr id="8" name="矩形 7">
-            <a:extLst>
-              <a:ext uri="{FF2B5EF4-FFF2-40B4-BE49-F238E27FC236}">
-                <a16:creationId xmlns:a16="http://schemas.microsoft.com/office/drawing/2014/main" id="{02CB3CBA-6E63-4C8B-9C08-893B060AD68E}"/>
-              </a:ext>
-            </a:extLst>
-          </p:cNvPr>
-          <p:cNvSpPr/>
-          <p:nvPr/>
-        </p:nvSpPr>
-        <p:spPr>
-          <a:xfrm>
-            <a:off x="5451792" y="1291472"/>
-            <a:ext cx="3707027" cy="2894538"/>
-          </a:xfrm>
-          <a:prstGeom prst="rect">
-            <a:avLst/>
-          </a:prstGeom>
-          <a:noFill/>
-          <a:ln w="57150"/>
-        </p:spPr>
-        <p:style>
-          <a:lnRef idx="2">
-            <a:schemeClr val="accent1">
-              <a:shade val="50000"/>
-            </a:schemeClr>
-          </a:lnRef>
-          <a:fillRef idx="1">
-            <a:schemeClr val="accent1"/>
-          </a:fillRef>
-          <a:effectRef idx="0">
-            <a:schemeClr val="accent1"/>
-          </a:effectRef>
-          <a:fontRef idx="minor">
-            <a:schemeClr val="lt1"/>
-          </a:fontRef>
-        </p:style>
-        <p:txBody>
-          <a:bodyPr rtlCol="0" anchor="ctr"/>
-          <a:lstStyle/>
-          <a:p>
-            <a:pPr algn="ctr"/>
-            <a:endParaRPr lang="zh-CN" altLang="en-US" dirty="0"/>
-          </a:p>
-        </p:txBody>
-      </p:sp>
-      <p:sp>
-        <p:nvSpPr>
-          <p:cNvPr id="9" name="文本框 8">
-            <a:extLst>
-              <a:ext uri="{FF2B5EF4-FFF2-40B4-BE49-F238E27FC236}">
-                <a16:creationId xmlns:a16="http://schemas.microsoft.com/office/drawing/2014/main" id="{7A21413E-559B-41BC-9CEC-60D6FD143199}"/>
-              </a:ext>
-            </a:extLst>
-          </p:cNvPr>
-          <p:cNvSpPr txBox="1"/>
-          <p:nvPr/>
-        </p:nvSpPr>
-        <p:spPr>
-          <a:xfrm>
-            <a:off x="5481088" y="820131"/>
-            <a:ext cx="1229824" cy="369332"/>
-          </a:xfrm>
-          <a:prstGeom prst="rect">
-            <a:avLst/>
-          </a:prstGeom>
-          <a:noFill/>
-        </p:spPr>
-        <p:txBody>
-          <a:bodyPr wrap="none" rtlCol="0">
-            <a:spAutoFit/>
-          </a:bodyPr>
-          <a:lstStyle/>
-          <a:p>
-            <a:r>
-              <a:rPr lang="en-US" altLang="zh-CN" dirty="0"/>
-              <a:t>d:/learngit</a:t>
-            </a:r>
-            <a:endParaRPr lang="zh-CN" altLang="en-US" dirty="0"/>
-          </a:p>
-        </p:txBody>
-      </p:sp>
-      <p:sp>
-        <p:nvSpPr>
-          <p:cNvPr id="10" name="矩形 9">
-            <a:extLst>
-              <a:ext uri="{FF2B5EF4-FFF2-40B4-BE49-F238E27FC236}">
-                <a16:creationId xmlns:a16="http://schemas.microsoft.com/office/drawing/2014/main" id="{7BE2A0CC-8A41-4521-8C6D-7C8A0BDDB29F}"/>
-              </a:ext>
-            </a:extLst>
-          </p:cNvPr>
-          <p:cNvSpPr/>
-          <p:nvPr/>
-        </p:nvSpPr>
-        <p:spPr>
-          <a:xfrm>
-            <a:off x="5451792" y="820131"/>
-            <a:ext cx="1421920" cy="471341"/>
-          </a:xfrm>
-          <a:prstGeom prst="rect">
-            <a:avLst/>
-          </a:prstGeom>
-          <a:noFill/>
-          <a:ln w="57150"/>
-        </p:spPr>
-        <p:style>
-          <a:lnRef idx="2">
-            <a:schemeClr val="accent1">
-              <a:shade val="50000"/>
-            </a:schemeClr>
-          </a:lnRef>
-          <a:fillRef idx="1">
-            <a:schemeClr val="accent1"/>
-          </a:fillRef>
-          <a:effectRef idx="0">
-            <a:schemeClr val="accent1"/>
-          </a:effectRef>
-          <a:fontRef idx="minor">
-            <a:schemeClr val="lt1"/>
-          </a:fontRef>
-        </p:style>
-        <p:txBody>
-          <a:bodyPr rtlCol="0" anchor="ctr"/>
-          <a:lstStyle/>
-          <a:p>
-            <a:pPr algn="ctr"/>
-            <a:endParaRPr lang="zh-CN" altLang="en-US" dirty="0"/>
-          </a:p>
-        </p:txBody>
-      </p:sp>
-      <p:pic>
-        <p:nvPicPr>
-          <p:cNvPr id="11" name="图片 10">
-            <a:extLst>
-              <a:ext uri="{FF2B5EF4-FFF2-40B4-BE49-F238E27FC236}">
-                <a16:creationId xmlns:a16="http://schemas.microsoft.com/office/drawing/2014/main" id="{9A880BC7-4DBA-41B9-886C-7AEBC075C44F}"/>
-              </a:ext>
-            </a:extLst>
-          </p:cNvPr>
-          <p:cNvPicPr>
-            <a:picLocks noChangeAspect="1"/>
-          </p:cNvPicPr>
-          <p:nvPr/>
-        </p:nvPicPr>
-        <p:blipFill>
-          <a:blip r:embed="rId2"/>
-          <a:stretch>
-            <a:fillRect/>
-          </a:stretch>
-        </p:blipFill>
-        <p:spPr>
-          <a:xfrm>
-            <a:off x="8010108" y="1483141"/>
-            <a:ext cx="998307" cy="1120237"/>
-          </a:xfrm>
-          <a:prstGeom prst="rect">
-            <a:avLst/>
-          </a:prstGeom>
-          <a:ln w="28575">
-            <a:noFill/>
-            <a:prstDash val="dashDot"/>
-          </a:ln>
-        </p:spPr>
-      </p:pic>
-      <p:sp>
-        <p:nvSpPr>
-          <p:cNvPr id="12" name="圆柱体 11">
-            <a:extLst>
-              <a:ext uri="{FF2B5EF4-FFF2-40B4-BE49-F238E27FC236}">
-                <a16:creationId xmlns:a16="http://schemas.microsoft.com/office/drawing/2014/main" id="{FA2855A8-2549-4D73-B137-9433E1DABF44}"/>
-              </a:ext>
-            </a:extLst>
-          </p:cNvPr>
-          <p:cNvSpPr/>
-          <p:nvPr/>
-        </p:nvSpPr>
-        <p:spPr>
-          <a:xfrm>
-            <a:off x="9726933" y="584462"/>
-            <a:ext cx="1954491" cy="2313525"/>
-          </a:xfrm>
-          <a:prstGeom prst="can">
-            <a:avLst/>
-          </a:prstGeom>
-          <a:noFill/>
-          <a:ln w="38100">
-            <a:prstDash val="dashDot"/>
-          </a:ln>
-        </p:spPr>
-        <p:style>
-          <a:lnRef idx="2">
-            <a:schemeClr val="accent1">
-              <a:shade val="50000"/>
-            </a:schemeClr>
-          </a:lnRef>
-          <a:fillRef idx="1">
-            <a:schemeClr val="accent1"/>
-          </a:fillRef>
-          <a:effectRef idx="0">
-            <a:schemeClr val="accent1"/>
-          </a:effectRef>
-          <a:fontRef idx="minor">
-            <a:schemeClr val="lt1"/>
-          </a:fontRef>
-        </p:style>
-        <p:txBody>
-          <a:bodyPr rtlCol="0" anchor="ctr"/>
-          <a:lstStyle/>
-          <a:p>
-            <a:pPr algn="ctr"/>
-            <a:endParaRPr lang="zh-CN" altLang="en-US"/>
-          </a:p>
-        </p:txBody>
-      </p:sp>
-      <p:cxnSp>
-        <p:nvCxnSpPr>
-          <p:cNvPr id="14" name="连接符: 曲线 13">
-            <a:extLst>
-              <a:ext uri="{FF2B5EF4-FFF2-40B4-BE49-F238E27FC236}">
-                <a16:creationId xmlns:a16="http://schemas.microsoft.com/office/drawing/2014/main" id="{3F8C4247-6CCD-4F5E-8D46-CA07EAD95DEF}"/>
-              </a:ext>
-            </a:extLst>
-          </p:cNvPr>
-          <p:cNvCxnSpPr>
-            <a:stCxn id="11" idx="3"/>
-            <a:endCxn id="12" idx="2"/>
-          </p:cNvCxnSpPr>
-          <p:nvPr/>
-        </p:nvCxnSpPr>
-        <p:spPr>
-          <a:xfrm flipV="1">
-            <a:off x="9008415" y="1741225"/>
-            <a:ext cx="718518" cy="302035"/>
-          </a:xfrm>
-          <a:prstGeom prst="curvedConnector3">
-            <a:avLst/>
-          </a:prstGeom>
-          <a:ln w="38100">
-            <a:tailEnd type="triangle"/>
-          </a:ln>
-        </p:spPr>
-        <p:style>
-          <a:lnRef idx="1">
-            <a:schemeClr val="accent1"/>
-          </a:lnRef>
-          <a:fillRef idx="0">
-            <a:schemeClr val="accent1"/>
-          </a:fillRef>
-          <a:effectRef idx="0">
-            <a:schemeClr val="accent1"/>
-          </a:effectRef>
-          <a:fontRef idx="minor">
-            <a:schemeClr val="tx1"/>
-          </a:fontRef>
-        </p:style>
-      </p:cxnSp>
-      <p:sp>
-        <p:nvSpPr>
-          <p:cNvPr id="15" name="文本框 14">
-            <a:extLst>
-              <a:ext uri="{FF2B5EF4-FFF2-40B4-BE49-F238E27FC236}">
-                <a16:creationId xmlns:a16="http://schemas.microsoft.com/office/drawing/2014/main" id="{0287D92B-ED49-412F-B3E5-98B33296C2BD}"/>
-              </a:ext>
-            </a:extLst>
-          </p:cNvPr>
-          <p:cNvSpPr txBox="1"/>
-          <p:nvPr/>
-        </p:nvSpPr>
-        <p:spPr>
-          <a:xfrm>
-            <a:off x="10393008" y="2418712"/>
-            <a:ext cx="926857" cy="369332"/>
-          </a:xfrm>
-          <a:prstGeom prst="rect">
-            <a:avLst/>
-          </a:prstGeom>
-          <a:noFill/>
-        </p:spPr>
-        <p:txBody>
-          <a:bodyPr wrap="none" rtlCol="0">
-            <a:spAutoFit/>
-          </a:bodyPr>
-          <a:lstStyle/>
-          <a:p>
-            <a:r>
-              <a:rPr lang="en-US" altLang="zh-CN" dirty="0"/>
-              <a:t>git</a:t>
-            </a:r>
-            <a:r>
-              <a:rPr lang="zh-CN" altLang="en-US" dirty="0"/>
-              <a:t>仓库</a:t>
-            </a:r>
-          </a:p>
-        </p:txBody>
-      </p:sp>
     </p:spTree>
     <p:extLst>
       <p:ext uri="{BB962C8B-B14F-4D97-AF65-F5344CB8AC3E}">
@@ -4250,8 +3510,8 @@
         </p:nvSpPr>
         <p:spPr>
           <a:xfrm>
-            <a:off x="474439" y="2903456"/>
-            <a:ext cx="2928638" cy="2639506"/>
+            <a:off x="879792" y="2903456"/>
+            <a:ext cx="3707027" cy="2894538"/>
           </a:xfrm>
           <a:prstGeom prst="rect">
             <a:avLst/>
@@ -4298,7 +3558,7 @@
         </p:nvSpPr>
         <p:spPr>
           <a:xfrm>
-            <a:off x="503734" y="2432114"/>
+            <a:off x="909088" y="2432115"/>
             <a:ext cx="1229824" cy="369332"/>
           </a:xfrm>
           <a:prstGeom prst="rect">
@@ -4334,7 +3594,7 @@
         </p:nvSpPr>
         <p:spPr>
           <a:xfrm>
-            <a:off x="474438" y="2432114"/>
+            <a:off x="879792" y="2432115"/>
             <a:ext cx="1421920" cy="471341"/>
           </a:xfrm>
           <a:prstGeom prst="rect">
@@ -4390,7 +3650,7 @@
         </p:blipFill>
         <p:spPr>
           <a:xfrm>
-            <a:off x="2239686" y="3044053"/>
+            <a:off x="3489099" y="3427797"/>
             <a:ext cx="998307" cy="1120237"/>
           </a:xfrm>
           <a:prstGeom prst="rect">
@@ -4416,11 +3676,13 @@
         </p:nvSpPr>
         <p:spPr>
           <a:xfrm>
-            <a:off x="3751656" y="2432114"/>
-            <a:ext cx="1555756" cy="2253008"/>
+            <a:off x="5281175" y="2831153"/>
+            <a:ext cx="1954491" cy="2313525"/>
           </a:xfrm>
           <a:prstGeom prst="can">
-            <a:avLst/>
+            <a:avLst>
+              <a:gd name="adj" fmla="val 402"/>
+            </a:avLst>
           </a:prstGeom>
           <a:noFill/>
           <a:ln w="38100">
@@ -4452,49 +3714,6 @@
           </a:p>
         </p:txBody>
       </p:sp>
-      <p:cxnSp>
-        <p:nvCxnSpPr>
-          <p:cNvPr id="14" name="连接符: 曲线 13">
-            <a:extLst>
-              <a:ext uri="{FF2B5EF4-FFF2-40B4-BE49-F238E27FC236}">
-                <a16:creationId xmlns:a16="http://schemas.microsoft.com/office/drawing/2014/main" id="{3F8C4247-6CCD-4F5E-8D46-CA07EAD95DEF}"/>
-              </a:ext>
-            </a:extLst>
-          </p:cNvPr>
-          <p:cNvCxnSpPr>
-            <a:cxnSpLocks/>
-            <a:stCxn id="11" idx="3"/>
-            <a:endCxn id="12" idx="2"/>
-          </p:cNvCxnSpPr>
-          <p:nvPr/>
-        </p:nvCxnSpPr>
-        <p:spPr>
-          <a:xfrm flipV="1">
-            <a:off x="3237993" y="3558618"/>
-            <a:ext cx="513663" cy="45554"/>
-          </a:xfrm>
-          <a:prstGeom prst="curvedConnector3">
-            <a:avLst/>
-          </a:prstGeom>
-          <a:ln w="38100">
-            <a:tailEnd type="triangle"/>
-          </a:ln>
-        </p:spPr>
-        <p:style>
-          <a:lnRef idx="1">
-            <a:schemeClr val="accent1"/>
-          </a:lnRef>
-          <a:fillRef idx="0">
-            <a:schemeClr val="accent1"/>
-          </a:fillRef>
-          <a:effectRef idx="0">
-            <a:schemeClr val="accent1"/>
-          </a:effectRef>
-          <a:fontRef idx="minor">
-            <a:schemeClr val="tx1"/>
-          </a:fontRef>
-        </p:style>
-      </p:cxnSp>
       <p:sp>
         <p:nvSpPr>
           <p:cNvPr id="15" name="文本框 14">
@@ -4509,84 +3728,13 @@
         </p:nvSpPr>
         <p:spPr>
           <a:xfrm>
-            <a:off x="4005606" y="4157220"/>
-            <a:ext cx="1087685" cy="369332"/>
+            <a:off x="5819838" y="4629278"/>
+            <a:ext cx="877163" cy="369332"/>
           </a:xfrm>
           <a:prstGeom prst="rect">
             <a:avLst/>
           </a:prstGeom>
           <a:noFill/>
-        </p:spPr>
-        <p:txBody>
-          <a:bodyPr wrap="square" rtlCol="0">
-            <a:spAutoFit/>
-          </a:bodyPr>
-          <a:lstStyle/>
-          <a:p>
-            <a:r>
-              <a:rPr lang="en-US" altLang="zh-CN" dirty="0"/>
-              <a:t>git</a:t>
-            </a:r>
-            <a:r>
-              <a:rPr lang="zh-CN" altLang="en-US" dirty="0"/>
-              <a:t>仓库</a:t>
-            </a:r>
-          </a:p>
-        </p:txBody>
-      </p:sp>
-      <p:pic>
-        <p:nvPicPr>
-          <p:cNvPr id="2" name="图片 1">
-            <a:extLst>
-              <a:ext uri="{FF2B5EF4-FFF2-40B4-BE49-F238E27FC236}">
-                <a16:creationId xmlns:a16="http://schemas.microsoft.com/office/drawing/2014/main" id="{B56B5511-6B0F-4149-A562-8BC0264EF5FB}"/>
-              </a:ext>
-            </a:extLst>
-          </p:cNvPr>
-          <p:cNvPicPr>
-            <a:picLocks noChangeAspect="1"/>
-          </p:cNvPicPr>
-          <p:nvPr/>
-        </p:nvPicPr>
-        <p:blipFill>
-          <a:blip r:embed="rId3"/>
-          <a:stretch>
-            <a:fillRect/>
-          </a:stretch>
-        </p:blipFill>
-        <p:spPr>
-          <a:xfrm>
-            <a:off x="683928" y="3180259"/>
-            <a:ext cx="713112" cy="800209"/>
-          </a:xfrm>
-          <a:prstGeom prst="rect">
-            <a:avLst/>
-          </a:prstGeom>
-        </p:spPr>
-      </p:pic>
-      <p:sp>
-        <p:nvSpPr>
-          <p:cNvPr id="13" name="文本框 12">
-            <a:extLst>
-              <a:ext uri="{FF2B5EF4-FFF2-40B4-BE49-F238E27FC236}">
-                <a16:creationId xmlns:a16="http://schemas.microsoft.com/office/drawing/2014/main" id="{F3E379CF-BEAE-4C83-A296-746DA36072D4}"/>
-              </a:ext>
-            </a:extLst>
-          </p:cNvPr>
-          <p:cNvSpPr txBox="1"/>
-          <p:nvPr/>
-        </p:nvSpPr>
-        <p:spPr>
-          <a:xfrm>
-            <a:off x="474438" y="395950"/>
-            <a:ext cx="4528804" cy="1200329"/>
-          </a:xfrm>
-          <a:prstGeom prst="rect">
-            <a:avLst/>
-          </a:prstGeom>
-          <a:solidFill>
-            <a:schemeClr val="accent3"/>
-          </a:solidFill>
         </p:spPr>
         <p:txBody>
           <a:bodyPr wrap="none" rtlCol="0">
@@ -4595,67 +3743,18 @@
           <a:lstStyle/>
           <a:p>
             <a:r>
-              <a:rPr lang="en-US" altLang="zh-CN" dirty="0"/>
-              <a:t>1. </a:t>
-            </a:r>
-            <a:r>
               <a:rPr lang="zh-CN" altLang="en-US" dirty="0"/>
-              <a:t>新建一个文件，名为</a:t>
-            </a:r>
-            <a:r>
-              <a:rPr lang="en-US" altLang="zh-CN" dirty="0"/>
-              <a:t>web.md</a:t>
-            </a:r>
-            <a:r>
-              <a:rPr lang="zh-CN" altLang="en-US" dirty="0"/>
-              <a:t>，</a:t>
-            </a:r>
-            <a:endParaRPr lang="en-US" altLang="zh-CN" dirty="0"/>
-          </a:p>
-          <a:p>
-            <a:r>
-              <a:rPr lang="zh-CN" altLang="en-US" dirty="0"/>
-              <a:t>添加任意内容，并保存。</a:t>
-            </a:r>
-            <a:endParaRPr lang="en-US" altLang="zh-CN" dirty="0"/>
-          </a:p>
-          <a:p>
-            <a:endParaRPr lang="en-US" altLang="zh-CN" dirty="0"/>
-          </a:p>
-          <a:p>
-            <a:r>
-              <a:rPr lang="zh-CN" altLang="en-US" dirty="0"/>
-              <a:t>此时，</a:t>
-            </a:r>
-            <a:r>
-              <a:rPr lang="en-US" altLang="zh-CN" dirty="0"/>
-              <a:t>web.md</a:t>
-            </a:r>
-            <a:r>
-              <a:rPr lang="zh-CN" altLang="en-US" dirty="0"/>
-              <a:t>对于</a:t>
-            </a:r>
-            <a:r>
-              <a:rPr lang="en-US" altLang="zh-CN" dirty="0"/>
-              <a:t>git</a:t>
-            </a:r>
-            <a:r>
-              <a:rPr lang="zh-CN" altLang="en-US" dirty="0"/>
-              <a:t>仓库来说是</a:t>
-            </a:r>
-            <a:r>
-              <a:rPr lang="en-US" altLang="zh-CN" dirty="0"/>
-              <a:t>untracked</a:t>
-            </a:r>
-          </a:p>
-        </p:txBody>
-      </p:sp>
-      <p:sp>
-        <p:nvSpPr>
-          <p:cNvPr id="38" name="矩形 37">
-            <a:extLst>
-              <a:ext uri="{FF2B5EF4-FFF2-40B4-BE49-F238E27FC236}">
-                <a16:creationId xmlns:a16="http://schemas.microsoft.com/office/drawing/2014/main" id="{8B5015B6-3AA8-43C2-A3B5-683169BB8CE2}"/>
+              <a:t>暂存区</a:t>
+            </a:r>
+          </a:p>
+        </p:txBody>
+      </p:sp>
+      <p:sp>
+        <p:nvSpPr>
+          <p:cNvPr id="13" name="圆柱体 12">
+            <a:extLst>
+              <a:ext uri="{FF2B5EF4-FFF2-40B4-BE49-F238E27FC236}">
+                <a16:creationId xmlns:a16="http://schemas.microsoft.com/office/drawing/2014/main" id="{8EEDCB6C-BA87-4985-AE29-FC7D192DF6B8}"/>
               </a:ext>
             </a:extLst>
           </p:cNvPr>
@@ -4664,14 +3763,16 @@
         </p:nvSpPr>
         <p:spPr>
           <a:xfrm>
-            <a:off x="6795985" y="2903456"/>
-            <a:ext cx="2928638" cy="2639506"/>
-          </a:xfrm>
-          <a:prstGeom prst="rect">
+            <a:off x="9004069" y="2831152"/>
+            <a:ext cx="1954491" cy="2313525"/>
+          </a:xfrm>
+          <a:prstGeom prst="can">
             <a:avLst/>
           </a:prstGeom>
           <a:noFill/>
-          <a:ln w="57150"/>
+          <a:ln w="38100">
+            <a:prstDash val="dashDot"/>
+          </a:ln>
         </p:spPr>
         <p:style>
           <a:lnRef idx="2">
@@ -4694,16 +3795,16 @@
           <a:lstStyle/>
           <a:p>
             <a:pPr algn="ctr"/>
-            <a:endParaRPr lang="zh-CN" altLang="en-US" dirty="0"/>
-          </a:p>
-        </p:txBody>
-      </p:sp>
-      <p:sp>
-        <p:nvSpPr>
-          <p:cNvPr id="39" name="文本框 38">
-            <a:extLst>
-              <a:ext uri="{FF2B5EF4-FFF2-40B4-BE49-F238E27FC236}">
-                <a16:creationId xmlns:a16="http://schemas.microsoft.com/office/drawing/2014/main" id="{AEE36737-2D42-479E-B791-F47B1F741993}"/>
+            <a:endParaRPr lang="zh-CN" altLang="en-US"/>
+          </a:p>
+        </p:txBody>
+      </p:sp>
+      <p:sp>
+        <p:nvSpPr>
+          <p:cNvPr id="16" name="文本框 15">
+            <a:extLst>
+              <a:ext uri="{FF2B5EF4-FFF2-40B4-BE49-F238E27FC236}">
+                <a16:creationId xmlns:a16="http://schemas.microsoft.com/office/drawing/2014/main" id="{8D8DD38A-A78D-43A9-BD61-75CD355F5CDE}"/>
               </a:ext>
             </a:extLst>
           </p:cNvPr>
@@ -4712,8 +3813,8 @@
         </p:nvSpPr>
         <p:spPr>
           <a:xfrm>
-            <a:off x="6825280" y="2432114"/>
-            <a:ext cx="1229824" cy="369332"/>
+            <a:off x="9621582" y="4629278"/>
+            <a:ext cx="926857" cy="369332"/>
           </a:xfrm>
           <a:prstGeom prst="rect">
             <a:avLst/>
@@ -4728,18 +3829,21 @@
           <a:p>
             <a:r>
               <a:rPr lang="en-US" altLang="zh-CN" dirty="0"/>
-              <a:t>d:/learngit</a:t>
-            </a:r>
-            <a:endParaRPr lang="zh-CN" altLang="en-US" dirty="0"/>
-          </a:p>
-        </p:txBody>
-      </p:sp>
-      <p:sp>
-        <p:nvSpPr>
-          <p:cNvPr id="40" name="矩形 39">
-            <a:extLst>
-              <a:ext uri="{FF2B5EF4-FFF2-40B4-BE49-F238E27FC236}">
-                <a16:creationId xmlns:a16="http://schemas.microsoft.com/office/drawing/2014/main" id="{AE63D1BF-34F2-4572-90AB-C8856AAB8BF7}"/>
+              <a:t>git</a:t>
+            </a:r>
+            <a:r>
+              <a:rPr lang="zh-CN" altLang="en-US" dirty="0"/>
+              <a:t>仓库</a:t>
+            </a:r>
+          </a:p>
+        </p:txBody>
+      </p:sp>
+      <p:sp>
+        <p:nvSpPr>
+          <p:cNvPr id="20" name="椭圆 19">
+            <a:extLst>
+              <a:ext uri="{FF2B5EF4-FFF2-40B4-BE49-F238E27FC236}">
+                <a16:creationId xmlns:a16="http://schemas.microsoft.com/office/drawing/2014/main" id="{57C67EF1-1F2C-45F7-9A38-29EF5A134254}"/>
               </a:ext>
             </a:extLst>
           </p:cNvPr>
@@ -4748,14 +3852,16 @@
         </p:nvSpPr>
         <p:spPr>
           <a:xfrm>
-            <a:off x="6795984" y="2432114"/>
-            <a:ext cx="1421920" cy="471341"/>
-          </a:xfrm>
-          <a:prstGeom prst="rect">
+            <a:off x="1000219" y="3035985"/>
+            <a:ext cx="2602986" cy="2425461"/>
+          </a:xfrm>
+          <a:prstGeom prst="ellipse">
             <a:avLst/>
           </a:prstGeom>
           <a:noFill/>
-          <a:ln w="57150"/>
+          <a:ln>
+            <a:prstDash val="dash"/>
+          </a:ln>
         </p:spPr>
         <p:style>
           <a:lnRef idx="2">
@@ -4778,298 +3884,109 @@
           <a:lstStyle/>
           <a:p>
             <a:pPr algn="ctr"/>
-            <a:endParaRPr lang="zh-CN" altLang="en-US" dirty="0"/>
-          </a:p>
-        </p:txBody>
-      </p:sp>
-      <p:pic>
-        <p:nvPicPr>
-          <p:cNvPr id="41" name="图片 40">
-            <a:extLst>
-              <a:ext uri="{FF2B5EF4-FFF2-40B4-BE49-F238E27FC236}">
-                <a16:creationId xmlns:a16="http://schemas.microsoft.com/office/drawing/2014/main" id="{D77A4552-DFE2-436D-B600-1FE78701EA8E}"/>
-              </a:ext>
-            </a:extLst>
-          </p:cNvPr>
-          <p:cNvPicPr>
-            <a:picLocks noChangeAspect="1"/>
-          </p:cNvPicPr>
-          <p:nvPr/>
-        </p:nvPicPr>
-        <p:blipFill>
-          <a:blip r:embed="rId2"/>
-          <a:stretch>
-            <a:fillRect/>
-          </a:stretch>
-        </p:blipFill>
-        <p:spPr>
-          <a:xfrm>
-            <a:off x="8561232" y="3044053"/>
-            <a:ext cx="998307" cy="1120237"/>
+            <a:endParaRPr lang="zh-CN" altLang="en-US"/>
+          </a:p>
+        </p:txBody>
+      </p:sp>
+      <p:sp>
+        <p:nvSpPr>
+          <p:cNvPr id="22" name="文本框 21">
+            <a:extLst>
+              <a:ext uri="{FF2B5EF4-FFF2-40B4-BE49-F238E27FC236}">
+                <a16:creationId xmlns:a16="http://schemas.microsoft.com/office/drawing/2014/main" id="{F995F98A-ABB3-4D47-9781-A01125E6D40B}"/>
+              </a:ext>
+            </a:extLst>
+          </p:cNvPr>
+          <p:cNvSpPr txBox="1"/>
+          <p:nvPr/>
+        </p:nvSpPr>
+        <p:spPr>
+          <a:xfrm>
+            <a:off x="1813243" y="4998610"/>
+            <a:ext cx="877163" cy="369332"/>
           </a:xfrm>
           <a:prstGeom prst="rect">
             <a:avLst/>
           </a:prstGeom>
-          <a:ln w="28575">
-            <a:noFill/>
-            <a:prstDash val="dashDot"/>
-          </a:ln>
-        </p:spPr>
-      </p:pic>
-      <p:sp>
-        <p:nvSpPr>
-          <p:cNvPr id="42" name="圆柱体 41">
-            <a:extLst>
-              <a:ext uri="{FF2B5EF4-FFF2-40B4-BE49-F238E27FC236}">
-                <a16:creationId xmlns:a16="http://schemas.microsoft.com/office/drawing/2014/main" id="{9B28ABE6-F946-456F-AFAE-0A93DDFF0083}"/>
-              </a:ext>
-            </a:extLst>
-          </p:cNvPr>
-          <p:cNvSpPr/>
-          <p:nvPr/>
-        </p:nvSpPr>
-        <p:spPr>
-          <a:xfrm>
-            <a:off x="10073202" y="2432114"/>
-            <a:ext cx="1555756" cy="2253008"/>
-          </a:xfrm>
-          <a:prstGeom prst="can">
-            <a:avLst/>
-          </a:prstGeom>
           <a:noFill/>
-          <a:ln w="38100">
-            <a:prstDash val="dashDot"/>
-          </a:ln>
+        </p:spPr>
+        <p:txBody>
+          <a:bodyPr wrap="none" rtlCol="0">
+            <a:spAutoFit/>
+          </a:bodyPr>
+          <a:lstStyle/>
+          <a:p>
+            <a:r>
+              <a:rPr lang="zh-CN" altLang="en-US" dirty="0"/>
+              <a:t>工作区</a:t>
+            </a:r>
+          </a:p>
+        </p:txBody>
+      </p:sp>
+      <p:sp>
+        <p:nvSpPr>
+          <p:cNvPr id="23" name="文本框 22">
+            <a:extLst>
+              <a:ext uri="{FF2B5EF4-FFF2-40B4-BE49-F238E27FC236}">
+                <a16:creationId xmlns:a16="http://schemas.microsoft.com/office/drawing/2014/main" id="{A15D205C-DEB7-41AB-A645-5977E7DA2333}"/>
+              </a:ext>
+            </a:extLst>
+          </p:cNvPr>
+          <p:cNvSpPr txBox="1"/>
+          <p:nvPr/>
+        </p:nvSpPr>
+        <p:spPr>
+          <a:xfrm>
+            <a:off x="134660" y="105899"/>
+            <a:ext cx="4734420" cy="954107"/>
+          </a:xfrm>
+          <a:prstGeom prst="rect">
+            <a:avLst/>
+          </a:prstGeom>
         </p:spPr>
         <p:style>
-          <a:lnRef idx="2">
-            <a:schemeClr val="accent1">
-              <a:shade val="50000"/>
-            </a:schemeClr>
+          <a:lnRef idx="1">
+            <a:schemeClr val="accent5"/>
           </a:lnRef>
-          <a:fillRef idx="1">
-            <a:schemeClr val="accent1"/>
+          <a:fillRef idx="3">
+            <a:schemeClr val="accent5"/>
           </a:fillRef>
-          <a:effectRef idx="0">
-            <a:schemeClr val="accent1"/>
+          <a:effectRef idx="2">
+            <a:schemeClr val="accent5"/>
           </a:effectRef>
           <a:fontRef idx="minor">
             <a:schemeClr val="lt1"/>
           </a:fontRef>
         </p:style>
         <p:txBody>
-          <a:bodyPr rtlCol="0" anchor="ctr"/>
-          <a:lstStyle/>
-          <a:p>
-            <a:pPr algn="ctr"/>
-            <a:endParaRPr lang="zh-CN" altLang="en-US"/>
-          </a:p>
-        </p:txBody>
-      </p:sp>
-      <p:cxnSp>
-        <p:nvCxnSpPr>
-          <p:cNvPr id="43" name="连接符: 曲线 42">
-            <a:extLst>
-              <a:ext uri="{FF2B5EF4-FFF2-40B4-BE49-F238E27FC236}">
-                <a16:creationId xmlns:a16="http://schemas.microsoft.com/office/drawing/2014/main" id="{96E38B2C-6942-4156-9130-722DC1ECD66F}"/>
-              </a:ext>
-            </a:extLst>
-          </p:cNvPr>
-          <p:cNvCxnSpPr>
-            <a:cxnSpLocks/>
-            <a:stCxn id="41" idx="3"/>
-            <a:endCxn id="42" idx="2"/>
-          </p:cNvCxnSpPr>
-          <p:nvPr/>
-        </p:nvCxnSpPr>
-        <p:spPr>
-          <a:xfrm flipV="1">
-            <a:off x="9559539" y="3558618"/>
-            <a:ext cx="513663" cy="45554"/>
-          </a:xfrm>
-          <a:prstGeom prst="curvedConnector3">
-            <a:avLst/>
-          </a:prstGeom>
-          <a:ln w="38100">
-            <a:tailEnd type="triangle"/>
-          </a:ln>
-        </p:spPr>
-        <p:style>
-          <a:lnRef idx="1">
-            <a:schemeClr val="accent1"/>
-          </a:lnRef>
-          <a:fillRef idx="0">
-            <a:schemeClr val="accent1"/>
-          </a:fillRef>
-          <a:effectRef idx="0">
-            <a:schemeClr val="accent1"/>
-          </a:effectRef>
-          <a:fontRef idx="minor">
-            <a:schemeClr val="tx1"/>
-          </a:fontRef>
-        </p:style>
-      </p:cxnSp>
-      <p:sp>
-        <p:nvSpPr>
-          <p:cNvPr id="44" name="文本框 43">
-            <a:extLst>
-              <a:ext uri="{FF2B5EF4-FFF2-40B4-BE49-F238E27FC236}">
-                <a16:creationId xmlns:a16="http://schemas.microsoft.com/office/drawing/2014/main" id="{E430E5D1-4538-4966-8F76-CFBF74C9FE32}"/>
-              </a:ext>
-            </a:extLst>
-          </p:cNvPr>
-          <p:cNvSpPr txBox="1"/>
-          <p:nvPr/>
-        </p:nvSpPr>
-        <p:spPr>
-          <a:xfrm>
-            <a:off x="10327152" y="4157220"/>
-            <a:ext cx="1087685" cy="369332"/>
-          </a:xfrm>
-          <a:prstGeom prst="rect">
-            <a:avLst/>
-          </a:prstGeom>
-          <a:noFill/>
-        </p:spPr>
-        <p:txBody>
           <a:bodyPr wrap="square" rtlCol="0">
             <a:spAutoFit/>
           </a:bodyPr>
           <a:lstStyle/>
           <a:p>
             <a:r>
-              <a:rPr lang="en-US" altLang="zh-CN" dirty="0"/>
-              <a:t>git</a:t>
-            </a:r>
-            <a:r>
-              <a:rPr lang="zh-CN" altLang="en-US" dirty="0"/>
-              <a:t>仓库</a:t>
-            </a:r>
-          </a:p>
-        </p:txBody>
-      </p:sp>
-      <p:pic>
-        <p:nvPicPr>
-          <p:cNvPr id="45" name="图片 44">
-            <a:extLst>
-              <a:ext uri="{FF2B5EF4-FFF2-40B4-BE49-F238E27FC236}">
-                <a16:creationId xmlns:a16="http://schemas.microsoft.com/office/drawing/2014/main" id="{DDB5CFB9-51A2-4415-9F17-E872CAC680C2}"/>
-              </a:ext>
-            </a:extLst>
-          </p:cNvPr>
-          <p:cNvPicPr>
-            <a:picLocks noChangeAspect="1"/>
-          </p:cNvPicPr>
-          <p:nvPr/>
-        </p:nvPicPr>
-        <p:blipFill>
-          <a:blip r:embed="rId3"/>
-          <a:stretch>
-            <a:fillRect/>
-          </a:stretch>
-        </p:blipFill>
-        <p:spPr>
-          <a:xfrm>
-            <a:off x="7005474" y="3180259"/>
-            <a:ext cx="713112" cy="800209"/>
-          </a:xfrm>
-          <a:prstGeom prst="rect">
-            <a:avLst/>
-          </a:prstGeom>
-        </p:spPr>
-      </p:pic>
-      <p:sp>
-        <p:nvSpPr>
-          <p:cNvPr id="46" name="文本框 45">
-            <a:extLst>
-              <a:ext uri="{FF2B5EF4-FFF2-40B4-BE49-F238E27FC236}">
-                <a16:creationId xmlns:a16="http://schemas.microsoft.com/office/drawing/2014/main" id="{94575308-7C41-49AF-9895-1AC2A09B6225}"/>
-              </a:ext>
-            </a:extLst>
-          </p:cNvPr>
-          <p:cNvSpPr txBox="1"/>
-          <p:nvPr/>
-        </p:nvSpPr>
-        <p:spPr>
-          <a:xfrm>
-            <a:off x="6795984" y="395950"/>
-            <a:ext cx="2855269" cy="369332"/>
-          </a:xfrm>
-          <a:prstGeom prst="rect">
-            <a:avLst/>
-          </a:prstGeom>
-          <a:solidFill>
-            <a:schemeClr val="accent3"/>
-          </a:solidFill>
-        </p:spPr>
-        <p:txBody>
-          <a:bodyPr wrap="none" rtlCol="0">
-            <a:spAutoFit/>
-          </a:bodyPr>
-          <a:lstStyle/>
-          <a:p>
-            <a:r>
-              <a:rPr lang="en-US" altLang="zh-CN" dirty="0"/>
-              <a:t>2.</a:t>
-            </a:r>
-            <a:r>
-              <a:rPr lang="zh-CN" altLang="en-US" dirty="0"/>
-              <a:t> 把</a:t>
-            </a:r>
-            <a:r>
-              <a:rPr lang="en-US" altLang="zh-CN" dirty="0"/>
-              <a:t>web.md</a:t>
-            </a:r>
-            <a:r>
-              <a:rPr lang="zh-CN" altLang="en-US" dirty="0"/>
-              <a:t>添加到</a:t>
-            </a:r>
-            <a:r>
-              <a:rPr lang="en-US" altLang="zh-CN" dirty="0"/>
-              <a:t>git</a:t>
-            </a:r>
-            <a:r>
-              <a:rPr lang="zh-CN" altLang="en-US" dirty="0"/>
-              <a:t>仓库</a:t>
-            </a:r>
-            <a:endParaRPr lang="en-US" altLang="zh-CN" dirty="0"/>
-          </a:p>
-        </p:txBody>
-      </p:sp>
-      <p:pic>
-        <p:nvPicPr>
-          <p:cNvPr id="47" name="图片 46">
-            <a:extLst>
-              <a:ext uri="{FF2B5EF4-FFF2-40B4-BE49-F238E27FC236}">
-                <a16:creationId xmlns:a16="http://schemas.microsoft.com/office/drawing/2014/main" id="{69244904-6D40-4096-A017-35AF7486CA6D}"/>
-              </a:ext>
-            </a:extLst>
-          </p:cNvPr>
-          <p:cNvPicPr>
-            <a:picLocks noChangeAspect="1"/>
-          </p:cNvPicPr>
-          <p:nvPr/>
-        </p:nvPicPr>
-        <p:blipFill>
-          <a:blip r:embed="rId3"/>
-          <a:stretch>
-            <a:fillRect/>
-          </a:stretch>
-        </p:blipFill>
-        <p:spPr>
-          <a:xfrm>
-            <a:off x="10500084" y="3023618"/>
-            <a:ext cx="713112" cy="800209"/>
-          </a:xfrm>
-          <a:prstGeom prst="rect">
-            <a:avLst/>
-          </a:prstGeom>
-        </p:spPr>
-      </p:pic>
+              <a:rPr lang="zh-CN" altLang="en-US" sz="2800" dirty="0"/>
+              <a:t>命令：</a:t>
+            </a:r>
+            <a:endParaRPr lang="en-US" altLang="zh-CN" sz="2800" dirty="0"/>
+          </a:p>
+          <a:p>
+            <a:r>
+              <a:rPr lang="en-US" altLang="zh-CN" sz="2800" dirty="0"/>
+              <a:t>git </a:t>
+            </a:r>
+            <a:r>
+              <a:rPr lang="en-US" altLang="zh-CN" sz="2800" dirty="0" err="1"/>
+              <a:t>init</a:t>
+            </a:r>
+            <a:endParaRPr lang="zh-CN" altLang="en-US" sz="2800" dirty="0"/>
+          </a:p>
+        </p:txBody>
+      </p:sp>
     </p:spTree>
     <p:extLst>
       <p:ext uri="{BB962C8B-B14F-4D97-AF65-F5344CB8AC3E}">
-        <p14:creationId xmlns:p14="http://schemas.microsoft.com/office/powerpoint/2010/main" val="3295866250"/>
+        <p14:creationId xmlns:p14="http://schemas.microsoft.com/office/powerpoint/2010/main" val="3890253418"/>
       </p:ext>
     </p:extLst>
   </p:cSld>
@@ -5098,47 +4015,10 @@
       </p:grpSpPr>
       <p:sp>
         <p:nvSpPr>
-          <p:cNvPr id="13" name="文本框 12">
-            <a:extLst>
-              <a:ext uri="{FF2B5EF4-FFF2-40B4-BE49-F238E27FC236}">
-                <a16:creationId xmlns:a16="http://schemas.microsoft.com/office/drawing/2014/main" id="{F3E379CF-BEAE-4C83-A296-746DA36072D4}"/>
-              </a:ext>
-            </a:extLst>
-          </p:cNvPr>
-          <p:cNvSpPr txBox="1"/>
-          <p:nvPr/>
-        </p:nvSpPr>
-        <p:spPr>
-          <a:xfrm>
-            <a:off x="474438" y="395950"/>
-            <a:ext cx="1271502" cy="369332"/>
-          </a:xfrm>
-          <a:prstGeom prst="rect">
-            <a:avLst/>
-          </a:prstGeom>
-          <a:solidFill>
-            <a:schemeClr val="accent3"/>
-          </a:solidFill>
-        </p:spPr>
-        <p:txBody>
-          <a:bodyPr wrap="none" rtlCol="0">
-            <a:spAutoFit/>
-          </a:bodyPr>
-          <a:lstStyle/>
-          <a:p>
-            <a:r>
-              <a:rPr lang="en-US" altLang="zh-CN" dirty="0"/>
-              <a:t>3. commit </a:t>
-            </a:r>
-          </a:p>
-        </p:txBody>
-      </p:sp>
-      <p:sp>
-        <p:nvSpPr>
-          <p:cNvPr id="38" name="矩形 37">
-            <a:extLst>
-              <a:ext uri="{FF2B5EF4-FFF2-40B4-BE49-F238E27FC236}">
-                <a16:creationId xmlns:a16="http://schemas.microsoft.com/office/drawing/2014/main" id="{8B5015B6-3AA8-43C2-A3B5-683169BB8CE2}"/>
+          <p:cNvPr id="8" name="矩形 7">
+            <a:extLst>
+              <a:ext uri="{FF2B5EF4-FFF2-40B4-BE49-F238E27FC236}">
+                <a16:creationId xmlns:a16="http://schemas.microsoft.com/office/drawing/2014/main" id="{02CB3CBA-6E63-4C8B-9C08-893B060AD68E}"/>
               </a:ext>
             </a:extLst>
           </p:cNvPr>
@@ -5147,8 +4027,8 @@
         </p:nvSpPr>
         <p:spPr>
           <a:xfrm>
-            <a:off x="474439" y="1998482"/>
-            <a:ext cx="2928638" cy="2639506"/>
+            <a:off x="879792" y="2903456"/>
+            <a:ext cx="3707027" cy="2894538"/>
           </a:xfrm>
           <a:prstGeom prst="rect">
             <a:avLst/>
@@ -5183,10 +4063,10 @@
       </p:sp>
       <p:sp>
         <p:nvSpPr>
-          <p:cNvPr id="39" name="文本框 38">
-            <a:extLst>
-              <a:ext uri="{FF2B5EF4-FFF2-40B4-BE49-F238E27FC236}">
-                <a16:creationId xmlns:a16="http://schemas.microsoft.com/office/drawing/2014/main" id="{AEE36737-2D42-479E-B791-F47B1F741993}"/>
+          <p:cNvPr id="9" name="文本框 8">
+            <a:extLst>
+              <a:ext uri="{FF2B5EF4-FFF2-40B4-BE49-F238E27FC236}">
+                <a16:creationId xmlns:a16="http://schemas.microsoft.com/office/drawing/2014/main" id="{7A21413E-559B-41BC-9CEC-60D6FD143199}"/>
               </a:ext>
             </a:extLst>
           </p:cNvPr>
@@ -5195,7 +4075,7 @@
         </p:nvSpPr>
         <p:spPr>
           <a:xfrm>
-            <a:off x="503734" y="1527140"/>
+            <a:off x="909088" y="2432115"/>
             <a:ext cx="1229824" cy="369332"/>
           </a:xfrm>
           <a:prstGeom prst="rect">
@@ -5219,10 +4099,10 @@
       </p:sp>
       <p:sp>
         <p:nvSpPr>
-          <p:cNvPr id="40" name="矩形 39">
-            <a:extLst>
-              <a:ext uri="{FF2B5EF4-FFF2-40B4-BE49-F238E27FC236}">
-                <a16:creationId xmlns:a16="http://schemas.microsoft.com/office/drawing/2014/main" id="{AE63D1BF-34F2-4572-90AB-C8856AAB8BF7}"/>
+          <p:cNvPr id="10" name="矩形 9">
+            <a:extLst>
+              <a:ext uri="{FF2B5EF4-FFF2-40B4-BE49-F238E27FC236}">
+                <a16:creationId xmlns:a16="http://schemas.microsoft.com/office/drawing/2014/main" id="{7BE2A0CC-8A41-4521-8C6D-7C8A0BDDB29F}"/>
               </a:ext>
             </a:extLst>
           </p:cNvPr>
@@ -5231,7 +4111,7 @@
         </p:nvSpPr>
         <p:spPr>
           <a:xfrm>
-            <a:off x="474438" y="1527140"/>
+            <a:off x="879792" y="2432115"/>
             <a:ext cx="1421920" cy="471341"/>
           </a:xfrm>
           <a:prstGeom prst="rect">
@@ -5267,10 +4147,10 @@
       </p:sp>
       <p:pic>
         <p:nvPicPr>
-          <p:cNvPr id="41" name="图片 40">
-            <a:extLst>
-              <a:ext uri="{FF2B5EF4-FFF2-40B4-BE49-F238E27FC236}">
-                <a16:creationId xmlns:a16="http://schemas.microsoft.com/office/drawing/2014/main" id="{D77A4552-DFE2-436D-B600-1FE78701EA8E}"/>
+          <p:cNvPr id="11" name="图片 10">
+            <a:extLst>
+              <a:ext uri="{FF2B5EF4-FFF2-40B4-BE49-F238E27FC236}">
+                <a16:creationId xmlns:a16="http://schemas.microsoft.com/office/drawing/2014/main" id="{9A880BC7-4DBA-41B9-886C-7AEBC075C44F}"/>
               </a:ext>
             </a:extLst>
           </p:cNvPr>
@@ -5287,7 +4167,7 @@
         </p:blipFill>
         <p:spPr>
           <a:xfrm>
-            <a:off x="2239686" y="2139079"/>
+            <a:off x="3489099" y="3427797"/>
             <a:ext cx="998307" cy="1120237"/>
           </a:xfrm>
           <a:prstGeom prst="rect">
@@ -5301,10 +4181,10 @@
       </p:pic>
       <p:sp>
         <p:nvSpPr>
-          <p:cNvPr id="42" name="圆柱体 41">
-            <a:extLst>
-              <a:ext uri="{FF2B5EF4-FFF2-40B4-BE49-F238E27FC236}">
-                <a16:creationId xmlns:a16="http://schemas.microsoft.com/office/drawing/2014/main" id="{9B28ABE6-F946-456F-AFAE-0A93DDFF0083}"/>
+          <p:cNvPr id="12" name="圆柱体 11">
+            <a:extLst>
+              <a:ext uri="{FF2B5EF4-FFF2-40B4-BE49-F238E27FC236}">
+                <a16:creationId xmlns:a16="http://schemas.microsoft.com/office/drawing/2014/main" id="{FA2855A8-2549-4D73-B137-9433E1DABF44}"/>
               </a:ext>
             </a:extLst>
           </p:cNvPr>
@@ -5313,16 +4193,16 @@
         </p:nvSpPr>
         <p:spPr>
           <a:xfrm>
-            <a:off x="3751655" y="1602555"/>
-            <a:ext cx="5637441" cy="2253008"/>
+            <a:off x="5281175" y="2831153"/>
+            <a:ext cx="1954491" cy="2313525"/>
           </a:xfrm>
           <a:prstGeom prst="can">
             <a:avLst>
-              <a:gd name="adj" fmla="val 14121"/>
+              <a:gd name="adj" fmla="val 402"/>
             </a:avLst>
           </a:prstGeom>
           <a:noFill/>
-          <a:ln w="9525">
+          <a:ln w="38100">
             <a:prstDash val="dashDot"/>
           </a:ln>
         </p:spPr>
@@ -5351,71 +4231,250 @@
           </a:p>
         </p:txBody>
       </p:sp>
-      <p:cxnSp>
-        <p:nvCxnSpPr>
-          <p:cNvPr id="43" name="连接符: 曲线 42">
-            <a:extLst>
-              <a:ext uri="{FF2B5EF4-FFF2-40B4-BE49-F238E27FC236}">
-                <a16:creationId xmlns:a16="http://schemas.microsoft.com/office/drawing/2014/main" id="{96E38B2C-6942-4156-9130-722DC1ECD66F}"/>
-              </a:ext>
-            </a:extLst>
-          </p:cNvPr>
-          <p:cNvCxnSpPr>
-            <a:cxnSpLocks/>
-            <a:stCxn id="41" idx="3"/>
-            <a:endCxn id="42" idx="2"/>
-          </p:cNvCxnSpPr>
-          <p:nvPr/>
-        </p:nvCxnSpPr>
-        <p:spPr>
-          <a:xfrm>
-            <a:off x="3237993" y="2699198"/>
-            <a:ext cx="513662" cy="29861"/>
-          </a:xfrm>
-          <a:prstGeom prst="curvedConnector3">
-            <a:avLst/>
-          </a:prstGeom>
+      <p:sp>
+        <p:nvSpPr>
+          <p:cNvPr id="15" name="文本框 14">
+            <a:extLst>
+              <a:ext uri="{FF2B5EF4-FFF2-40B4-BE49-F238E27FC236}">
+                <a16:creationId xmlns:a16="http://schemas.microsoft.com/office/drawing/2014/main" id="{0287D92B-ED49-412F-B3E5-98B33296C2BD}"/>
+              </a:ext>
+            </a:extLst>
+          </p:cNvPr>
+          <p:cNvSpPr txBox="1"/>
+          <p:nvPr/>
+        </p:nvSpPr>
+        <p:spPr>
+          <a:xfrm>
+            <a:off x="5819838" y="4629278"/>
+            <a:ext cx="877163" cy="369332"/>
+          </a:xfrm>
+          <a:prstGeom prst="rect">
+            <a:avLst/>
+          </a:prstGeom>
+          <a:noFill/>
+        </p:spPr>
+        <p:txBody>
+          <a:bodyPr wrap="none" rtlCol="0">
+            <a:spAutoFit/>
+          </a:bodyPr>
+          <a:lstStyle/>
+          <a:p>
+            <a:r>
+              <a:rPr lang="zh-CN" altLang="en-US" dirty="0"/>
+              <a:t>暂存区</a:t>
+            </a:r>
+          </a:p>
+        </p:txBody>
+      </p:sp>
+      <p:sp>
+        <p:nvSpPr>
+          <p:cNvPr id="13" name="圆柱体 12">
+            <a:extLst>
+              <a:ext uri="{FF2B5EF4-FFF2-40B4-BE49-F238E27FC236}">
+                <a16:creationId xmlns:a16="http://schemas.microsoft.com/office/drawing/2014/main" id="{8EEDCB6C-BA87-4985-AE29-FC7D192DF6B8}"/>
+              </a:ext>
+            </a:extLst>
+          </p:cNvPr>
+          <p:cNvSpPr/>
+          <p:nvPr/>
+        </p:nvSpPr>
+        <p:spPr>
+          <a:xfrm>
+            <a:off x="9004069" y="2831152"/>
+            <a:ext cx="1954491" cy="2313525"/>
+          </a:xfrm>
+          <a:prstGeom prst="can">
+            <a:avLst/>
+          </a:prstGeom>
+          <a:noFill/>
           <a:ln w="38100">
-            <a:tailEnd type="triangle"/>
+            <a:prstDash val="dashDot"/>
           </a:ln>
+        </p:spPr>
+        <p:style>
+          <a:lnRef idx="2">
+            <a:schemeClr val="accent1">
+              <a:shade val="50000"/>
+            </a:schemeClr>
+          </a:lnRef>
+          <a:fillRef idx="1">
+            <a:schemeClr val="accent1"/>
+          </a:fillRef>
+          <a:effectRef idx="0">
+            <a:schemeClr val="accent1"/>
+          </a:effectRef>
+          <a:fontRef idx="minor">
+            <a:schemeClr val="lt1"/>
+          </a:fontRef>
+        </p:style>
+        <p:txBody>
+          <a:bodyPr rtlCol="0" anchor="ctr"/>
+          <a:lstStyle/>
+          <a:p>
+            <a:pPr algn="ctr"/>
+            <a:endParaRPr lang="zh-CN" altLang="en-US"/>
+          </a:p>
+        </p:txBody>
+      </p:sp>
+      <p:sp>
+        <p:nvSpPr>
+          <p:cNvPr id="16" name="文本框 15">
+            <a:extLst>
+              <a:ext uri="{FF2B5EF4-FFF2-40B4-BE49-F238E27FC236}">
+                <a16:creationId xmlns:a16="http://schemas.microsoft.com/office/drawing/2014/main" id="{8D8DD38A-A78D-43A9-BD61-75CD355F5CDE}"/>
+              </a:ext>
+            </a:extLst>
+          </p:cNvPr>
+          <p:cNvSpPr txBox="1"/>
+          <p:nvPr/>
+        </p:nvSpPr>
+        <p:spPr>
+          <a:xfrm>
+            <a:off x="9621582" y="4629278"/>
+            <a:ext cx="926857" cy="369332"/>
+          </a:xfrm>
+          <a:prstGeom prst="rect">
+            <a:avLst/>
+          </a:prstGeom>
+          <a:noFill/>
+        </p:spPr>
+        <p:txBody>
+          <a:bodyPr wrap="none" rtlCol="0">
+            <a:spAutoFit/>
+          </a:bodyPr>
+          <a:lstStyle/>
+          <a:p>
+            <a:r>
+              <a:rPr lang="en-US" altLang="zh-CN" dirty="0"/>
+              <a:t>git</a:t>
+            </a:r>
+            <a:r>
+              <a:rPr lang="zh-CN" altLang="en-US" dirty="0"/>
+              <a:t>仓库</a:t>
+            </a:r>
+          </a:p>
+        </p:txBody>
+      </p:sp>
+      <p:sp>
+        <p:nvSpPr>
+          <p:cNvPr id="20" name="椭圆 19">
+            <a:extLst>
+              <a:ext uri="{FF2B5EF4-FFF2-40B4-BE49-F238E27FC236}">
+                <a16:creationId xmlns:a16="http://schemas.microsoft.com/office/drawing/2014/main" id="{57C67EF1-1F2C-45F7-9A38-29EF5A134254}"/>
+              </a:ext>
+            </a:extLst>
+          </p:cNvPr>
+          <p:cNvSpPr/>
+          <p:nvPr/>
+        </p:nvSpPr>
+        <p:spPr>
+          <a:xfrm>
+            <a:off x="1000219" y="3035985"/>
+            <a:ext cx="2602986" cy="2425461"/>
+          </a:xfrm>
+          <a:prstGeom prst="ellipse">
+            <a:avLst/>
+          </a:prstGeom>
+          <a:noFill/>
+          <a:ln>
+            <a:prstDash val="dash"/>
+          </a:ln>
+        </p:spPr>
+        <p:style>
+          <a:lnRef idx="2">
+            <a:schemeClr val="accent1">
+              <a:shade val="50000"/>
+            </a:schemeClr>
+          </a:lnRef>
+          <a:fillRef idx="1">
+            <a:schemeClr val="accent1"/>
+          </a:fillRef>
+          <a:effectRef idx="0">
+            <a:schemeClr val="accent1"/>
+          </a:effectRef>
+          <a:fontRef idx="minor">
+            <a:schemeClr val="lt1"/>
+          </a:fontRef>
+        </p:style>
+        <p:txBody>
+          <a:bodyPr rtlCol="0" anchor="ctr"/>
+          <a:lstStyle/>
+          <a:p>
+            <a:pPr algn="ctr"/>
+            <a:endParaRPr lang="zh-CN" altLang="en-US"/>
+          </a:p>
+        </p:txBody>
+      </p:sp>
+      <p:sp>
+        <p:nvSpPr>
+          <p:cNvPr id="22" name="文本框 21">
+            <a:extLst>
+              <a:ext uri="{FF2B5EF4-FFF2-40B4-BE49-F238E27FC236}">
+                <a16:creationId xmlns:a16="http://schemas.microsoft.com/office/drawing/2014/main" id="{F995F98A-ABB3-4D47-9781-A01125E6D40B}"/>
+              </a:ext>
+            </a:extLst>
+          </p:cNvPr>
+          <p:cNvSpPr txBox="1"/>
+          <p:nvPr/>
+        </p:nvSpPr>
+        <p:spPr>
+          <a:xfrm>
+            <a:off x="1813243" y="4998610"/>
+            <a:ext cx="877163" cy="369332"/>
+          </a:xfrm>
+          <a:prstGeom prst="rect">
+            <a:avLst/>
+          </a:prstGeom>
+          <a:noFill/>
+        </p:spPr>
+        <p:txBody>
+          <a:bodyPr wrap="none" rtlCol="0">
+            <a:spAutoFit/>
+          </a:bodyPr>
+          <a:lstStyle/>
+          <a:p>
+            <a:r>
+              <a:rPr lang="zh-CN" altLang="en-US" dirty="0"/>
+              <a:t>工作区</a:t>
+            </a:r>
+          </a:p>
+        </p:txBody>
+      </p:sp>
+      <p:sp>
+        <p:nvSpPr>
+          <p:cNvPr id="23" name="文本框 22">
+            <a:extLst>
+              <a:ext uri="{FF2B5EF4-FFF2-40B4-BE49-F238E27FC236}">
+                <a16:creationId xmlns:a16="http://schemas.microsoft.com/office/drawing/2014/main" id="{A15D205C-DEB7-41AB-A645-5977E7DA2333}"/>
+              </a:ext>
+            </a:extLst>
+          </p:cNvPr>
+          <p:cNvSpPr txBox="1"/>
+          <p:nvPr/>
+        </p:nvSpPr>
+        <p:spPr>
+          <a:xfrm>
+            <a:off x="134660" y="105899"/>
+            <a:ext cx="4734420" cy="1384995"/>
+          </a:xfrm>
+          <a:prstGeom prst="rect">
+            <a:avLst/>
+          </a:prstGeom>
         </p:spPr>
         <p:style>
           <a:lnRef idx="1">
-            <a:schemeClr val="accent1"/>
+            <a:schemeClr val="accent5"/>
           </a:lnRef>
-          <a:fillRef idx="0">
-            <a:schemeClr val="accent1"/>
+          <a:fillRef idx="3">
+            <a:schemeClr val="accent5"/>
           </a:fillRef>
-          <a:effectRef idx="0">
-            <a:schemeClr val="accent1"/>
+          <a:effectRef idx="2">
+            <a:schemeClr val="accent5"/>
           </a:effectRef>
           <a:fontRef idx="minor">
-            <a:schemeClr val="tx1"/>
+            <a:schemeClr val="lt1"/>
           </a:fontRef>
         </p:style>
-      </p:cxnSp>
-      <p:sp>
-        <p:nvSpPr>
-          <p:cNvPr id="44" name="文本框 43">
-            <a:extLst>
-              <a:ext uri="{FF2B5EF4-FFF2-40B4-BE49-F238E27FC236}">
-                <a16:creationId xmlns:a16="http://schemas.microsoft.com/office/drawing/2014/main" id="{E430E5D1-4538-4966-8F76-CFBF74C9FE32}"/>
-              </a:ext>
-            </a:extLst>
-          </p:cNvPr>
-          <p:cNvSpPr txBox="1"/>
-          <p:nvPr/>
-        </p:nvSpPr>
-        <p:spPr>
-          <a:xfrm>
-            <a:off x="4005606" y="3252246"/>
-            <a:ext cx="1087685" cy="369332"/>
-          </a:xfrm>
-          <a:prstGeom prst="rect">
-            <a:avLst/>
-          </a:prstGeom>
-          <a:noFill/>
-        </p:spPr>
         <p:txBody>
           <a:bodyPr wrap="square" rtlCol="0">
             <a:spAutoFit/>
@@ -5423,22 +4482,31 @@
           <a:lstStyle/>
           <a:p>
             <a:r>
-              <a:rPr lang="en-US" altLang="zh-CN" dirty="0"/>
-              <a:t>git</a:t>
-            </a:r>
-            <a:r>
-              <a:rPr lang="zh-CN" altLang="en-US" dirty="0"/>
-              <a:t>仓库</a:t>
+              <a:rPr lang="zh-CN" altLang="en-US" sz="2800" dirty="0"/>
+              <a:t>在工作区新建文件</a:t>
+            </a:r>
+            <a:endParaRPr lang="en-US" altLang="zh-CN" sz="2800" dirty="0"/>
+          </a:p>
+          <a:p>
+            <a:r>
+              <a:rPr lang="en-US" altLang="zh-CN" sz="2800" dirty="0"/>
+              <a:t>resume.md</a:t>
+            </a:r>
+          </a:p>
+          <a:p>
+            <a:r>
+              <a:rPr lang="zh-CN" altLang="en-US" sz="2800" dirty="0"/>
+              <a:t>进行编辑</a:t>
             </a:r>
           </a:p>
         </p:txBody>
       </p:sp>
       <p:pic>
         <p:nvPicPr>
-          <p:cNvPr id="45" name="图片 44">
-            <a:extLst>
-              <a:ext uri="{FF2B5EF4-FFF2-40B4-BE49-F238E27FC236}">
-                <a16:creationId xmlns:a16="http://schemas.microsoft.com/office/drawing/2014/main" id="{DDB5CFB9-51A2-4415-9F17-E872CAC680C2}"/>
+          <p:cNvPr id="3" name="图片 2">
+            <a:extLst>
+              <a:ext uri="{FF2B5EF4-FFF2-40B4-BE49-F238E27FC236}">
+                <a16:creationId xmlns:a16="http://schemas.microsoft.com/office/drawing/2014/main" id="{F3CD8B31-48D3-4822-B1C5-28348D4FDFCE}"/>
               </a:ext>
             </a:extLst>
           </p:cNvPr>
@@ -5455,68 +4523,8 @@
         </p:blipFill>
         <p:spPr>
           <a:xfrm>
-            <a:off x="683928" y="2275285"/>
-            <a:ext cx="713112" cy="800209"/>
-          </a:xfrm>
-          <a:prstGeom prst="rect">
-            <a:avLst/>
-          </a:prstGeom>
-        </p:spPr>
-      </p:pic>
-      <p:pic>
-        <p:nvPicPr>
-          <p:cNvPr id="47" name="图片 46">
-            <a:extLst>
-              <a:ext uri="{FF2B5EF4-FFF2-40B4-BE49-F238E27FC236}">
-                <a16:creationId xmlns:a16="http://schemas.microsoft.com/office/drawing/2014/main" id="{69244904-6D40-4096-A017-35AF7486CA6D}"/>
-              </a:ext>
-            </a:extLst>
-          </p:cNvPr>
-          <p:cNvPicPr>
-            <a:picLocks noChangeAspect="1"/>
-          </p:cNvPicPr>
-          <p:nvPr/>
-        </p:nvPicPr>
-        <p:blipFill>
-          <a:blip r:embed="rId3"/>
-          <a:stretch>
-            <a:fillRect/>
-          </a:stretch>
-        </p:blipFill>
-        <p:spPr>
-          <a:xfrm>
-            <a:off x="4005606" y="2328954"/>
-            <a:ext cx="713112" cy="800209"/>
-          </a:xfrm>
-          <a:prstGeom prst="rect">
-            <a:avLst/>
-          </a:prstGeom>
-        </p:spPr>
-      </p:pic>
-      <p:pic>
-        <p:nvPicPr>
-          <p:cNvPr id="23" name="图片 22">
-            <a:extLst>
-              <a:ext uri="{FF2B5EF4-FFF2-40B4-BE49-F238E27FC236}">
-                <a16:creationId xmlns:a16="http://schemas.microsoft.com/office/drawing/2014/main" id="{02B391E1-6962-41C8-8B33-98DE22E99D49}"/>
-              </a:ext>
-            </a:extLst>
-          </p:cNvPr>
-          <p:cNvPicPr>
-            <a:picLocks noChangeAspect="1"/>
-          </p:cNvPicPr>
-          <p:nvPr/>
-        </p:nvPicPr>
-        <p:blipFill>
-          <a:blip r:embed="rId3"/>
-          <a:stretch>
-            <a:fillRect/>
-          </a:stretch>
-        </p:blipFill>
-        <p:spPr>
-          <a:xfrm>
-            <a:off x="5047509" y="2275284"/>
-            <a:ext cx="713112" cy="800209"/>
+            <a:off x="1625955" y="3576398"/>
+            <a:ext cx="746825" cy="823031"/>
           </a:xfrm>
           <a:prstGeom prst="rect">
             <a:avLst/>
@@ -5526,7 +4534,7 @@
     </p:spTree>
     <p:extLst>
       <p:ext uri="{BB962C8B-B14F-4D97-AF65-F5344CB8AC3E}">
-        <p14:creationId xmlns:p14="http://schemas.microsoft.com/office/powerpoint/2010/main" val="1565109490"/>
+        <p14:creationId xmlns:p14="http://schemas.microsoft.com/office/powerpoint/2010/main" val="2854061054"/>
       </p:ext>
     </p:extLst>
   </p:cSld>
@@ -5555,10 +4563,10 @@
       </p:grpSpPr>
       <p:sp>
         <p:nvSpPr>
-          <p:cNvPr id="4" name="椭圆 3">
-            <a:extLst>
-              <a:ext uri="{FF2B5EF4-FFF2-40B4-BE49-F238E27FC236}">
-                <a16:creationId xmlns:a16="http://schemas.microsoft.com/office/drawing/2014/main" id="{0FF5780C-B08C-4BDD-BC66-C837548CF593}"/>
+          <p:cNvPr id="4" name="矩形 3">
+            <a:extLst>
+              <a:ext uri="{FF2B5EF4-FFF2-40B4-BE49-F238E27FC236}">
+                <a16:creationId xmlns:a16="http://schemas.microsoft.com/office/drawing/2014/main" id="{D576D4A1-8641-4935-842D-A4171B9E8361}"/>
               </a:ext>
             </a:extLst>
           </p:cNvPr>
@@ -5567,10 +4575,1650 @@
         </p:nvSpPr>
         <p:spPr>
           <a:xfrm>
-            <a:off x="4133803" y="1913639"/>
-            <a:ext cx="716437" cy="669305"/>
+            <a:off x="349271" y="1366884"/>
+            <a:ext cx="1649692" cy="961533"/>
+          </a:xfrm>
+          <a:prstGeom prst="rect">
+            <a:avLst/>
+          </a:prstGeom>
+        </p:spPr>
+        <p:style>
+          <a:lnRef idx="2">
+            <a:schemeClr val="accent5">
+              <a:shade val="50000"/>
+            </a:schemeClr>
+          </a:lnRef>
+          <a:fillRef idx="1">
+            <a:schemeClr val="accent5"/>
+          </a:fillRef>
+          <a:effectRef idx="0">
+            <a:schemeClr val="accent5"/>
+          </a:effectRef>
+          <a:fontRef idx="minor">
+            <a:schemeClr val="lt1"/>
+          </a:fontRef>
+        </p:style>
+        <p:txBody>
+          <a:bodyPr rtlCol="0" anchor="ctr"/>
+          <a:lstStyle/>
+          <a:p>
+            <a:pPr algn="ctr"/>
+            <a:r>
+              <a:rPr lang="zh-CN" altLang="en-US" dirty="0"/>
+              <a:t>未跟踪</a:t>
+            </a:r>
+          </a:p>
+        </p:txBody>
+      </p:sp>
+      <p:sp>
+        <p:nvSpPr>
+          <p:cNvPr id="5" name="矩形 4">
+            <a:extLst>
+              <a:ext uri="{FF2B5EF4-FFF2-40B4-BE49-F238E27FC236}">
+                <a16:creationId xmlns:a16="http://schemas.microsoft.com/office/drawing/2014/main" id="{D353AED4-BB41-4D1D-B12B-CD8EB91B555B}"/>
+              </a:ext>
+            </a:extLst>
+          </p:cNvPr>
+          <p:cNvSpPr/>
+          <p:nvPr/>
+        </p:nvSpPr>
+        <p:spPr>
+          <a:xfrm>
+            <a:off x="3208845" y="1102935"/>
+            <a:ext cx="5910607" cy="4053526"/>
+          </a:xfrm>
+          <a:prstGeom prst="rect">
+            <a:avLst/>
+          </a:prstGeom>
+          <a:noFill/>
+        </p:spPr>
+        <p:style>
+          <a:lnRef idx="2">
+            <a:schemeClr val="accent5">
+              <a:shade val="50000"/>
+            </a:schemeClr>
+          </a:lnRef>
+          <a:fillRef idx="1">
+            <a:schemeClr val="accent5"/>
+          </a:fillRef>
+          <a:effectRef idx="0">
+            <a:schemeClr val="accent5"/>
+          </a:effectRef>
+          <a:fontRef idx="minor">
+            <a:schemeClr val="lt1"/>
+          </a:fontRef>
+        </p:style>
+        <p:txBody>
+          <a:bodyPr rtlCol="0" anchor="ctr"/>
+          <a:lstStyle/>
+          <a:p>
+            <a:pPr algn="ctr"/>
+            <a:endParaRPr lang="zh-CN" altLang="en-US" dirty="0"/>
+          </a:p>
+        </p:txBody>
+      </p:sp>
+      <p:sp>
+        <p:nvSpPr>
+          <p:cNvPr id="6" name="矩形 5">
+            <a:extLst>
+              <a:ext uri="{FF2B5EF4-FFF2-40B4-BE49-F238E27FC236}">
+                <a16:creationId xmlns:a16="http://schemas.microsoft.com/office/drawing/2014/main" id="{6D209231-CD83-4E75-B033-7A97F669F02E}"/>
+              </a:ext>
+            </a:extLst>
+          </p:cNvPr>
+          <p:cNvSpPr/>
+          <p:nvPr/>
+        </p:nvSpPr>
+        <p:spPr>
+          <a:xfrm>
+            <a:off x="7645618" y="4686634"/>
+            <a:ext cx="1338828" cy="369332"/>
+          </a:xfrm>
+          <a:prstGeom prst="rect">
+            <a:avLst/>
+          </a:prstGeom>
+        </p:spPr>
+        <p:txBody>
+          <a:bodyPr wrap="none">
+            <a:spAutoFit/>
+          </a:bodyPr>
+          <a:lstStyle/>
+          <a:p>
+            <a:pPr algn="ctr"/>
+            <a:r>
+              <a:rPr lang="zh-CN" altLang="en-US" dirty="0"/>
+              <a:t>已跟踪状态</a:t>
+            </a:r>
+          </a:p>
+        </p:txBody>
+      </p:sp>
+      <p:sp>
+        <p:nvSpPr>
+          <p:cNvPr id="7" name="矩形 6">
+            <a:extLst>
+              <a:ext uri="{FF2B5EF4-FFF2-40B4-BE49-F238E27FC236}">
+                <a16:creationId xmlns:a16="http://schemas.microsoft.com/office/drawing/2014/main" id="{A06D6D77-7370-486C-9BF9-A64B314F12F7}"/>
+              </a:ext>
+            </a:extLst>
+          </p:cNvPr>
+          <p:cNvSpPr/>
+          <p:nvPr/>
+        </p:nvSpPr>
+        <p:spPr>
+          <a:xfrm>
+            <a:off x="3524659" y="1366884"/>
+            <a:ext cx="1946618" cy="961533"/>
+          </a:xfrm>
+          <a:prstGeom prst="rect">
+            <a:avLst/>
+          </a:prstGeom>
+        </p:spPr>
+        <p:style>
+          <a:lnRef idx="2">
+            <a:schemeClr val="accent5">
+              <a:shade val="50000"/>
+            </a:schemeClr>
+          </a:lnRef>
+          <a:fillRef idx="1">
+            <a:schemeClr val="accent5"/>
+          </a:fillRef>
+          <a:effectRef idx="0">
+            <a:schemeClr val="accent5"/>
+          </a:effectRef>
+          <a:fontRef idx="minor">
+            <a:schemeClr val="lt1"/>
+          </a:fontRef>
+        </p:style>
+        <p:txBody>
+          <a:bodyPr rtlCol="0" anchor="ctr"/>
+          <a:lstStyle/>
+          <a:p>
+            <a:pPr algn="ctr"/>
+            <a:r>
+              <a:rPr lang="zh-CN" altLang="en-US" dirty="0"/>
+              <a:t>已缓存</a:t>
+            </a:r>
+          </a:p>
+        </p:txBody>
+      </p:sp>
+      <p:sp>
+        <p:nvSpPr>
+          <p:cNvPr id="8" name="矩形 7">
+            <a:extLst>
+              <a:ext uri="{FF2B5EF4-FFF2-40B4-BE49-F238E27FC236}">
+                <a16:creationId xmlns:a16="http://schemas.microsoft.com/office/drawing/2014/main" id="{4774AF0F-9BCB-42B6-9AF8-2D0CBE0C6657}"/>
+              </a:ext>
+            </a:extLst>
+          </p:cNvPr>
+          <p:cNvSpPr/>
+          <p:nvPr/>
+        </p:nvSpPr>
+        <p:spPr>
+          <a:xfrm>
+            <a:off x="7094090" y="1346475"/>
+            <a:ext cx="1813203" cy="961533"/>
+          </a:xfrm>
+          <a:prstGeom prst="rect">
+            <a:avLst/>
+          </a:prstGeom>
+        </p:spPr>
+        <p:style>
+          <a:lnRef idx="2">
+            <a:schemeClr val="accent5">
+              <a:shade val="50000"/>
+            </a:schemeClr>
+          </a:lnRef>
+          <a:fillRef idx="1">
+            <a:schemeClr val="accent5"/>
+          </a:fillRef>
+          <a:effectRef idx="0">
+            <a:schemeClr val="accent5"/>
+          </a:effectRef>
+          <a:fontRef idx="minor">
+            <a:schemeClr val="lt1"/>
+          </a:fontRef>
+        </p:style>
+        <p:txBody>
+          <a:bodyPr rtlCol="0" anchor="ctr"/>
+          <a:lstStyle/>
+          <a:p>
+            <a:pPr algn="ctr"/>
+            <a:r>
+              <a:rPr lang="zh-CN" altLang="en-US" dirty="0"/>
+              <a:t>已提交</a:t>
+            </a:r>
+            <a:endParaRPr lang="en-US" altLang="zh-CN" dirty="0"/>
+          </a:p>
+        </p:txBody>
+      </p:sp>
+      <p:sp>
+        <p:nvSpPr>
+          <p:cNvPr id="9" name="矩形 8">
+            <a:extLst>
+              <a:ext uri="{FF2B5EF4-FFF2-40B4-BE49-F238E27FC236}">
+                <a16:creationId xmlns:a16="http://schemas.microsoft.com/office/drawing/2014/main" id="{3C9DF9EC-17FC-4C63-A8E3-6602D60A961C}"/>
+              </a:ext>
+            </a:extLst>
+          </p:cNvPr>
+          <p:cNvSpPr/>
+          <p:nvPr/>
+        </p:nvSpPr>
+        <p:spPr>
+          <a:xfrm>
+            <a:off x="3524659" y="3717189"/>
+            <a:ext cx="1946619" cy="961533"/>
+          </a:xfrm>
+          <a:prstGeom prst="rect">
+            <a:avLst/>
+          </a:prstGeom>
+        </p:spPr>
+        <p:style>
+          <a:lnRef idx="2">
+            <a:schemeClr val="accent5">
+              <a:shade val="50000"/>
+            </a:schemeClr>
+          </a:lnRef>
+          <a:fillRef idx="1">
+            <a:schemeClr val="accent5"/>
+          </a:fillRef>
+          <a:effectRef idx="0">
+            <a:schemeClr val="accent5"/>
+          </a:effectRef>
+          <a:fontRef idx="minor">
+            <a:schemeClr val="lt1"/>
+          </a:fontRef>
+        </p:style>
+        <p:txBody>
+          <a:bodyPr rtlCol="0" anchor="ctr"/>
+          <a:lstStyle/>
+          <a:p>
+            <a:pPr algn="ctr"/>
+            <a:r>
+              <a:rPr lang="zh-CN" altLang="en-US" dirty="0"/>
+              <a:t>已修改</a:t>
+            </a:r>
+            <a:endParaRPr lang="en-US" altLang="zh-CN" dirty="0"/>
+          </a:p>
+          <a:p>
+            <a:pPr algn="ctr"/>
+            <a:r>
+              <a:rPr lang="zh-CN" altLang="en-US" dirty="0"/>
+              <a:t>未缓存</a:t>
+            </a:r>
+            <a:endParaRPr lang="en-US" altLang="zh-CN" dirty="0"/>
+          </a:p>
+        </p:txBody>
+      </p:sp>
+      <p:cxnSp>
+        <p:nvCxnSpPr>
+          <p:cNvPr id="11" name="直接箭头连接符 10">
+            <a:extLst>
+              <a:ext uri="{FF2B5EF4-FFF2-40B4-BE49-F238E27FC236}">
+                <a16:creationId xmlns:a16="http://schemas.microsoft.com/office/drawing/2014/main" id="{A54372CB-6302-428C-8E74-87F1D55BCCDB}"/>
+              </a:ext>
+            </a:extLst>
+          </p:cNvPr>
+          <p:cNvCxnSpPr>
+            <a:cxnSpLocks/>
+            <a:stCxn id="8" idx="2"/>
+            <a:endCxn id="9" idx="3"/>
+          </p:cNvCxnSpPr>
+          <p:nvPr/>
+        </p:nvCxnSpPr>
+        <p:spPr>
+          <a:xfrm flipH="1">
+            <a:off x="5471278" y="2308008"/>
+            <a:ext cx="2529414" cy="1889948"/>
+          </a:xfrm>
+          <a:prstGeom prst="straightConnector1">
+            <a:avLst/>
+          </a:prstGeom>
+          <a:ln>
+            <a:tailEnd type="triangle"/>
+          </a:ln>
+        </p:spPr>
+        <p:style>
+          <a:lnRef idx="1">
+            <a:schemeClr val="accent1"/>
+          </a:lnRef>
+          <a:fillRef idx="0">
+            <a:schemeClr val="accent1"/>
+          </a:fillRef>
+          <a:effectRef idx="0">
+            <a:schemeClr val="accent1"/>
+          </a:effectRef>
+          <a:fontRef idx="minor">
+            <a:schemeClr val="tx1"/>
+          </a:fontRef>
+        </p:style>
+      </p:cxnSp>
+      <p:sp>
+        <p:nvSpPr>
+          <p:cNvPr id="12" name="矩形 11">
+            <a:extLst>
+              <a:ext uri="{FF2B5EF4-FFF2-40B4-BE49-F238E27FC236}">
+                <a16:creationId xmlns:a16="http://schemas.microsoft.com/office/drawing/2014/main" id="{18EB17FC-FF6C-48AC-BB9C-0A9CE4384637}"/>
+              </a:ext>
+            </a:extLst>
+          </p:cNvPr>
+          <p:cNvSpPr/>
+          <p:nvPr/>
+        </p:nvSpPr>
+        <p:spPr>
+          <a:xfrm>
+            <a:off x="6177405" y="3369235"/>
+            <a:ext cx="1107996" cy="369332"/>
+          </a:xfrm>
+          <a:prstGeom prst="rect">
+            <a:avLst/>
+          </a:prstGeom>
+        </p:spPr>
+        <p:txBody>
+          <a:bodyPr wrap="none">
+            <a:spAutoFit/>
+          </a:bodyPr>
+          <a:lstStyle/>
+          <a:p>
+            <a:r>
+              <a:rPr lang="zh-CN" altLang="en-US" dirty="0"/>
+              <a:t>编辑文件</a:t>
+            </a:r>
+          </a:p>
+        </p:txBody>
+      </p:sp>
+      <p:cxnSp>
+        <p:nvCxnSpPr>
+          <p:cNvPr id="13" name="直接箭头连接符 12">
+            <a:extLst>
+              <a:ext uri="{FF2B5EF4-FFF2-40B4-BE49-F238E27FC236}">
+                <a16:creationId xmlns:a16="http://schemas.microsoft.com/office/drawing/2014/main" id="{E8C2B737-ECCC-4A4C-A1A1-1B6D062C1D27}"/>
+              </a:ext>
+            </a:extLst>
+          </p:cNvPr>
+          <p:cNvCxnSpPr>
+            <a:cxnSpLocks/>
+            <a:stCxn id="9" idx="0"/>
+            <a:endCxn id="7" idx="2"/>
+          </p:cNvCxnSpPr>
+          <p:nvPr/>
+        </p:nvCxnSpPr>
+        <p:spPr>
+          <a:xfrm flipH="1" flipV="1">
+            <a:off x="4497968" y="2328417"/>
+            <a:ext cx="1" cy="1388772"/>
+          </a:xfrm>
+          <a:prstGeom prst="straightConnector1">
+            <a:avLst/>
+          </a:prstGeom>
+          <a:ln>
+            <a:tailEnd type="triangle"/>
+          </a:ln>
+        </p:spPr>
+        <p:style>
+          <a:lnRef idx="1">
+            <a:schemeClr val="accent1"/>
+          </a:lnRef>
+          <a:fillRef idx="0">
+            <a:schemeClr val="accent1"/>
+          </a:fillRef>
+          <a:effectRef idx="0">
+            <a:schemeClr val="accent1"/>
+          </a:effectRef>
+          <a:fontRef idx="minor">
+            <a:schemeClr val="tx1"/>
+          </a:fontRef>
+        </p:style>
+      </p:cxnSp>
+      <p:sp>
+        <p:nvSpPr>
+          <p:cNvPr id="17" name="矩形 16">
+            <a:extLst>
+              <a:ext uri="{FF2B5EF4-FFF2-40B4-BE49-F238E27FC236}">
+                <a16:creationId xmlns:a16="http://schemas.microsoft.com/office/drawing/2014/main" id="{4DC2F189-0C45-4FF3-8113-AB74CD4D911C}"/>
+              </a:ext>
+            </a:extLst>
+          </p:cNvPr>
+          <p:cNvSpPr/>
+          <p:nvPr/>
+        </p:nvSpPr>
+        <p:spPr>
+          <a:xfrm>
+            <a:off x="3618660" y="2912712"/>
+            <a:ext cx="909223" cy="369332"/>
+          </a:xfrm>
+          <a:prstGeom prst="rect">
+            <a:avLst/>
+          </a:prstGeom>
+        </p:spPr>
+        <p:txBody>
+          <a:bodyPr wrap="none">
+            <a:spAutoFit/>
+          </a:bodyPr>
+          <a:lstStyle/>
+          <a:p>
+            <a:r>
+              <a:rPr lang="en-US" altLang="zh-CN" dirty="0"/>
+              <a:t>git add</a:t>
+            </a:r>
+            <a:endParaRPr lang="zh-CN" altLang="en-US" dirty="0"/>
+          </a:p>
+        </p:txBody>
+      </p:sp>
+      <p:cxnSp>
+        <p:nvCxnSpPr>
+          <p:cNvPr id="19" name="直接箭头连接符 18">
+            <a:extLst>
+              <a:ext uri="{FF2B5EF4-FFF2-40B4-BE49-F238E27FC236}">
+                <a16:creationId xmlns:a16="http://schemas.microsoft.com/office/drawing/2014/main" id="{D8FDAB46-FAAD-4EC2-A829-FE895CF8B296}"/>
+              </a:ext>
+            </a:extLst>
+          </p:cNvPr>
+          <p:cNvCxnSpPr>
+            <a:cxnSpLocks/>
+            <a:stCxn id="7" idx="3"/>
+            <a:endCxn id="8" idx="1"/>
+          </p:cNvCxnSpPr>
+          <p:nvPr/>
+        </p:nvCxnSpPr>
+        <p:spPr>
+          <a:xfrm flipV="1">
+            <a:off x="5471277" y="1827242"/>
+            <a:ext cx="1622813" cy="20409"/>
+          </a:xfrm>
+          <a:prstGeom prst="straightConnector1">
+            <a:avLst/>
+          </a:prstGeom>
+          <a:ln>
+            <a:tailEnd type="triangle"/>
+          </a:ln>
+        </p:spPr>
+        <p:style>
+          <a:lnRef idx="1">
+            <a:schemeClr val="accent1"/>
+          </a:lnRef>
+          <a:fillRef idx="0">
+            <a:schemeClr val="accent1"/>
+          </a:fillRef>
+          <a:effectRef idx="0">
+            <a:schemeClr val="accent1"/>
+          </a:effectRef>
+          <a:fontRef idx="minor">
+            <a:schemeClr val="tx1"/>
+          </a:fontRef>
+        </p:style>
+      </p:cxnSp>
+      <p:sp>
+        <p:nvSpPr>
+          <p:cNvPr id="22" name="矩形 21">
+            <a:extLst>
+              <a:ext uri="{FF2B5EF4-FFF2-40B4-BE49-F238E27FC236}">
+                <a16:creationId xmlns:a16="http://schemas.microsoft.com/office/drawing/2014/main" id="{84014E88-655E-4C54-9C53-E721B7238864}"/>
+              </a:ext>
+            </a:extLst>
+          </p:cNvPr>
+          <p:cNvSpPr/>
+          <p:nvPr/>
+        </p:nvSpPr>
+        <p:spPr>
+          <a:xfrm>
+            <a:off x="5651349" y="1449998"/>
+            <a:ext cx="1317990" cy="369332"/>
+          </a:xfrm>
+          <a:prstGeom prst="rect">
+            <a:avLst/>
+          </a:prstGeom>
+        </p:spPr>
+        <p:txBody>
+          <a:bodyPr wrap="none">
+            <a:spAutoFit/>
+          </a:bodyPr>
+          <a:lstStyle/>
+          <a:p>
+            <a:r>
+              <a:rPr lang="en-US" altLang="zh-CN" dirty="0"/>
+              <a:t>git commit </a:t>
+            </a:r>
+            <a:endParaRPr lang="zh-CN" altLang="en-US" dirty="0"/>
+          </a:p>
+        </p:txBody>
+      </p:sp>
+      <p:cxnSp>
+        <p:nvCxnSpPr>
+          <p:cNvPr id="23" name="直接箭头连接符 22">
+            <a:extLst>
+              <a:ext uri="{FF2B5EF4-FFF2-40B4-BE49-F238E27FC236}">
+                <a16:creationId xmlns:a16="http://schemas.microsoft.com/office/drawing/2014/main" id="{4FF039C9-53F0-46CF-B94B-F82E7A8E04A7}"/>
+              </a:ext>
+            </a:extLst>
+          </p:cNvPr>
+          <p:cNvCxnSpPr>
+            <a:cxnSpLocks/>
+            <a:stCxn id="4" idx="3"/>
+            <a:endCxn id="7" idx="1"/>
+          </p:cNvCxnSpPr>
+          <p:nvPr/>
+        </p:nvCxnSpPr>
+        <p:spPr>
+          <a:xfrm>
+            <a:off x="1998963" y="1847651"/>
+            <a:ext cx="1525696" cy="0"/>
+          </a:xfrm>
+          <a:prstGeom prst="straightConnector1">
+            <a:avLst/>
+          </a:prstGeom>
+          <a:ln>
+            <a:tailEnd type="triangle"/>
+          </a:ln>
+        </p:spPr>
+        <p:style>
+          <a:lnRef idx="1">
+            <a:schemeClr val="accent1"/>
+          </a:lnRef>
+          <a:fillRef idx="0">
+            <a:schemeClr val="accent1"/>
+          </a:fillRef>
+          <a:effectRef idx="0">
+            <a:schemeClr val="accent1"/>
+          </a:effectRef>
+          <a:fontRef idx="minor">
+            <a:schemeClr val="tx1"/>
+          </a:fontRef>
+        </p:style>
+      </p:cxnSp>
+      <p:sp>
+        <p:nvSpPr>
+          <p:cNvPr id="27" name="矩形 26">
+            <a:extLst>
+              <a:ext uri="{FF2B5EF4-FFF2-40B4-BE49-F238E27FC236}">
+                <a16:creationId xmlns:a16="http://schemas.microsoft.com/office/drawing/2014/main" id="{3D2EBA3F-F77B-4501-AB5A-B1AE27C8E0BC}"/>
+              </a:ext>
+            </a:extLst>
+          </p:cNvPr>
+          <p:cNvSpPr/>
+          <p:nvPr/>
+        </p:nvSpPr>
+        <p:spPr>
+          <a:xfrm>
+            <a:off x="2263741" y="1481410"/>
+            <a:ext cx="909223" cy="369332"/>
+          </a:xfrm>
+          <a:prstGeom prst="rect">
+            <a:avLst/>
+          </a:prstGeom>
+        </p:spPr>
+        <p:txBody>
+          <a:bodyPr wrap="none">
+            <a:spAutoFit/>
+          </a:bodyPr>
+          <a:lstStyle/>
+          <a:p>
+            <a:r>
+              <a:rPr lang="en-US" altLang="zh-CN" dirty="0"/>
+              <a:t>git add</a:t>
+            </a:r>
+            <a:endParaRPr lang="zh-CN" altLang="en-US" dirty="0"/>
+          </a:p>
+        </p:txBody>
+      </p:sp>
+      <p:sp>
+        <p:nvSpPr>
+          <p:cNvPr id="28" name="矩形 27">
+            <a:extLst>
+              <a:ext uri="{FF2B5EF4-FFF2-40B4-BE49-F238E27FC236}">
+                <a16:creationId xmlns:a16="http://schemas.microsoft.com/office/drawing/2014/main" id="{2D61C3BF-58D8-40C8-8410-A76AE036396C}"/>
+              </a:ext>
+            </a:extLst>
+          </p:cNvPr>
+          <p:cNvSpPr/>
+          <p:nvPr/>
+        </p:nvSpPr>
+        <p:spPr>
+          <a:xfrm>
+            <a:off x="4626188" y="1349005"/>
+            <a:ext cx="853119" cy="369332"/>
+          </a:xfrm>
+          <a:prstGeom prst="rect">
+            <a:avLst/>
+          </a:prstGeom>
+        </p:spPr>
+        <p:txBody>
+          <a:bodyPr wrap="none">
+            <a:spAutoFit/>
+          </a:bodyPr>
+          <a:lstStyle/>
+          <a:p>
+            <a:r>
+              <a:rPr lang="en-US" altLang="zh-CN" dirty="0"/>
+              <a:t>staged</a:t>
+            </a:r>
+            <a:endParaRPr lang="zh-CN" altLang="en-US" dirty="0"/>
+          </a:p>
+        </p:txBody>
+      </p:sp>
+      <p:sp>
+        <p:nvSpPr>
+          <p:cNvPr id="29" name="矩形 28">
+            <a:extLst>
+              <a:ext uri="{FF2B5EF4-FFF2-40B4-BE49-F238E27FC236}">
+                <a16:creationId xmlns:a16="http://schemas.microsoft.com/office/drawing/2014/main" id="{DC998DA8-408C-4E15-9244-08E130856378}"/>
+              </a:ext>
+            </a:extLst>
+          </p:cNvPr>
+          <p:cNvSpPr/>
+          <p:nvPr/>
+        </p:nvSpPr>
+        <p:spPr>
+          <a:xfrm>
+            <a:off x="4452998" y="4353993"/>
+            <a:ext cx="1066318" cy="369332"/>
+          </a:xfrm>
+          <a:prstGeom prst="rect">
+            <a:avLst/>
+          </a:prstGeom>
+        </p:spPr>
+        <p:txBody>
+          <a:bodyPr wrap="none">
+            <a:spAutoFit/>
+          </a:bodyPr>
+          <a:lstStyle/>
+          <a:p>
+            <a:r>
+              <a:rPr lang="en-US" altLang="zh-CN" dirty="0"/>
+              <a:t>modified</a:t>
+            </a:r>
+            <a:endParaRPr lang="zh-CN" altLang="en-US" dirty="0"/>
+          </a:p>
+        </p:txBody>
+      </p:sp>
+      <p:sp>
+        <p:nvSpPr>
+          <p:cNvPr id="30" name="矩形 29">
+            <a:extLst>
+              <a:ext uri="{FF2B5EF4-FFF2-40B4-BE49-F238E27FC236}">
+                <a16:creationId xmlns:a16="http://schemas.microsoft.com/office/drawing/2014/main" id="{4744D9E4-82D0-4B95-AF1E-256885F1200F}"/>
+              </a:ext>
+            </a:extLst>
+          </p:cNvPr>
+          <p:cNvSpPr/>
+          <p:nvPr/>
+        </p:nvSpPr>
+        <p:spPr>
+          <a:xfrm>
+            <a:off x="7646835" y="1933332"/>
+            <a:ext cx="1260281" cy="369332"/>
+          </a:xfrm>
+          <a:prstGeom prst="rect">
+            <a:avLst/>
+          </a:prstGeom>
+        </p:spPr>
+        <p:txBody>
+          <a:bodyPr wrap="none">
+            <a:spAutoFit/>
+          </a:bodyPr>
+          <a:lstStyle/>
+          <a:p>
+            <a:r>
+              <a:rPr lang="en-US" altLang="zh-CN" dirty="0"/>
+              <a:t>committed</a:t>
+            </a:r>
+            <a:endParaRPr lang="zh-CN" altLang="en-US" dirty="0"/>
+          </a:p>
+        </p:txBody>
+      </p:sp>
+      <p:sp>
+        <p:nvSpPr>
+          <p:cNvPr id="31" name="矩形 30">
+            <a:extLst>
+              <a:ext uri="{FF2B5EF4-FFF2-40B4-BE49-F238E27FC236}">
+                <a16:creationId xmlns:a16="http://schemas.microsoft.com/office/drawing/2014/main" id="{7CE805CC-E88B-4C39-BF6B-2F3A78A2A6E2}"/>
+              </a:ext>
+            </a:extLst>
+          </p:cNvPr>
+          <p:cNvSpPr/>
+          <p:nvPr/>
+        </p:nvSpPr>
+        <p:spPr>
+          <a:xfrm>
+            <a:off x="873336" y="1339274"/>
+            <a:ext cx="1170513" cy="369332"/>
+          </a:xfrm>
+          <a:prstGeom prst="rect">
+            <a:avLst/>
+          </a:prstGeom>
+        </p:spPr>
+        <p:txBody>
+          <a:bodyPr wrap="none">
+            <a:spAutoFit/>
+          </a:bodyPr>
+          <a:lstStyle/>
+          <a:p>
+            <a:r>
+              <a:rPr lang="en-US" altLang="zh-CN" dirty="0"/>
+              <a:t>untracked</a:t>
+            </a:r>
+            <a:endParaRPr lang="zh-CN" altLang="en-US" dirty="0"/>
+          </a:p>
+        </p:txBody>
+      </p:sp>
+      <p:sp>
+        <p:nvSpPr>
+          <p:cNvPr id="34" name="矩形 33">
+            <a:extLst>
+              <a:ext uri="{FF2B5EF4-FFF2-40B4-BE49-F238E27FC236}">
+                <a16:creationId xmlns:a16="http://schemas.microsoft.com/office/drawing/2014/main" id="{CF6AEF14-7A8A-4686-90CB-94C95BC6C3AE}"/>
+              </a:ext>
+            </a:extLst>
+          </p:cNvPr>
+          <p:cNvSpPr/>
+          <p:nvPr/>
+        </p:nvSpPr>
+        <p:spPr>
+          <a:xfrm>
+            <a:off x="134660" y="1102935"/>
+            <a:ext cx="2112179" cy="4053526"/>
+          </a:xfrm>
+          <a:prstGeom prst="rect">
+            <a:avLst/>
+          </a:prstGeom>
+          <a:noFill/>
+        </p:spPr>
+        <p:style>
+          <a:lnRef idx="2">
+            <a:schemeClr val="accent5">
+              <a:shade val="50000"/>
+            </a:schemeClr>
+          </a:lnRef>
+          <a:fillRef idx="1">
+            <a:schemeClr val="accent5"/>
+          </a:fillRef>
+          <a:effectRef idx="0">
+            <a:schemeClr val="accent5"/>
+          </a:effectRef>
+          <a:fontRef idx="minor">
+            <a:schemeClr val="lt1"/>
+          </a:fontRef>
+        </p:style>
+        <p:txBody>
+          <a:bodyPr rtlCol="0" anchor="ctr"/>
+          <a:lstStyle/>
+          <a:p>
+            <a:pPr algn="ctr"/>
+            <a:endParaRPr lang="zh-CN" altLang="en-US" dirty="0"/>
+          </a:p>
+        </p:txBody>
+      </p:sp>
+      <p:sp>
+        <p:nvSpPr>
+          <p:cNvPr id="35" name="矩形 34">
+            <a:extLst>
+              <a:ext uri="{FF2B5EF4-FFF2-40B4-BE49-F238E27FC236}">
+                <a16:creationId xmlns:a16="http://schemas.microsoft.com/office/drawing/2014/main" id="{299F313C-414C-413C-9673-A3F36950F563}"/>
+              </a:ext>
+            </a:extLst>
+          </p:cNvPr>
+          <p:cNvSpPr/>
+          <p:nvPr/>
+        </p:nvSpPr>
+        <p:spPr>
+          <a:xfrm>
+            <a:off x="851578" y="4686634"/>
+            <a:ext cx="1338829" cy="369332"/>
+          </a:xfrm>
+          <a:prstGeom prst="rect">
+            <a:avLst/>
+          </a:prstGeom>
+        </p:spPr>
+        <p:txBody>
+          <a:bodyPr wrap="none">
+            <a:spAutoFit/>
+          </a:bodyPr>
+          <a:lstStyle/>
+          <a:p>
+            <a:pPr algn="ctr"/>
+            <a:r>
+              <a:rPr lang="zh-CN" altLang="en-US" dirty="0"/>
+              <a:t>未跟踪状态</a:t>
+            </a:r>
+          </a:p>
+        </p:txBody>
+      </p:sp>
+      <p:sp>
+        <p:nvSpPr>
+          <p:cNvPr id="36" name="文本框 35">
+            <a:extLst>
+              <a:ext uri="{FF2B5EF4-FFF2-40B4-BE49-F238E27FC236}">
+                <a16:creationId xmlns:a16="http://schemas.microsoft.com/office/drawing/2014/main" id="{700E9B7B-BEDF-440D-836D-D3B05CB6909E}"/>
+              </a:ext>
+            </a:extLst>
+          </p:cNvPr>
+          <p:cNvSpPr txBox="1"/>
+          <p:nvPr/>
+        </p:nvSpPr>
+        <p:spPr>
+          <a:xfrm>
+            <a:off x="134660" y="105899"/>
+            <a:ext cx="4734420" cy="523220"/>
+          </a:xfrm>
+          <a:prstGeom prst="rect">
+            <a:avLst/>
+          </a:prstGeom>
+        </p:spPr>
+        <p:style>
+          <a:lnRef idx="1">
+            <a:schemeClr val="accent5"/>
+          </a:lnRef>
+          <a:fillRef idx="3">
+            <a:schemeClr val="accent5"/>
+          </a:fillRef>
+          <a:effectRef idx="2">
+            <a:schemeClr val="accent5"/>
+          </a:effectRef>
+          <a:fontRef idx="minor">
+            <a:schemeClr val="lt1"/>
+          </a:fontRef>
+        </p:style>
+        <p:txBody>
+          <a:bodyPr wrap="square" rtlCol="0">
+            <a:spAutoFit/>
+          </a:bodyPr>
+          <a:lstStyle/>
+          <a:p>
+            <a:r>
+              <a:rPr lang="zh-CN" altLang="en-US" sz="2800" dirty="0"/>
+              <a:t>文件的四种状态及变化</a:t>
+            </a:r>
+          </a:p>
+        </p:txBody>
+      </p:sp>
+      <p:sp>
+        <p:nvSpPr>
+          <p:cNvPr id="50" name="椭圆 49">
+            <a:extLst>
+              <a:ext uri="{FF2B5EF4-FFF2-40B4-BE49-F238E27FC236}">
+                <a16:creationId xmlns:a16="http://schemas.microsoft.com/office/drawing/2014/main" id="{7ADBEC97-AE2E-4C23-8FE9-F6F7D1ED537A}"/>
+              </a:ext>
+            </a:extLst>
+          </p:cNvPr>
+          <p:cNvSpPr/>
+          <p:nvPr/>
+        </p:nvSpPr>
+        <p:spPr>
+          <a:xfrm>
+            <a:off x="10468024" y="263948"/>
+            <a:ext cx="838987" cy="838987"/>
           </a:xfrm>
           <a:prstGeom prst="ellipse">
+            <a:avLst/>
+          </a:prstGeom>
+        </p:spPr>
+        <p:style>
+          <a:lnRef idx="2">
+            <a:schemeClr val="accent6">
+              <a:shade val="50000"/>
+            </a:schemeClr>
+          </a:lnRef>
+          <a:fillRef idx="1">
+            <a:schemeClr val="accent6"/>
+          </a:fillRef>
+          <a:effectRef idx="0">
+            <a:schemeClr val="accent6"/>
+          </a:effectRef>
+          <a:fontRef idx="minor">
+            <a:schemeClr val="lt1"/>
+          </a:fontRef>
+        </p:style>
+        <p:txBody>
+          <a:bodyPr rtlCol="0" anchor="ctr"/>
+          <a:lstStyle/>
+          <a:p>
+            <a:pPr algn="ctr"/>
+            <a:r>
+              <a:rPr lang="zh-CN" altLang="en-US" sz="1200" dirty="0"/>
+              <a:t>版本</a:t>
+            </a:r>
+            <a:r>
+              <a:rPr lang="en-US" altLang="zh-CN" sz="1200" dirty="0"/>
+              <a:t>1</a:t>
+            </a:r>
+            <a:endParaRPr lang="zh-CN" altLang="en-US" sz="1200" dirty="0"/>
+          </a:p>
+        </p:txBody>
+      </p:sp>
+      <p:sp>
+        <p:nvSpPr>
+          <p:cNvPr id="51" name="椭圆 50">
+            <a:extLst>
+              <a:ext uri="{FF2B5EF4-FFF2-40B4-BE49-F238E27FC236}">
+                <a16:creationId xmlns:a16="http://schemas.microsoft.com/office/drawing/2014/main" id="{7E8124F2-8A10-473C-BA4F-0225043EF41C}"/>
+              </a:ext>
+            </a:extLst>
+          </p:cNvPr>
+          <p:cNvSpPr/>
+          <p:nvPr/>
+        </p:nvSpPr>
+        <p:spPr>
+          <a:xfrm>
+            <a:off x="10468024" y="1438764"/>
+            <a:ext cx="838987" cy="838987"/>
+          </a:xfrm>
+          <a:prstGeom prst="ellipse">
+            <a:avLst/>
+          </a:prstGeom>
+        </p:spPr>
+        <p:style>
+          <a:lnRef idx="2">
+            <a:schemeClr val="accent6">
+              <a:shade val="50000"/>
+            </a:schemeClr>
+          </a:lnRef>
+          <a:fillRef idx="1">
+            <a:schemeClr val="accent6"/>
+          </a:fillRef>
+          <a:effectRef idx="0">
+            <a:schemeClr val="accent6"/>
+          </a:effectRef>
+          <a:fontRef idx="minor">
+            <a:schemeClr val="lt1"/>
+          </a:fontRef>
+        </p:style>
+        <p:txBody>
+          <a:bodyPr rtlCol="0" anchor="ctr"/>
+          <a:lstStyle/>
+          <a:p>
+            <a:pPr algn="ctr"/>
+            <a:r>
+              <a:rPr lang="zh-CN" altLang="en-US" sz="1200" dirty="0"/>
+              <a:t>版本</a:t>
+            </a:r>
+            <a:r>
+              <a:rPr lang="en-US" altLang="zh-CN" sz="1200" dirty="0"/>
+              <a:t>2</a:t>
+            </a:r>
+            <a:endParaRPr lang="zh-CN" altLang="en-US" sz="1200" dirty="0"/>
+          </a:p>
+        </p:txBody>
+      </p:sp>
+      <p:sp>
+        <p:nvSpPr>
+          <p:cNvPr id="52" name="椭圆 51">
+            <a:extLst>
+              <a:ext uri="{FF2B5EF4-FFF2-40B4-BE49-F238E27FC236}">
+                <a16:creationId xmlns:a16="http://schemas.microsoft.com/office/drawing/2014/main" id="{25B206A3-419A-48FB-ADA7-698E56071CE7}"/>
+              </a:ext>
+            </a:extLst>
+          </p:cNvPr>
+          <p:cNvSpPr/>
+          <p:nvPr/>
+        </p:nvSpPr>
+        <p:spPr>
+          <a:xfrm>
+            <a:off x="10468024" y="2613580"/>
+            <a:ext cx="838987" cy="838987"/>
+          </a:xfrm>
+          <a:prstGeom prst="ellipse">
+            <a:avLst/>
+          </a:prstGeom>
+        </p:spPr>
+        <p:style>
+          <a:lnRef idx="2">
+            <a:schemeClr val="accent6">
+              <a:shade val="50000"/>
+            </a:schemeClr>
+          </a:lnRef>
+          <a:fillRef idx="1">
+            <a:schemeClr val="accent6"/>
+          </a:fillRef>
+          <a:effectRef idx="0">
+            <a:schemeClr val="accent6"/>
+          </a:effectRef>
+          <a:fontRef idx="minor">
+            <a:schemeClr val="lt1"/>
+          </a:fontRef>
+        </p:style>
+        <p:txBody>
+          <a:bodyPr rtlCol="0" anchor="ctr"/>
+          <a:lstStyle/>
+          <a:p>
+            <a:pPr algn="ctr"/>
+            <a:r>
+              <a:rPr lang="zh-CN" altLang="en-US" sz="1200" dirty="0"/>
+              <a:t>版本</a:t>
+            </a:r>
+            <a:r>
+              <a:rPr lang="en-US" altLang="zh-CN" sz="1200" dirty="0"/>
+              <a:t>3</a:t>
+            </a:r>
+            <a:endParaRPr lang="zh-CN" altLang="en-US" sz="1200" dirty="0"/>
+          </a:p>
+        </p:txBody>
+      </p:sp>
+      <p:sp>
+        <p:nvSpPr>
+          <p:cNvPr id="53" name="椭圆 52">
+            <a:extLst>
+              <a:ext uri="{FF2B5EF4-FFF2-40B4-BE49-F238E27FC236}">
+                <a16:creationId xmlns:a16="http://schemas.microsoft.com/office/drawing/2014/main" id="{6D840373-D9D9-4479-999D-0B231236666E}"/>
+              </a:ext>
+            </a:extLst>
+          </p:cNvPr>
+          <p:cNvSpPr/>
+          <p:nvPr/>
+        </p:nvSpPr>
+        <p:spPr>
+          <a:xfrm>
+            <a:off x="10468024" y="3788396"/>
+            <a:ext cx="838987" cy="838987"/>
+          </a:xfrm>
+          <a:prstGeom prst="ellipse">
+            <a:avLst/>
+          </a:prstGeom>
+        </p:spPr>
+        <p:style>
+          <a:lnRef idx="2">
+            <a:schemeClr val="accent6">
+              <a:shade val="50000"/>
+            </a:schemeClr>
+          </a:lnRef>
+          <a:fillRef idx="1">
+            <a:schemeClr val="accent6"/>
+          </a:fillRef>
+          <a:effectRef idx="0">
+            <a:schemeClr val="accent6"/>
+          </a:effectRef>
+          <a:fontRef idx="minor">
+            <a:schemeClr val="lt1"/>
+          </a:fontRef>
+        </p:style>
+        <p:txBody>
+          <a:bodyPr rtlCol="0" anchor="ctr"/>
+          <a:lstStyle/>
+          <a:p>
+            <a:pPr algn="ctr"/>
+            <a:r>
+              <a:rPr lang="zh-CN" altLang="en-US" sz="1200" dirty="0"/>
+              <a:t>版本</a:t>
+            </a:r>
+            <a:r>
+              <a:rPr lang="en-US" altLang="zh-CN" sz="1200" dirty="0"/>
+              <a:t>4</a:t>
+            </a:r>
+            <a:endParaRPr lang="zh-CN" altLang="en-US" sz="1200" dirty="0"/>
+          </a:p>
+        </p:txBody>
+      </p:sp>
+      <p:sp>
+        <p:nvSpPr>
+          <p:cNvPr id="55" name="椭圆 54">
+            <a:extLst>
+              <a:ext uri="{FF2B5EF4-FFF2-40B4-BE49-F238E27FC236}">
+                <a16:creationId xmlns:a16="http://schemas.microsoft.com/office/drawing/2014/main" id="{19E65586-C00D-42F3-851F-DD8C239DB489}"/>
+              </a:ext>
+            </a:extLst>
+          </p:cNvPr>
+          <p:cNvSpPr/>
+          <p:nvPr/>
+        </p:nvSpPr>
+        <p:spPr>
+          <a:xfrm>
+            <a:off x="10468024" y="4963211"/>
+            <a:ext cx="838987" cy="838987"/>
+          </a:xfrm>
+          <a:prstGeom prst="ellipse">
+            <a:avLst/>
+          </a:prstGeom>
+        </p:spPr>
+        <p:style>
+          <a:lnRef idx="2">
+            <a:schemeClr val="accent6">
+              <a:shade val="50000"/>
+            </a:schemeClr>
+          </a:lnRef>
+          <a:fillRef idx="1">
+            <a:schemeClr val="accent6"/>
+          </a:fillRef>
+          <a:effectRef idx="0">
+            <a:schemeClr val="accent6"/>
+          </a:effectRef>
+          <a:fontRef idx="minor">
+            <a:schemeClr val="lt1"/>
+          </a:fontRef>
+        </p:style>
+        <p:txBody>
+          <a:bodyPr rtlCol="0" anchor="ctr"/>
+          <a:lstStyle/>
+          <a:p>
+            <a:pPr algn="ctr"/>
+            <a:r>
+              <a:rPr lang="en-US" altLang="zh-CN" sz="1200" dirty="0"/>
+              <a:t>……</a:t>
+            </a:r>
+            <a:endParaRPr lang="zh-CN" altLang="en-US" sz="1200" dirty="0"/>
+          </a:p>
+        </p:txBody>
+      </p:sp>
+      <p:cxnSp>
+        <p:nvCxnSpPr>
+          <p:cNvPr id="57" name="直接箭头连接符 56">
+            <a:extLst>
+              <a:ext uri="{FF2B5EF4-FFF2-40B4-BE49-F238E27FC236}">
+                <a16:creationId xmlns:a16="http://schemas.microsoft.com/office/drawing/2014/main" id="{1EEEF6B4-D4D6-4C28-95B9-9D405FA6BA36}"/>
+              </a:ext>
+            </a:extLst>
+          </p:cNvPr>
+          <p:cNvCxnSpPr>
+            <a:cxnSpLocks/>
+            <a:stCxn id="8" idx="3"/>
+          </p:cNvCxnSpPr>
+          <p:nvPr/>
+        </p:nvCxnSpPr>
+        <p:spPr>
+          <a:xfrm flipV="1">
+            <a:off x="8907293" y="882206"/>
+            <a:ext cx="1422057" cy="945036"/>
+          </a:xfrm>
+          <a:prstGeom prst="straightConnector1">
+            <a:avLst/>
+          </a:prstGeom>
+          <a:ln>
+            <a:tailEnd type="triangle"/>
+          </a:ln>
+        </p:spPr>
+        <p:style>
+          <a:lnRef idx="1">
+            <a:schemeClr val="accent1"/>
+          </a:lnRef>
+          <a:fillRef idx="0">
+            <a:schemeClr val="accent1"/>
+          </a:fillRef>
+          <a:effectRef idx="0">
+            <a:schemeClr val="accent1"/>
+          </a:effectRef>
+          <a:fontRef idx="minor">
+            <a:schemeClr val="tx1"/>
+          </a:fontRef>
+        </p:style>
+      </p:cxnSp>
+      <p:sp>
+        <p:nvSpPr>
+          <p:cNvPr id="60" name="矩形 59">
+            <a:extLst>
+              <a:ext uri="{FF2B5EF4-FFF2-40B4-BE49-F238E27FC236}">
+                <a16:creationId xmlns:a16="http://schemas.microsoft.com/office/drawing/2014/main" id="{2F22B913-B918-472E-ACA8-6F187BA7BAAC}"/>
+              </a:ext>
+            </a:extLst>
+          </p:cNvPr>
+          <p:cNvSpPr/>
+          <p:nvPr/>
+        </p:nvSpPr>
+        <p:spPr>
+          <a:xfrm>
+            <a:off x="9320266" y="733603"/>
+            <a:ext cx="830677" cy="369332"/>
+          </a:xfrm>
+          <a:prstGeom prst="rect">
+            <a:avLst/>
+          </a:prstGeom>
+        </p:spPr>
+        <p:txBody>
+          <a:bodyPr wrap="none">
+            <a:spAutoFit/>
+          </a:bodyPr>
+          <a:lstStyle/>
+          <a:p>
+            <a:r>
+              <a:rPr lang="zh-CN" altLang="en-US" dirty="0"/>
+              <a:t>提交</a:t>
+            </a:r>
+            <a:r>
+              <a:rPr lang="en-US" altLang="zh-CN" dirty="0"/>
+              <a:t>1 </a:t>
+            </a:r>
+            <a:endParaRPr lang="zh-CN" altLang="en-US" dirty="0"/>
+          </a:p>
+        </p:txBody>
+      </p:sp>
+      <p:cxnSp>
+        <p:nvCxnSpPr>
+          <p:cNvPr id="61" name="直接箭头连接符 60">
+            <a:extLst>
+              <a:ext uri="{FF2B5EF4-FFF2-40B4-BE49-F238E27FC236}">
+                <a16:creationId xmlns:a16="http://schemas.microsoft.com/office/drawing/2014/main" id="{D16A4347-AE07-4D84-8D92-EE9E4313FAB3}"/>
+              </a:ext>
+            </a:extLst>
+          </p:cNvPr>
+          <p:cNvCxnSpPr>
+            <a:cxnSpLocks/>
+            <a:stCxn id="8" idx="3"/>
+          </p:cNvCxnSpPr>
+          <p:nvPr/>
+        </p:nvCxnSpPr>
+        <p:spPr>
+          <a:xfrm>
+            <a:off x="8907293" y="1827242"/>
+            <a:ext cx="1422057" cy="58119"/>
+          </a:xfrm>
+          <a:prstGeom prst="straightConnector1">
+            <a:avLst/>
+          </a:prstGeom>
+          <a:ln>
+            <a:tailEnd type="triangle"/>
+          </a:ln>
+        </p:spPr>
+        <p:style>
+          <a:lnRef idx="1">
+            <a:schemeClr val="accent1"/>
+          </a:lnRef>
+          <a:fillRef idx="0">
+            <a:schemeClr val="accent1"/>
+          </a:fillRef>
+          <a:effectRef idx="0">
+            <a:schemeClr val="accent1"/>
+          </a:effectRef>
+          <a:fontRef idx="minor">
+            <a:schemeClr val="tx1"/>
+          </a:fontRef>
+        </p:style>
+      </p:cxnSp>
+      <p:sp>
+        <p:nvSpPr>
+          <p:cNvPr id="64" name="矩形 63">
+            <a:extLst>
+              <a:ext uri="{FF2B5EF4-FFF2-40B4-BE49-F238E27FC236}">
+                <a16:creationId xmlns:a16="http://schemas.microsoft.com/office/drawing/2014/main" id="{DC84008B-35A4-4775-B8BD-1AF9CAFEBD83}"/>
+              </a:ext>
+            </a:extLst>
+          </p:cNvPr>
+          <p:cNvSpPr/>
+          <p:nvPr/>
+        </p:nvSpPr>
+        <p:spPr>
+          <a:xfrm>
+            <a:off x="9339495" y="1453973"/>
+            <a:ext cx="830677" cy="369332"/>
+          </a:xfrm>
+          <a:prstGeom prst="rect">
+            <a:avLst/>
+          </a:prstGeom>
+        </p:spPr>
+        <p:txBody>
+          <a:bodyPr wrap="none">
+            <a:spAutoFit/>
+          </a:bodyPr>
+          <a:lstStyle/>
+          <a:p>
+            <a:r>
+              <a:rPr lang="zh-CN" altLang="en-US" dirty="0"/>
+              <a:t>提交</a:t>
+            </a:r>
+            <a:r>
+              <a:rPr lang="en-US" altLang="zh-CN" dirty="0"/>
+              <a:t>2 </a:t>
+            </a:r>
+            <a:endParaRPr lang="zh-CN" altLang="en-US" dirty="0"/>
+          </a:p>
+        </p:txBody>
+      </p:sp>
+      <p:cxnSp>
+        <p:nvCxnSpPr>
+          <p:cNvPr id="65" name="直接箭头连接符 64">
+            <a:extLst>
+              <a:ext uri="{FF2B5EF4-FFF2-40B4-BE49-F238E27FC236}">
+                <a16:creationId xmlns:a16="http://schemas.microsoft.com/office/drawing/2014/main" id="{451D659D-4295-4983-BB31-5209819AEE6A}"/>
+              </a:ext>
+            </a:extLst>
+          </p:cNvPr>
+          <p:cNvCxnSpPr>
+            <a:cxnSpLocks/>
+            <a:stCxn id="8" idx="3"/>
+          </p:cNvCxnSpPr>
+          <p:nvPr/>
+        </p:nvCxnSpPr>
+        <p:spPr>
+          <a:xfrm>
+            <a:off x="8907293" y="1827242"/>
+            <a:ext cx="1482568" cy="839409"/>
+          </a:xfrm>
+          <a:prstGeom prst="straightConnector1">
+            <a:avLst/>
+          </a:prstGeom>
+          <a:ln>
+            <a:tailEnd type="triangle"/>
+          </a:ln>
+        </p:spPr>
+        <p:style>
+          <a:lnRef idx="1">
+            <a:schemeClr val="accent1"/>
+          </a:lnRef>
+          <a:fillRef idx="0">
+            <a:schemeClr val="accent1"/>
+          </a:fillRef>
+          <a:effectRef idx="0">
+            <a:schemeClr val="accent1"/>
+          </a:effectRef>
+          <a:fontRef idx="minor">
+            <a:schemeClr val="tx1"/>
+          </a:fontRef>
+        </p:style>
+      </p:cxnSp>
+      <p:cxnSp>
+        <p:nvCxnSpPr>
+          <p:cNvPr id="67" name="直接箭头连接符 66">
+            <a:extLst>
+              <a:ext uri="{FF2B5EF4-FFF2-40B4-BE49-F238E27FC236}">
+                <a16:creationId xmlns:a16="http://schemas.microsoft.com/office/drawing/2014/main" id="{F1F88A18-D444-4C3E-B7DB-54967F84849C}"/>
+              </a:ext>
+            </a:extLst>
+          </p:cNvPr>
+          <p:cNvCxnSpPr>
+            <a:cxnSpLocks/>
+            <a:stCxn id="8" idx="3"/>
+          </p:cNvCxnSpPr>
+          <p:nvPr/>
+        </p:nvCxnSpPr>
+        <p:spPr>
+          <a:xfrm>
+            <a:off x="8907293" y="1827242"/>
+            <a:ext cx="1422057" cy="2128038"/>
+          </a:xfrm>
+          <a:prstGeom prst="straightConnector1">
+            <a:avLst/>
+          </a:prstGeom>
+          <a:ln>
+            <a:tailEnd type="triangle"/>
+          </a:ln>
+        </p:spPr>
+        <p:style>
+          <a:lnRef idx="1">
+            <a:schemeClr val="accent1"/>
+          </a:lnRef>
+          <a:fillRef idx="0">
+            <a:schemeClr val="accent1"/>
+          </a:fillRef>
+          <a:effectRef idx="0">
+            <a:schemeClr val="accent1"/>
+          </a:effectRef>
+          <a:fontRef idx="minor">
+            <a:schemeClr val="tx1"/>
+          </a:fontRef>
+        </p:style>
+      </p:cxnSp>
+      <p:cxnSp>
+        <p:nvCxnSpPr>
+          <p:cNvPr id="69" name="直接箭头连接符 68">
+            <a:extLst>
+              <a:ext uri="{FF2B5EF4-FFF2-40B4-BE49-F238E27FC236}">
+                <a16:creationId xmlns:a16="http://schemas.microsoft.com/office/drawing/2014/main" id="{A491DECA-FE2D-4225-9299-48FA04F44765}"/>
+              </a:ext>
+            </a:extLst>
+          </p:cNvPr>
+          <p:cNvCxnSpPr>
+            <a:cxnSpLocks/>
+            <a:stCxn id="8" idx="3"/>
+          </p:cNvCxnSpPr>
+          <p:nvPr/>
+        </p:nvCxnSpPr>
+        <p:spPr>
+          <a:xfrm>
+            <a:off x="8907293" y="1827242"/>
+            <a:ext cx="1411703" cy="3329219"/>
+          </a:xfrm>
+          <a:prstGeom prst="straightConnector1">
+            <a:avLst/>
+          </a:prstGeom>
+          <a:ln>
+            <a:tailEnd type="triangle"/>
+          </a:ln>
+        </p:spPr>
+        <p:style>
+          <a:lnRef idx="1">
+            <a:schemeClr val="accent1"/>
+          </a:lnRef>
+          <a:fillRef idx="0">
+            <a:schemeClr val="accent1"/>
+          </a:fillRef>
+          <a:effectRef idx="0">
+            <a:schemeClr val="accent1"/>
+          </a:effectRef>
+          <a:fontRef idx="minor">
+            <a:schemeClr val="tx1"/>
+          </a:fontRef>
+        </p:style>
+      </p:cxnSp>
+      <p:sp>
+        <p:nvSpPr>
+          <p:cNvPr id="71" name="矩形 70">
+            <a:extLst>
+              <a:ext uri="{FF2B5EF4-FFF2-40B4-BE49-F238E27FC236}">
+                <a16:creationId xmlns:a16="http://schemas.microsoft.com/office/drawing/2014/main" id="{E59B1A73-3482-42AE-A50D-6C3FD722DCF6}"/>
+              </a:ext>
+            </a:extLst>
+          </p:cNvPr>
+          <p:cNvSpPr/>
+          <p:nvPr/>
+        </p:nvSpPr>
+        <p:spPr>
+          <a:xfrm>
+            <a:off x="9398555" y="2132770"/>
+            <a:ext cx="830677" cy="369332"/>
+          </a:xfrm>
+          <a:prstGeom prst="rect">
+            <a:avLst/>
+          </a:prstGeom>
+        </p:spPr>
+        <p:txBody>
+          <a:bodyPr wrap="none">
+            <a:spAutoFit/>
+          </a:bodyPr>
+          <a:lstStyle/>
+          <a:p>
+            <a:r>
+              <a:rPr lang="zh-CN" altLang="en-US" dirty="0"/>
+              <a:t>提交</a:t>
+            </a:r>
+            <a:r>
+              <a:rPr lang="en-US" altLang="zh-CN" dirty="0"/>
+              <a:t>3 </a:t>
+            </a:r>
+            <a:endParaRPr lang="zh-CN" altLang="en-US" dirty="0"/>
+          </a:p>
+        </p:txBody>
+      </p:sp>
+      <p:sp>
+        <p:nvSpPr>
+          <p:cNvPr id="72" name="矩形 71">
+            <a:extLst>
+              <a:ext uri="{FF2B5EF4-FFF2-40B4-BE49-F238E27FC236}">
+                <a16:creationId xmlns:a16="http://schemas.microsoft.com/office/drawing/2014/main" id="{4D705D03-BC87-4006-9B50-120F3E9F9D0D}"/>
+              </a:ext>
+            </a:extLst>
+          </p:cNvPr>
+          <p:cNvSpPr/>
+          <p:nvPr/>
+        </p:nvSpPr>
+        <p:spPr>
+          <a:xfrm>
+            <a:off x="9493496" y="3134260"/>
+            <a:ext cx="830677" cy="369332"/>
+          </a:xfrm>
+          <a:prstGeom prst="rect">
+            <a:avLst/>
+          </a:prstGeom>
+        </p:spPr>
+        <p:txBody>
+          <a:bodyPr wrap="none">
+            <a:spAutoFit/>
+          </a:bodyPr>
+          <a:lstStyle/>
+          <a:p>
+            <a:r>
+              <a:rPr lang="zh-CN" altLang="en-US" dirty="0"/>
+              <a:t>提交</a:t>
+            </a:r>
+            <a:r>
+              <a:rPr lang="en-US" altLang="zh-CN" dirty="0"/>
+              <a:t>4 </a:t>
+            </a:r>
+            <a:endParaRPr lang="zh-CN" altLang="en-US" dirty="0"/>
+          </a:p>
+        </p:txBody>
+      </p:sp>
+      <p:sp>
+        <p:nvSpPr>
+          <p:cNvPr id="73" name="矩形 72">
+            <a:extLst>
+              <a:ext uri="{FF2B5EF4-FFF2-40B4-BE49-F238E27FC236}">
+                <a16:creationId xmlns:a16="http://schemas.microsoft.com/office/drawing/2014/main" id="{4D1BCE37-3480-45DA-9DDB-5500CFF73924}"/>
+              </a:ext>
+            </a:extLst>
+          </p:cNvPr>
+          <p:cNvSpPr/>
+          <p:nvPr/>
+        </p:nvSpPr>
+        <p:spPr>
+          <a:xfrm>
+            <a:off x="9446884" y="4315148"/>
+            <a:ext cx="748923" cy="369332"/>
+          </a:xfrm>
+          <a:prstGeom prst="rect">
+            <a:avLst/>
+          </a:prstGeom>
+        </p:spPr>
+        <p:txBody>
+          <a:bodyPr wrap="none">
+            <a:spAutoFit/>
+          </a:bodyPr>
+          <a:lstStyle/>
+          <a:p>
+            <a:r>
+              <a:rPr lang="zh-CN" altLang="en-US" dirty="0"/>
+              <a:t>提交</a:t>
+            </a:r>
+            <a:r>
+              <a:rPr lang="en-US" altLang="zh-CN" dirty="0"/>
+              <a:t>..</a:t>
+            </a:r>
+            <a:endParaRPr lang="zh-CN" altLang="en-US" dirty="0"/>
+          </a:p>
+        </p:txBody>
+      </p:sp>
+      <p:sp>
+        <p:nvSpPr>
+          <p:cNvPr id="74" name="椭圆 73">
+            <a:extLst>
+              <a:ext uri="{FF2B5EF4-FFF2-40B4-BE49-F238E27FC236}">
+                <a16:creationId xmlns:a16="http://schemas.microsoft.com/office/drawing/2014/main" id="{55C83297-4592-4652-AD24-5C18CD60C152}"/>
+              </a:ext>
+            </a:extLst>
+          </p:cNvPr>
+          <p:cNvSpPr/>
+          <p:nvPr/>
+        </p:nvSpPr>
+        <p:spPr>
+          <a:xfrm>
+            <a:off x="233800" y="1228889"/>
+            <a:ext cx="449926" cy="442217"/>
+          </a:xfrm>
+          <a:prstGeom prst="ellipse">
+            <a:avLst/>
+          </a:prstGeom>
+        </p:spPr>
+        <p:style>
+          <a:lnRef idx="2">
+            <a:schemeClr val="accent2">
+              <a:shade val="50000"/>
+            </a:schemeClr>
+          </a:lnRef>
+          <a:fillRef idx="1">
+            <a:schemeClr val="accent2"/>
+          </a:fillRef>
+          <a:effectRef idx="0">
+            <a:schemeClr val="accent2"/>
+          </a:effectRef>
+          <a:fontRef idx="minor">
+            <a:schemeClr val="lt1"/>
+          </a:fontRef>
+        </p:style>
+        <p:txBody>
+          <a:bodyPr rtlCol="0" anchor="ctr"/>
+          <a:lstStyle/>
+          <a:p>
+            <a:pPr algn="ctr"/>
+            <a:r>
+              <a:rPr lang="en-US" altLang="zh-CN" sz="1200" dirty="0"/>
+              <a:t>1</a:t>
+            </a:r>
+            <a:endParaRPr lang="zh-CN" altLang="en-US" sz="1200" dirty="0"/>
+          </a:p>
+        </p:txBody>
+      </p:sp>
+      <p:sp>
+        <p:nvSpPr>
+          <p:cNvPr id="75" name="椭圆 74">
+            <a:extLst>
+              <a:ext uri="{FF2B5EF4-FFF2-40B4-BE49-F238E27FC236}">
+                <a16:creationId xmlns:a16="http://schemas.microsoft.com/office/drawing/2014/main" id="{3C42C8CC-EEFC-4555-99E9-BCECEBFAEA27}"/>
+              </a:ext>
+            </a:extLst>
+          </p:cNvPr>
+          <p:cNvSpPr/>
+          <p:nvPr/>
+        </p:nvSpPr>
+        <p:spPr>
+          <a:xfrm>
+            <a:off x="3373130" y="1205005"/>
+            <a:ext cx="449926" cy="442217"/>
+          </a:xfrm>
+          <a:prstGeom prst="ellipse">
+            <a:avLst/>
+          </a:prstGeom>
+        </p:spPr>
+        <p:style>
+          <a:lnRef idx="2">
+            <a:schemeClr val="accent2">
+              <a:shade val="50000"/>
+            </a:schemeClr>
+          </a:lnRef>
+          <a:fillRef idx="1">
+            <a:schemeClr val="accent2"/>
+          </a:fillRef>
+          <a:effectRef idx="0">
+            <a:schemeClr val="accent2"/>
+          </a:effectRef>
+          <a:fontRef idx="minor">
+            <a:schemeClr val="lt1"/>
+          </a:fontRef>
+        </p:style>
+        <p:txBody>
+          <a:bodyPr rtlCol="0" anchor="ctr"/>
+          <a:lstStyle/>
+          <a:p>
+            <a:pPr algn="ctr"/>
+            <a:r>
+              <a:rPr lang="en-US" altLang="zh-CN" sz="1200" dirty="0"/>
+              <a:t>2</a:t>
+            </a:r>
+            <a:endParaRPr lang="zh-CN" altLang="en-US" sz="1200" dirty="0"/>
+          </a:p>
+        </p:txBody>
+      </p:sp>
+      <p:sp>
+        <p:nvSpPr>
+          <p:cNvPr id="76" name="箭头: 左弧形 75">
+            <a:extLst>
+              <a:ext uri="{FF2B5EF4-FFF2-40B4-BE49-F238E27FC236}">
+                <a16:creationId xmlns:a16="http://schemas.microsoft.com/office/drawing/2014/main" id="{4EF5BDB5-C7E3-4787-8B5E-0E6FC41F4244}"/>
+              </a:ext>
+            </a:extLst>
+          </p:cNvPr>
+          <p:cNvSpPr/>
+          <p:nvPr/>
+        </p:nvSpPr>
+        <p:spPr>
+          <a:xfrm>
+            <a:off x="2975533" y="3722948"/>
+            <a:ext cx="443388" cy="961532"/>
+          </a:xfrm>
+          <a:prstGeom prst="curvedRightArrow">
             <a:avLst/>
           </a:prstGeom>
         </p:spPr>
@@ -5595,16 +6243,20 @@
           <a:lstStyle/>
           <a:p>
             <a:pPr algn="ctr"/>
-            <a:endParaRPr lang="zh-CN" altLang="en-US"/>
-          </a:p>
-        </p:txBody>
-      </p:sp>
-      <p:sp>
-        <p:nvSpPr>
-          <p:cNvPr id="5" name="椭圆 4">
-            <a:extLst>
-              <a:ext uri="{FF2B5EF4-FFF2-40B4-BE49-F238E27FC236}">
-                <a16:creationId xmlns:a16="http://schemas.microsoft.com/office/drawing/2014/main" id="{F40B0E11-4C35-434D-9613-A18FC4BBA916}"/>
+            <a:endParaRPr lang="zh-CN" altLang="en-US">
+              <a:solidFill>
+                <a:schemeClr val="tx1"/>
+              </a:solidFill>
+            </a:endParaRPr>
+          </a:p>
+        </p:txBody>
+      </p:sp>
+      <p:sp>
+        <p:nvSpPr>
+          <p:cNvPr id="77" name="椭圆 76">
+            <a:extLst>
+              <a:ext uri="{FF2B5EF4-FFF2-40B4-BE49-F238E27FC236}">
+                <a16:creationId xmlns:a16="http://schemas.microsoft.com/office/drawing/2014/main" id="{AEEFDC06-0280-4ADB-99EF-310126085A57}"/>
               </a:ext>
             </a:extLst>
           </p:cNvPr>
@@ -5613,12 +6265,399 @@
         </p:nvSpPr>
         <p:spPr>
           <a:xfrm>
-            <a:off x="6520356" y="1913639"/>
-            <a:ext cx="716437" cy="669305"/>
+            <a:off x="3414759" y="3540604"/>
+            <a:ext cx="449926" cy="442217"/>
           </a:xfrm>
           <a:prstGeom prst="ellipse">
             <a:avLst/>
           </a:prstGeom>
+        </p:spPr>
+        <p:style>
+          <a:lnRef idx="2">
+            <a:schemeClr val="accent2">
+              <a:shade val="50000"/>
+            </a:schemeClr>
+          </a:lnRef>
+          <a:fillRef idx="1">
+            <a:schemeClr val="accent2"/>
+          </a:fillRef>
+          <a:effectRef idx="0">
+            <a:schemeClr val="accent2"/>
+          </a:effectRef>
+          <a:fontRef idx="minor">
+            <a:schemeClr val="lt1"/>
+          </a:fontRef>
+        </p:style>
+        <p:txBody>
+          <a:bodyPr rtlCol="0" anchor="ctr"/>
+          <a:lstStyle/>
+          <a:p>
+            <a:pPr algn="ctr"/>
+            <a:r>
+              <a:rPr lang="en-US" altLang="zh-CN" sz="1200" dirty="0"/>
+              <a:t>4</a:t>
+            </a:r>
+            <a:endParaRPr lang="zh-CN" altLang="en-US" sz="1200" dirty="0"/>
+          </a:p>
+        </p:txBody>
+      </p:sp>
+      <p:sp>
+        <p:nvSpPr>
+          <p:cNvPr id="78" name="椭圆 77">
+            <a:extLst>
+              <a:ext uri="{FF2B5EF4-FFF2-40B4-BE49-F238E27FC236}">
+                <a16:creationId xmlns:a16="http://schemas.microsoft.com/office/drawing/2014/main" id="{96D03E28-7C05-4FB1-A38B-989B2B0767D8}"/>
+              </a:ext>
+            </a:extLst>
+          </p:cNvPr>
+          <p:cNvSpPr/>
+          <p:nvPr/>
+        </p:nvSpPr>
+        <p:spPr>
+          <a:xfrm>
+            <a:off x="6923768" y="1205005"/>
+            <a:ext cx="449926" cy="442217"/>
+          </a:xfrm>
+          <a:prstGeom prst="ellipse">
+            <a:avLst/>
+          </a:prstGeom>
+        </p:spPr>
+        <p:style>
+          <a:lnRef idx="2">
+            <a:schemeClr val="accent2">
+              <a:shade val="50000"/>
+            </a:schemeClr>
+          </a:lnRef>
+          <a:fillRef idx="1">
+            <a:schemeClr val="accent2"/>
+          </a:fillRef>
+          <a:effectRef idx="0">
+            <a:schemeClr val="accent2"/>
+          </a:effectRef>
+          <a:fontRef idx="minor">
+            <a:schemeClr val="lt1"/>
+          </a:fontRef>
+        </p:style>
+        <p:txBody>
+          <a:bodyPr rtlCol="0" anchor="ctr"/>
+          <a:lstStyle/>
+          <a:p>
+            <a:pPr algn="ctr"/>
+            <a:r>
+              <a:rPr lang="en-US" altLang="zh-CN" sz="1200" dirty="0"/>
+              <a:t>3</a:t>
+            </a:r>
+            <a:endParaRPr lang="zh-CN" altLang="en-US" sz="1200" dirty="0"/>
+          </a:p>
+        </p:txBody>
+      </p:sp>
+      <p:sp>
+        <p:nvSpPr>
+          <p:cNvPr id="79" name="矩形 78">
+            <a:extLst>
+              <a:ext uri="{FF2B5EF4-FFF2-40B4-BE49-F238E27FC236}">
+                <a16:creationId xmlns:a16="http://schemas.microsoft.com/office/drawing/2014/main" id="{7B3EB1B4-CC9B-4763-B1A4-FFD366B86DA4}"/>
+              </a:ext>
+            </a:extLst>
+          </p:cNvPr>
+          <p:cNvSpPr/>
+          <p:nvPr/>
+        </p:nvSpPr>
+        <p:spPr>
+          <a:xfrm>
+            <a:off x="137817" y="5901177"/>
+            <a:ext cx="8984793" cy="523220"/>
+          </a:xfrm>
+          <a:prstGeom prst="rect">
+            <a:avLst/>
+          </a:prstGeom>
+        </p:spPr>
+        <p:txBody>
+          <a:bodyPr wrap="square">
+            <a:spAutoFit/>
+          </a:bodyPr>
+          <a:lstStyle/>
+          <a:p>
+            <a:pPr marL="342900" indent="-342900">
+              <a:buAutoNum type="arabicPeriod"/>
+            </a:pPr>
+            <a:r>
+              <a:rPr lang="zh-CN" altLang="en-US" sz="1400" dirty="0"/>
+              <a:t>对于一个文件，可以多次</a:t>
+            </a:r>
+            <a:r>
+              <a:rPr lang="en-US" altLang="zh-CN" sz="1400" dirty="0"/>
+              <a:t>add</a:t>
+            </a:r>
+            <a:r>
+              <a:rPr lang="zh-CN" altLang="en-US" sz="1400" dirty="0"/>
+              <a:t>。修改一点，就</a:t>
+            </a:r>
+            <a:r>
+              <a:rPr lang="en-US" altLang="zh-CN" sz="1400" dirty="0"/>
+              <a:t>add</a:t>
+            </a:r>
+            <a:r>
+              <a:rPr lang="zh-CN" altLang="en-US" sz="1400" dirty="0"/>
+              <a:t>一次；每一次的</a:t>
+            </a:r>
+            <a:r>
+              <a:rPr lang="en-US" altLang="zh-CN" sz="1400" dirty="0"/>
+              <a:t>add</a:t>
+            </a:r>
+            <a:r>
+              <a:rPr lang="zh-CN" altLang="en-US" sz="1400" dirty="0"/>
+              <a:t>都会把当前的修改添加到缓存区中去。</a:t>
+            </a:r>
+            <a:endParaRPr lang="en-US" altLang="zh-CN" sz="1400" dirty="0"/>
+          </a:p>
+          <a:p>
+            <a:pPr marL="342900" indent="-342900">
+              <a:buAutoNum type="arabicPeriod"/>
+            </a:pPr>
+            <a:r>
+              <a:rPr lang="en-US" altLang="zh-CN" sz="1400" dirty="0"/>
+              <a:t>Commit</a:t>
+            </a:r>
+            <a:r>
+              <a:rPr lang="zh-CN" altLang="en-US" sz="1400" dirty="0"/>
+              <a:t>会把暂存区中全部的修改提交到仓库中。每一次的</a:t>
+            </a:r>
+            <a:r>
+              <a:rPr lang="en-US" altLang="zh-CN" sz="1400" dirty="0"/>
+              <a:t>commit</a:t>
+            </a:r>
+            <a:r>
+              <a:rPr lang="zh-CN" altLang="en-US" sz="1400" dirty="0"/>
+              <a:t>都会产生一个新的版本</a:t>
+            </a:r>
+          </a:p>
+        </p:txBody>
+      </p:sp>
+      <p:cxnSp>
+        <p:nvCxnSpPr>
+          <p:cNvPr id="44" name="直接箭头连接符 43">
+            <a:extLst>
+              <a:ext uri="{FF2B5EF4-FFF2-40B4-BE49-F238E27FC236}">
+                <a16:creationId xmlns:a16="http://schemas.microsoft.com/office/drawing/2014/main" id="{B881E941-FB33-4565-83EC-DAADBF2550FC}"/>
+              </a:ext>
+            </a:extLst>
+          </p:cNvPr>
+          <p:cNvCxnSpPr>
+            <a:cxnSpLocks/>
+            <a:stCxn id="50" idx="4"/>
+            <a:endCxn id="51" idx="0"/>
+          </p:cNvCxnSpPr>
+          <p:nvPr/>
+        </p:nvCxnSpPr>
+        <p:spPr>
+          <a:xfrm>
+            <a:off x="10887518" y="1102935"/>
+            <a:ext cx="0" cy="335829"/>
+          </a:xfrm>
+          <a:prstGeom prst="straightConnector1">
+            <a:avLst/>
+          </a:prstGeom>
+          <a:ln>
+            <a:tailEnd type="triangle"/>
+          </a:ln>
+        </p:spPr>
+        <p:style>
+          <a:lnRef idx="1">
+            <a:schemeClr val="accent1"/>
+          </a:lnRef>
+          <a:fillRef idx="0">
+            <a:schemeClr val="accent1"/>
+          </a:fillRef>
+          <a:effectRef idx="0">
+            <a:schemeClr val="accent1"/>
+          </a:effectRef>
+          <a:fontRef idx="minor">
+            <a:schemeClr val="tx1"/>
+          </a:fontRef>
+        </p:style>
+      </p:cxnSp>
+      <p:cxnSp>
+        <p:nvCxnSpPr>
+          <p:cNvPr id="47" name="直接箭头连接符 46">
+            <a:extLst>
+              <a:ext uri="{FF2B5EF4-FFF2-40B4-BE49-F238E27FC236}">
+                <a16:creationId xmlns:a16="http://schemas.microsoft.com/office/drawing/2014/main" id="{717B30EC-DE20-4B0D-B181-749DF0124F07}"/>
+              </a:ext>
+            </a:extLst>
+          </p:cNvPr>
+          <p:cNvCxnSpPr>
+            <a:cxnSpLocks/>
+            <a:stCxn id="51" idx="4"/>
+            <a:endCxn id="52" idx="0"/>
+          </p:cNvCxnSpPr>
+          <p:nvPr/>
+        </p:nvCxnSpPr>
+        <p:spPr>
+          <a:xfrm>
+            <a:off x="10887518" y="2277751"/>
+            <a:ext cx="0" cy="335829"/>
+          </a:xfrm>
+          <a:prstGeom prst="straightConnector1">
+            <a:avLst/>
+          </a:prstGeom>
+          <a:ln>
+            <a:tailEnd type="triangle"/>
+          </a:ln>
+        </p:spPr>
+        <p:style>
+          <a:lnRef idx="1">
+            <a:schemeClr val="accent1"/>
+          </a:lnRef>
+          <a:fillRef idx="0">
+            <a:schemeClr val="accent1"/>
+          </a:fillRef>
+          <a:effectRef idx="0">
+            <a:schemeClr val="accent1"/>
+          </a:effectRef>
+          <a:fontRef idx="minor">
+            <a:schemeClr val="tx1"/>
+          </a:fontRef>
+        </p:style>
+      </p:cxnSp>
+      <p:cxnSp>
+        <p:nvCxnSpPr>
+          <p:cNvPr id="54" name="直接箭头连接符 53">
+            <a:extLst>
+              <a:ext uri="{FF2B5EF4-FFF2-40B4-BE49-F238E27FC236}">
+                <a16:creationId xmlns:a16="http://schemas.microsoft.com/office/drawing/2014/main" id="{3E9E670B-F8AD-4563-9BFE-97B6EB443BB6}"/>
+              </a:ext>
+            </a:extLst>
+          </p:cNvPr>
+          <p:cNvCxnSpPr>
+            <a:cxnSpLocks/>
+            <a:stCxn id="52" idx="4"/>
+            <a:endCxn id="53" idx="0"/>
+          </p:cNvCxnSpPr>
+          <p:nvPr/>
+        </p:nvCxnSpPr>
+        <p:spPr>
+          <a:xfrm>
+            <a:off x="10887518" y="3452567"/>
+            <a:ext cx="0" cy="335829"/>
+          </a:xfrm>
+          <a:prstGeom prst="straightConnector1">
+            <a:avLst/>
+          </a:prstGeom>
+          <a:ln>
+            <a:tailEnd type="triangle"/>
+          </a:ln>
+        </p:spPr>
+        <p:style>
+          <a:lnRef idx="1">
+            <a:schemeClr val="accent1"/>
+          </a:lnRef>
+          <a:fillRef idx="0">
+            <a:schemeClr val="accent1"/>
+          </a:fillRef>
+          <a:effectRef idx="0">
+            <a:schemeClr val="accent1"/>
+          </a:effectRef>
+          <a:fontRef idx="minor">
+            <a:schemeClr val="tx1"/>
+          </a:fontRef>
+        </p:style>
+      </p:cxnSp>
+      <p:cxnSp>
+        <p:nvCxnSpPr>
+          <p:cNvPr id="56" name="直接箭头连接符 55">
+            <a:extLst>
+              <a:ext uri="{FF2B5EF4-FFF2-40B4-BE49-F238E27FC236}">
+                <a16:creationId xmlns:a16="http://schemas.microsoft.com/office/drawing/2014/main" id="{69FF3580-85D1-4898-A75B-4F7C8CAEB0AA}"/>
+              </a:ext>
+            </a:extLst>
+          </p:cNvPr>
+          <p:cNvCxnSpPr>
+            <a:cxnSpLocks/>
+            <a:stCxn id="53" idx="4"/>
+            <a:endCxn id="55" idx="0"/>
+          </p:cNvCxnSpPr>
+          <p:nvPr/>
+        </p:nvCxnSpPr>
+        <p:spPr>
+          <a:xfrm>
+            <a:off x="10887518" y="4627383"/>
+            <a:ext cx="0" cy="335828"/>
+          </a:xfrm>
+          <a:prstGeom prst="straightConnector1">
+            <a:avLst/>
+          </a:prstGeom>
+          <a:ln>
+            <a:tailEnd type="triangle"/>
+          </a:ln>
+        </p:spPr>
+        <p:style>
+          <a:lnRef idx="1">
+            <a:schemeClr val="accent1"/>
+          </a:lnRef>
+          <a:fillRef idx="0">
+            <a:schemeClr val="accent1"/>
+          </a:fillRef>
+          <a:effectRef idx="0">
+            <a:schemeClr val="accent1"/>
+          </a:effectRef>
+          <a:fontRef idx="minor">
+            <a:schemeClr val="tx1"/>
+          </a:fontRef>
+        </p:style>
+      </p:cxnSp>
+    </p:spTree>
+    <p:extLst>
+      <p:ext uri="{BB962C8B-B14F-4D97-AF65-F5344CB8AC3E}">
+        <p14:creationId xmlns:p14="http://schemas.microsoft.com/office/powerpoint/2010/main" val="1128484218"/>
+      </p:ext>
+    </p:extLst>
+  </p:cSld>
+  <p:clrMapOvr>
+    <a:masterClrMapping/>
+  </p:clrMapOvr>
+</p:sld>
+</file>
+
+<file path=ppt/slides/slide5.xml><?xml version="1.0" encoding="utf-8"?>
+<p:sld xmlns:a="http://schemas.openxmlformats.org/drawingml/2006/main" xmlns:r="http://schemas.openxmlformats.org/officeDocument/2006/relationships" xmlns:p="http://schemas.openxmlformats.org/presentationml/2006/main">
+  <p:cSld>
+    <p:spTree>
+      <p:nvGrpSpPr>
+        <p:cNvPr id="1" name=""/>
+        <p:cNvGrpSpPr/>
+        <p:nvPr/>
+      </p:nvGrpSpPr>
+      <p:grpSpPr>
+        <a:xfrm>
+          <a:off x="0" y="0"/>
+          <a:ext cx="0" cy="0"/>
+          <a:chOff x="0" y="0"/>
+          <a:chExt cx="0" cy="0"/>
+        </a:xfrm>
+      </p:grpSpPr>
+      <p:sp>
+        <p:nvSpPr>
+          <p:cNvPr id="8" name="矩形 7">
+            <a:extLst>
+              <a:ext uri="{FF2B5EF4-FFF2-40B4-BE49-F238E27FC236}">
+                <a16:creationId xmlns:a16="http://schemas.microsoft.com/office/drawing/2014/main" id="{02CB3CBA-6E63-4C8B-9C08-893B060AD68E}"/>
+              </a:ext>
+            </a:extLst>
+          </p:cNvPr>
+          <p:cNvSpPr/>
+          <p:nvPr/>
+        </p:nvSpPr>
+        <p:spPr>
+          <a:xfrm>
+            <a:off x="879792" y="2903456"/>
+            <a:ext cx="3707027" cy="2894538"/>
+          </a:xfrm>
+          <a:prstGeom prst="rect">
+            <a:avLst/>
+          </a:prstGeom>
+          <a:noFill/>
+          <a:ln w="57150"/>
         </p:spPr>
         <p:style>
           <a:lnRef idx="2">
@@ -5641,16 +6680,52 @@
           <a:lstStyle/>
           <a:p>
             <a:pPr algn="ctr"/>
-            <a:endParaRPr lang="zh-CN" altLang="en-US"/>
-          </a:p>
-        </p:txBody>
-      </p:sp>
-      <p:sp>
-        <p:nvSpPr>
-          <p:cNvPr id="6" name="椭圆 5">
-            <a:extLst>
-              <a:ext uri="{FF2B5EF4-FFF2-40B4-BE49-F238E27FC236}">
-                <a16:creationId xmlns:a16="http://schemas.microsoft.com/office/drawing/2014/main" id="{BA99C6E0-3AB5-48A0-820A-CF984BE1C0FB}"/>
+            <a:endParaRPr lang="zh-CN" altLang="en-US" dirty="0"/>
+          </a:p>
+        </p:txBody>
+      </p:sp>
+      <p:sp>
+        <p:nvSpPr>
+          <p:cNvPr id="9" name="文本框 8">
+            <a:extLst>
+              <a:ext uri="{FF2B5EF4-FFF2-40B4-BE49-F238E27FC236}">
+                <a16:creationId xmlns:a16="http://schemas.microsoft.com/office/drawing/2014/main" id="{7A21413E-559B-41BC-9CEC-60D6FD143199}"/>
+              </a:ext>
+            </a:extLst>
+          </p:cNvPr>
+          <p:cNvSpPr txBox="1"/>
+          <p:nvPr/>
+        </p:nvSpPr>
+        <p:spPr>
+          <a:xfrm>
+            <a:off x="909088" y="2432115"/>
+            <a:ext cx="1229824" cy="369332"/>
+          </a:xfrm>
+          <a:prstGeom prst="rect">
+            <a:avLst/>
+          </a:prstGeom>
+          <a:noFill/>
+        </p:spPr>
+        <p:txBody>
+          <a:bodyPr wrap="none" rtlCol="0">
+            <a:spAutoFit/>
+          </a:bodyPr>
+          <a:lstStyle/>
+          <a:p>
+            <a:r>
+              <a:rPr lang="en-US" altLang="zh-CN" dirty="0"/>
+              <a:t>d:/learngit</a:t>
+            </a:r>
+            <a:endParaRPr lang="zh-CN" altLang="en-US" dirty="0"/>
+          </a:p>
+        </p:txBody>
+      </p:sp>
+      <p:sp>
+        <p:nvSpPr>
+          <p:cNvPr id="10" name="矩形 9">
+            <a:extLst>
+              <a:ext uri="{FF2B5EF4-FFF2-40B4-BE49-F238E27FC236}">
+                <a16:creationId xmlns:a16="http://schemas.microsoft.com/office/drawing/2014/main" id="{7BE2A0CC-8A41-4521-8C6D-7C8A0BDDB29F}"/>
               </a:ext>
             </a:extLst>
           </p:cNvPr>
@@ -5659,12 +6734,14 @@
         </p:nvSpPr>
         <p:spPr>
           <a:xfrm>
-            <a:off x="9174001" y="1913639"/>
-            <a:ext cx="716437" cy="669305"/>
-          </a:xfrm>
-          <a:prstGeom prst="ellipse">
-            <a:avLst/>
-          </a:prstGeom>
+            <a:off x="879792" y="2432115"/>
+            <a:ext cx="1421920" cy="471341"/>
+          </a:xfrm>
+          <a:prstGeom prst="rect">
+            <a:avLst/>
+          </a:prstGeom>
+          <a:noFill/>
+          <a:ln w="57150"/>
         </p:spPr>
         <p:style>
           <a:lnRef idx="2">
@@ -5687,80 +6764,68 @@
           <a:lstStyle/>
           <a:p>
             <a:pPr algn="ctr"/>
-            <a:endParaRPr lang="zh-CN" altLang="en-US"/>
-          </a:p>
-        </p:txBody>
-      </p:sp>
-      <p:sp>
-        <p:nvSpPr>
-          <p:cNvPr id="8" name="文本框 7">
-            <a:extLst>
-              <a:ext uri="{FF2B5EF4-FFF2-40B4-BE49-F238E27FC236}">
-                <a16:creationId xmlns:a16="http://schemas.microsoft.com/office/drawing/2014/main" id="{0C56A729-7560-4D83-96C6-D72B86CF3D78}"/>
-              </a:ext>
-            </a:extLst>
-          </p:cNvPr>
-          <p:cNvSpPr txBox="1"/>
-          <p:nvPr/>
-        </p:nvSpPr>
-        <p:spPr>
-          <a:xfrm>
-            <a:off x="2463687" y="1775139"/>
-            <a:ext cx="1074333" cy="276999"/>
+            <a:endParaRPr lang="zh-CN" altLang="en-US" dirty="0"/>
+          </a:p>
+        </p:txBody>
+      </p:sp>
+      <p:pic>
+        <p:nvPicPr>
+          <p:cNvPr id="11" name="图片 10">
+            <a:extLst>
+              <a:ext uri="{FF2B5EF4-FFF2-40B4-BE49-F238E27FC236}">
+                <a16:creationId xmlns:a16="http://schemas.microsoft.com/office/drawing/2014/main" id="{9A880BC7-4DBA-41B9-886C-7AEBC075C44F}"/>
+              </a:ext>
+            </a:extLst>
+          </p:cNvPr>
+          <p:cNvPicPr>
+            <a:picLocks noChangeAspect="1"/>
+          </p:cNvPicPr>
+          <p:nvPr/>
+        </p:nvPicPr>
+        <p:blipFill>
+          <a:blip r:embed="rId2"/>
+          <a:stretch>
+            <a:fillRect/>
+          </a:stretch>
+        </p:blipFill>
+        <p:spPr>
+          <a:xfrm>
+            <a:off x="3489099" y="3427797"/>
+            <a:ext cx="998307" cy="1120237"/>
           </a:xfrm>
           <a:prstGeom prst="rect">
             <a:avLst/>
           </a:prstGeom>
+          <a:ln w="28575">
+            <a:noFill/>
+            <a:prstDash val="dashDot"/>
+          </a:ln>
+        </p:spPr>
+      </p:pic>
+      <p:sp>
+        <p:nvSpPr>
+          <p:cNvPr id="12" name="圆柱体 11">
+            <a:extLst>
+              <a:ext uri="{FF2B5EF4-FFF2-40B4-BE49-F238E27FC236}">
+                <a16:creationId xmlns:a16="http://schemas.microsoft.com/office/drawing/2014/main" id="{FA2855A8-2549-4D73-B137-9433E1DABF44}"/>
+              </a:ext>
+            </a:extLst>
+          </p:cNvPr>
+          <p:cNvSpPr/>
+          <p:nvPr/>
+        </p:nvSpPr>
+        <p:spPr>
+          <a:xfrm>
+            <a:off x="5281175" y="2831153"/>
+            <a:ext cx="1954491" cy="2313525"/>
+          </a:xfrm>
+          <a:prstGeom prst="can">
+            <a:avLst>
+              <a:gd name="adj" fmla="val 402"/>
+            </a:avLst>
+          </a:prstGeom>
           <a:noFill/>
-        </p:spPr>
-        <p:txBody>
-          <a:bodyPr wrap="none" rtlCol="0">
-            <a:spAutoFit/>
-          </a:bodyPr>
-          <a:lstStyle/>
-          <a:p>
-            <a:r>
-              <a:rPr lang="zh-CN" altLang="en-US" sz="1200" dirty="0"/>
-              <a:t>第</a:t>
-            </a:r>
-            <a:r>
-              <a:rPr lang="en-US" altLang="zh-CN" sz="1200" dirty="0"/>
-              <a:t>1</a:t>
-            </a:r>
-            <a:r>
-              <a:rPr lang="zh-CN" altLang="en-US" sz="1200" dirty="0"/>
-              <a:t>次</a:t>
-            </a:r>
-            <a:r>
-              <a:rPr lang="en-US" altLang="zh-CN" sz="1200" dirty="0"/>
-              <a:t>commit</a:t>
-            </a:r>
-            <a:endParaRPr lang="zh-CN" altLang="en-US" sz="1200" dirty="0"/>
-          </a:p>
-        </p:txBody>
-      </p:sp>
-      <p:sp>
-        <p:nvSpPr>
-          <p:cNvPr id="11" name="椭圆 10">
-            <a:extLst>
-              <a:ext uri="{FF2B5EF4-FFF2-40B4-BE49-F238E27FC236}">
-                <a16:creationId xmlns:a16="http://schemas.microsoft.com/office/drawing/2014/main" id="{DEE66A55-42AA-49AB-BB07-63CF3C85A23D}"/>
-              </a:ext>
-            </a:extLst>
-          </p:cNvPr>
-          <p:cNvSpPr/>
-          <p:nvPr/>
-        </p:nvSpPr>
-        <p:spPr>
-          <a:xfrm>
-            <a:off x="1425805" y="1913640"/>
-            <a:ext cx="716437" cy="669305"/>
-          </a:xfrm>
-          <a:prstGeom prst="ellipse">
-            <a:avLst/>
-          </a:prstGeom>
-          <a:noFill/>
-          <a:ln>
+          <a:ln w="38100">
             <a:prstDash val="dashDot"/>
           </a:ln>
         </p:spPr>
@@ -5791,10 +6856,10 @@
       </p:sp>
       <p:sp>
         <p:nvSpPr>
-          <p:cNvPr id="12" name="文本框 11">
-            <a:extLst>
-              <a:ext uri="{FF2B5EF4-FFF2-40B4-BE49-F238E27FC236}">
-                <a16:creationId xmlns:a16="http://schemas.microsoft.com/office/drawing/2014/main" id="{42131046-1D3B-443C-BC01-37DCCAA6C372}"/>
+          <p:cNvPr id="15" name="文本框 14">
+            <a:extLst>
+              <a:ext uri="{FF2B5EF4-FFF2-40B4-BE49-F238E27FC236}">
+                <a16:creationId xmlns:a16="http://schemas.microsoft.com/office/drawing/2014/main" id="{0287D92B-ED49-412F-B3E5-98B33296C2BD}"/>
               </a:ext>
             </a:extLst>
           </p:cNvPr>
@@ -5803,8 +6868,8 @@
         </p:nvSpPr>
         <p:spPr>
           <a:xfrm>
-            <a:off x="1143974" y="3412503"/>
-            <a:ext cx="1569660" cy="1200329"/>
+            <a:off x="5819838" y="4629278"/>
+            <a:ext cx="877163" cy="369332"/>
           </a:xfrm>
           <a:prstGeom prst="rect">
             <a:avLst/>
@@ -5819,291 +6884,34 @@
           <a:p>
             <a:r>
               <a:rPr lang="zh-CN" altLang="en-US" dirty="0"/>
-              <a:t>新建</a:t>
-            </a:r>
-            <a:r>
-              <a:rPr lang="en-US" altLang="zh-CN" dirty="0"/>
-              <a:t>bible.txt</a:t>
-            </a:r>
-          </a:p>
-          <a:p>
-            <a:r>
-              <a:rPr lang="zh-CN" altLang="en-US" dirty="0"/>
-              <a:t>并输入内容：</a:t>
-            </a:r>
-            <a:endParaRPr lang="en-US" altLang="zh-CN" dirty="0"/>
-          </a:p>
-          <a:p>
-            <a:r>
-              <a:rPr lang="en-US" altLang="zh-CN" dirty="0"/>
-              <a:t>Day01:</a:t>
-            </a:r>
-            <a:r>
-              <a:rPr lang="zh-CN" altLang="en-US" dirty="0"/>
-              <a:t>创造光</a:t>
-            </a:r>
-            <a:endParaRPr lang="en-US" altLang="zh-CN" dirty="0"/>
-          </a:p>
-          <a:p>
-            <a:endParaRPr lang="en-US" altLang="zh-CN" dirty="0"/>
-          </a:p>
-        </p:txBody>
-      </p:sp>
-      <p:cxnSp>
-        <p:nvCxnSpPr>
-          <p:cNvPr id="14" name="直接箭头连接符 13">
-            <a:extLst>
-              <a:ext uri="{FF2B5EF4-FFF2-40B4-BE49-F238E27FC236}">
-                <a16:creationId xmlns:a16="http://schemas.microsoft.com/office/drawing/2014/main" id="{8D70CE9C-BC5F-4834-B6D5-8BE5F48944F0}"/>
-              </a:ext>
-            </a:extLst>
-          </p:cNvPr>
-          <p:cNvCxnSpPr>
-            <a:stCxn id="11" idx="6"/>
-            <a:endCxn id="4" idx="2"/>
-          </p:cNvCxnSpPr>
-          <p:nvPr/>
-        </p:nvCxnSpPr>
-        <p:spPr>
-          <a:xfrm flipV="1">
-            <a:off x="2142242" y="2248292"/>
-            <a:ext cx="1991561" cy="1"/>
-          </a:xfrm>
-          <a:prstGeom prst="straightConnector1">
-            <a:avLst/>
-          </a:prstGeom>
-          <a:ln>
-            <a:prstDash val="dash"/>
-            <a:tailEnd type="triangle"/>
-          </a:ln>
-        </p:spPr>
-        <p:style>
-          <a:lnRef idx="1">
-            <a:schemeClr val="accent1"/>
-          </a:lnRef>
-          <a:fillRef idx="0">
-            <a:schemeClr val="accent1"/>
-          </a:fillRef>
-          <a:effectRef idx="0">
-            <a:schemeClr val="accent1"/>
-          </a:effectRef>
-          <a:fontRef idx="minor">
-            <a:schemeClr val="tx1"/>
-          </a:fontRef>
-        </p:style>
-      </p:cxnSp>
-      <p:sp>
-        <p:nvSpPr>
-          <p:cNvPr id="15" name="文本框 14">
-            <a:extLst>
-              <a:ext uri="{FF2B5EF4-FFF2-40B4-BE49-F238E27FC236}">
-                <a16:creationId xmlns:a16="http://schemas.microsoft.com/office/drawing/2014/main" id="{1F987760-6F62-40F8-966B-EBFEDA5F654D}"/>
-              </a:ext>
-            </a:extLst>
-          </p:cNvPr>
-          <p:cNvSpPr txBox="1"/>
-          <p:nvPr/>
-        </p:nvSpPr>
-        <p:spPr>
-          <a:xfrm>
-            <a:off x="5120955" y="1775139"/>
-            <a:ext cx="1074333" cy="276999"/>
-          </a:xfrm>
-          <a:prstGeom prst="rect">
+              <a:t>暂存区</a:t>
+            </a:r>
+          </a:p>
+        </p:txBody>
+      </p:sp>
+      <p:sp>
+        <p:nvSpPr>
+          <p:cNvPr id="13" name="圆柱体 12">
+            <a:extLst>
+              <a:ext uri="{FF2B5EF4-FFF2-40B4-BE49-F238E27FC236}">
+                <a16:creationId xmlns:a16="http://schemas.microsoft.com/office/drawing/2014/main" id="{8EEDCB6C-BA87-4985-AE29-FC7D192DF6B8}"/>
+              </a:ext>
+            </a:extLst>
+          </p:cNvPr>
+          <p:cNvSpPr/>
+          <p:nvPr/>
+        </p:nvSpPr>
+        <p:spPr>
+          <a:xfrm>
+            <a:off x="9004069" y="2831152"/>
+            <a:ext cx="1954491" cy="2313525"/>
+          </a:xfrm>
+          <a:prstGeom prst="can">
             <a:avLst/>
           </a:prstGeom>
           <a:noFill/>
-        </p:spPr>
-        <p:txBody>
-          <a:bodyPr wrap="none" rtlCol="0">
-            <a:spAutoFit/>
-          </a:bodyPr>
-          <a:lstStyle/>
-          <a:p>
-            <a:r>
-              <a:rPr lang="zh-CN" altLang="en-US" sz="1200" dirty="0"/>
-              <a:t>第</a:t>
-            </a:r>
-            <a:r>
-              <a:rPr lang="en-US" altLang="zh-CN" sz="1200" dirty="0"/>
-              <a:t>2</a:t>
-            </a:r>
-            <a:r>
-              <a:rPr lang="zh-CN" altLang="en-US" sz="1200" dirty="0"/>
-              <a:t>次</a:t>
-            </a:r>
-            <a:r>
-              <a:rPr lang="en-US" altLang="zh-CN" sz="1200" dirty="0"/>
-              <a:t>commit</a:t>
-            </a:r>
-            <a:endParaRPr lang="zh-CN" altLang="en-US" sz="1200" dirty="0"/>
-          </a:p>
-        </p:txBody>
-      </p:sp>
-      <p:cxnSp>
-        <p:nvCxnSpPr>
-          <p:cNvPr id="16" name="直接箭头连接符 15">
-            <a:extLst>
-              <a:ext uri="{FF2B5EF4-FFF2-40B4-BE49-F238E27FC236}">
-                <a16:creationId xmlns:a16="http://schemas.microsoft.com/office/drawing/2014/main" id="{36BDB1E4-0F28-4396-ADF5-342997B35BCB}"/>
-              </a:ext>
-            </a:extLst>
-          </p:cNvPr>
-          <p:cNvCxnSpPr>
-            <a:cxnSpLocks/>
-            <a:stCxn id="4" idx="6"/>
-            <a:endCxn id="5" idx="2"/>
-          </p:cNvCxnSpPr>
-          <p:nvPr/>
-        </p:nvCxnSpPr>
-        <p:spPr>
-          <a:xfrm>
-            <a:off x="4850240" y="2248292"/>
-            <a:ext cx="1670116" cy="0"/>
-          </a:xfrm>
-          <a:prstGeom prst="straightConnector1">
-            <a:avLst/>
-          </a:prstGeom>
-          <a:ln>
-            <a:prstDash val="solid"/>
-            <a:tailEnd type="triangle"/>
-          </a:ln>
-        </p:spPr>
-        <p:style>
-          <a:lnRef idx="1">
-            <a:schemeClr val="accent1"/>
-          </a:lnRef>
-          <a:fillRef idx="0">
-            <a:schemeClr val="accent1"/>
-          </a:fillRef>
-          <a:effectRef idx="0">
-            <a:schemeClr val="accent1"/>
-          </a:effectRef>
-          <a:fontRef idx="minor">
-            <a:schemeClr val="tx1"/>
-          </a:fontRef>
-        </p:style>
-      </p:cxnSp>
-      <p:sp>
-        <p:nvSpPr>
-          <p:cNvPr id="19" name="文本框 18">
-            <a:extLst>
-              <a:ext uri="{FF2B5EF4-FFF2-40B4-BE49-F238E27FC236}">
-                <a16:creationId xmlns:a16="http://schemas.microsoft.com/office/drawing/2014/main" id="{E4A951F4-1A9D-4A6D-80FD-85839D138740}"/>
-              </a:ext>
-            </a:extLst>
-          </p:cNvPr>
-          <p:cNvSpPr txBox="1"/>
-          <p:nvPr/>
-        </p:nvSpPr>
-        <p:spPr>
-          <a:xfrm>
-            <a:off x="7774600" y="1775139"/>
-            <a:ext cx="1074333" cy="276999"/>
-          </a:xfrm>
-          <a:prstGeom prst="rect">
-            <a:avLst/>
-          </a:prstGeom>
-          <a:noFill/>
-        </p:spPr>
-        <p:txBody>
-          <a:bodyPr wrap="none" rtlCol="0">
-            <a:spAutoFit/>
-          </a:bodyPr>
-          <a:lstStyle/>
-          <a:p>
-            <a:r>
-              <a:rPr lang="zh-CN" altLang="en-US" sz="1200" dirty="0"/>
-              <a:t>第</a:t>
-            </a:r>
-            <a:r>
-              <a:rPr lang="en-US" altLang="zh-CN" sz="1200" dirty="0"/>
-              <a:t>3</a:t>
-            </a:r>
-            <a:r>
-              <a:rPr lang="zh-CN" altLang="en-US" sz="1200" dirty="0"/>
-              <a:t>次</a:t>
-            </a:r>
-            <a:r>
-              <a:rPr lang="en-US" altLang="zh-CN" sz="1200" dirty="0"/>
-              <a:t>commit</a:t>
-            </a:r>
-            <a:endParaRPr lang="zh-CN" altLang="en-US" sz="1200" dirty="0"/>
-          </a:p>
-        </p:txBody>
-      </p:sp>
-      <p:cxnSp>
-        <p:nvCxnSpPr>
-          <p:cNvPr id="20" name="直接箭头连接符 19">
-            <a:extLst>
-              <a:ext uri="{FF2B5EF4-FFF2-40B4-BE49-F238E27FC236}">
-                <a16:creationId xmlns:a16="http://schemas.microsoft.com/office/drawing/2014/main" id="{03656FDD-1EEB-4205-A1A8-8C5F0B68C899}"/>
-              </a:ext>
-            </a:extLst>
-          </p:cNvPr>
-          <p:cNvCxnSpPr>
-            <a:cxnSpLocks/>
-            <a:stCxn id="5" idx="6"/>
-            <a:endCxn id="6" idx="2"/>
-          </p:cNvCxnSpPr>
-          <p:nvPr/>
-        </p:nvCxnSpPr>
-        <p:spPr>
-          <a:xfrm>
-            <a:off x="7236793" y="2248292"/>
-            <a:ext cx="1937208" cy="0"/>
-          </a:xfrm>
-          <a:prstGeom prst="straightConnector1">
-            <a:avLst/>
-          </a:prstGeom>
-          <a:ln>
-            <a:prstDash val="solid"/>
-            <a:tailEnd type="triangle"/>
-          </a:ln>
-        </p:spPr>
-        <p:style>
-          <a:lnRef idx="1">
-            <a:schemeClr val="accent1"/>
-          </a:lnRef>
-          <a:fillRef idx="0">
-            <a:schemeClr val="accent1"/>
-          </a:fillRef>
-          <a:effectRef idx="0">
-            <a:schemeClr val="accent1"/>
-          </a:effectRef>
-          <a:fontRef idx="minor">
-            <a:schemeClr val="tx1"/>
-          </a:fontRef>
-        </p:style>
-      </p:cxnSp>
-      <p:sp>
-        <p:nvSpPr>
-          <p:cNvPr id="24" name="箭头: 右 23">
-            <a:extLst>
-              <a:ext uri="{FF2B5EF4-FFF2-40B4-BE49-F238E27FC236}">
-                <a16:creationId xmlns:a16="http://schemas.microsoft.com/office/drawing/2014/main" id="{6F3BD0B1-23F3-4B59-9794-C5B9D251277B}"/>
-              </a:ext>
-            </a:extLst>
-          </p:cNvPr>
-          <p:cNvSpPr/>
-          <p:nvPr/>
-        </p:nvSpPr>
-        <p:spPr>
-          <a:xfrm rot="7191081">
-            <a:off x="9487630" y="1157797"/>
-            <a:ext cx="1010388" cy="424204"/>
-          </a:xfrm>
-          <a:prstGeom prst="rightArrow">
-            <a:avLst>
-              <a:gd name="adj1" fmla="val 36034"/>
-              <a:gd name="adj2" fmla="val 79978"/>
-            </a:avLst>
-          </a:prstGeom>
-          <a:solidFill>
-            <a:srgbClr val="FF0000"/>
-          </a:solidFill>
-          <a:ln>
-            <a:noFill/>
+          <a:ln w="38100">
+            <a:prstDash val="dashDot"/>
           </a:ln>
         </p:spPr>
         <p:style>
@@ -6127,16 +6935,16 @@
           <a:lstStyle/>
           <a:p>
             <a:pPr algn="ctr"/>
-            <a:endParaRPr lang="zh-CN" altLang="en-US" dirty="0"/>
-          </a:p>
-        </p:txBody>
-      </p:sp>
-      <p:sp>
-        <p:nvSpPr>
-          <p:cNvPr id="25" name="文本框 24">
-            <a:extLst>
-              <a:ext uri="{FF2B5EF4-FFF2-40B4-BE49-F238E27FC236}">
-                <a16:creationId xmlns:a16="http://schemas.microsoft.com/office/drawing/2014/main" id="{1720C063-FFAF-4F74-B422-2C24D1390A98}"/>
+            <a:endParaRPr lang="zh-CN" altLang="en-US"/>
+          </a:p>
+        </p:txBody>
+      </p:sp>
+      <p:sp>
+        <p:nvSpPr>
+          <p:cNvPr id="16" name="文本框 15">
+            <a:extLst>
+              <a:ext uri="{FF2B5EF4-FFF2-40B4-BE49-F238E27FC236}">
+                <a16:creationId xmlns:a16="http://schemas.microsoft.com/office/drawing/2014/main" id="{8D8DD38A-A78D-43A9-BD61-75CD355F5CDE}"/>
               </a:ext>
             </a:extLst>
           </p:cNvPr>
@@ -6145,8 +6953,8 @@
         </p:nvSpPr>
         <p:spPr>
           <a:xfrm>
-            <a:off x="3715206" y="3244334"/>
-            <a:ext cx="1553630" cy="369332"/>
+            <a:off x="9621582" y="4629278"/>
+            <a:ext cx="926857" cy="369332"/>
           </a:xfrm>
           <a:prstGeom prst="rect">
             <a:avLst/>
@@ -6161,22 +6969,71 @@
           <a:p>
             <a:r>
               <a:rPr lang="en-US" altLang="zh-CN" dirty="0"/>
-              <a:t>Day01:</a:t>
+              <a:t>git</a:t>
             </a:r>
             <a:r>
               <a:rPr lang="zh-CN" altLang="en-US" dirty="0"/>
-              <a:t>创造光</a:t>
-            </a:r>
-            <a:endParaRPr lang="en-US" altLang="zh-CN" dirty="0"/>
-          </a:p>
-        </p:txBody>
-      </p:sp>
-      <p:sp>
-        <p:nvSpPr>
-          <p:cNvPr id="26" name="文本框 25">
-            <a:extLst>
-              <a:ext uri="{FF2B5EF4-FFF2-40B4-BE49-F238E27FC236}">
-                <a16:creationId xmlns:a16="http://schemas.microsoft.com/office/drawing/2014/main" id="{3686128A-9E32-41EC-B788-23CCE49A8979}"/>
+              <a:t>仓库</a:t>
+            </a:r>
+          </a:p>
+        </p:txBody>
+      </p:sp>
+      <p:sp>
+        <p:nvSpPr>
+          <p:cNvPr id="20" name="椭圆 19">
+            <a:extLst>
+              <a:ext uri="{FF2B5EF4-FFF2-40B4-BE49-F238E27FC236}">
+                <a16:creationId xmlns:a16="http://schemas.microsoft.com/office/drawing/2014/main" id="{57C67EF1-1F2C-45F7-9A38-29EF5A134254}"/>
+              </a:ext>
+            </a:extLst>
+          </p:cNvPr>
+          <p:cNvSpPr/>
+          <p:nvPr/>
+        </p:nvSpPr>
+        <p:spPr>
+          <a:xfrm>
+            <a:off x="1000219" y="3035985"/>
+            <a:ext cx="2602986" cy="2425461"/>
+          </a:xfrm>
+          <a:prstGeom prst="ellipse">
+            <a:avLst/>
+          </a:prstGeom>
+          <a:noFill/>
+          <a:ln>
+            <a:prstDash val="dash"/>
+          </a:ln>
+        </p:spPr>
+        <p:style>
+          <a:lnRef idx="2">
+            <a:schemeClr val="accent1">
+              <a:shade val="50000"/>
+            </a:schemeClr>
+          </a:lnRef>
+          <a:fillRef idx="1">
+            <a:schemeClr val="accent1"/>
+          </a:fillRef>
+          <a:effectRef idx="0">
+            <a:schemeClr val="accent1"/>
+          </a:effectRef>
+          <a:fontRef idx="minor">
+            <a:schemeClr val="lt1"/>
+          </a:fontRef>
+        </p:style>
+        <p:txBody>
+          <a:bodyPr rtlCol="0" anchor="ctr"/>
+          <a:lstStyle/>
+          <a:p>
+            <a:pPr algn="ctr"/>
+            <a:endParaRPr lang="zh-CN" altLang="en-US"/>
+          </a:p>
+        </p:txBody>
+      </p:sp>
+      <p:sp>
+        <p:nvSpPr>
+          <p:cNvPr id="22" name="文本框 21">
+            <a:extLst>
+              <a:ext uri="{FF2B5EF4-FFF2-40B4-BE49-F238E27FC236}">
+                <a16:creationId xmlns:a16="http://schemas.microsoft.com/office/drawing/2014/main" id="{F995F98A-ABB3-4D47-9781-A01125E6D40B}"/>
               </a:ext>
             </a:extLst>
           </p:cNvPr>
@@ -6185,8 +7042,8 @@
         </p:nvSpPr>
         <p:spPr>
           <a:xfrm>
-            <a:off x="6101759" y="3244334"/>
-            <a:ext cx="1784463" cy="646331"/>
+            <a:off x="1813243" y="4998610"/>
+            <a:ext cx="877163" cy="369332"/>
           </a:xfrm>
           <a:prstGeom prst="rect">
             <a:avLst/>
@@ -6200,34 +7057,18 @@
           <a:lstStyle/>
           <a:p>
             <a:r>
-              <a:rPr lang="en-US" altLang="zh-CN" dirty="0"/>
-              <a:t>Day01:</a:t>
-            </a:r>
-            <a:r>
               <a:rPr lang="zh-CN" altLang="en-US" dirty="0"/>
-              <a:t>创造光</a:t>
-            </a:r>
-            <a:endParaRPr lang="en-US" altLang="zh-CN" dirty="0"/>
-          </a:p>
-          <a:p>
-            <a:r>
-              <a:rPr lang="en-US" altLang="zh-CN" dirty="0"/>
-              <a:t>Day02:</a:t>
-            </a:r>
-            <a:r>
-              <a:rPr lang="zh-CN" altLang="en-US" dirty="0"/>
-              <a:t>创造空气</a:t>
-            </a:r>
-            <a:endParaRPr lang="en-US" altLang="zh-CN" dirty="0"/>
-          </a:p>
-        </p:txBody>
-      </p:sp>
-      <p:sp>
-        <p:nvSpPr>
-          <p:cNvPr id="27" name="文本框 26">
-            <a:extLst>
-              <a:ext uri="{FF2B5EF4-FFF2-40B4-BE49-F238E27FC236}">
-                <a16:creationId xmlns:a16="http://schemas.microsoft.com/office/drawing/2014/main" id="{A5386F9D-C677-4A88-BAAA-B78D7B550AE5}"/>
+              <a:t>工作区</a:t>
+            </a:r>
+          </a:p>
+        </p:txBody>
+      </p:sp>
+      <p:sp>
+        <p:nvSpPr>
+          <p:cNvPr id="23" name="文本框 22">
+            <a:extLst>
+              <a:ext uri="{FF2B5EF4-FFF2-40B4-BE49-F238E27FC236}">
+                <a16:creationId xmlns:a16="http://schemas.microsoft.com/office/drawing/2014/main" id="{A15D205C-DEB7-41AB-A645-5977E7DA2333}"/>
               </a:ext>
             </a:extLst>
           </p:cNvPr>
@@ -6236,8 +7077,209 @@
         </p:nvSpPr>
         <p:spPr>
           <a:xfrm>
-            <a:off x="8770526" y="3244334"/>
-            <a:ext cx="1784463" cy="923330"/>
+            <a:off x="134660" y="105899"/>
+            <a:ext cx="7925258" cy="1815882"/>
+          </a:xfrm>
+          <a:prstGeom prst="rect">
+            <a:avLst/>
+          </a:prstGeom>
+        </p:spPr>
+        <p:style>
+          <a:lnRef idx="1">
+            <a:schemeClr val="accent5"/>
+          </a:lnRef>
+          <a:fillRef idx="3">
+            <a:schemeClr val="accent5"/>
+          </a:fillRef>
+          <a:effectRef idx="2">
+            <a:schemeClr val="accent5"/>
+          </a:effectRef>
+          <a:fontRef idx="minor">
+            <a:schemeClr val="lt1"/>
+          </a:fontRef>
+        </p:style>
+        <p:txBody>
+          <a:bodyPr wrap="square" rtlCol="0">
+            <a:spAutoFit/>
+          </a:bodyPr>
+          <a:lstStyle/>
+          <a:p>
+            <a:r>
+              <a:rPr lang="zh-CN" altLang="en-US" sz="2800" dirty="0"/>
+              <a:t>新建一个文件，名为</a:t>
+            </a:r>
+            <a:r>
+              <a:rPr lang="en-US" altLang="zh-CN" sz="2800" dirty="0"/>
+              <a:t>resume.md</a:t>
+            </a:r>
+            <a:r>
+              <a:rPr lang="zh-CN" altLang="en-US" sz="2800" dirty="0"/>
+              <a:t>，</a:t>
+            </a:r>
+            <a:endParaRPr lang="en-US" altLang="zh-CN" sz="2800" dirty="0"/>
+          </a:p>
+          <a:p>
+            <a:r>
+              <a:rPr lang="zh-CN" altLang="en-US" sz="2800" dirty="0"/>
+              <a:t>添加任意内容，并保存。</a:t>
+            </a:r>
+            <a:endParaRPr lang="en-US" altLang="zh-CN" sz="2800" dirty="0"/>
+          </a:p>
+          <a:p>
+            <a:endParaRPr lang="en-US" altLang="zh-CN" sz="2800" dirty="0"/>
+          </a:p>
+          <a:p>
+            <a:r>
+              <a:rPr lang="zh-CN" altLang="en-US" sz="2800" dirty="0"/>
+              <a:t>此时，</a:t>
+            </a:r>
+            <a:r>
+              <a:rPr lang="en-US" altLang="zh-CN" sz="2800" dirty="0"/>
+              <a:t> resume.md</a:t>
+            </a:r>
+            <a:r>
+              <a:rPr lang="zh-CN" altLang="en-US" sz="2800" dirty="0"/>
+              <a:t>对于</a:t>
+            </a:r>
+            <a:r>
+              <a:rPr lang="en-US" altLang="zh-CN" sz="2800" dirty="0"/>
+              <a:t>git</a:t>
+            </a:r>
+            <a:r>
+              <a:rPr lang="zh-CN" altLang="en-US" sz="2800" dirty="0"/>
+              <a:t>仓库来说是</a:t>
+            </a:r>
+            <a:r>
+              <a:rPr lang="en-US" altLang="zh-CN" sz="2800" dirty="0"/>
+              <a:t>untracked</a:t>
+            </a:r>
+          </a:p>
+        </p:txBody>
+      </p:sp>
+      <p:pic>
+        <p:nvPicPr>
+          <p:cNvPr id="3" name="图片 2">
+            <a:extLst>
+              <a:ext uri="{FF2B5EF4-FFF2-40B4-BE49-F238E27FC236}">
+                <a16:creationId xmlns:a16="http://schemas.microsoft.com/office/drawing/2014/main" id="{F3CD8B31-48D3-4822-B1C5-28348D4FDFCE}"/>
+              </a:ext>
+            </a:extLst>
+          </p:cNvPr>
+          <p:cNvPicPr>
+            <a:picLocks noChangeAspect="1"/>
+          </p:cNvPicPr>
+          <p:nvPr/>
+        </p:nvPicPr>
+        <p:blipFill>
+          <a:blip r:embed="rId3"/>
+          <a:stretch>
+            <a:fillRect/>
+          </a:stretch>
+        </p:blipFill>
+        <p:spPr>
+          <a:xfrm>
+            <a:off x="1625955" y="3576398"/>
+            <a:ext cx="746825" cy="823031"/>
+          </a:xfrm>
+          <a:prstGeom prst="rect">
+            <a:avLst/>
+          </a:prstGeom>
+        </p:spPr>
+      </p:pic>
+    </p:spTree>
+    <p:extLst>
+      <p:ext uri="{BB962C8B-B14F-4D97-AF65-F5344CB8AC3E}">
+        <p14:creationId xmlns:p14="http://schemas.microsoft.com/office/powerpoint/2010/main" val="2937824553"/>
+      </p:ext>
+    </p:extLst>
+  </p:cSld>
+  <p:clrMapOvr>
+    <a:masterClrMapping/>
+  </p:clrMapOvr>
+</p:sld>
+</file>
+
+<file path=ppt/slides/slide6.xml><?xml version="1.0" encoding="utf-8"?>
+<p:sld xmlns:a="http://schemas.openxmlformats.org/drawingml/2006/main" xmlns:r="http://schemas.openxmlformats.org/officeDocument/2006/relationships" xmlns:p="http://schemas.openxmlformats.org/presentationml/2006/main">
+  <p:cSld>
+    <p:spTree>
+      <p:nvGrpSpPr>
+        <p:cNvPr id="1" name=""/>
+        <p:cNvGrpSpPr/>
+        <p:nvPr/>
+      </p:nvGrpSpPr>
+      <p:grpSpPr>
+        <a:xfrm>
+          <a:off x="0" y="0"/>
+          <a:ext cx="0" cy="0"/>
+          <a:chOff x="0" y="0"/>
+          <a:chExt cx="0" cy="0"/>
+        </a:xfrm>
+      </p:grpSpPr>
+      <p:sp>
+        <p:nvSpPr>
+          <p:cNvPr id="8" name="矩形 7">
+            <a:extLst>
+              <a:ext uri="{FF2B5EF4-FFF2-40B4-BE49-F238E27FC236}">
+                <a16:creationId xmlns:a16="http://schemas.microsoft.com/office/drawing/2014/main" id="{02CB3CBA-6E63-4C8B-9C08-893B060AD68E}"/>
+              </a:ext>
+            </a:extLst>
+          </p:cNvPr>
+          <p:cNvSpPr/>
+          <p:nvPr/>
+        </p:nvSpPr>
+        <p:spPr>
+          <a:xfrm>
+            <a:off x="879792" y="2903456"/>
+            <a:ext cx="3707027" cy="2894538"/>
+          </a:xfrm>
+          <a:prstGeom prst="rect">
+            <a:avLst/>
+          </a:prstGeom>
+          <a:noFill/>
+          <a:ln w="57150"/>
+        </p:spPr>
+        <p:style>
+          <a:lnRef idx="2">
+            <a:schemeClr val="accent1">
+              <a:shade val="50000"/>
+            </a:schemeClr>
+          </a:lnRef>
+          <a:fillRef idx="1">
+            <a:schemeClr val="accent1"/>
+          </a:fillRef>
+          <a:effectRef idx="0">
+            <a:schemeClr val="accent1"/>
+          </a:effectRef>
+          <a:fontRef idx="minor">
+            <a:schemeClr val="lt1"/>
+          </a:fontRef>
+        </p:style>
+        <p:txBody>
+          <a:bodyPr rtlCol="0" anchor="ctr"/>
+          <a:lstStyle/>
+          <a:p>
+            <a:pPr algn="ctr"/>
+            <a:endParaRPr lang="zh-CN" altLang="en-US" dirty="0"/>
+          </a:p>
+        </p:txBody>
+      </p:sp>
+      <p:sp>
+        <p:nvSpPr>
+          <p:cNvPr id="9" name="文本框 8">
+            <a:extLst>
+              <a:ext uri="{FF2B5EF4-FFF2-40B4-BE49-F238E27FC236}">
+                <a16:creationId xmlns:a16="http://schemas.microsoft.com/office/drawing/2014/main" id="{7A21413E-559B-41BC-9CEC-60D6FD143199}"/>
+              </a:ext>
+            </a:extLst>
+          </p:cNvPr>
+          <p:cNvSpPr txBox="1"/>
+          <p:nvPr/>
+        </p:nvSpPr>
+        <p:spPr>
+          <a:xfrm>
+            <a:off x="909088" y="2432115"/>
+            <a:ext cx="1229824" cy="369332"/>
           </a:xfrm>
           <a:prstGeom prst="rect">
             <a:avLst/>
@@ -6252,44 +7294,152 @@
           <a:p>
             <a:r>
               <a:rPr lang="en-US" altLang="zh-CN" dirty="0"/>
-              <a:t>Day01:</a:t>
-            </a:r>
-            <a:r>
-              <a:rPr lang="zh-CN" altLang="en-US" dirty="0"/>
-              <a:t>创造光</a:t>
-            </a:r>
-            <a:endParaRPr lang="en-US" altLang="zh-CN" dirty="0"/>
-          </a:p>
-          <a:p>
-            <a:r>
-              <a:rPr lang="en-US" altLang="zh-CN" dirty="0"/>
-              <a:t>Day02:</a:t>
-            </a:r>
-            <a:r>
-              <a:rPr lang="zh-CN" altLang="en-US" dirty="0"/>
-              <a:t>创造空气</a:t>
-            </a:r>
-            <a:endParaRPr lang="en-US" altLang="zh-CN" dirty="0"/>
-          </a:p>
-          <a:p>
-            <a:r>
-              <a:rPr lang="en-US" altLang="zh-CN" dirty="0"/>
-              <a:t>Day03:</a:t>
-            </a:r>
-            <a:r>
-              <a:rPr lang="zh-CN" altLang="en-US" dirty="0"/>
-              <a:t>陆水分离</a:t>
-            </a:r>
-            <a:endParaRPr lang="en-US" altLang="zh-CN" dirty="0"/>
-          </a:p>
-        </p:txBody>
-      </p:sp>
-      <p:sp>
-        <p:nvSpPr>
-          <p:cNvPr id="28" name="文本框 27">
-            <a:extLst>
-              <a:ext uri="{FF2B5EF4-FFF2-40B4-BE49-F238E27FC236}">
-                <a16:creationId xmlns:a16="http://schemas.microsoft.com/office/drawing/2014/main" id="{DFE09360-6E3B-447C-B032-BA37D3E228B0}"/>
+              <a:t>d:/learngit</a:t>
+            </a:r>
+            <a:endParaRPr lang="zh-CN" altLang="en-US" dirty="0"/>
+          </a:p>
+        </p:txBody>
+      </p:sp>
+      <p:sp>
+        <p:nvSpPr>
+          <p:cNvPr id="10" name="矩形 9">
+            <a:extLst>
+              <a:ext uri="{FF2B5EF4-FFF2-40B4-BE49-F238E27FC236}">
+                <a16:creationId xmlns:a16="http://schemas.microsoft.com/office/drawing/2014/main" id="{7BE2A0CC-8A41-4521-8C6D-7C8A0BDDB29F}"/>
+              </a:ext>
+            </a:extLst>
+          </p:cNvPr>
+          <p:cNvSpPr/>
+          <p:nvPr/>
+        </p:nvSpPr>
+        <p:spPr>
+          <a:xfrm>
+            <a:off x="879792" y="2432115"/>
+            <a:ext cx="1421920" cy="471341"/>
+          </a:xfrm>
+          <a:prstGeom prst="rect">
+            <a:avLst/>
+          </a:prstGeom>
+          <a:noFill/>
+          <a:ln w="57150"/>
+        </p:spPr>
+        <p:style>
+          <a:lnRef idx="2">
+            <a:schemeClr val="accent1">
+              <a:shade val="50000"/>
+            </a:schemeClr>
+          </a:lnRef>
+          <a:fillRef idx="1">
+            <a:schemeClr val="accent1"/>
+          </a:fillRef>
+          <a:effectRef idx="0">
+            <a:schemeClr val="accent1"/>
+          </a:effectRef>
+          <a:fontRef idx="minor">
+            <a:schemeClr val="lt1"/>
+          </a:fontRef>
+        </p:style>
+        <p:txBody>
+          <a:bodyPr rtlCol="0" anchor="ctr"/>
+          <a:lstStyle/>
+          <a:p>
+            <a:pPr algn="ctr"/>
+            <a:endParaRPr lang="zh-CN" altLang="en-US" dirty="0"/>
+          </a:p>
+        </p:txBody>
+      </p:sp>
+      <p:pic>
+        <p:nvPicPr>
+          <p:cNvPr id="11" name="图片 10">
+            <a:extLst>
+              <a:ext uri="{FF2B5EF4-FFF2-40B4-BE49-F238E27FC236}">
+                <a16:creationId xmlns:a16="http://schemas.microsoft.com/office/drawing/2014/main" id="{9A880BC7-4DBA-41B9-886C-7AEBC075C44F}"/>
+              </a:ext>
+            </a:extLst>
+          </p:cNvPr>
+          <p:cNvPicPr>
+            <a:picLocks noChangeAspect="1"/>
+          </p:cNvPicPr>
+          <p:nvPr/>
+        </p:nvPicPr>
+        <p:blipFill>
+          <a:blip r:embed="rId2"/>
+          <a:stretch>
+            <a:fillRect/>
+          </a:stretch>
+        </p:blipFill>
+        <p:spPr>
+          <a:xfrm>
+            <a:off x="3489099" y="3427797"/>
+            <a:ext cx="998307" cy="1120237"/>
+          </a:xfrm>
+          <a:prstGeom prst="rect">
+            <a:avLst/>
+          </a:prstGeom>
+          <a:ln w="28575">
+            <a:noFill/>
+            <a:prstDash val="dashDot"/>
+          </a:ln>
+        </p:spPr>
+      </p:pic>
+      <p:sp>
+        <p:nvSpPr>
+          <p:cNvPr id="12" name="圆柱体 11">
+            <a:extLst>
+              <a:ext uri="{FF2B5EF4-FFF2-40B4-BE49-F238E27FC236}">
+                <a16:creationId xmlns:a16="http://schemas.microsoft.com/office/drawing/2014/main" id="{FA2855A8-2549-4D73-B137-9433E1DABF44}"/>
+              </a:ext>
+            </a:extLst>
+          </p:cNvPr>
+          <p:cNvSpPr/>
+          <p:nvPr/>
+        </p:nvSpPr>
+        <p:spPr>
+          <a:xfrm>
+            <a:off x="5281175" y="2831153"/>
+            <a:ext cx="2175427" cy="2313525"/>
+          </a:xfrm>
+          <a:prstGeom prst="can">
+            <a:avLst>
+              <a:gd name="adj" fmla="val 402"/>
+            </a:avLst>
+          </a:prstGeom>
+          <a:noFill/>
+          <a:ln w="38100">
+            <a:prstDash val="dashDot"/>
+          </a:ln>
+        </p:spPr>
+        <p:style>
+          <a:lnRef idx="2">
+            <a:schemeClr val="accent1">
+              <a:shade val="50000"/>
+            </a:schemeClr>
+          </a:lnRef>
+          <a:fillRef idx="1">
+            <a:schemeClr val="accent1"/>
+          </a:fillRef>
+          <a:effectRef idx="0">
+            <a:schemeClr val="accent1"/>
+          </a:effectRef>
+          <a:fontRef idx="minor">
+            <a:schemeClr val="lt1"/>
+          </a:fontRef>
+        </p:style>
+        <p:txBody>
+          <a:bodyPr rtlCol="0" anchor="ctr"/>
+          <a:lstStyle/>
+          <a:p>
+            <a:pPr algn="ctr"/>
+            <a:endParaRPr lang="zh-CN" altLang="en-US"/>
+          </a:p>
+        </p:txBody>
+      </p:sp>
+      <p:sp>
+        <p:nvSpPr>
+          <p:cNvPr id="15" name="文本框 14">
+            <a:extLst>
+              <a:ext uri="{FF2B5EF4-FFF2-40B4-BE49-F238E27FC236}">
+                <a16:creationId xmlns:a16="http://schemas.microsoft.com/office/drawing/2014/main" id="{0287D92B-ED49-412F-B3E5-98B33296C2BD}"/>
               </a:ext>
             </a:extLst>
           </p:cNvPr>
@@ -6298,8 +7448,8 @@
         </p:nvSpPr>
         <p:spPr>
           <a:xfrm>
-            <a:off x="10141949" y="547941"/>
-            <a:ext cx="572593" cy="276999"/>
+            <a:off x="5819838" y="4629278"/>
+            <a:ext cx="877163" cy="369332"/>
           </a:xfrm>
           <a:prstGeom prst="rect">
             <a:avLst/>
@@ -6313,17 +7463,3112 @@
           <a:lstStyle/>
           <a:p>
             <a:r>
-              <a:rPr lang="en-US" altLang="zh-CN" sz="1200" dirty="0"/>
-              <a:t>HEAD</a:t>
-            </a:r>
-            <a:endParaRPr lang="zh-CN" altLang="en-US" sz="1200" dirty="0"/>
+              <a:rPr lang="zh-CN" altLang="en-US" dirty="0"/>
+              <a:t>暂存区</a:t>
+            </a:r>
+          </a:p>
+        </p:txBody>
+      </p:sp>
+      <p:sp>
+        <p:nvSpPr>
+          <p:cNvPr id="13" name="圆柱体 12">
+            <a:extLst>
+              <a:ext uri="{FF2B5EF4-FFF2-40B4-BE49-F238E27FC236}">
+                <a16:creationId xmlns:a16="http://schemas.microsoft.com/office/drawing/2014/main" id="{8EEDCB6C-BA87-4985-AE29-FC7D192DF6B8}"/>
+              </a:ext>
+            </a:extLst>
+          </p:cNvPr>
+          <p:cNvSpPr/>
+          <p:nvPr/>
+        </p:nvSpPr>
+        <p:spPr>
+          <a:xfrm>
+            <a:off x="9004069" y="2831152"/>
+            <a:ext cx="1954491" cy="2313525"/>
+          </a:xfrm>
+          <a:prstGeom prst="can">
+            <a:avLst/>
+          </a:prstGeom>
+          <a:noFill/>
+          <a:ln w="38100">
+            <a:prstDash val="dashDot"/>
+          </a:ln>
+        </p:spPr>
+        <p:style>
+          <a:lnRef idx="2">
+            <a:schemeClr val="accent1">
+              <a:shade val="50000"/>
+            </a:schemeClr>
+          </a:lnRef>
+          <a:fillRef idx="1">
+            <a:schemeClr val="accent1"/>
+          </a:fillRef>
+          <a:effectRef idx="0">
+            <a:schemeClr val="accent1"/>
+          </a:effectRef>
+          <a:fontRef idx="minor">
+            <a:schemeClr val="lt1"/>
+          </a:fontRef>
+        </p:style>
+        <p:txBody>
+          <a:bodyPr rtlCol="0" anchor="ctr"/>
+          <a:lstStyle/>
+          <a:p>
+            <a:pPr algn="ctr"/>
+            <a:endParaRPr lang="zh-CN" altLang="en-US"/>
+          </a:p>
+        </p:txBody>
+      </p:sp>
+      <p:sp>
+        <p:nvSpPr>
+          <p:cNvPr id="16" name="文本框 15">
+            <a:extLst>
+              <a:ext uri="{FF2B5EF4-FFF2-40B4-BE49-F238E27FC236}">
+                <a16:creationId xmlns:a16="http://schemas.microsoft.com/office/drawing/2014/main" id="{8D8DD38A-A78D-43A9-BD61-75CD355F5CDE}"/>
+              </a:ext>
+            </a:extLst>
+          </p:cNvPr>
+          <p:cNvSpPr txBox="1"/>
+          <p:nvPr/>
+        </p:nvSpPr>
+        <p:spPr>
+          <a:xfrm>
+            <a:off x="9621582" y="4629278"/>
+            <a:ext cx="926857" cy="369332"/>
+          </a:xfrm>
+          <a:prstGeom prst="rect">
+            <a:avLst/>
+          </a:prstGeom>
+          <a:noFill/>
+        </p:spPr>
+        <p:txBody>
+          <a:bodyPr wrap="none" rtlCol="0">
+            <a:spAutoFit/>
+          </a:bodyPr>
+          <a:lstStyle/>
+          <a:p>
+            <a:r>
+              <a:rPr lang="en-US" altLang="zh-CN" dirty="0"/>
+              <a:t>git</a:t>
+            </a:r>
+            <a:r>
+              <a:rPr lang="zh-CN" altLang="en-US" dirty="0"/>
+              <a:t>仓库</a:t>
+            </a:r>
+          </a:p>
+        </p:txBody>
+      </p:sp>
+      <p:sp>
+        <p:nvSpPr>
+          <p:cNvPr id="20" name="椭圆 19">
+            <a:extLst>
+              <a:ext uri="{FF2B5EF4-FFF2-40B4-BE49-F238E27FC236}">
+                <a16:creationId xmlns:a16="http://schemas.microsoft.com/office/drawing/2014/main" id="{57C67EF1-1F2C-45F7-9A38-29EF5A134254}"/>
+              </a:ext>
+            </a:extLst>
+          </p:cNvPr>
+          <p:cNvSpPr/>
+          <p:nvPr/>
+        </p:nvSpPr>
+        <p:spPr>
+          <a:xfrm>
+            <a:off x="1000219" y="3035985"/>
+            <a:ext cx="2602986" cy="2425461"/>
+          </a:xfrm>
+          <a:prstGeom prst="ellipse">
+            <a:avLst/>
+          </a:prstGeom>
+          <a:noFill/>
+          <a:ln>
+            <a:prstDash val="dash"/>
+          </a:ln>
+        </p:spPr>
+        <p:style>
+          <a:lnRef idx="2">
+            <a:schemeClr val="accent1">
+              <a:shade val="50000"/>
+            </a:schemeClr>
+          </a:lnRef>
+          <a:fillRef idx="1">
+            <a:schemeClr val="accent1"/>
+          </a:fillRef>
+          <a:effectRef idx="0">
+            <a:schemeClr val="accent1"/>
+          </a:effectRef>
+          <a:fontRef idx="minor">
+            <a:schemeClr val="lt1"/>
+          </a:fontRef>
+        </p:style>
+        <p:txBody>
+          <a:bodyPr rtlCol="0" anchor="ctr"/>
+          <a:lstStyle/>
+          <a:p>
+            <a:pPr algn="ctr"/>
+            <a:endParaRPr lang="zh-CN" altLang="en-US"/>
+          </a:p>
+        </p:txBody>
+      </p:sp>
+      <p:sp>
+        <p:nvSpPr>
+          <p:cNvPr id="22" name="文本框 21">
+            <a:extLst>
+              <a:ext uri="{FF2B5EF4-FFF2-40B4-BE49-F238E27FC236}">
+                <a16:creationId xmlns:a16="http://schemas.microsoft.com/office/drawing/2014/main" id="{F995F98A-ABB3-4D47-9781-A01125E6D40B}"/>
+              </a:ext>
+            </a:extLst>
+          </p:cNvPr>
+          <p:cNvSpPr txBox="1"/>
+          <p:nvPr/>
+        </p:nvSpPr>
+        <p:spPr>
+          <a:xfrm>
+            <a:off x="1813243" y="4998610"/>
+            <a:ext cx="877163" cy="369332"/>
+          </a:xfrm>
+          <a:prstGeom prst="rect">
+            <a:avLst/>
+          </a:prstGeom>
+          <a:noFill/>
+        </p:spPr>
+        <p:txBody>
+          <a:bodyPr wrap="none" rtlCol="0">
+            <a:spAutoFit/>
+          </a:bodyPr>
+          <a:lstStyle/>
+          <a:p>
+            <a:r>
+              <a:rPr lang="zh-CN" altLang="en-US" dirty="0"/>
+              <a:t>工作区</a:t>
+            </a:r>
+          </a:p>
+        </p:txBody>
+      </p:sp>
+      <p:sp>
+        <p:nvSpPr>
+          <p:cNvPr id="23" name="文本框 22">
+            <a:extLst>
+              <a:ext uri="{FF2B5EF4-FFF2-40B4-BE49-F238E27FC236}">
+                <a16:creationId xmlns:a16="http://schemas.microsoft.com/office/drawing/2014/main" id="{A15D205C-DEB7-41AB-A645-5977E7DA2333}"/>
+              </a:ext>
+            </a:extLst>
+          </p:cNvPr>
+          <p:cNvSpPr txBox="1"/>
+          <p:nvPr/>
+        </p:nvSpPr>
+        <p:spPr>
+          <a:xfrm>
+            <a:off x="134660" y="105899"/>
+            <a:ext cx="7925258" cy="1384995"/>
+          </a:xfrm>
+          <a:prstGeom prst="rect">
+            <a:avLst/>
+          </a:prstGeom>
+        </p:spPr>
+        <p:style>
+          <a:lnRef idx="1">
+            <a:schemeClr val="accent5"/>
+          </a:lnRef>
+          <a:fillRef idx="3">
+            <a:schemeClr val="accent5"/>
+          </a:fillRef>
+          <a:effectRef idx="2">
+            <a:schemeClr val="accent5"/>
+          </a:effectRef>
+          <a:fontRef idx="minor">
+            <a:schemeClr val="lt1"/>
+          </a:fontRef>
+        </p:style>
+        <p:txBody>
+          <a:bodyPr wrap="square" rtlCol="0">
+            <a:spAutoFit/>
+          </a:bodyPr>
+          <a:lstStyle/>
+          <a:p>
+            <a:r>
+              <a:rPr lang="en-US" altLang="zh-CN" sz="2800" dirty="0"/>
+              <a:t>Git add resume.md</a:t>
+            </a:r>
+          </a:p>
+          <a:p>
+            <a:pPr marL="514350" indent="-514350">
+              <a:buAutoNum type="arabicPeriod"/>
+            </a:pPr>
+            <a:endParaRPr lang="en-US" altLang="zh-CN" sz="2800" dirty="0"/>
+          </a:p>
+          <a:p>
+            <a:r>
+              <a:rPr lang="zh-CN" altLang="en-US" sz="2800" dirty="0"/>
+              <a:t>此时文件</a:t>
+            </a:r>
+            <a:r>
+              <a:rPr lang="en-US" altLang="zh-CN" sz="2800" dirty="0"/>
+              <a:t>resume.md</a:t>
+            </a:r>
+            <a:r>
+              <a:rPr lang="zh-CN" altLang="en-US" sz="2800" dirty="0"/>
+              <a:t>处于</a:t>
+            </a:r>
+            <a:r>
+              <a:rPr lang="en-US" altLang="zh-CN" sz="2800" dirty="0"/>
+              <a:t>modified</a:t>
+            </a:r>
+            <a:r>
+              <a:rPr lang="zh-CN" altLang="en-US" sz="2800" dirty="0"/>
+              <a:t>状态</a:t>
+            </a:r>
+            <a:endParaRPr lang="en-US" altLang="zh-CN" sz="2800" dirty="0"/>
+          </a:p>
+        </p:txBody>
+      </p:sp>
+      <p:pic>
+        <p:nvPicPr>
+          <p:cNvPr id="3" name="图片 2">
+            <a:extLst>
+              <a:ext uri="{FF2B5EF4-FFF2-40B4-BE49-F238E27FC236}">
+                <a16:creationId xmlns:a16="http://schemas.microsoft.com/office/drawing/2014/main" id="{F3CD8B31-48D3-4822-B1C5-28348D4FDFCE}"/>
+              </a:ext>
+            </a:extLst>
+          </p:cNvPr>
+          <p:cNvPicPr>
+            <a:picLocks noChangeAspect="1"/>
+          </p:cNvPicPr>
+          <p:nvPr/>
+        </p:nvPicPr>
+        <p:blipFill>
+          <a:blip r:embed="rId3"/>
+          <a:stretch>
+            <a:fillRect/>
+          </a:stretch>
+        </p:blipFill>
+        <p:spPr>
+          <a:xfrm>
+            <a:off x="1720696" y="3452534"/>
+            <a:ext cx="746825" cy="823031"/>
+          </a:xfrm>
+          <a:prstGeom prst="rect">
+            <a:avLst/>
+          </a:prstGeom>
+        </p:spPr>
+      </p:pic>
+      <p:sp>
+        <p:nvSpPr>
+          <p:cNvPr id="2" name="矩形 1">
+            <a:extLst>
+              <a:ext uri="{FF2B5EF4-FFF2-40B4-BE49-F238E27FC236}">
+                <a16:creationId xmlns:a16="http://schemas.microsoft.com/office/drawing/2014/main" id="{D6BCF7AA-9B3E-462A-BABA-D81AC97F30D3}"/>
+              </a:ext>
+            </a:extLst>
+          </p:cNvPr>
+          <p:cNvSpPr/>
+          <p:nvPr/>
+        </p:nvSpPr>
+        <p:spPr>
+          <a:xfrm>
+            <a:off x="5362001" y="3035985"/>
+            <a:ext cx="1986441" cy="369332"/>
+          </a:xfrm>
+          <a:prstGeom prst="rect">
+            <a:avLst/>
+          </a:prstGeom>
+        </p:spPr>
+        <p:txBody>
+          <a:bodyPr wrap="none">
+            <a:spAutoFit/>
+          </a:bodyPr>
+          <a:lstStyle/>
+          <a:p>
+            <a:r>
+              <a:rPr lang="zh-CN" altLang="en-US" dirty="0"/>
+              <a:t>修改了</a:t>
+            </a:r>
+            <a:r>
+              <a:rPr lang="en-US" altLang="zh-CN" dirty="0"/>
+              <a:t>resume.md</a:t>
+            </a:r>
+            <a:endParaRPr lang="zh-CN" altLang="en-US" dirty="0"/>
           </a:p>
         </p:txBody>
       </p:sp>
     </p:spTree>
     <p:extLst>
       <p:ext uri="{BB962C8B-B14F-4D97-AF65-F5344CB8AC3E}">
-        <p14:creationId xmlns:p14="http://schemas.microsoft.com/office/powerpoint/2010/main" val="2121998301"/>
+        <p14:creationId xmlns:p14="http://schemas.microsoft.com/office/powerpoint/2010/main" val="3387125209"/>
+      </p:ext>
+    </p:extLst>
+  </p:cSld>
+  <p:clrMapOvr>
+    <a:masterClrMapping/>
+  </p:clrMapOvr>
+</p:sld>
+</file>
+
+<file path=ppt/slides/slide7.xml><?xml version="1.0" encoding="utf-8"?>
+<p:sld xmlns:a="http://schemas.openxmlformats.org/drawingml/2006/main" xmlns:r="http://schemas.openxmlformats.org/officeDocument/2006/relationships" xmlns:p="http://schemas.openxmlformats.org/presentationml/2006/main">
+  <p:cSld>
+    <p:spTree>
+      <p:nvGrpSpPr>
+        <p:cNvPr id="1" name=""/>
+        <p:cNvGrpSpPr/>
+        <p:nvPr/>
+      </p:nvGrpSpPr>
+      <p:grpSpPr>
+        <a:xfrm>
+          <a:off x="0" y="0"/>
+          <a:ext cx="0" cy="0"/>
+          <a:chOff x="0" y="0"/>
+          <a:chExt cx="0" cy="0"/>
+        </a:xfrm>
+      </p:grpSpPr>
+      <p:sp>
+        <p:nvSpPr>
+          <p:cNvPr id="8" name="矩形 7">
+            <a:extLst>
+              <a:ext uri="{FF2B5EF4-FFF2-40B4-BE49-F238E27FC236}">
+                <a16:creationId xmlns:a16="http://schemas.microsoft.com/office/drawing/2014/main" id="{02CB3CBA-6E63-4C8B-9C08-893B060AD68E}"/>
+              </a:ext>
+            </a:extLst>
+          </p:cNvPr>
+          <p:cNvSpPr/>
+          <p:nvPr/>
+        </p:nvSpPr>
+        <p:spPr>
+          <a:xfrm>
+            <a:off x="879792" y="2903456"/>
+            <a:ext cx="3707027" cy="2894538"/>
+          </a:xfrm>
+          <a:prstGeom prst="rect">
+            <a:avLst/>
+          </a:prstGeom>
+          <a:noFill/>
+          <a:ln w="57150"/>
+        </p:spPr>
+        <p:style>
+          <a:lnRef idx="2">
+            <a:schemeClr val="accent1">
+              <a:shade val="50000"/>
+            </a:schemeClr>
+          </a:lnRef>
+          <a:fillRef idx="1">
+            <a:schemeClr val="accent1"/>
+          </a:fillRef>
+          <a:effectRef idx="0">
+            <a:schemeClr val="accent1"/>
+          </a:effectRef>
+          <a:fontRef idx="minor">
+            <a:schemeClr val="lt1"/>
+          </a:fontRef>
+        </p:style>
+        <p:txBody>
+          <a:bodyPr rtlCol="0" anchor="ctr"/>
+          <a:lstStyle/>
+          <a:p>
+            <a:pPr algn="ctr"/>
+            <a:endParaRPr lang="zh-CN" altLang="en-US" dirty="0"/>
+          </a:p>
+        </p:txBody>
+      </p:sp>
+      <p:sp>
+        <p:nvSpPr>
+          <p:cNvPr id="9" name="文本框 8">
+            <a:extLst>
+              <a:ext uri="{FF2B5EF4-FFF2-40B4-BE49-F238E27FC236}">
+                <a16:creationId xmlns:a16="http://schemas.microsoft.com/office/drawing/2014/main" id="{7A21413E-559B-41BC-9CEC-60D6FD143199}"/>
+              </a:ext>
+            </a:extLst>
+          </p:cNvPr>
+          <p:cNvSpPr txBox="1"/>
+          <p:nvPr/>
+        </p:nvSpPr>
+        <p:spPr>
+          <a:xfrm>
+            <a:off x="909088" y="2432115"/>
+            <a:ext cx="1229824" cy="369332"/>
+          </a:xfrm>
+          <a:prstGeom prst="rect">
+            <a:avLst/>
+          </a:prstGeom>
+          <a:noFill/>
+        </p:spPr>
+        <p:txBody>
+          <a:bodyPr wrap="none" rtlCol="0">
+            <a:spAutoFit/>
+          </a:bodyPr>
+          <a:lstStyle/>
+          <a:p>
+            <a:r>
+              <a:rPr lang="en-US" altLang="zh-CN" dirty="0"/>
+              <a:t>d:/learngit</a:t>
+            </a:r>
+            <a:endParaRPr lang="zh-CN" altLang="en-US" dirty="0"/>
+          </a:p>
+        </p:txBody>
+      </p:sp>
+      <p:sp>
+        <p:nvSpPr>
+          <p:cNvPr id="10" name="矩形 9">
+            <a:extLst>
+              <a:ext uri="{FF2B5EF4-FFF2-40B4-BE49-F238E27FC236}">
+                <a16:creationId xmlns:a16="http://schemas.microsoft.com/office/drawing/2014/main" id="{7BE2A0CC-8A41-4521-8C6D-7C8A0BDDB29F}"/>
+              </a:ext>
+            </a:extLst>
+          </p:cNvPr>
+          <p:cNvSpPr/>
+          <p:nvPr/>
+        </p:nvSpPr>
+        <p:spPr>
+          <a:xfrm>
+            <a:off x="879792" y="2432115"/>
+            <a:ext cx="1421920" cy="471341"/>
+          </a:xfrm>
+          <a:prstGeom prst="rect">
+            <a:avLst/>
+          </a:prstGeom>
+          <a:noFill/>
+          <a:ln w="57150"/>
+        </p:spPr>
+        <p:style>
+          <a:lnRef idx="2">
+            <a:schemeClr val="accent1">
+              <a:shade val="50000"/>
+            </a:schemeClr>
+          </a:lnRef>
+          <a:fillRef idx="1">
+            <a:schemeClr val="accent1"/>
+          </a:fillRef>
+          <a:effectRef idx="0">
+            <a:schemeClr val="accent1"/>
+          </a:effectRef>
+          <a:fontRef idx="minor">
+            <a:schemeClr val="lt1"/>
+          </a:fontRef>
+        </p:style>
+        <p:txBody>
+          <a:bodyPr rtlCol="0" anchor="ctr"/>
+          <a:lstStyle/>
+          <a:p>
+            <a:pPr algn="ctr"/>
+            <a:endParaRPr lang="zh-CN" altLang="en-US" dirty="0"/>
+          </a:p>
+        </p:txBody>
+      </p:sp>
+      <p:pic>
+        <p:nvPicPr>
+          <p:cNvPr id="11" name="图片 10">
+            <a:extLst>
+              <a:ext uri="{FF2B5EF4-FFF2-40B4-BE49-F238E27FC236}">
+                <a16:creationId xmlns:a16="http://schemas.microsoft.com/office/drawing/2014/main" id="{9A880BC7-4DBA-41B9-886C-7AEBC075C44F}"/>
+              </a:ext>
+            </a:extLst>
+          </p:cNvPr>
+          <p:cNvPicPr>
+            <a:picLocks noChangeAspect="1"/>
+          </p:cNvPicPr>
+          <p:nvPr/>
+        </p:nvPicPr>
+        <p:blipFill>
+          <a:blip r:embed="rId2"/>
+          <a:stretch>
+            <a:fillRect/>
+          </a:stretch>
+        </p:blipFill>
+        <p:spPr>
+          <a:xfrm>
+            <a:off x="3489099" y="3427797"/>
+            <a:ext cx="998307" cy="1120237"/>
+          </a:xfrm>
+          <a:prstGeom prst="rect">
+            <a:avLst/>
+          </a:prstGeom>
+          <a:ln w="28575">
+            <a:noFill/>
+            <a:prstDash val="dashDot"/>
+          </a:ln>
+        </p:spPr>
+      </p:pic>
+      <p:sp>
+        <p:nvSpPr>
+          <p:cNvPr id="12" name="圆柱体 11">
+            <a:extLst>
+              <a:ext uri="{FF2B5EF4-FFF2-40B4-BE49-F238E27FC236}">
+                <a16:creationId xmlns:a16="http://schemas.microsoft.com/office/drawing/2014/main" id="{FA2855A8-2549-4D73-B137-9433E1DABF44}"/>
+              </a:ext>
+            </a:extLst>
+          </p:cNvPr>
+          <p:cNvSpPr/>
+          <p:nvPr/>
+        </p:nvSpPr>
+        <p:spPr>
+          <a:xfrm>
+            <a:off x="5281175" y="2831153"/>
+            <a:ext cx="2175427" cy="2313525"/>
+          </a:xfrm>
+          <a:prstGeom prst="can">
+            <a:avLst>
+              <a:gd name="adj" fmla="val 402"/>
+            </a:avLst>
+          </a:prstGeom>
+          <a:noFill/>
+          <a:ln w="38100">
+            <a:prstDash val="dashDot"/>
+          </a:ln>
+        </p:spPr>
+        <p:style>
+          <a:lnRef idx="2">
+            <a:schemeClr val="accent1">
+              <a:shade val="50000"/>
+            </a:schemeClr>
+          </a:lnRef>
+          <a:fillRef idx="1">
+            <a:schemeClr val="accent1"/>
+          </a:fillRef>
+          <a:effectRef idx="0">
+            <a:schemeClr val="accent1"/>
+          </a:effectRef>
+          <a:fontRef idx="minor">
+            <a:schemeClr val="lt1"/>
+          </a:fontRef>
+        </p:style>
+        <p:txBody>
+          <a:bodyPr rtlCol="0" anchor="ctr"/>
+          <a:lstStyle/>
+          <a:p>
+            <a:pPr algn="ctr"/>
+            <a:endParaRPr lang="zh-CN" altLang="en-US"/>
+          </a:p>
+        </p:txBody>
+      </p:sp>
+      <p:sp>
+        <p:nvSpPr>
+          <p:cNvPr id="15" name="文本框 14">
+            <a:extLst>
+              <a:ext uri="{FF2B5EF4-FFF2-40B4-BE49-F238E27FC236}">
+                <a16:creationId xmlns:a16="http://schemas.microsoft.com/office/drawing/2014/main" id="{0287D92B-ED49-412F-B3E5-98B33296C2BD}"/>
+              </a:ext>
+            </a:extLst>
+          </p:cNvPr>
+          <p:cNvSpPr txBox="1"/>
+          <p:nvPr/>
+        </p:nvSpPr>
+        <p:spPr>
+          <a:xfrm>
+            <a:off x="5819838" y="4629278"/>
+            <a:ext cx="877163" cy="369332"/>
+          </a:xfrm>
+          <a:prstGeom prst="rect">
+            <a:avLst/>
+          </a:prstGeom>
+          <a:noFill/>
+        </p:spPr>
+        <p:txBody>
+          <a:bodyPr wrap="none" rtlCol="0">
+            <a:spAutoFit/>
+          </a:bodyPr>
+          <a:lstStyle/>
+          <a:p>
+            <a:r>
+              <a:rPr lang="zh-CN" altLang="en-US" dirty="0"/>
+              <a:t>暂存区</a:t>
+            </a:r>
+          </a:p>
+        </p:txBody>
+      </p:sp>
+      <p:sp>
+        <p:nvSpPr>
+          <p:cNvPr id="13" name="圆柱体 12">
+            <a:extLst>
+              <a:ext uri="{FF2B5EF4-FFF2-40B4-BE49-F238E27FC236}">
+                <a16:creationId xmlns:a16="http://schemas.microsoft.com/office/drawing/2014/main" id="{8EEDCB6C-BA87-4985-AE29-FC7D192DF6B8}"/>
+              </a:ext>
+            </a:extLst>
+          </p:cNvPr>
+          <p:cNvSpPr/>
+          <p:nvPr/>
+        </p:nvSpPr>
+        <p:spPr>
+          <a:xfrm>
+            <a:off x="8481574" y="2801447"/>
+            <a:ext cx="2274410" cy="2313525"/>
+          </a:xfrm>
+          <a:prstGeom prst="can">
+            <a:avLst/>
+          </a:prstGeom>
+          <a:noFill/>
+          <a:ln w="38100">
+            <a:prstDash val="dashDot"/>
+          </a:ln>
+        </p:spPr>
+        <p:style>
+          <a:lnRef idx="2">
+            <a:schemeClr val="accent1">
+              <a:shade val="50000"/>
+            </a:schemeClr>
+          </a:lnRef>
+          <a:fillRef idx="1">
+            <a:schemeClr val="accent1"/>
+          </a:fillRef>
+          <a:effectRef idx="0">
+            <a:schemeClr val="accent1"/>
+          </a:effectRef>
+          <a:fontRef idx="minor">
+            <a:schemeClr val="lt1"/>
+          </a:fontRef>
+        </p:style>
+        <p:txBody>
+          <a:bodyPr rtlCol="0" anchor="ctr"/>
+          <a:lstStyle/>
+          <a:p>
+            <a:pPr algn="ctr"/>
+            <a:endParaRPr lang="zh-CN" altLang="en-US"/>
+          </a:p>
+        </p:txBody>
+      </p:sp>
+      <p:sp>
+        <p:nvSpPr>
+          <p:cNvPr id="16" name="文本框 15">
+            <a:extLst>
+              <a:ext uri="{FF2B5EF4-FFF2-40B4-BE49-F238E27FC236}">
+                <a16:creationId xmlns:a16="http://schemas.microsoft.com/office/drawing/2014/main" id="{8D8DD38A-A78D-43A9-BD61-75CD355F5CDE}"/>
+              </a:ext>
+            </a:extLst>
+          </p:cNvPr>
+          <p:cNvSpPr txBox="1"/>
+          <p:nvPr/>
+        </p:nvSpPr>
+        <p:spPr>
+          <a:xfrm>
+            <a:off x="9099087" y="4599573"/>
+            <a:ext cx="926857" cy="369332"/>
+          </a:xfrm>
+          <a:prstGeom prst="rect">
+            <a:avLst/>
+          </a:prstGeom>
+          <a:noFill/>
+        </p:spPr>
+        <p:txBody>
+          <a:bodyPr wrap="none" rtlCol="0">
+            <a:spAutoFit/>
+          </a:bodyPr>
+          <a:lstStyle/>
+          <a:p>
+            <a:r>
+              <a:rPr lang="en-US" altLang="zh-CN" dirty="0"/>
+              <a:t>git</a:t>
+            </a:r>
+            <a:r>
+              <a:rPr lang="zh-CN" altLang="en-US" dirty="0"/>
+              <a:t>仓库</a:t>
+            </a:r>
+          </a:p>
+        </p:txBody>
+      </p:sp>
+      <p:sp>
+        <p:nvSpPr>
+          <p:cNvPr id="20" name="椭圆 19">
+            <a:extLst>
+              <a:ext uri="{FF2B5EF4-FFF2-40B4-BE49-F238E27FC236}">
+                <a16:creationId xmlns:a16="http://schemas.microsoft.com/office/drawing/2014/main" id="{57C67EF1-1F2C-45F7-9A38-29EF5A134254}"/>
+              </a:ext>
+            </a:extLst>
+          </p:cNvPr>
+          <p:cNvSpPr/>
+          <p:nvPr/>
+        </p:nvSpPr>
+        <p:spPr>
+          <a:xfrm>
+            <a:off x="1000219" y="3035985"/>
+            <a:ext cx="2602986" cy="2425461"/>
+          </a:xfrm>
+          <a:prstGeom prst="ellipse">
+            <a:avLst/>
+          </a:prstGeom>
+          <a:noFill/>
+          <a:ln>
+            <a:prstDash val="dash"/>
+          </a:ln>
+        </p:spPr>
+        <p:style>
+          <a:lnRef idx="2">
+            <a:schemeClr val="accent1">
+              <a:shade val="50000"/>
+            </a:schemeClr>
+          </a:lnRef>
+          <a:fillRef idx="1">
+            <a:schemeClr val="accent1"/>
+          </a:fillRef>
+          <a:effectRef idx="0">
+            <a:schemeClr val="accent1"/>
+          </a:effectRef>
+          <a:fontRef idx="minor">
+            <a:schemeClr val="lt1"/>
+          </a:fontRef>
+        </p:style>
+        <p:txBody>
+          <a:bodyPr rtlCol="0" anchor="ctr"/>
+          <a:lstStyle/>
+          <a:p>
+            <a:pPr algn="ctr"/>
+            <a:endParaRPr lang="zh-CN" altLang="en-US"/>
+          </a:p>
+        </p:txBody>
+      </p:sp>
+      <p:sp>
+        <p:nvSpPr>
+          <p:cNvPr id="22" name="文本框 21">
+            <a:extLst>
+              <a:ext uri="{FF2B5EF4-FFF2-40B4-BE49-F238E27FC236}">
+                <a16:creationId xmlns:a16="http://schemas.microsoft.com/office/drawing/2014/main" id="{F995F98A-ABB3-4D47-9781-A01125E6D40B}"/>
+              </a:ext>
+            </a:extLst>
+          </p:cNvPr>
+          <p:cNvSpPr txBox="1"/>
+          <p:nvPr/>
+        </p:nvSpPr>
+        <p:spPr>
+          <a:xfrm>
+            <a:off x="1813243" y="4998610"/>
+            <a:ext cx="877163" cy="369332"/>
+          </a:xfrm>
+          <a:prstGeom prst="rect">
+            <a:avLst/>
+          </a:prstGeom>
+          <a:noFill/>
+        </p:spPr>
+        <p:txBody>
+          <a:bodyPr wrap="none" rtlCol="0">
+            <a:spAutoFit/>
+          </a:bodyPr>
+          <a:lstStyle/>
+          <a:p>
+            <a:r>
+              <a:rPr lang="zh-CN" altLang="en-US" dirty="0"/>
+              <a:t>工作区</a:t>
+            </a:r>
+          </a:p>
+        </p:txBody>
+      </p:sp>
+      <p:sp>
+        <p:nvSpPr>
+          <p:cNvPr id="23" name="文本框 22">
+            <a:extLst>
+              <a:ext uri="{FF2B5EF4-FFF2-40B4-BE49-F238E27FC236}">
+                <a16:creationId xmlns:a16="http://schemas.microsoft.com/office/drawing/2014/main" id="{A15D205C-DEB7-41AB-A645-5977E7DA2333}"/>
+              </a:ext>
+            </a:extLst>
+          </p:cNvPr>
+          <p:cNvSpPr txBox="1"/>
+          <p:nvPr/>
+        </p:nvSpPr>
+        <p:spPr>
+          <a:xfrm>
+            <a:off x="134660" y="105899"/>
+            <a:ext cx="7925258" cy="1384995"/>
+          </a:xfrm>
+          <a:prstGeom prst="rect">
+            <a:avLst/>
+          </a:prstGeom>
+        </p:spPr>
+        <p:style>
+          <a:lnRef idx="1">
+            <a:schemeClr val="accent5"/>
+          </a:lnRef>
+          <a:fillRef idx="3">
+            <a:schemeClr val="accent5"/>
+          </a:fillRef>
+          <a:effectRef idx="2">
+            <a:schemeClr val="accent5"/>
+          </a:effectRef>
+          <a:fontRef idx="minor">
+            <a:schemeClr val="lt1"/>
+          </a:fontRef>
+        </p:style>
+        <p:txBody>
+          <a:bodyPr wrap="square" rtlCol="0">
+            <a:spAutoFit/>
+          </a:bodyPr>
+          <a:lstStyle/>
+          <a:p>
+            <a:r>
+              <a:rPr lang="en-US" altLang="zh-CN" sz="2800" dirty="0"/>
+              <a:t>Git commit –m  “resume.md”</a:t>
+            </a:r>
+          </a:p>
+          <a:p>
+            <a:pPr marL="514350" indent="-514350">
+              <a:buAutoNum type="arabicPeriod"/>
+            </a:pPr>
+            <a:endParaRPr lang="en-US" altLang="zh-CN" sz="2800" dirty="0"/>
+          </a:p>
+          <a:p>
+            <a:r>
+              <a:rPr lang="zh-CN" altLang="en-US" sz="2800" dirty="0"/>
+              <a:t>此时文件</a:t>
+            </a:r>
+            <a:r>
+              <a:rPr lang="en-US" altLang="zh-CN" sz="2800" dirty="0"/>
+              <a:t>resume.md</a:t>
+            </a:r>
+            <a:r>
+              <a:rPr lang="zh-CN" altLang="en-US" sz="2800" dirty="0"/>
+              <a:t>处于</a:t>
+            </a:r>
+            <a:r>
+              <a:rPr lang="en-US" altLang="zh-CN" sz="2800" dirty="0"/>
+              <a:t>modified</a:t>
+            </a:r>
+            <a:r>
+              <a:rPr lang="zh-CN" altLang="en-US" sz="2800" dirty="0"/>
+              <a:t>状态</a:t>
+            </a:r>
+            <a:endParaRPr lang="en-US" altLang="zh-CN" sz="2800" dirty="0"/>
+          </a:p>
+        </p:txBody>
+      </p:sp>
+      <p:pic>
+        <p:nvPicPr>
+          <p:cNvPr id="3" name="图片 2">
+            <a:extLst>
+              <a:ext uri="{FF2B5EF4-FFF2-40B4-BE49-F238E27FC236}">
+                <a16:creationId xmlns:a16="http://schemas.microsoft.com/office/drawing/2014/main" id="{F3CD8B31-48D3-4822-B1C5-28348D4FDFCE}"/>
+              </a:ext>
+            </a:extLst>
+          </p:cNvPr>
+          <p:cNvPicPr>
+            <a:picLocks noChangeAspect="1"/>
+          </p:cNvPicPr>
+          <p:nvPr/>
+        </p:nvPicPr>
+        <p:blipFill>
+          <a:blip r:embed="rId3"/>
+          <a:stretch>
+            <a:fillRect/>
+          </a:stretch>
+        </p:blipFill>
+        <p:spPr>
+          <a:xfrm>
+            <a:off x="1720696" y="3452534"/>
+            <a:ext cx="746825" cy="823031"/>
+          </a:xfrm>
+          <a:prstGeom prst="rect">
+            <a:avLst/>
+          </a:prstGeom>
+        </p:spPr>
+      </p:pic>
+      <p:sp>
+        <p:nvSpPr>
+          <p:cNvPr id="17" name="矩形 16">
+            <a:extLst>
+              <a:ext uri="{FF2B5EF4-FFF2-40B4-BE49-F238E27FC236}">
+                <a16:creationId xmlns:a16="http://schemas.microsoft.com/office/drawing/2014/main" id="{7022B504-BE2B-4861-A0CB-3D0187B967DF}"/>
+              </a:ext>
+            </a:extLst>
+          </p:cNvPr>
+          <p:cNvSpPr/>
+          <p:nvPr/>
+        </p:nvSpPr>
+        <p:spPr>
+          <a:xfrm>
+            <a:off x="8647383" y="3435421"/>
+            <a:ext cx="1986441" cy="369332"/>
+          </a:xfrm>
+          <a:prstGeom prst="rect">
+            <a:avLst/>
+          </a:prstGeom>
+        </p:spPr>
+        <p:txBody>
+          <a:bodyPr wrap="none">
+            <a:spAutoFit/>
+          </a:bodyPr>
+          <a:lstStyle/>
+          <a:p>
+            <a:r>
+              <a:rPr lang="zh-CN" altLang="en-US" dirty="0"/>
+              <a:t>修改了</a:t>
+            </a:r>
+            <a:r>
+              <a:rPr lang="en-US" altLang="zh-CN" dirty="0"/>
+              <a:t>resume.md</a:t>
+            </a:r>
+            <a:endParaRPr lang="zh-CN" altLang="en-US" dirty="0"/>
+          </a:p>
+        </p:txBody>
+      </p:sp>
+      <p:sp>
+        <p:nvSpPr>
+          <p:cNvPr id="18" name="椭圆 17">
+            <a:extLst>
+              <a:ext uri="{FF2B5EF4-FFF2-40B4-BE49-F238E27FC236}">
+                <a16:creationId xmlns:a16="http://schemas.microsoft.com/office/drawing/2014/main" id="{19CBFFA6-6E51-49F6-9A41-E68E064B67B1}"/>
+              </a:ext>
+            </a:extLst>
+          </p:cNvPr>
+          <p:cNvSpPr/>
+          <p:nvPr/>
+        </p:nvSpPr>
+        <p:spPr>
+          <a:xfrm>
+            <a:off x="11191781" y="2381953"/>
+            <a:ext cx="838987" cy="838987"/>
+          </a:xfrm>
+          <a:prstGeom prst="ellipse">
+            <a:avLst/>
+          </a:prstGeom>
+        </p:spPr>
+        <p:style>
+          <a:lnRef idx="2">
+            <a:schemeClr val="accent6">
+              <a:shade val="50000"/>
+            </a:schemeClr>
+          </a:lnRef>
+          <a:fillRef idx="1">
+            <a:schemeClr val="accent6"/>
+          </a:fillRef>
+          <a:effectRef idx="0">
+            <a:schemeClr val="accent6"/>
+          </a:effectRef>
+          <a:fontRef idx="minor">
+            <a:schemeClr val="lt1"/>
+          </a:fontRef>
+        </p:style>
+        <p:txBody>
+          <a:bodyPr rtlCol="0" anchor="ctr"/>
+          <a:lstStyle/>
+          <a:p>
+            <a:pPr algn="ctr"/>
+            <a:r>
+              <a:rPr lang="zh-CN" altLang="en-US" sz="1200" dirty="0"/>
+              <a:t>版本</a:t>
+            </a:r>
+            <a:r>
+              <a:rPr lang="en-US" altLang="zh-CN" sz="1200" dirty="0"/>
+              <a:t>1</a:t>
+            </a:r>
+            <a:endParaRPr lang="zh-CN" altLang="en-US" sz="1200" dirty="0"/>
+          </a:p>
+        </p:txBody>
+      </p:sp>
+    </p:spTree>
+    <p:extLst>
+      <p:ext uri="{BB962C8B-B14F-4D97-AF65-F5344CB8AC3E}">
+        <p14:creationId xmlns:p14="http://schemas.microsoft.com/office/powerpoint/2010/main" val="1607235039"/>
+      </p:ext>
+    </p:extLst>
+  </p:cSld>
+  <p:clrMapOvr>
+    <a:masterClrMapping/>
+  </p:clrMapOvr>
+</p:sld>
+</file>
+
+<file path=ppt/slides/slide8.xml><?xml version="1.0" encoding="utf-8"?>
+<p:sld xmlns:a="http://schemas.openxmlformats.org/drawingml/2006/main" xmlns:r="http://schemas.openxmlformats.org/officeDocument/2006/relationships" xmlns:p="http://schemas.openxmlformats.org/presentationml/2006/main">
+  <p:cSld>
+    <p:spTree>
+      <p:nvGrpSpPr>
+        <p:cNvPr id="1" name=""/>
+        <p:cNvGrpSpPr/>
+        <p:nvPr/>
+      </p:nvGrpSpPr>
+      <p:grpSpPr>
+        <a:xfrm>
+          <a:off x="0" y="0"/>
+          <a:ext cx="0" cy="0"/>
+          <a:chOff x="0" y="0"/>
+          <a:chExt cx="0" cy="0"/>
+        </a:xfrm>
+      </p:grpSpPr>
+      <p:sp>
+        <p:nvSpPr>
+          <p:cNvPr id="4" name="椭圆 3">
+            <a:extLst>
+              <a:ext uri="{FF2B5EF4-FFF2-40B4-BE49-F238E27FC236}">
+                <a16:creationId xmlns:a16="http://schemas.microsoft.com/office/drawing/2014/main" id="{5D3B6187-D811-47A0-8CB0-9340BC21BE01}"/>
+              </a:ext>
+            </a:extLst>
+          </p:cNvPr>
+          <p:cNvSpPr/>
+          <p:nvPr/>
+        </p:nvSpPr>
+        <p:spPr>
+          <a:xfrm>
+            <a:off x="2346389" y="2083323"/>
+            <a:ext cx="838987" cy="838987"/>
+          </a:xfrm>
+          <a:prstGeom prst="ellipse">
+            <a:avLst/>
+          </a:prstGeom>
+        </p:spPr>
+        <p:style>
+          <a:lnRef idx="2">
+            <a:schemeClr val="accent6">
+              <a:shade val="50000"/>
+            </a:schemeClr>
+          </a:lnRef>
+          <a:fillRef idx="1">
+            <a:schemeClr val="accent6"/>
+          </a:fillRef>
+          <a:effectRef idx="0">
+            <a:schemeClr val="accent6"/>
+          </a:effectRef>
+          <a:fontRef idx="minor">
+            <a:schemeClr val="lt1"/>
+          </a:fontRef>
+        </p:style>
+        <p:txBody>
+          <a:bodyPr rtlCol="0" anchor="ctr"/>
+          <a:lstStyle/>
+          <a:p>
+            <a:pPr algn="ctr"/>
+            <a:r>
+              <a:rPr lang="zh-CN" altLang="en-US" sz="1200" dirty="0"/>
+              <a:t>版本</a:t>
+            </a:r>
+            <a:r>
+              <a:rPr lang="en-US" altLang="zh-CN" sz="1200" dirty="0"/>
+              <a:t>1</a:t>
+            </a:r>
+            <a:endParaRPr lang="zh-CN" altLang="en-US" sz="1200" dirty="0"/>
+          </a:p>
+        </p:txBody>
+      </p:sp>
+      <p:sp>
+        <p:nvSpPr>
+          <p:cNvPr id="5" name="椭圆 4">
+            <a:extLst>
+              <a:ext uri="{FF2B5EF4-FFF2-40B4-BE49-F238E27FC236}">
+                <a16:creationId xmlns:a16="http://schemas.microsoft.com/office/drawing/2014/main" id="{C83E2D29-824F-4126-9F79-DFD057C2D3AE}"/>
+              </a:ext>
+            </a:extLst>
+          </p:cNvPr>
+          <p:cNvSpPr/>
+          <p:nvPr/>
+        </p:nvSpPr>
+        <p:spPr>
+          <a:xfrm>
+            <a:off x="4265186" y="2083323"/>
+            <a:ext cx="838987" cy="838987"/>
+          </a:xfrm>
+          <a:prstGeom prst="ellipse">
+            <a:avLst/>
+          </a:prstGeom>
+        </p:spPr>
+        <p:style>
+          <a:lnRef idx="2">
+            <a:schemeClr val="accent6">
+              <a:shade val="50000"/>
+            </a:schemeClr>
+          </a:lnRef>
+          <a:fillRef idx="1">
+            <a:schemeClr val="accent6"/>
+          </a:fillRef>
+          <a:effectRef idx="0">
+            <a:schemeClr val="accent6"/>
+          </a:effectRef>
+          <a:fontRef idx="minor">
+            <a:schemeClr val="lt1"/>
+          </a:fontRef>
+        </p:style>
+        <p:txBody>
+          <a:bodyPr rtlCol="0" anchor="ctr"/>
+          <a:lstStyle/>
+          <a:p>
+            <a:pPr algn="ctr"/>
+            <a:r>
+              <a:rPr lang="zh-CN" altLang="en-US" sz="1200" dirty="0"/>
+              <a:t>版本</a:t>
+            </a:r>
+            <a:r>
+              <a:rPr lang="en-US" altLang="zh-CN" sz="1200" dirty="0"/>
+              <a:t>2</a:t>
+            </a:r>
+            <a:endParaRPr lang="zh-CN" altLang="en-US" sz="1200" dirty="0"/>
+          </a:p>
+        </p:txBody>
+      </p:sp>
+      <p:sp>
+        <p:nvSpPr>
+          <p:cNvPr id="6" name="椭圆 5">
+            <a:extLst>
+              <a:ext uri="{FF2B5EF4-FFF2-40B4-BE49-F238E27FC236}">
+                <a16:creationId xmlns:a16="http://schemas.microsoft.com/office/drawing/2014/main" id="{B97ACECA-1FFB-4A5C-AA0C-3BA2CC1F61BC}"/>
+              </a:ext>
+            </a:extLst>
+          </p:cNvPr>
+          <p:cNvSpPr/>
+          <p:nvPr/>
+        </p:nvSpPr>
+        <p:spPr>
+          <a:xfrm>
+            <a:off x="6183983" y="2083323"/>
+            <a:ext cx="838987" cy="838987"/>
+          </a:xfrm>
+          <a:prstGeom prst="ellipse">
+            <a:avLst/>
+          </a:prstGeom>
+        </p:spPr>
+        <p:style>
+          <a:lnRef idx="2">
+            <a:schemeClr val="accent6">
+              <a:shade val="50000"/>
+            </a:schemeClr>
+          </a:lnRef>
+          <a:fillRef idx="1">
+            <a:schemeClr val="accent6"/>
+          </a:fillRef>
+          <a:effectRef idx="0">
+            <a:schemeClr val="accent6"/>
+          </a:effectRef>
+          <a:fontRef idx="minor">
+            <a:schemeClr val="lt1"/>
+          </a:fontRef>
+        </p:style>
+        <p:txBody>
+          <a:bodyPr rtlCol="0" anchor="ctr"/>
+          <a:lstStyle/>
+          <a:p>
+            <a:pPr algn="ctr"/>
+            <a:r>
+              <a:rPr lang="zh-CN" altLang="en-US" sz="1200" dirty="0"/>
+              <a:t>版本</a:t>
+            </a:r>
+            <a:r>
+              <a:rPr lang="en-US" altLang="zh-CN" sz="1200" dirty="0"/>
+              <a:t>3</a:t>
+            </a:r>
+            <a:endParaRPr lang="zh-CN" altLang="en-US" sz="1200" dirty="0"/>
+          </a:p>
+        </p:txBody>
+      </p:sp>
+      <p:cxnSp>
+        <p:nvCxnSpPr>
+          <p:cNvPr id="9" name="直接箭头连接符 8">
+            <a:extLst>
+              <a:ext uri="{FF2B5EF4-FFF2-40B4-BE49-F238E27FC236}">
+                <a16:creationId xmlns:a16="http://schemas.microsoft.com/office/drawing/2014/main" id="{86B0029C-A3AB-4681-AD23-6A644A4AB2FB}"/>
+              </a:ext>
+            </a:extLst>
+          </p:cNvPr>
+          <p:cNvCxnSpPr>
+            <a:cxnSpLocks/>
+            <a:stCxn id="4" idx="6"/>
+            <a:endCxn id="5" idx="2"/>
+          </p:cNvCxnSpPr>
+          <p:nvPr/>
+        </p:nvCxnSpPr>
+        <p:spPr>
+          <a:xfrm>
+            <a:off x="3185376" y="2502817"/>
+            <a:ext cx="1079810" cy="0"/>
+          </a:xfrm>
+          <a:prstGeom prst="straightConnector1">
+            <a:avLst/>
+          </a:prstGeom>
+          <a:ln w="38100">
+            <a:tailEnd type="triangle"/>
+          </a:ln>
+        </p:spPr>
+        <p:style>
+          <a:lnRef idx="1">
+            <a:schemeClr val="accent1"/>
+          </a:lnRef>
+          <a:fillRef idx="0">
+            <a:schemeClr val="accent1"/>
+          </a:fillRef>
+          <a:effectRef idx="0">
+            <a:schemeClr val="accent1"/>
+          </a:effectRef>
+          <a:fontRef idx="minor">
+            <a:schemeClr val="tx1"/>
+          </a:fontRef>
+        </p:style>
+      </p:cxnSp>
+      <p:cxnSp>
+        <p:nvCxnSpPr>
+          <p:cNvPr id="23" name="直接箭头连接符 22">
+            <a:extLst>
+              <a:ext uri="{FF2B5EF4-FFF2-40B4-BE49-F238E27FC236}">
+                <a16:creationId xmlns:a16="http://schemas.microsoft.com/office/drawing/2014/main" id="{057CB3F7-4E56-4A6B-B05B-9983BEAC0898}"/>
+              </a:ext>
+            </a:extLst>
+          </p:cNvPr>
+          <p:cNvCxnSpPr>
+            <a:cxnSpLocks/>
+            <a:stCxn id="5" idx="6"/>
+            <a:endCxn id="6" idx="2"/>
+          </p:cNvCxnSpPr>
+          <p:nvPr/>
+        </p:nvCxnSpPr>
+        <p:spPr>
+          <a:xfrm>
+            <a:off x="5104173" y="2502817"/>
+            <a:ext cx="1079810" cy="0"/>
+          </a:xfrm>
+          <a:prstGeom prst="straightConnector1">
+            <a:avLst/>
+          </a:prstGeom>
+          <a:ln w="38100">
+            <a:tailEnd type="triangle"/>
+          </a:ln>
+        </p:spPr>
+        <p:style>
+          <a:lnRef idx="1">
+            <a:schemeClr val="accent1"/>
+          </a:lnRef>
+          <a:fillRef idx="0">
+            <a:schemeClr val="accent1"/>
+          </a:fillRef>
+          <a:effectRef idx="0">
+            <a:schemeClr val="accent1"/>
+          </a:effectRef>
+          <a:fontRef idx="minor">
+            <a:schemeClr val="tx1"/>
+          </a:fontRef>
+        </p:style>
+      </p:cxnSp>
+      <p:sp>
+        <p:nvSpPr>
+          <p:cNvPr id="27" name="箭头: 下 26">
+            <a:extLst>
+              <a:ext uri="{FF2B5EF4-FFF2-40B4-BE49-F238E27FC236}">
+                <a16:creationId xmlns:a16="http://schemas.microsoft.com/office/drawing/2014/main" id="{E3B6286A-CF8D-4785-A330-4DD41C5AB539}"/>
+              </a:ext>
+            </a:extLst>
+          </p:cNvPr>
+          <p:cNvSpPr/>
+          <p:nvPr/>
+        </p:nvSpPr>
+        <p:spPr>
+          <a:xfrm rot="17801321">
+            <a:off x="5743470" y="402840"/>
+            <a:ext cx="90306" cy="642665"/>
+          </a:xfrm>
+          <a:prstGeom prst="downArrow">
+            <a:avLst/>
+          </a:prstGeom>
+        </p:spPr>
+        <p:style>
+          <a:lnRef idx="2">
+            <a:schemeClr val="accent1">
+              <a:shade val="50000"/>
+            </a:schemeClr>
+          </a:lnRef>
+          <a:fillRef idx="1">
+            <a:schemeClr val="accent1"/>
+          </a:fillRef>
+          <a:effectRef idx="0">
+            <a:schemeClr val="accent1"/>
+          </a:effectRef>
+          <a:fontRef idx="minor">
+            <a:schemeClr val="lt1"/>
+          </a:fontRef>
+        </p:style>
+        <p:txBody>
+          <a:bodyPr rtlCol="0" anchor="ctr"/>
+          <a:lstStyle/>
+          <a:p>
+            <a:pPr algn="ctr"/>
+            <a:endParaRPr lang="zh-CN" altLang="en-US"/>
+          </a:p>
+        </p:txBody>
+      </p:sp>
+      <p:sp>
+        <p:nvSpPr>
+          <p:cNvPr id="29" name="椭圆 28">
+            <a:extLst>
+              <a:ext uri="{FF2B5EF4-FFF2-40B4-BE49-F238E27FC236}">
+                <a16:creationId xmlns:a16="http://schemas.microsoft.com/office/drawing/2014/main" id="{E6B33524-2B16-4CF0-BE29-7CACD5BADC8B}"/>
+              </a:ext>
+            </a:extLst>
+          </p:cNvPr>
+          <p:cNvSpPr/>
+          <p:nvPr/>
+        </p:nvSpPr>
+        <p:spPr>
+          <a:xfrm>
+            <a:off x="473032" y="2083323"/>
+            <a:ext cx="838987" cy="838987"/>
+          </a:xfrm>
+          <a:prstGeom prst="ellipse">
+            <a:avLst/>
+          </a:prstGeom>
+        </p:spPr>
+        <p:style>
+          <a:lnRef idx="2">
+            <a:schemeClr val="accent6">
+              <a:shade val="50000"/>
+            </a:schemeClr>
+          </a:lnRef>
+          <a:fillRef idx="1">
+            <a:schemeClr val="accent6"/>
+          </a:fillRef>
+          <a:effectRef idx="0">
+            <a:schemeClr val="accent6"/>
+          </a:effectRef>
+          <a:fontRef idx="minor">
+            <a:schemeClr val="lt1"/>
+          </a:fontRef>
+        </p:style>
+        <p:txBody>
+          <a:bodyPr rtlCol="0" anchor="ctr"/>
+          <a:lstStyle/>
+          <a:p>
+            <a:pPr algn="ctr"/>
+            <a:r>
+              <a:rPr lang="zh-CN" altLang="en-US" sz="1200" dirty="0"/>
+              <a:t>版本</a:t>
+            </a:r>
+            <a:r>
+              <a:rPr lang="en-US" altLang="zh-CN" sz="1200" dirty="0"/>
+              <a:t>0</a:t>
+            </a:r>
+            <a:endParaRPr lang="zh-CN" altLang="en-US" sz="1200" dirty="0"/>
+          </a:p>
+        </p:txBody>
+      </p:sp>
+      <p:cxnSp>
+        <p:nvCxnSpPr>
+          <p:cNvPr id="30" name="直接箭头连接符 29">
+            <a:extLst>
+              <a:ext uri="{FF2B5EF4-FFF2-40B4-BE49-F238E27FC236}">
+                <a16:creationId xmlns:a16="http://schemas.microsoft.com/office/drawing/2014/main" id="{7F411AEB-4693-40BE-AC25-DFA0C6D13DA0}"/>
+              </a:ext>
+            </a:extLst>
+          </p:cNvPr>
+          <p:cNvCxnSpPr>
+            <a:cxnSpLocks/>
+            <a:stCxn id="29" idx="6"/>
+            <a:endCxn id="4" idx="2"/>
+          </p:cNvCxnSpPr>
+          <p:nvPr/>
+        </p:nvCxnSpPr>
+        <p:spPr>
+          <a:xfrm>
+            <a:off x="1312019" y="2502817"/>
+            <a:ext cx="1034370" cy="0"/>
+          </a:xfrm>
+          <a:prstGeom prst="straightConnector1">
+            <a:avLst/>
+          </a:prstGeom>
+          <a:ln w="38100">
+            <a:tailEnd type="triangle"/>
+          </a:ln>
+        </p:spPr>
+        <p:style>
+          <a:lnRef idx="1">
+            <a:schemeClr val="accent1"/>
+          </a:lnRef>
+          <a:fillRef idx="0">
+            <a:schemeClr val="accent1"/>
+          </a:fillRef>
+          <a:effectRef idx="0">
+            <a:schemeClr val="accent1"/>
+          </a:effectRef>
+          <a:fontRef idx="minor">
+            <a:schemeClr val="tx1"/>
+          </a:fontRef>
+        </p:style>
+      </p:cxnSp>
+      <p:sp>
+        <p:nvSpPr>
+          <p:cNvPr id="33" name="矩形 32">
+            <a:extLst>
+              <a:ext uri="{FF2B5EF4-FFF2-40B4-BE49-F238E27FC236}">
+                <a16:creationId xmlns:a16="http://schemas.microsoft.com/office/drawing/2014/main" id="{614299EB-FF64-43F6-9269-D3AF3268BD66}"/>
+              </a:ext>
+            </a:extLst>
+          </p:cNvPr>
+          <p:cNvSpPr/>
+          <p:nvPr/>
+        </p:nvSpPr>
+        <p:spPr>
+          <a:xfrm>
+            <a:off x="4720894" y="260571"/>
+            <a:ext cx="766557" cy="369332"/>
+          </a:xfrm>
+          <a:prstGeom prst="rect">
+            <a:avLst/>
+          </a:prstGeom>
+        </p:spPr>
+        <p:txBody>
+          <a:bodyPr wrap="none">
+            <a:spAutoFit/>
+          </a:bodyPr>
+          <a:lstStyle/>
+          <a:p>
+            <a:r>
+              <a:rPr lang="en-US" altLang="zh-CN" dirty="0"/>
+              <a:t>HEAD</a:t>
+            </a:r>
+            <a:endParaRPr lang="zh-CN" altLang="en-US" dirty="0"/>
+          </a:p>
+        </p:txBody>
+      </p:sp>
+      <p:sp>
+        <p:nvSpPr>
+          <p:cNvPr id="34" name="箭头: 下 33">
+            <a:extLst>
+              <a:ext uri="{FF2B5EF4-FFF2-40B4-BE49-F238E27FC236}">
+                <a16:creationId xmlns:a16="http://schemas.microsoft.com/office/drawing/2014/main" id="{0219139E-D6FF-4438-9796-0C25A402D754}"/>
+              </a:ext>
+            </a:extLst>
+          </p:cNvPr>
+          <p:cNvSpPr/>
+          <p:nvPr/>
+        </p:nvSpPr>
+        <p:spPr>
+          <a:xfrm>
+            <a:off x="6414939" y="1282043"/>
+            <a:ext cx="377073" cy="707011"/>
+          </a:xfrm>
+          <a:prstGeom prst="downArrow">
+            <a:avLst/>
+          </a:prstGeom>
+        </p:spPr>
+        <p:style>
+          <a:lnRef idx="2">
+            <a:schemeClr val="accent1">
+              <a:shade val="50000"/>
+            </a:schemeClr>
+          </a:lnRef>
+          <a:fillRef idx="1">
+            <a:schemeClr val="accent1"/>
+          </a:fillRef>
+          <a:effectRef idx="0">
+            <a:schemeClr val="accent1"/>
+          </a:effectRef>
+          <a:fontRef idx="minor">
+            <a:schemeClr val="lt1"/>
+          </a:fontRef>
+        </p:style>
+        <p:txBody>
+          <a:bodyPr rtlCol="0" anchor="ctr"/>
+          <a:lstStyle/>
+          <a:p>
+            <a:pPr algn="ctr"/>
+            <a:endParaRPr lang="zh-CN" altLang="en-US"/>
+          </a:p>
+        </p:txBody>
+      </p:sp>
+      <p:sp>
+        <p:nvSpPr>
+          <p:cNvPr id="35" name="矩形 34">
+            <a:extLst>
+              <a:ext uri="{FF2B5EF4-FFF2-40B4-BE49-F238E27FC236}">
+                <a16:creationId xmlns:a16="http://schemas.microsoft.com/office/drawing/2014/main" id="{7715C85A-062F-4F89-A3BD-2248EBB9E280}"/>
+              </a:ext>
+            </a:extLst>
+          </p:cNvPr>
+          <p:cNvSpPr/>
+          <p:nvPr/>
+        </p:nvSpPr>
+        <p:spPr>
+          <a:xfrm>
+            <a:off x="5965596" y="818442"/>
+            <a:ext cx="859531" cy="369332"/>
+          </a:xfrm>
+          <a:prstGeom prst="rect">
+            <a:avLst/>
+          </a:prstGeom>
+        </p:spPr>
+        <p:txBody>
+          <a:bodyPr wrap="none">
+            <a:spAutoFit/>
+          </a:bodyPr>
+          <a:lstStyle/>
+          <a:p>
+            <a:r>
+              <a:rPr lang="en-US" altLang="zh-CN" dirty="0"/>
+              <a:t>master</a:t>
+            </a:r>
+            <a:endParaRPr lang="zh-CN" altLang="en-US" dirty="0"/>
+          </a:p>
+        </p:txBody>
+      </p:sp>
+      <p:sp>
+        <p:nvSpPr>
+          <p:cNvPr id="47" name="矩形 46">
+            <a:extLst>
+              <a:ext uri="{FF2B5EF4-FFF2-40B4-BE49-F238E27FC236}">
+                <a16:creationId xmlns:a16="http://schemas.microsoft.com/office/drawing/2014/main" id="{B070F7DE-BFC4-4C51-A7A3-BAE155FD1C78}"/>
+              </a:ext>
+            </a:extLst>
+          </p:cNvPr>
+          <p:cNvSpPr/>
+          <p:nvPr/>
+        </p:nvSpPr>
+        <p:spPr>
+          <a:xfrm>
+            <a:off x="1519362" y="2154571"/>
+            <a:ext cx="574196" cy="276999"/>
+          </a:xfrm>
+          <a:prstGeom prst="rect">
+            <a:avLst/>
+          </a:prstGeom>
+        </p:spPr>
+        <p:txBody>
+          <a:bodyPr wrap="none">
+            <a:spAutoFit/>
+          </a:bodyPr>
+          <a:lstStyle/>
+          <a:p>
+            <a:r>
+              <a:rPr lang="zh-CN" altLang="en-US" sz="1200" dirty="0"/>
+              <a:t>提交</a:t>
+            </a:r>
+            <a:r>
+              <a:rPr lang="en-US" altLang="zh-CN" sz="1200" dirty="0"/>
+              <a:t>1</a:t>
+            </a:r>
+            <a:endParaRPr lang="zh-CN" altLang="en-US" sz="1200" dirty="0"/>
+          </a:p>
+        </p:txBody>
+      </p:sp>
+      <p:sp>
+        <p:nvSpPr>
+          <p:cNvPr id="48" name="矩形 47">
+            <a:extLst>
+              <a:ext uri="{FF2B5EF4-FFF2-40B4-BE49-F238E27FC236}">
+                <a16:creationId xmlns:a16="http://schemas.microsoft.com/office/drawing/2014/main" id="{1E2CCEC1-8E5E-4507-ABC2-84B64504E006}"/>
+              </a:ext>
+            </a:extLst>
+          </p:cNvPr>
+          <p:cNvSpPr/>
+          <p:nvPr/>
+        </p:nvSpPr>
+        <p:spPr>
+          <a:xfrm>
+            <a:off x="3438183" y="2154571"/>
+            <a:ext cx="574196" cy="276999"/>
+          </a:xfrm>
+          <a:prstGeom prst="rect">
+            <a:avLst/>
+          </a:prstGeom>
+        </p:spPr>
+        <p:txBody>
+          <a:bodyPr wrap="none">
+            <a:spAutoFit/>
+          </a:bodyPr>
+          <a:lstStyle/>
+          <a:p>
+            <a:r>
+              <a:rPr lang="zh-CN" altLang="en-US" sz="1200" dirty="0"/>
+              <a:t>提交</a:t>
+            </a:r>
+            <a:r>
+              <a:rPr lang="en-US" altLang="zh-CN" sz="1200" dirty="0"/>
+              <a:t>2</a:t>
+            </a:r>
+            <a:endParaRPr lang="zh-CN" altLang="en-US" sz="1200" dirty="0"/>
+          </a:p>
+        </p:txBody>
+      </p:sp>
+      <p:sp>
+        <p:nvSpPr>
+          <p:cNvPr id="49" name="矩形 48">
+            <a:extLst>
+              <a:ext uri="{FF2B5EF4-FFF2-40B4-BE49-F238E27FC236}">
+                <a16:creationId xmlns:a16="http://schemas.microsoft.com/office/drawing/2014/main" id="{47486B2F-B3B7-4BA1-9865-A59493425738}"/>
+              </a:ext>
+            </a:extLst>
+          </p:cNvPr>
+          <p:cNvSpPr/>
+          <p:nvPr/>
+        </p:nvSpPr>
+        <p:spPr>
+          <a:xfrm>
+            <a:off x="5339554" y="2154571"/>
+            <a:ext cx="574196" cy="276999"/>
+          </a:xfrm>
+          <a:prstGeom prst="rect">
+            <a:avLst/>
+          </a:prstGeom>
+        </p:spPr>
+        <p:txBody>
+          <a:bodyPr wrap="none">
+            <a:spAutoFit/>
+          </a:bodyPr>
+          <a:lstStyle/>
+          <a:p>
+            <a:r>
+              <a:rPr lang="zh-CN" altLang="en-US" sz="1200" dirty="0"/>
+              <a:t>提交</a:t>
+            </a:r>
+            <a:r>
+              <a:rPr lang="en-US" altLang="zh-CN" sz="1200" dirty="0"/>
+              <a:t>3</a:t>
+            </a:r>
+            <a:endParaRPr lang="zh-CN" altLang="en-US" sz="1200" dirty="0"/>
+          </a:p>
+        </p:txBody>
+      </p:sp>
+    </p:spTree>
+    <p:extLst>
+      <p:ext uri="{BB962C8B-B14F-4D97-AF65-F5344CB8AC3E}">
+        <p14:creationId xmlns:p14="http://schemas.microsoft.com/office/powerpoint/2010/main" val="2251403853"/>
+      </p:ext>
+    </p:extLst>
+  </p:cSld>
+  <p:clrMapOvr>
+    <a:masterClrMapping/>
+  </p:clrMapOvr>
+</p:sld>
+</file>
+
+<file path=ppt/slides/slide9.xml><?xml version="1.0" encoding="utf-8"?>
+<p:sld xmlns:a="http://schemas.openxmlformats.org/drawingml/2006/main" xmlns:r="http://schemas.openxmlformats.org/officeDocument/2006/relationships" xmlns:p="http://schemas.openxmlformats.org/presentationml/2006/main">
+  <p:cSld>
+    <p:spTree>
+      <p:nvGrpSpPr>
+        <p:cNvPr id="1" name=""/>
+        <p:cNvGrpSpPr/>
+        <p:nvPr/>
+      </p:nvGrpSpPr>
+      <p:grpSpPr>
+        <a:xfrm>
+          <a:off x="0" y="0"/>
+          <a:ext cx="0" cy="0"/>
+          <a:chOff x="0" y="0"/>
+          <a:chExt cx="0" cy="0"/>
+        </a:xfrm>
+      </p:grpSpPr>
+      <p:sp>
+        <p:nvSpPr>
+          <p:cNvPr id="4" name="椭圆 3">
+            <a:extLst>
+              <a:ext uri="{FF2B5EF4-FFF2-40B4-BE49-F238E27FC236}">
+                <a16:creationId xmlns:a16="http://schemas.microsoft.com/office/drawing/2014/main" id="{5D3B6187-D811-47A0-8CB0-9340BC21BE01}"/>
+              </a:ext>
+            </a:extLst>
+          </p:cNvPr>
+          <p:cNvSpPr/>
+          <p:nvPr/>
+        </p:nvSpPr>
+        <p:spPr>
+          <a:xfrm>
+            <a:off x="2393523" y="1253764"/>
+            <a:ext cx="838987" cy="838987"/>
+          </a:xfrm>
+          <a:prstGeom prst="ellipse">
+            <a:avLst/>
+          </a:prstGeom>
+        </p:spPr>
+        <p:style>
+          <a:lnRef idx="2">
+            <a:schemeClr val="accent6">
+              <a:shade val="50000"/>
+            </a:schemeClr>
+          </a:lnRef>
+          <a:fillRef idx="1">
+            <a:schemeClr val="accent6"/>
+          </a:fillRef>
+          <a:effectRef idx="0">
+            <a:schemeClr val="accent6"/>
+          </a:effectRef>
+          <a:fontRef idx="minor">
+            <a:schemeClr val="lt1"/>
+          </a:fontRef>
+        </p:style>
+        <p:txBody>
+          <a:bodyPr rtlCol="0" anchor="ctr"/>
+          <a:lstStyle/>
+          <a:p>
+            <a:pPr algn="ctr"/>
+            <a:r>
+              <a:rPr lang="zh-CN" altLang="en-US" sz="1200" dirty="0"/>
+              <a:t>版本</a:t>
+            </a:r>
+            <a:r>
+              <a:rPr lang="en-US" altLang="zh-CN" sz="1200" dirty="0"/>
+              <a:t>1</a:t>
+            </a:r>
+            <a:endParaRPr lang="zh-CN" altLang="en-US" sz="1200" dirty="0"/>
+          </a:p>
+        </p:txBody>
+      </p:sp>
+      <p:sp>
+        <p:nvSpPr>
+          <p:cNvPr id="5" name="椭圆 4">
+            <a:extLst>
+              <a:ext uri="{FF2B5EF4-FFF2-40B4-BE49-F238E27FC236}">
+                <a16:creationId xmlns:a16="http://schemas.microsoft.com/office/drawing/2014/main" id="{C83E2D29-824F-4126-9F79-DFD057C2D3AE}"/>
+              </a:ext>
+            </a:extLst>
+          </p:cNvPr>
+          <p:cNvSpPr/>
+          <p:nvPr/>
+        </p:nvSpPr>
+        <p:spPr>
+          <a:xfrm>
+            <a:off x="4312320" y="1253764"/>
+            <a:ext cx="838987" cy="838987"/>
+          </a:xfrm>
+          <a:prstGeom prst="ellipse">
+            <a:avLst/>
+          </a:prstGeom>
+        </p:spPr>
+        <p:style>
+          <a:lnRef idx="2">
+            <a:schemeClr val="accent6">
+              <a:shade val="50000"/>
+            </a:schemeClr>
+          </a:lnRef>
+          <a:fillRef idx="1">
+            <a:schemeClr val="accent6"/>
+          </a:fillRef>
+          <a:effectRef idx="0">
+            <a:schemeClr val="accent6"/>
+          </a:effectRef>
+          <a:fontRef idx="minor">
+            <a:schemeClr val="lt1"/>
+          </a:fontRef>
+        </p:style>
+        <p:txBody>
+          <a:bodyPr rtlCol="0" anchor="ctr"/>
+          <a:lstStyle/>
+          <a:p>
+            <a:pPr algn="ctr"/>
+            <a:r>
+              <a:rPr lang="zh-CN" altLang="en-US" sz="1200" dirty="0"/>
+              <a:t>版本</a:t>
+            </a:r>
+            <a:r>
+              <a:rPr lang="en-US" altLang="zh-CN" sz="1200" dirty="0"/>
+              <a:t>2</a:t>
+            </a:r>
+            <a:endParaRPr lang="zh-CN" altLang="en-US" sz="1200" dirty="0"/>
+          </a:p>
+        </p:txBody>
+      </p:sp>
+      <p:sp>
+        <p:nvSpPr>
+          <p:cNvPr id="6" name="椭圆 5">
+            <a:extLst>
+              <a:ext uri="{FF2B5EF4-FFF2-40B4-BE49-F238E27FC236}">
+                <a16:creationId xmlns:a16="http://schemas.microsoft.com/office/drawing/2014/main" id="{B97ACECA-1FFB-4A5C-AA0C-3BA2CC1F61BC}"/>
+              </a:ext>
+            </a:extLst>
+          </p:cNvPr>
+          <p:cNvSpPr/>
+          <p:nvPr/>
+        </p:nvSpPr>
+        <p:spPr>
+          <a:xfrm>
+            <a:off x="6231117" y="1253764"/>
+            <a:ext cx="838987" cy="838987"/>
+          </a:xfrm>
+          <a:prstGeom prst="ellipse">
+            <a:avLst/>
+          </a:prstGeom>
+        </p:spPr>
+        <p:style>
+          <a:lnRef idx="2">
+            <a:schemeClr val="accent6">
+              <a:shade val="50000"/>
+            </a:schemeClr>
+          </a:lnRef>
+          <a:fillRef idx="1">
+            <a:schemeClr val="accent6"/>
+          </a:fillRef>
+          <a:effectRef idx="0">
+            <a:schemeClr val="accent6"/>
+          </a:effectRef>
+          <a:fontRef idx="minor">
+            <a:schemeClr val="lt1"/>
+          </a:fontRef>
+        </p:style>
+        <p:txBody>
+          <a:bodyPr rtlCol="0" anchor="ctr"/>
+          <a:lstStyle/>
+          <a:p>
+            <a:pPr algn="ctr"/>
+            <a:r>
+              <a:rPr lang="zh-CN" altLang="en-US" sz="1200" dirty="0"/>
+              <a:t>版本</a:t>
+            </a:r>
+            <a:r>
+              <a:rPr lang="en-US" altLang="zh-CN" sz="1200" dirty="0"/>
+              <a:t>3</a:t>
+            </a:r>
+            <a:endParaRPr lang="zh-CN" altLang="en-US" sz="1200" dirty="0"/>
+          </a:p>
+        </p:txBody>
+      </p:sp>
+      <p:cxnSp>
+        <p:nvCxnSpPr>
+          <p:cNvPr id="9" name="直接箭头连接符 8">
+            <a:extLst>
+              <a:ext uri="{FF2B5EF4-FFF2-40B4-BE49-F238E27FC236}">
+                <a16:creationId xmlns:a16="http://schemas.microsoft.com/office/drawing/2014/main" id="{86B0029C-A3AB-4681-AD23-6A644A4AB2FB}"/>
+              </a:ext>
+            </a:extLst>
+          </p:cNvPr>
+          <p:cNvCxnSpPr>
+            <a:cxnSpLocks/>
+            <a:stCxn id="4" idx="6"/>
+            <a:endCxn id="5" idx="2"/>
+          </p:cNvCxnSpPr>
+          <p:nvPr/>
+        </p:nvCxnSpPr>
+        <p:spPr>
+          <a:xfrm>
+            <a:off x="3232510" y="1673258"/>
+            <a:ext cx="1079810" cy="0"/>
+          </a:xfrm>
+          <a:prstGeom prst="straightConnector1">
+            <a:avLst/>
+          </a:prstGeom>
+          <a:ln w="38100">
+            <a:tailEnd type="triangle"/>
+          </a:ln>
+        </p:spPr>
+        <p:style>
+          <a:lnRef idx="1">
+            <a:schemeClr val="accent1"/>
+          </a:lnRef>
+          <a:fillRef idx="0">
+            <a:schemeClr val="accent1"/>
+          </a:fillRef>
+          <a:effectRef idx="0">
+            <a:schemeClr val="accent1"/>
+          </a:effectRef>
+          <a:fontRef idx="minor">
+            <a:schemeClr val="tx1"/>
+          </a:fontRef>
+        </p:style>
+      </p:cxnSp>
+      <p:cxnSp>
+        <p:nvCxnSpPr>
+          <p:cNvPr id="23" name="直接箭头连接符 22">
+            <a:extLst>
+              <a:ext uri="{FF2B5EF4-FFF2-40B4-BE49-F238E27FC236}">
+                <a16:creationId xmlns:a16="http://schemas.microsoft.com/office/drawing/2014/main" id="{057CB3F7-4E56-4A6B-B05B-9983BEAC0898}"/>
+              </a:ext>
+            </a:extLst>
+          </p:cNvPr>
+          <p:cNvCxnSpPr>
+            <a:cxnSpLocks/>
+            <a:stCxn id="5" idx="6"/>
+            <a:endCxn id="6" idx="2"/>
+          </p:cNvCxnSpPr>
+          <p:nvPr/>
+        </p:nvCxnSpPr>
+        <p:spPr>
+          <a:xfrm>
+            <a:off x="5151307" y="1673258"/>
+            <a:ext cx="1079810" cy="0"/>
+          </a:xfrm>
+          <a:prstGeom prst="straightConnector1">
+            <a:avLst/>
+          </a:prstGeom>
+          <a:ln w="38100">
+            <a:tailEnd type="triangle"/>
+          </a:ln>
+        </p:spPr>
+        <p:style>
+          <a:lnRef idx="1">
+            <a:schemeClr val="accent1"/>
+          </a:lnRef>
+          <a:fillRef idx="0">
+            <a:schemeClr val="accent1"/>
+          </a:fillRef>
+          <a:effectRef idx="0">
+            <a:schemeClr val="accent1"/>
+          </a:effectRef>
+          <a:fontRef idx="minor">
+            <a:schemeClr val="tx1"/>
+          </a:fontRef>
+        </p:style>
+      </p:cxnSp>
+      <p:sp>
+        <p:nvSpPr>
+          <p:cNvPr id="27" name="箭头: 下 26">
+            <a:extLst>
+              <a:ext uri="{FF2B5EF4-FFF2-40B4-BE49-F238E27FC236}">
+                <a16:creationId xmlns:a16="http://schemas.microsoft.com/office/drawing/2014/main" id="{E3B6286A-CF8D-4785-A330-4DD41C5AB539}"/>
+              </a:ext>
+            </a:extLst>
+          </p:cNvPr>
+          <p:cNvSpPr/>
+          <p:nvPr/>
+        </p:nvSpPr>
+        <p:spPr>
+          <a:xfrm rot="3734915">
+            <a:off x="7300120" y="160201"/>
+            <a:ext cx="74768" cy="410842"/>
+          </a:xfrm>
+          <a:prstGeom prst="downArrow">
+            <a:avLst/>
+          </a:prstGeom>
+        </p:spPr>
+        <p:style>
+          <a:lnRef idx="2">
+            <a:schemeClr val="accent1">
+              <a:shade val="50000"/>
+            </a:schemeClr>
+          </a:lnRef>
+          <a:fillRef idx="1">
+            <a:schemeClr val="accent1"/>
+          </a:fillRef>
+          <a:effectRef idx="0">
+            <a:schemeClr val="accent1"/>
+          </a:effectRef>
+          <a:fontRef idx="minor">
+            <a:schemeClr val="lt1"/>
+          </a:fontRef>
+        </p:style>
+        <p:txBody>
+          <a:bodyPr rtlCol="0" anchor="ctr"/>
+          <a:lstStyle/>
+          <a:p>
+            <a:pPr algn="ctr"/>
+            <a:endParaRPr lang="zh-CN" altLang="en-US"/>
+          </a:p>
+        </p:txBody>
+      </p:sp>
+      <p:sp>
+        <p:nvSpPr>
+          <p:cNvPr id="29" name="椭圆 28">
+            <a:extLst>
+              <a:ext uri="{FF2B5EF4-FFF2-40B4-BE49-F238E27FC236}">
+                <a16:creationId xmlns:a16="http://schemas.microsoft.com/office/drawing/2014/main" id="{E6B33524-2B16-4CF0-BE29-7CACD5BADC8B}"/>
+              </a:ext>
+            </a:extLst>
+          </p:cNvPr>
+          <p:cNvSpPr/>
+          <p:nvPr/>
+        </p:nvSpPr>
+        <p:spPr>
+          <a:xfrm>
+            <a:off x="520166" y="1253764"/>
+            <a:ext cx="838987" cy="838987"/>
+          </a:xfrm>
+          <a:prstGeom prst="ellipse">
+            <a:avLst/>
+          </a:prstGeom>
+        </p:spPr>
+        <p:style>
+          <a:lnRef idx="2">
+            <a:schemeClr val="accent6">
+              <a:shade val="50000"/>
+            </a:schemeClr>
+          </a:lnRef>
+          <a:fillRef idx="1">
+            <a:schemeClr val="accent6"/>
+          </a:fillRef>
+          <a:effectRef idx="0">
+            <a:schemeClr val="accent6"/>
+          </a:effectRef>
+          <a:fontRef idx="minor">
+            <a:schemeClr val="lt1"/>
+          </a:fontRef>
+        </p:style>
+        <p:txBody>
+          <a:bodyPr rtlCol="0" anchor="ctr"/>
+          <a:lstStyle/>
+          <a:p>
+            <a:pPr algn="ctr"/>
+            <a:r>
+              <a:rPr lang="zh-CN" altLang="en-US" sz="1200" dirty="0"/>
+              <a:t>版本</a:t>
+            </a:r>
+            <a:r>
+              <a:rPr lang="en-US" altLang="zh-CN" sz="1200" dirty="0"/>
+              <a:t>0</a:t>
+            </a:r>
+            <a:endParaRPr lang="zh-CN" altLang="en-US" sz="1200" dirty="0"/>
+          </a:p>
+        </p:txBody>
+      </p:sp>
+      <p:cxnSp>
+        <p:nvCxnSpPr>
+          <p:cNvPr id="30" name="直接箭头连接符 29">
+            <a:extLst>
+              <a:ext uri="{FF2B5EF4-FFF2-40B4-BE49-F238E27FC236}">
+                <a16:creationId xmlns:a16="http://schemas.microsoft.com/office/drawing/2014/main" id="{7F411AEB-4693-40BE-AC25-DFA0C6D13DA0}"/>
+              </a:ext>
+            </a:extLst>
+          </p:cNvPr>
+          <p:cNvCxnSpPr>
+            <a:cxnSpLocks/>
+            <a:stCxn id="29" idx="6"/>
+            <a:endCxn id="4" idx="2"/>
+          </p:cNvCxnSpPr>
+          <p:nvPr/>
+        </p:nvCxnSpPr>
+        <p:spPr>
+          <a:xfrm>
+            <a:off x="1359153" y="1673258"/>
+            <a:ext cx="1034370" cy="0"/>
+          </a:xfrm>
+          <a:prstGeom prst="straightConnector1">
+            <a:avLst/>
+          </a:prstGeom>
+          <a:ln w="38100">
+            <a:tailEnd type="triangle"/>
+          </a:ln>
+        </p:spPr>
+        <p:style>
+          <a:lnRef idx="1">
+            <a:schemeClr val="accent1"/>
+          </a:lnRef>
+          <a:fillRef idx="0">
+            <a:schemeClr val="accent1"/>
+          </a:fillRef>
+          <a:effectRef idx="0">
+            <a:schemeClr val="accent1"/>
+          </a:effectRef>
+          <a:fontRef idx="minor">
+            <a:schemeClr val="tx1"/>
+          </a:fontRef>
+        </p:style>
+      </p:cxnSp>
+      <p:sp>
+        <p:nvSpPr>
+          <p:cNvPr id="33" name="矩形 32">
+            <a:extLst>
+              <a:ext uri="{FF2B5EF4-FFF2-40B4-BE49-F238E27FC236}">
+                <a16:creationId xmlns:a16="http://schemas.microsoft.com/office/drawing/2014/main" id="{614299EB-FF64-43F6-9269-D3AF3268BD66}"/>
+              </a:ext>
+            </a:extLst>
+          </p:cNvPr>
+          <p:cNvSpPr/>
+          <p:nvPr/>
+        </p:nvSpPr>
+        <p:spPr>
+          <a:xfrm>
+            <a:off x="7638877" y="125026"/>
+            <a:ext cx="766557" cy="369332"/>
+          </a:xfrm>
+          <a:prstGeom prst="rect">
+            <a:avLst/>
+          </a:prstGeom>
+        </p:spPr>
+        <p:txBody>
+          <a:bodyPr wrap="none">
+            <a:spAutoFit/>
+          </a:bodyPr>
+          <a:lstStyle/>
+          <a:p>
+            <a:r>
+              <a:rPr lang="en-US" altLang="zh-CN" dirty="0"/>
+              <a:t>HEAD</a:t>
+            </a:r>
+            <a:endParaRPr lang="zh-CN" altLang="en-US" dirty="0"/>
+          </a:p>
+        </p:txBody>
+      </p:sp>
+      <p:sp>
+        <p:nvSpPr>
+          <p:cNvPr id="34" name="箭头: 下 33">
+            <a:extLst>
+              <a:ext uri="{FF2B5EF4-FFF2-40B4-BE49-F238E27FC236}">
+                <a16:creationId xmlns:a16="http://schemas.microsoft.com/office/drawing/2014/main" id="{0219139E-D6FF-4438-9796-0C25A402D754}"/>
+              </a:ext>
+            </a:extLst>
+          </p:cNvPr>
+          <p:cNvSpPr/>
+          <p:nvPr/>
+        </p:nvSpPr>
+        <p:spPr>
+          <a:xfrm>
+            <a:off x="6419653" y="782987"/>
+            <a:ext cx="377073" cy="369332"/>
+          </a:xfrm>
+          <a:prstGeom prst="downArrow">
+            <a:avLst/>
+          </a:prstGeom>
+        </p:spPr>
+        <p:style>
+          <a:lnRef idx="2">
+            <a:schemeClr val="accent1">
+              <a:shade val="50000"/>
+            </a:schemeClr>
+          </a:lnRef>
+          <a:fillRef idx="1">
+            <a:schemeClr val="accent1"/>
+          </a:fillRef>
+          <a:effectRef idx="0">
+            <a:schemeClr val="accent1"/>
+          </a:effectRef>
+          <a:fontRef idx="minor">
+            <a:schemeClr val="lt1"/>
+          </a:fontRef>
+        </p:style>
+        <p:txBody>
+          <a:bodyPr rtlCol="0" anchor="ctr"/>
+          <a:lstStyle/>
+          <a:p>
+            <a:pPr algn="ctr"/>
+            <a:endParaRPr lang="zh-CN" altLang="en-US"/>
+          </a:p>
+        </p:txBody>
+      </p:sp>
+      <p:sp>
+        <p:nvSpPr>
+          <p:cNvPr id="35" name="矩形 34">
+            <a:extLst>
+              <a:ext uri="{FF2B5EF4-FFF2-40B4-BE49-F238E27FC236}">
+                <a16:creationId xmlns:a16="http://schemas.microsoft.com/office/drawing/2014/main" id="{7715C85A-062F-4F89-A3BD-2248EBB9E280}"/>
+              </a:ext>
+            </a:extLst>
+          </p:cNvPr>
+          <p:cNvSpPr/>
+          <p:nvPr/>
+        </p:nvSpPr>
+        <p:spPr>
+          <a:xfrm>
+            <a:off x="6136826" y="309692"/>
+            <a:ext cx="859531" cy="369332"/>
+          </a:xfrm>
+          <a:prstGeom prst="rect">
+            <a:avLst/>
+          </a:prstGeom>
+        </p:spPr>
+        <p:txBody>
+          <a:bodyPr wrap="none">
+            <a:spAutoFit/>
+          </a:bodyPr>
+          <a:lstStyle/>
+          <a:p>
+            <a:r>
+              <a:rPr lang="en-US" altLang="zh-CN" dirty="0"/>
+              <a:t>master</a:t>
+            </a:r>
+            <a:endParaRPr lang="zh-CN" altLang="en-US" dirty="0"/>
+          </a:p>
+        </p:txBody>
+      </p:sp>
+      <p:sp>
+        <p:nvSpPr>
+          <p:cNvPr id="36" name="椭圆 35">
+            <a:extLst>
+              <a:ext uri="{FF2B5EF4-FFF2-40B4-BE49-F238E27FC236}">
+                <a16:creationId xmlns:a16="http://schemas.microsoft.com/office/drawing/2014/main" id="{4DFF4318-2BB7-4D8C-B8CA-F170B9C88EAE}"/>
+              </a:ext>
+            </a:extLst>
+          </p:cNvPr>
+          <p:cNvSpPr/>
+          <p:nvPr/>
+        </p:nvSpPr>
+        <p:spPr>
+          <a:xfrm>
+            <a:off x="2393523" y="4429768"/>
+            <a:ext cx="838987" cy="838987"/>
+          </a:xfrm>
+          <a:prstGeom prst="ellipse">
+            <a:avLst/>
+          </a:prstGeom>
+        </p:spPr>
+        <p:style>
+          <a:lnRef idx="2">
+            <a:schemeClr val="accent6">
+              <a:shade val="50000"/>
+            </a:schemeClr>
+          </a:lnRef>
+          <a:fillRef idx="1">
+            <a:schemeClr val="accent6"/>
+          </a:fillRef>
+          <a:effectRef idx="0">
+            <a:schemeClr val="accent6"/>
+          </a:effectRef>
+          <a:fontRef idx="minor">
+            <a:schemeClr val="lt1"/>
+          </a:fontRef>
+        </p:style>
+        <p:txBody>
+          <a:bodyPr rtlCol="0" anchor="ctr"/>
+          <a:lstStyle/>
+          <a:p>
+            <a:pPr algn="ctr"/>
+            <a:r>
+              <a:rPr lang="zh-CN" altLang="en-US" sz="1200" dirty="0"/>
+              <a:t>版本</a:t>
+            </a:r>
+            <a:r>
+              <a:rPr lang="en-US" altLang="zh-CN" sz="1200" dirty="0"/>
+              <a:t>1</a:t>
+            </a:r>
+            <a:endParaRPr lang="zh-CN" altLang="en-US" sz="1200" dirty="0"/>
+          </a:p>
+        </p:txBody>
+      </p:sp>
+      <p:sp>
+        <p:nvSpPr>
+          <p:cNvPr id="37" name="椭圆 36">
+            <a:extLst>
+              <a:ext uri="{FF2B5EF4-FFF2-40B4-BE49-F238E27FC236}">
+                <a16:creationId xmlns:a16="http://schemas.microsoft.com/office/drawing/2014/main" id="{C7C25640-6FD4-40B9-9B9A-AF1A47ADA5A4}"/>
+              </a:ext>
+            </a:extLst>
+          </p:cNvPr>
+          <p:cNvSpPr/>
+          <p:nvPr/>
+        </p:nvSpPr>
+        <p:spPr>
+          <a:xfrm>
+            <a:off x="4312320" y="4429768"/>
+            <a:ext cx="838987" cy="838987"/>
+          </a:xfrm>
+          <a:prstGeom prst="ellipse">
+            <a:avLst/>
+          </a:prstGeom>
+        </p:spPr>
+        <p:style>
+          <a:lnRef idx="2">
+            <a:schemeClr val="accent6">
+              <a:shade val="50000"/>
+            </a:schemeClr>
+          </a:lnRef>
+          <a:fillRef idx="1">
+            <a:schemeClr val="accent6"/>
+          </a:fillRef>
+          <a:effectRef idx="0">
+            <a:schemeClr val="accent6"/>
+          </a:effectRef>
+          <a:fontRef idx="minor">
+            <a:schemeClr val="lt1"/>
+          </a:fontRef>
+        </p:style>
+        <p:txBody>
+          <a:bodyPr rtlCol="0" anchor="ctr"/>
+          <a:lstStyle/>
+          <a:p>
+            <a:pPr algn="ctr"/>
+            <a:r>
+              <a:rPr lang="zh-CN" altLang="en-US" sz="1200" dirty="0"/>
+              <a:t>版本</a:t>
+            </a:r>
+            <a:r>
+              <a:rPr lang="en-US" altLang="zh-CN" sz="1200" dirty="0"/>
+              <a:t>2</a:t>
+            </a:r>
+            <a:endParaRPr lang="zh-CN" altLang="en-US" sz="1200" dirty="0"/>
+          </a:p>
+        </p:txBody>
+      </p:sp>
+      <p:sp>
+        <p:nvSpPr>
+          <p:cNvPr id="38" name="椭圆 37">
+            <a:extLst>
+              <a:ext uri="{FF2B5EF4-FFF2-40B4-BE49-F238E27FC236}">
+                <a16:creationId xmlns:a16="http://schemas.microsoft.com/office/drawing/2014/main" id="{6E9A8C7A-2329-4D35-AD82-9A99DAC05071}"/>
+              </a:ext>
+            </a:extLst>
+          </p:cNvPr>
+          <p:cNvSpPr/>
+          <p:nvPr/>
+        </p:nvSpPr>
+        <p:spPr>
+          <a:xfrm>
+            <a:off x="6231117" y="4429768"/>
+            <a:ext cx="838987" cy="838987"/>
+          </a:xfrm>
+          <a:prstGeom prst="ellipse">
+            <a:avLst/>
+          </a:prstGeom>
+        </p:spPr>
+        <p:style>
+          <a:lnRef idx="2">
+            <a:schemeClr val="accent6">
+              <a:shade val="50000"/>
+            </a:schemeClr>
+          </a:lnRef>
+          <a:fillRef idx="1">
+            <a:schemeClr val="accent6"/>
+          </a:fillRef>
+          <a:effectRef idx="0">
+            <a:schemeClr val="accent6"/>
+          </a:effectRef>
+          <a:fontRef idx="minor">
+            <a:schemeClr val="lt1"/>
+          </a:fontRef>
+        </p:style>
+        <p:txBody>
+          <a:bodyPr rtlCol="0" anchor="ctr"/>
+          <a:lstStyle/>
+          <a:p>
+            <a:pPr algn="ctr"/>
+            <a:r>
+              <a:rPr lang="zh-CN" altLang="en-US" sz="1200" dirty="0"/>
+              <a:t>版本</a:t>
+            </a:r>
+            <a:r>
+              <a:rPr lang="en-US" altLang="zh-CN" sz="1200" dirty="0"/>
+              <a:t>3</a:t>
+            </a:r>
+            <a:endParaRPr lang="zh-CN" altLang="en-US" sz="1200" dirty="0"/>
+          </a:p>
+        </p:txBody>
+      </p:sp>
+      <p:cxnSp>
+        <p:nvCxnSpPr>
+          <p:cNvPr id="39" name="直接箭头连接符 38">
+            <a:extLst>
+              <a:ext uri="{FF2B5EF4-FFF2-40B4-BE49-F238E27FC236}">
+                <a16:creationId xmlns:a16="http://schemas.microsoft.com/office/drawing/2014/main" id="{C25ACF1B-160A-439E-B8E6-C01E1559E464}"/>
+              </a:ext>
+            </a:extLst>
+          </p:cNvPr>
+          <p:cNvCxnSpPr>
+            <a:cxnSpLocks/>
+            <a:stCxn id="36" idx="6"/>
+            <a:endCxn id="37" idx="2"/>
+          </p:cNvCxnSpPr>
+          <p:nvPr/>
+        </p:nvCxnSpPr>
+        <p:spPr>
+          <a:xfrm>
+            <a:off x="3232510" y="4849262"/>
+            <a:ext cx="1079810" cy="0"/>
+          </a:xfrm>
+          <a:prstGeom prst="straightConnector1">
+            <a:avLst/>
+          </a:prstGeom>
+          <a:ln w="38100">
+            <a:tailEnd type="triangle"/>
+          </a:ln>
+        </p:spPr>
+        <p:style>
+          <a:lnRef idx="1">
+            <a:schemeClr val="accent1"/>
+          </a:lnRef>
+          <a:fillRef idx="0">
+            <a:schemeClr val="accent1"/>
+          </a:fillRef>
+          <a:effectRef idx="0">
+            <a:schemeClr val="accent1"/>
+          </a:effectRef>
+          <a:fontRef idx="minor">
+            <a:schemeClr val="tx1"/>
+          </a:fontRef>
+        </p:style>
+      </p:cxnSp>
+      <p:cxnSp>
+        <p:nvCxnSpPr>
+          <p:cNvPr id="40" name="直接箭头连接符 39">
+            <a:extLst>
+              <a:ext uri="{FF2B5EF4-FFF2-40B4-BE49-F238E27FC236}">
+                <a16:creationId xmlns:a16="http://schemas.microsoft.com/office/drawing/2014/main" id="{2418462E-9DBF-4462-8177-DC0F6E8F2903}"/>
+              </a:ext>
+            </a:extLst>
+          </p:cNvPr>
+          <p:cNvCxnSpPr>
+            <a:cxnSpLocks/>
+            <a:stCxn id="37" idx="6"/>
+            <a:endCxn id="38" idx="2"/>
+          </p:cNvCxnSpPr>
+          <p:nvPr/>
+        </p:nvCxnSpPr>
+        <p:spPr>
+          <a:xfrm>
+            <a:off x="5151307" y="4849262"/>
+            <a:ext cx="1079810" cy="0"/>
+          </a:xfrm>
+          <a:prstGeom prst="straightConnector1">
+            <a:avLst/>
+          </a:prstGeom>
+          <a:ln w="38100">
+            <a:tailEnd type="triangle"/>
+          </a:ln>
+        </p:spPr>
+        <p:style>
+          <a:lnRef idx="1">
+            <a:schemeClr val="accent1"/>
+          </a:lnRef>
+          <a:fillRef idx="0">
+            <a:schemeClr val="accent1"/>
+          </a:fillRef>
+          <a:effectRef idx="0">
+            <a:schemeClr val="accent1"/>
+          </a:effectRef>
+          <a:fontRef idx="minor">
+            <a:schemeClr val="tx1"/>
+          </a:fontRef>
+        </p:style>
+      </p:cxnSp>
+      <p:sp>
+        <p:nvSpPr>
+          <p:cNvPr id="41" name="箭头: 下 40">
+            <a:extLst>
+              <a:ext uri="{FF2B5EF4-FFF2-40B4-BE49-F238E27FC236}">
+                <a16:creationId xmlns:a16="http://schemas.microsoft.com/office/drawing/2014/main" id="{9759C6EF-DCC1-44AD-B778-7F48373B2F65}"/>
+              </a:ext>
+            </a:extLst>
+          </p:cNvPr>
+          <p:cNvSpPr/>
+          <p:nvPr/>
+        </p:nvSpPr>
+        <p:spPr>
+          <a:xfrm rot="4455811">
+            <a:off x="8919398" y="2985108"/>
+            <a:ext cx="140076" cy="707011"/>
+          </a:xfrm>
+          <a:prstGeom prst="downArrow">
+            <a:avLst/>
+          </a:prstGeom>
+        </p:spPr>
+        <p:style>
+          <a:lnRef idx="2">
+            <a:schemeClr val="accent1">
+              <a:shade val="50000"/>
+            </a:schemeClr>
+          </a:lnRef>
+          <a:fillRef idx="1">
+            <a:schemeClr val="accent1"/>
+          </a:fillRef>
+          <a:effectRef idx="0">
+            <a:schemeClr val="accent1"/>
+          </a:effectRef>
+          <a:fontRef idx="minor">
+            <a:schemeClr val="lt1"/>
+          </a:fontRef>
+        </p:style>
+        <p:txBody>
+          <a:bodyPr rtlCol="0" anchor="ctr"/>
+          <a:lstStyle/>
+          <a:p>
+            <a:pPr algn="ctr"/>
+            <a:endParaRPr lang="zh-CN" altLang="en-US"/>
+          </a:p>
+        </p:txBody>
+      </p:sp>
+      <p:sp>
+        <p:nvSpPr>
+          <p:cNvPr id="42" name="椭圆 41">
+            <a:extLst>
+              <a:ext uri="{FF2B5EF4-FFF2-40B4-BE49-F238E27FC236}">
+                <a16:creationId xmlns:a16="http://schemas.microsoft.com/office/drawing/2014/main" id="{0422CFFB-4C92-47E4-9A6D-22B3918E2F22}"/>
+              </a:ext>
+            </a:extLst>
+          </p:cNvPr>
+          <p:cNvSpPr/>
+          <p:nvPr/>
+        </p:nvSpPr>
+        <p:spPr>
+          <a:xfrm>
+            <a:off x="520166" y="4429768"/>
+            <a:ext cx="838987" cy="838987"/>
+          </a:xfrm>
+          <a:prstGeom prst="ellipse">
+            <a:avLst/>
+          </a:prstGeom>
+        </p:spPr>
+        <p:style>
+          <a:lnRef idx="2">
+            <a:schemeClr val="accent6">
+              <a:shade val="50000"/>
+            </a:schemeClr>
+          </a:lnRef>
+          <a:fillRef idx="1">
+            <a:schemeClr val="accent6"/>
+          </a:fillRef>
+          <a:effectRef idx="0">
+            <a:schemeClr val="accent6"/>
+          </a:effectRef>
+          <a:fontRef idx="minor">
+            <a:schemeClr val="lt1"/>
+          </a:fontRef>
+        </p:style>
+        <p:txBody>
+          <a:bodyPr rtlCol="0" anchor="ctr"/>
+          <a:lstStyle/>
+          <a:p>
+            <a:pPr algn="ctr"/>
+            <a:r>
+              <a:rPr lang="zh-CN" altLang="en-US" sz="1200" dirty="0"/>
+              <a:t>版本</a:t>
+            </a:r>
+            <a:r>
+              <a:rPr lang="en-US" altLang="zh-CN" sz="1200" dirty="0"/>
+              <a:t>0</a:t>
+            </a:r>
+            <a:endParaRPr lang="zh-CN" altLang="en-US" sz="1200" dirty="0"/>
+          </a:p>
+        </p:txBody>
+      </p:sp>
+      <p:cxnSp>
+        <p:nvCxnSpPr>
+          <p:cNvPr id="43" name="直接箭头连接符 42">
+            <a:extLst>
+              <a:ext uri="{FF2B5EF4-FFF2-40B4-BE49-F238E27FC236}">
+                <a16:creationId xmlns:a16="http://schemas.microsoft.com/office/drawing/2014/main" id="{AD99E71B-D07B-4622-8AC0-0D7490793274}"/>
+              </a:ext>
+            </a:extLst>
+          </p:cNvPr>
+          <p:cNvCxnSpPr>
+            <a:cxnSpLocks/>
+            <a:stCxn id="42" idx="6"/>
+            <a:endCxn id="36" idx="2"/>
+          </p:cNvCxnSpPr>
+          <p:nvPr/>
+        </p:nvCxnSpPr>
+        <p:spPr>
+          <a:xfrm>
+            <a:off x="1359153" y="4849262"/>
+            <a:ext cx="1034370" cy="0"/>
+          </a:xfrm>
+          <a:prstGeom prst="straightConnector1">
+            <a:avLst/>
+          </a:prstGeom>
+          <a:ln w="38100">
+            <a:tailEnd type="triangle"/>
+          </a:ln>
+        </p:spPr>
+        <p:style>
+          <a:lnRef idx="1">
+            <a:schemeClr val="accent1"/>
+          </a:lnRef>
+          <a:fillRef idx="0">
+            <a:schemeClr val="accent1"/>
+          </a:fillRef>
+          <a:effectRef idx="0">
+            <a:schemeClr val="accent1"/>
+          </a:effectRef>
+          <a:fontRef idx="minor">
+            <a:schemeClr val="tx1"/>
+          </a:fontRef>
+        </p:style>
+      </p:cxnSp>
+      <p:sp>
+        <p:nvSpPr>
+          <p:cNvPr id="44" name="矩形 43">
+            <a:extLst>
+              <a:ext uri="{FF2B5EF4-FFF2-40B4-BE49-F238E27FC236}">
+                <a16:creationId xmlns:a16="http://schemas.microsoft.com/office/drawing/2014/main" id="{3225C89A-227A-41DF-870C-91B7CA4D1925}"/>
+              </a:ext>
+            </a:extLst>
+          </p:cNvPr>
+          <p:cNvSpPr/>
+          <p:nvPr/>
+        </p:nvSpPr>
+        <p:spPr>
+          <a:xfrm>
+            <a:off x="9462029" y="2990659"/>
+            <a:ext cx="766557" cy="369332"/>
+          </a:xfrm>
+          <a:prstGeom prst="rect">
+            <a:avLst/>
+          </a:prstGeom>
+        </p:spPr>
+        <p:txBody>
+          <a:bodyPr wrap="square">
+            <a:spAutoFit/>
+          </a:bodyPr>
+          <a:lstStyle/>
+          <a:p>
+            <a:r>
+              <a:rPr lang="en-US" altLang="zh-CN" dirty="0"/>
+              <a:t>HEAD</a:t>
+            </a:r>
+            <a:endParaRPr lang="zh-CN" altLang="en-US" dirty="0"/>
+          </a:p>
+        </p:txBody>
+      </p:sp>
+      <p:sp>
+        <p:nvSpPr>
+          <p:cNvPr id="45" name="箭头: 下 44">
+            <a:extLst>
+              <a:ext uri="{FF2B5EF4-FFF2-40B4-BE49-F238E27FC236}">
+                <a16:creationId xmlns:a16="http://schemas.microsoft.com/office/drawing/2014/main" id="{42AB848B-4BDC-4B18-BA46-2745AA7D67C3}"/>
+              </a:ext>
+            </a:extLst>
+          </p:cNvPr>
+          <p:cNvSpPr/>
+          <p:nvPr/>
+        </p:nvSpPr>
+        <p:spPr>
+          <a:xfrm>
+            <a:off x="8253112" y="3919781"/>
+            <a:ext cx="377073" cy="456702"/>
+          </a:xfrm>
+          <a:prstGeom prst="downArrow">
+            <a:avLst/>
+          </a:prstGeom>
+          <a:solidFill>
+            <a:srgbClr val="C00000"/>
+          </a:solidFill>
+        </p:spPr>
+        <p:style>
+          <a:lnRef idx="2">
+            <a:schemeClr val="accent1">
+              <a:shade val="50000"/>
+            </a:schemeClr>
+          </a:lnRef>
+          <a:fillRef idx="1">
+            <a:schemeClr val="accent1"/>
+          </a:fillRef>
+          <a:effectRef idx="0">
+            <a:schemeClr val="accent1"/>
+          </a:effectRef>
+          <a:fontRef idx="minor">
+            <a:schemeClr val="lt1"/>
+          </a:fontRef>
+        </p:style>
+        <p:txBody>
+          <a:bodyPr rtlCol="0" anchor="ctr"/>
+          <a:lstStyle/>
+          <a:p>
+            <a:pPr algn="ctr"/>
+            <a:endParaRPr lang="zh-CN" altLang="en-US"/>
+          </a:p>
+        </p:txBody>
+      </p:sp>
+      <p:sp>
+        <p:nvSpPr>
+          <p:cNvPr id="46" name="矩形 45">
+            <a:extLst>
+              <a:ext uri="{FF2B5EF4-FFF2-40B4-BE49-F238E27FC236}">
+                <a16:creationId xmlns:a16="http://schemas.microsoft.com/office/drawing/2014/main" id="{E9BAB446-26FB-4FB3-AEE3-7A591DAB9273}"/>
+              </a:ext>
+            </a:extLst>
+          </p:cNvPr>
+          <p:cNvSpPr/>
+          <p:nvPr/>
+        </p:nvSpPr>
+        <p:spPr>
+          <a:xfrm>
+            <a:off x="6210573" y="3471469"/>
+            <a:ext cx="859531" cy="369332"/>
+          </a:xfrm>
+          <a:prstGeom prst="rect">
+            <a:avLst/>
+          </a:prstGeom>
+        </p:spPr>
+        <p:txBody>
+          <a:bodyPr wrap="square">
+            <a:spAutoFit/>
+          </a:bodyPr>
+          <a:lstStyle/>
+          <a:p>
+            <a:r>
+              <a:rPr lang="en-US" altLang="zh-CN" dirty="0"/>
+              <a:t>master</a:t>
+            </a:r>
+            <a:endParaRPr lang="zh-CN" altLang="en-US" dirty="0"/>
+          </a:p>
+        </p:txBody>
+      </p:sp>
+      <p:sp>
+        <p:nvSpPr>
+          <p:cNvPr id="47" name="矩形 46">
+            <a:extLst>
+              <a:ext uri="{FF2B5EF4-FFF2-40B4-BE49-F238E27FC236}">
+                <a16:creationId xmlns:a16="http://schemas.microsoft.com/office/drawing/2014/main" id="{B070F7DE-BFC4-4C51-A7A3-BAE155FD1C78}"/>
+              </a:ext>
+            </a:extLst>
+          </p:cNvPr>
+          <p:cNvSpPr/>
+          <p:nvPr/>
+        </p:nvSpPr>
+        <p:spPr>
+          <a:xfrm>
+            <a:off x="1566496" y="1325012"/>
+            <a:ext cx="574196" cy="276999"/>
+          </a:xfrm>
+          <a:prstGeom prst="rect">
+            <a:avLst/>
+          </a:prstGeom>
+        </p:spPr>
+        <p:txBody>
+          <a:bodyPr wrap="none">
+            <a:spAutoFit/>
+          </a:bodyPr>
+          <a:lstStyle/>
+          <a:p>
+            <a:r>
+              <a:rPr lang="zh-CN" altLang="en-US" sz="1200" dirty="0"/>
+              <a:t>提交</a:t>
+            </a:r>
+            <a:r>
+              <a:rPr lang="en-US" altLang="zh-CN" sz="1200" dirty="0"/>
+              <a:t>1</a:t>
+            </a:r>
+            <a:endParaRPr lang="zh-CN" altLang="en-US" sz="1200" dirty="0"/>
+          </a:p>
+        </p:txBody>
+      </p:sp>
+      <p:sp>
+        <p:nvSpPr>
+          <p:cNvPr id="48" name="矩形 47">
+            <a:extLst>
+              <a:ext uri="{FF2B5EF4-FFF2-40B4-BE49-F238E27FC236}">
+                <a16:creationId xmlns:a16="http://schemas.microsoft.com/office/drawing/2014/main" id="{1E2CCEC1-8E5E-4507-ABC2-84B64504E006}"/>
+              </a:ext>
+            </a:extLst>
+          </p:cNvPr>
+          <p:cNvSpPr/>
+          <p:nvPr/>
+        </p:nvSpPr>
+        <p:spPr>
+          <a:xfrm>
+            <a:off x="3485317" y="1325012"/>
+            <a:ext cx="574196" cy="276999"/>
+          </a:xfrm>
+          <a:prstGeom prst="rect">
+            <a:avLst/>
+          </a:prstGeom>
+        </p:spPr>
+        <p:txBody>
+          <a:bodyPr wrap="none">
+            <a:spAutoFit/>
+          </a:bodyPr>
+          <a:lstStyle/>
+          <a:p>
+            <a:r>
+              <a:rPr lang="zh-CN" altLang="en-US" sz="1200" dirty="0"/>
+              <a:t>提交</a:t>
+            </a:r>
+            <a:r>
+              <a:rPr lang="en-US" altLang="zh-CN" sz="1200" dirty="0"/>
+              <a:t>2</a:t>
+            </a:r>
+            <a:endParaRPr lang="zh-CN" altLang="en-US" sz="1200" dirty="0"/>
+          </a:p>
+        </p:txBody>
+      </p:sp>
+      <p:sp>
+        <p:nvSpPr>
+          <p:cNvPr id="49" name="矩形 48">
+            <a:extLst>
+              <a:ext uri="{FF2B5EF4-FFF2-40B4-BE49-F238E27FC236}">
+                <a16:creationId xmlns:a16="http://schemas.microsoft.com/office/drawing/2014/main" id="{47486B2F-B3B7-4BA1-9865-A59493425738}"/>
+              </a:ext>
+            </a:extLst>
+          </p:cNvPr>
+          <p:cNvSpPr/>
+          <p:nvPr/>
+        </p:nvSpPr>
+        <p:spPr>
+          <a:xfrm>
+            <a:off x="5386688" y="1325012"/>
+            <a:ext cx="574196" cy="276999"/>
+          </a:xfrm>
+          <a:prstGeom prst="rect">
+            <a:avLst/>
+          </a:prstGeom>
+        </p:spPr>
+        <p:txBody>
+          <a:bodyPr wrap="none">
+            <a:spAutoFit/>
+          </a:bodyPr>
+          <a:lstStyle/>
+          <a:p>
+            <a:r>
+              <a:rPr lang="zh-CN" altLang="en-US" sz="1200" dirty="0"/>
+              <a:t>提交</a:t>
+            </a:r>
+            <a:r>
+              <a:rPr lang="en-US" altLang="zh-CN" sz="1200" dirty="0"/>
+              <a:t>3</a:t>
+            </a:r>
+            <a:endParaRPr lang="zh-CN" altLang="en-US" sz="1200" dirty="0"/>
+          </a:p>
+        </p:txBody>
+      </p:sp>
+      <p:sp>
+        <p:nvSpPr>
+          <p:cNvPr id="50" name="矩形 49">
+            <a:extLst>
+              <a:ext uri="{FF2B5EF4-FFF2-40B4-BE49-F238E27FC236}">
+                <a16:creationId xmlns:a16="http://schemas.microsoft.com/office/drawing/2014/main" id="{12602C8E-B65D-4A10-8356-25D521D9C12C}"/>
+              </a:ext>
+            </a:extLst>
+          </p:cNvPr>
+          <p:cNvSpPr/>
+          <p:nvPr/>
+        </p:nvSpPr>
+        <p:spPr>
+          <a:xfrm>
+            <a:off x="1541293" y="4429768"/>
+            <a:ext cx="574196" cy="276999"/>
+          </a:xfrm>
+          <a:prstGeom prst="rect">
+            <a:avLst/>
+          </a:prstGeom>
+        </p:spPr>
+        <p:txBody>
+          <a:bodyPr wrap="square">
+            <a:spAutoFit/>
+          </a:bodyPr>
+          <a:lstStyle/>
+          <a:p>
+            <a:r>
+              <a:rPr lang="zh-CN" altLang="en-US" sz="1200" dirty="0"/>
+              <a:t>提交</a:t>
+            </a:r>
+            <a:r>
+              <a:rPr lang="en-US" altLang="zh-CN" sz="1200" dirty="0"/>
+              <a:t>1</a:t>
+            </a:r>
+            <a:endParaRPr lang="zh-CN" altLang="en-US" sz="1200" dirty="0"/>
+          </a:p>
+        </p:txBody>
+      </p:sp>
+      <p:sp>
+        <p:nvSpPr>
+          <p:cNvPr id="51" name="矩形 50">
+            <a:extLst>
+              <a:ext uri="{FF2B5EF4-FFF2-40B4-BE49-F238E27FC236}">
+                <a16:creationId xmlns:a16="http://schemas.microsoft.com/office/drawing/2014/main" id="{7575D30E-7384-4FD0-A524-C166EC0977D9}"/>
+              </a:ext>
+            </a:extLst>
+          </p:cNvPr>
+          <p:cNvSpPr/>
+          <p:nvPr/>
+        </p:nvSpPr>
+        <p:spPr>
+          <a:xfrm>
+            <a:off x="3375618" y="4429767"/>
+            <a:ext cx="574196" cy="276999"/>
+          </a:xfrm>
+          <a:prstGeom prst="rect">
+            <a:avLst/>
+          </a:prstGeom>
+        </p:spPr>
+        <p:txBody>
+          <a:bodyPr wrap="square">
+            <a:spAutoFit/>
+          </a:bodyPr>
+          <a:lstStyle/>
+          <a:p>
+            <a:r>
+              <a:rPr lang="zh-CN" altLang="en-US" sz="1200" dirty="0"/>
+              <a:t>提交</a:t>
+            </a:r>
+            <a:r>
+              <a:rPr lang="en-US" altLang="zh-CN" sz="1200" dirty="0"/>
+              <a:t>2</a:t>
+            </a:r>
+            <a:endParaRPr lang="zh-CN" altLang="en-US" sz="1200" dirty="0"/>
+          </a:p>
+        </p:txBody>
+      </p:sp>
+      <p:sp>
+        <p:nvSpPr>
+          <p:cNvPr id="52" name="矩形 51">
+            <a:extLst>
+              <a:ext uri="{FF2B5EF4-FFF2-40B4-BE49-F238E27FC236}">
+                <a16:creationId xmlns:a16="http://schemas.microsoft.com/office/drawing/2014/main" id="{51B2844B-5924-4E19-AE54-A39253120A13}"/>
+              </a:ext>
+            </a:extLst>
+          </p:cNvPr>
+          <p:cNvSpPr/>
+          <p:nvPr/>
+        </p:nvSpPr>
+        <p:spPr>
+          <a:xfrm>
+            <a:off x="5392083" y="4452398"/>
+            <a:ext cx="574196" cy="276999"/>
+          </a:xfrm>
+          <a:prstGeom prst="rect">
+            <a:avLst/>
+          </a:prstGeom>
+        </p:spPr>
+        <p:txBody>
+          <a:bodyPr wrap="square">
+            <a:spAutoFit/>
+          </a:bodyPr>
+          <a:lstStyle/>
+          <a:p>
+            <a:r>
+              <a:rPr lang="zh-CN" altLang="en-US" sz="1200" dirty="0"/>
+              <a:t>提交</a:t>
+            </a:r>
+            <a:r>
+              <a:rPr lang="en-US" altLang="zh-CN" sz="1200" dirty="0"/>
+              <a:t>3</a:t>
+            </a:r>
+            <a:endParaRPr lang="zh-CN" altLang="en-US" sz="1200" dirty="0"/>
+          </a:p>
+        </p:txBody>
+      </p:sp>
+      <p:sp>
+        <p:nvSpPr>
+          <p:cNvPr id="56" name="箭头: 下 55">
+            <a:extLst>
+              <a:ext uri="{FF2B5EF4-FFF2-40B4-BE49-F238E27FC236}">
+                <a16:creationId xmlns:a16="http://schemas.microsoft.com/office/drawing/2014/main" id="{DB79A4BD-ADB5-4FF1-904B-872C07C1EF02}"/>
+              </a:ext>
+            </a:extLst>
+          </p:cNvPr>
+          <p:cNvSpPr/>
+          <p:nvPr/>
+        </p:nvSpPr>
+        <p:spPr>
+          <a:xfrm>
+            <a:off x="6419653" y="3919781"/>
+            <a:ext cx="377073" cy="369332"/>
+          </a:xfrm>
+          <a:prstGeom prst="downArrow">
+            <a:avLst/>
+          </a:prstGeom>
+        </p:spPr>
+        <p:style>
+          <a:lnRef idx="2">
+            <a:schemeClr val="accent1">
+              <a:shade val="50000"/>
+            </a:schemeClr>
+          </a:lnRef>
+          <a:fillRef idx="1">
+            <a:schemeClr val="accent1"/>
+          </a:fillRef>
+          <a:effectRef idx="0">
+            <a:schemeClr val="accent1"/>
+          </a:effectRef>
+          <a:fontRef idx="minor">
+            <a:schemeClr val="lt1"/>
+          </a:fontRef>
+        </p:style>
+        <p:txBody>
+          <a:bodyPr rtlCol="0" anchor="ctr"/>
+          <a:lstStyle/>
+          <a:p>
+            <a:pPr algn="ctr"/>
+            <a:endParaRPr lang="zh-CN" altLang="en-US"/>
+          </a:p>
+        </p:txBody>
+      </p:sp>
+      <p:sp>
+        <p:nvSpPr>
+          <p:cNvPr id="59" name="椭圆 58">
+            <a:extLst>
+              <a:ext uri="{FF2B5EF4-FFF2-40B4-BE49-F238E27FC236}">
+                <a16:creationId xmlns:a16="http://schemas.microsoft.com/office/drawing/2014/main" id="{C597C359-A3F6-48E2-BE33-D26F226EDED9}"/>
+              </a:ext>
+            </a:extLst>
+          </p:cNvPr>
+          <p:cNvSpPr/>
+          <p:nvPr/>
+        </p:nvSpPr>
+        <p:spPr>
+          <a:xfrm>
+            <a:off x="8022156" y="4429767"/>
+            <a:ext cx="838987" cy="838987"/>
+          </a:xfrm>
+          <a:prstGeom prst="ellipse">
+            <a:avLst/>
+          </a:prstGeom>
+          <a:solidFill>
+            <a:srgbClr val="C00000"/>
+          </a:solidFill>
+        </p:spPr>
+        <p:style>
+          <a:lnRef idx="2">
+            <a:schemeClr val="accent6">
+              <a:shade val="50000"/>
+            </a:schemeClr>
+          </a:lnRef>
+          <a:fillRef idx="1">
+            <a:schemeClr val="accent6"/>
+          </a:fillRef>
+          <a:effectRef idx="0">
+            <a:schemeClr val="accent6"/>
+          </a:effectRef>
+          <a:fontRef idx="minor">
+            <a:schemeClr val="lt1"/>
+          </a:fontRef>
+        </p:style>
+        <p:txBody>
+          <a:bodyPr rtlCol="0" anchor="ctr"/>
+          <a:lstStyle/>
+          <a:p>
+            <a:pPr algn="ctr"/>
+            <a:r>
+              <a:rPr lang="zh-CN" altLang="en-US" sz="1200" dirty="0"/>
+              <a:t>版本</a:t>
+            </a:r>
+            <a:r>
+              <a:rPr lang="en-US" altLang="zh-CN" sz="1200" dirty="0"/>
+              <a:t>4</a:t>
+            </a:r>
+            <a:endParaRPr lang="zh-CN" altLang="en-US" sz="1200" dirty="0"/>
+          </a:p>
+        </p:txBody>
+      </p:sp>
+      <p:cxnSp>
+        <p:nvCxnSpPr>
+          <p:cNvPr id="60" name="直接箭头连接符 59">
+            <a:extLst>
+              <a:ext uri="{FF2B5EF4-FFF2-40B4-BE49-F238E27FC236}">
+                <a16:creationId xmlns:a16="http://schemas.microsoft.com/office/drawing/2014/main" id="{B9EE75AD-B9B1-4938-837A-B97CFFB6C945}"/>
+              </a:ext>
+            </a:extLst>
+          </p:cNvPr>
+          <p:cNvCxnSpPr>
+            <a:cxnSpLocks/>
+            <a:stCxn id="38" idx="6"/>
+            <a:endCxn id="59" idx="2"/>
+          </p:cNvCxnSpPr>
+          <p:nvPr/>
+        </p:nvCxnSpPr>
+        <p:spPr>
+          <a:xfrm flipV="1">
+            <a:off x="7070104" y="4849261"/>
+            <a:ext cx="952052" cy="1"/>
+          </a:xfrm>
+          <a:prstGeom prst="straightConnector1">
+            <a:avLst/>
+          </a:prstGeom>
+          <a:ln w="38100">
+            <a:solidFill>
+              <a:srgbClr val="C00000"/>
+            </a:solidFill>
+            <a:tailEnd type="triangle"/>
+          </a:ln>
+        </p:spPr>
+        <p:style>
+          <a:lnRef idx="1">
+            <a:schemeClr val="accent1"/>
+          </a:lnRef>
+          <a:fillRef idx="0">
+            <a:schemeClr val="accent1"/>
+          </a:fillRef>
+          <a:effectRef idx="0">
+            <a:schemeClr val="accent1"/>
+          </a:effectRef>
+          <a:fontRef idx="minor">
+            <a:schemeClr val="tx1"/>
+          </a:fontRef>
+        </p:style>
+      </p:cxnSp>
+      <p:sp>
+        <p:nvSpPr>
+          <p:cNvPr id="65" name="矩形 64">
+            <a:extLst>
+              <a:ext uri="{FF2B5EF4-FFF2-40B4-BE49-F238E27FC236}">
+                <a16:creationId xmlns:a16="http://schemas.microsoft.com/office/drawing/2014/main" id="{441D4DCA-829E-42D0-A69A-23FF6A9EA1D5}"/>
+              </a:ext>
+            </a:extLst>
+          </p:cNvPr>
+          <p:cNvSpPr/>
+          <p:nvPr/>
+        </p:nvSpPr>
+        <p:spPr>
+          <a:xfrm>
+            <a:off x="8133564" y="3429000"/>
+            <a:ext cx="543739" cy="369332"/>
+          </a:xfrm>
+          <a:prstGeom prst="rect">
+            <a:avLst/>
+          </a:prstGeom>
+        </p:spPr>
+        <p:txBody>
+          <a:bodyPr wrap="none">
+            <a:spAutoFit/>
+          </a:bodyPr>
+          <a:lstStyle/>
+          <a:p>
+            <a:r>
+              <a:rPr lang="en-US" altLang="zh-CN" dirty="0"/>
+              <a:t>dev</a:t>
+            </a:r>
+            <a:endParaRPr lang="zh-CN" altLang="en-US" dirty="0"/>
+          </a:p>
+        </p:txBody>
+      </p:sp>
+    </p:spTree>
+    <p:extLst>
+      <p:ext uri="{BB962C8B-B14F-4D97-AF65-F5344CB8AC3E}">
+        <p14:creationId xmlns:p14="http://schemas.microsoft.com/office/powerpoint/2010/main" val="3590456531"/>
       </p:ext>
     </p:extLst>
   </p:cSld>
@@ -6626,299 +10871,4 @@
     </a:ext>
   </a:extLst>
 </a:theme>
-</file>
-
-<file path=ppt/theme/theme2.xml><?xml version="1.0" encoding="utf-8"?>
-<a:theme xmlns:a="http://schemas.openxmlformats.org/drawingml/2006/main" name="Office 主题​​">
-  <a:themeElements>
-    <a:clrScheme name="Office">
-      <a:dk1>
-        <a:sysClr val="windowText" lastClr="000000"/>
-      </a:dk1>
-      <a:lt1>
-        <a:sysClr val="window" lastClr="FFFFFF"/>
-      </a:lt1>
-      <a:dk2>
-        <a:srgbClr val="44546A"/>
-      </a:dk2>
-      <a:lt2>
-        <a:srgbClr val="E7E6E6"/>
-      </a:lt2>
-      <a:accent1>
-        <a:srgbClr val="4472C4"/>
-      </a:accent1>
-      <a:accent2>
-        <a:srgbClr val="ED7D31"/>
-      </a:accent2>
-      <a:accent3>
-        <a:srgbClr val="A5A5A5"/>
-      </a:accent3>
-      <a:accent4>
-        <a:srgbClr val="FFC000"/>
-      </a:accent4>
-      <a:accent5>
-        <a:srgbClr val="5B9BD5"/>
-      </a:accent5>
-      <a:accent6>
-        <a:srgbClr val="70AD47"/>
-      </a:accent6>
-      <a:hlink>
-        <a:srgbClr val="0563C1"/>
-      </a:hlink>
-      <a:folHlink>
-        <a:srgbClr val="954F72"/>
-      </a:folHlink>
-    </a:clrScheme>
-    <a:fontScheme name="Office">
-      <a:majorFont>
-        <a:latin typeface="等线 Light" panose="020F0302020204030204"/>
-        <a:ea typeface=""/>
-        <a:cs typeface=""/>
-        <a:font script="Jpan" typeface="游ゴシック Light"/>
-        <a:font script="Hang" typeface="맑은 고딕"/>
-        <a:font script="Hans" typeface="等线 Light"/>
-        <a:font script="Hant" typeface="新細明體"/>
-        <a:font script="Arab" typeface="Times New Roman"/>
-        <a:font script="Hebr" typeface="Times New Roman"/>
-        <a:font script="Thai" typeface="Angsana New"/>
-        <a:font script="Ethi" typeface="Nyala"/>
-        <a:font script="Beng" typeface="Vrinda"/>
-        <a:font script="Gujr" typeface="Shruti"/>
-        <a:font script="Khmr" typeface="MoolBoran"/>
-        <a:font script="Knda" typeface="Tunga"/>
-        <a:font script="Guru" typeface="Raavi"/>
-        <a:font script="Cans" typeface="Euphemia"/>
-        <a:font script="Cher" typeface="Plantagenet Cherokee"/>
-        <a:font script="Yiii" typeface="Microsoft Yi Baiti"/>
-        <a:font script="Tibt" typeface="Microsoft Himalaya"/>
-        <a:font script="Thaa" typeface="MV Boli"/>
-        <a:font script="Deva" typeface="Mangal"/>
-        <a:font script="Telu" typeface="Gautami"/>
-        <a:font script="Taml" typeface="Latha"/>
-        <a:font script="Syrc" typeface="Estrangelo Edessa"/>
-        <a:font script="Orya" typeface="Kalinga"/>
-        <a:font script="Mlym" typeface="Kartika"/>
-        <a:font script="Laoo" typeface="DokChampa"/>
-        <a:font script="Sinh" typeface="Iskoola Pota"/>
-        <a:font script="Mong" typeface="Mongolian Baiti"/>
-        <a:font script="Viet" typeface="Times New Roman"/>
-        <a:font script="Uigh" typeface="Microsoft Uighur"/>
-        <a:font script="Geor" typeface="Sylfaen"/>
-        <a:font script="Armn" typeface="Arial"/>
-        <a:font script="Bugi" typeface="Leelawadee UI"/>
-        <a:font script="Bopo" typeface="Microsoft JhengHei"/>
-        <a:font script="Java" typeface="Javanese Text"/>
-        <a:font script="Lisu" typeface="Segoe UI"/>
-        <a:font script="Mymr" typeface="Myanmar Text"/>
-        <a:font script="Nkoo" typeface="Ebrima"/>
-        <a:font script="Olck" typeface="Nirmala UI"/>
-        <a:font script="Osma" typeface="Ebrima"/>
-        <a:font script="Phag" typeface="Phagspa"/>
-        <a:font script="Syrn" typeface="Estrangelo Edessa"/>
-        <a:font script="Syrj" typeface="Estrangelo Edessa"/>
-        <a:font script="Syre" typeface="Estrangelo Edessa"/>
-        <a:font script="Sora" typeface="Nirmala UI"/>
-        <a:font script="Tale" typeface="Microsoft Tai Le"/>
-        <a:font script="Talu" typeface="Microsoft New Tai Lue"/>
-        <a:font script="Tfng" typeface="Ebrima"/>
-      </a:majorFont>
-      <a:minorFont>
-        <a:latin typeface="等线" panose="020F0502020204030204"/>
-        <a:ea typeface=""/>
-        <a:cs typeface=""/>
-        <a:font script="Jpan" typeface="游ゴシック"/>
-        <a:font script="Hang" typeface="맑은 고딕"/>
-        <a:font script="Hans" typeface="等线"/>
-        <a:font script="Hant" typeface="新細明體"/>
-        <a:font script="Arab" typeface="Arial"/>
-        <a:font script="Hebr" typeface="Arial"/>
-        <a:font script="Thai" typeface="Cordia New"/>
-        <a:font script="Ethi" typeface="Nyala"/>
-        <a:font script="Beng" typeface="Vrinda"/>
-        <a:font script="Gujr" typeface="Shruti"/>
-        <a:font script="Khmr" typeface="DaunPenh"/>
-        <a:font script="Knda" typeface="Tunga"/>
-        <a:font script="Guru" typeface="Raavi"/>
-        <a:font script="Cans" typeface="Euphemia"/>
-        <a:font script="Cher" typeface="Plantagenet Cherokee"/>
-        <a:font script="Yiii" typeface="Microsoft Yi Baiti"/>
-        <a:font script="Tibt" typeface="Microsoft Himalaya"/>
-        <a:font script="Thaa" typeface="MV Boli"/>
-        <a:font script="Deva" typeface="Mangal"/>
-        <a:font script="Telu" typeface="Gautami"/>
-        <a:font script="Taml" typeface="Latha"/>
-        <a:font script="Syrc" typeface="Estrangelo Edessa"/>
-        <a:font script="Orya" typeface="Kalinga"/>
-        <a:font script="Mlym" typeface="Kartika"/>
-        <a:font script="Laoo" typeface="DokChampa"/>
-        <a:font script="Sinh" typeface="Iskoola Pota"/>
-        <a:font script="Mong" typeface="Mongolian Baiti"/>
-        <a:font script="Viet" typeface="Arial"/>
-        <a:font script="Uigh" typeface="Microsoft Uighur"/>
-        <a:font script="Geor" typeface="Sylfaen"/>
-        <a:font script="Armn" typeface="Arial"/>
-        <a:font script="Bugi" typeface="Leelawadee UI"/>
-        <a:font script="Bopo" typeface="Microsoft JhengHei"/>
-        <a:font script="Java" typeface="Javanese Text"/>
-        <a:font script="Lisu" typeface="Segoe UI"/>
-        <a:font script="Mymr" typeface="Myanmar Text"/>
-        <a:font script="Nkoo" typeface="Ebrima"/>
-        <a:font script="Olck" typeface="Nirmala UI"/>
-        <a:font script="Osma" typeface="Ebrima"/>
-        <a:font script="Phag" typeface="Phagspa"/>
-        <a:font script="Syrn" typeface="Estrangelo Edessa"/>
-        <a:font script="Syrj" typeface="Estrangelo Edessa"/>
-        <a:font script="Syre" typeface="Estrangelo Edessa"/>
-        <a:font script="Sora" typeface="Nirmala UI"/>
-        <a:font script="Tale" typeface="Microsoft Tai Le"/>
-        <a:font script="Talu" typeface="Microsoft New Tai Lue"/>
-        <a:font script="Tfng" typeface="Ebrima"/>
-      </a:minorFont>
-    </a:fontScheme>
-    <a:fmtScheme name="Office">
-      <a:fillStyleLst>
-        <a:solidFill>
-          <a:schemeClr val="phClr"/>
-        </a:solidFill>
-        <a:gradFill rotWithShape="1">
-          <a:gsLst>
-            <a:gs pos="0">
-              <a:schemeClr val="phClr">
-                <a:lumMod val="110000"/>
-                <a:satMod val="105000"/>
-                <a:tint val="67000"/>
-              </a:schemeClr>
-            </a:gs>
-            <a:gs pos="50000">
-              <a:schemeClr val="phClr">
-                <a:lumMod val="105000"/>
-                <a:satMod val="103000"/>
-                <a:tint val="73000"/>
-              </a:schemeClr>
-            </a:gs>
-            <a:gs pos="100000">
-              <a:schemeClr val="phClr">
-                <a:lumMod val="105000"/>
-                <a:satMod val="109000"/>
-                <a:tint val="81000"/>
-              </a:schemeClr>
-            </a:gs>
-          </a:gsLst>
-          <a:lin ang="5400000" scaled="0"/>
-        </a:gradFill>
-        <a:gradFill rotWithShape="1">
-          <a:gsLst>
-            <a:gs pos="0">
-              <a:schemeClr val="phClr">
-                <a:satMod val="103000"/>
-                <a:lumMod val="102000"/>
-                <a:tint val="94000"/>
-              </a:schemeClr>
-            </a:gs>
-            <a:gs pos="50000">
-              <a:schemeClr val="phClr">
-                <a:satMod val="110000"/>
-                <a:lumMod val="100000"/>
-                <a:shade val="100000"/>
-              </a:schemeClr>
-            </a:gs>
-            <a:gs pos="100000">
-              <a:schemeClr val="phClr">
-                <a:lumMod val="99000"/>
-                <a:satMod val="120000"/>
-                <a:shade val="78000"/>
-              </a:schemeClr>
-            </a:gs>
-          </a:gsLst>
-          <a:lin ang="5400000" scaled="0"/>
-        </a:gradFill>
-      </a:fillStyleLst>
-      <a:lnStyleLst>
-        <a:ln w="6350" cap="flat" cmpd="sng" algn="ctr">
-          <a:solidFill>
-            <a:schemeClr val="phClr"/>
-          </a:solidFill>
-          <a:prstDash val="solid"/>
-          <a:miter lim="800000"/>
-        </a:ln>
-        <a:ln w="12700" cap="flat" cmpd="sng" algn="ctr">
-          <a:solidFill>
-            <a:schemeClr val="phClr"/>
-          </a:solidFill>
-          <a:prstDash val="solid"/>
-          <a:miter lim="800000"/>
-        </a:ln>
-        <a:ln w="19050" cap="flat" cmpd="sng" algn="ctr">
-          <a:solidFill>
-            <a:schemeClr val="phClr"/>
-          </a:solidFill>
-          <a:prstDash val="solid"/>
-          <a:miter lim="800000"/>
-        </a:ln>
-      </a:lnStyleLst>
-      <a:effectStyleLst>
-        <a:effectStyle>
-          <a:effectLst/>
-        </a:effectStyle>
-        <a:effectStyle>
-          <a:effectLst/>
-        </a:effectStyle>
-        <a:effectStyle>
-          <a:effectLst>
-            <a:outerShdw blurRad="57150" dist="19050" dir="5400000" algn="ctr" rotWithShape="0">
-              <a:srgbClr val="000000">
-                <a:alpha val="63000"/>
-              </a:srgbClr>
-            </a:outerShdw>
-          </a:effectLst>
-        </a:effectStyle>
-      </a:effectStyleLst>
-      <a:bgFillStyleLst>
-        <a:solidFill>
-          <a:schemeClr val="phClr"/>
-        </a:solidFill>
-        <a:solidFill>
-          <a:schemeClr val="phClr">
-            <a:tint val="95000"/>
-            <a:satMod val="170000"/>
-          </a:schemeClr>
-        </a:solidFill>
-        <a:gradFill rotWithShape="1">
-          <a:gsLst>
-            <a:gs pos="0">
-              <a:schemeClr val="phClr">
-                <a:tint val="93000"/>
-                <a:satMod val="150000"/>
-                <a:shade val="98000"/>
-                <a:lumMod val="102000"/>
-              </a:schemeClr>
-            </a:gs>
-            <a:gs pos="50000">
-              <a:schemeClr val="phClr">
-                <a:tint val="98000"/>
-                <a:satMod val="130000"/>
-                <a:shade val="90000"/>
-                <a:lumMod val="103000"/>
-              </a:schemeClr>
-            </a:gs>
-            <a:gs pos="100000">
-              <a:schemeClr val="phClr">
-                <a:shade val="63000"/>
-                <a:satMod val="120000"/>
-              </a:schemeClr>
-            </a:gs>
-          </a:gsLst>
-          <a:lin ang="5400000" scaled="0"/>
-        </a:gradFill>
-      </a:bgFillStyleLst>
-    </a:fmtScheme>
-  </a:themeElements>
-  <a:objectDefaults/>
-  <a:extraClrSchemeLst/>
-  <a:extLst>
-    <a:ext uri="{05A4C25C-085E-4340-85A3-A5531E510DB2}">
-      <thm15:themeFamily xmlns:thm15="http://schemas.microsoft.com/office/thememl/2012/main" name="Office Theme" id="{62F939B6-93AF-4DB8-9C6B-D6C7DFDC589F}" vid="{4A3C46E8-61CC-4603-A589-7422A47A8E4A}"/>
-    </a:ext>
-  </a:extLst>
-</a:theme>
 </file>